--- a/S.A.V.E/Security Application Via Engineering.pptx
+++ b/S.A.V.E/Security Application Via Engineering.pptx
@@ -20212,12 +20212,12 @@
                     <a:p>
                       <a:pPr algn="ctr" fontAlgn="b"/>
                       <a:r>
-                        <a:rPr lang="en-US" sz="1100" u="none" strike="noStrike">
+                        <a:rPr lang="en-US" sz="1100" u="none" strike="noStrike" dirty="0">
                           <a:effectLst/>
                         </a:rPr>
                         <a:t>0.051391</a:t>
                       </a:r>
-                      <a:endParaRPr lang="en-US" sz="1100" b="0" i="0" u="none" strike="noStrike">
+                      <a:endParaRPr lang="en-US" sz="1100" b="0" i="0" u="none" strike="noStrike" dirty="0">
                         <a:solidFill>
                           <a:srgbClr val="000000"/>
                         </a:solidFill>
@@ -20614,7 +20614,7 @@
           <p:nvPr>
             <p:extLst>
               <p:ext uri="{D42A27DB-BD31-4B8C-83A1-F6EECF244321}">
-                <p14:modId xmlns:p14="http://schemas.microsoft.com/office/powerpoint/2010/main" val="2416323791"/>
+                <p14:modId xmlns:p14="http://schemas.microsoft.com/office/powerpoint/2010/main" val="12513015"/>
               </p:ext>
             </p:extLst>
           </p:nvPr>
@@ -20660,21 +20660,25 @@
                     <a:p>
                       <a:pPr algn="ctr" fontAlgn="ctr"/>
                       <a:r>
-                        <a:rPr lang="en-US" sz="1400" u="none" strike="noStrike">
+                        <a:rPr lang="en-US" sz="1400" u="none" strike="noStrike" dirty="0">
                           <a:effectLst/>
                         </a:rPr>
                         <a:t>Concept Solutions</a:t>
                       </a:r>
-                      <a:endParaRPr lang="en-US" sz="1400" b="0" i="0" u="none" strike="noStrike">
-                        <a:solidFill>
-                          <a:srgbClr val="000000"/>
-                        </a:solidFill>
-                        <a:effectLst/>
-                        <a:latin typeface="Calibri" panose="020F0502020204030204" pitchFamily="34" charset="0"/>
-                      </a:endParaRPr>
-                    </a:p>
-                  </a:txBody>
-                  <a:tcPr marL="9525" marR="9525" marT="9525" marB="0" anchor="ctr"/>
+                      <a:endParaRPr lang="en-US" sz="1400" b="0" i="0" u="none" strike="noStrike" dirty="0">
+                        <a:solidFill>
+                          <a:srgbClr val="000000"/>
+                        </a:solidFill>
+                        <a:effectLst/>
+                        <a:latin typeface="Calibri" panose="020F0502020204030204" pitchFamily="34" charset="0"/>
+                      </a:endParaRPr>
+                    </a:p>
+                  </a:txBody>
+                  <a:tcPr marL="9525" marR="9525" marT="9525" marB="0" anchor="ctr">
+                    <a:solidFill>
+                      <a:srgbClr val="0070C0"/>
+                    </a:solidFill>
+                  </a:tcPr>
                 </a:tc>
                 <a:tc hMerge="1">
                   <a:txBody>
@@ -20693,21 +20697,25 @@
                     <a:p>
                       <a:pPr algn="ctr" fontAlgn="ctr"/>
                       <a:r>
-                        <a:rPr lang="en-US" sz="1400" u="none" strike="noStrike">
+                        <a:rPr lang="en-US" sz="1400" u="none" strike="noStrike" dirty="0">
                           <a:effectLst/>
                         </a:rPr>
                         <a:t>Weighted Evaluation</a:t>
                       </a:r>
-                      <a:endParaRPr lang="en-US" sz="1400" b="0" i="0" u="none" strike="noStrike">
-                        <a:solidFill>
-                          <a:srgbClr val="000000"/>
-                        </a:solidFill>
-                        <a:effectLst/>
-                        <a:latin typeface="Calibri" panose="020F0502020204030204" pitchFamily="34" charset="0"/>
-                      </a:endParaRPr>
-                    </a:p>
-                  </a:txBody>
-                  <a:tcPr marL="9525" marR="9525" marT="9525" marB="0" anchor="ctr"/>
+                      <a:endParaRPr lang="en-US" sz="1400" b="0" i="0" u="none" strike="noStrike" dirty="0">
+                        <a:solidFill>
+                          <a:srgbClr val="000000"/>
+                        </a:solidFill>
+                        <a:effectLst/>
+                        <a:latin typeface="Calibri" panose="020F0502020204030204" pitchFamily="34" charset="0"/>
+                      </a:endParaRPr>
+                    </a:p>
+                  </a:txBody>
+                  <a:tcPr marL="9525" marR="9525" marT="9525" marB="0" anchor="ctr">
+                    <a:solidFill>
+                      <a:srgbClr val="0070C0"/>
+                    </a:solidFill>
+                  </a:tcPr>
                 </a:tc>
                 <a:extLst>
                   <a:ext uri="{0D108BD9-81ED-4DB2-BD59-A6C34878D82A}">
@@ -20769,21 +20777,28 @@
                     <a:p>
                       <a:pPr algn="ctr" fontAlgn="ctr"/>
                       <a:r>
-                        <a:rPr lang="en-US" sz="1400" u="none" strike="noStrike">
+                        <a:rPr lang="en-US" sz="1400" u="none" strike="noStrike" dirty="0">
+                          <a:solidFill>
+                            <a:schemeClr val="bg1"/>
+                          </a:solidFill>
                           <a:effectLst/>
                         </a:rPr>
                         <a:t>0.059183397</a:t>
                       </a:r>
-                      <a:endParaRPr lang="en-US" sz="1400" b="0" i="0" u="none" strike="noStrike">
-                        <a:solidFill>
-                          <a:srgbClr val="000000"/>
-                        </a:solidFill>
-                        <a:effectLst/>
-                        <a:latin typeface="Calibri" panose="020F0502020204030204" pitchFamily="34" charset="0"/>
-                      </a:endParaRPr>
-                    </a:p>
-                  </a:txBody>
-                  <a:tcPr marL="9525" marR="9525" marT="9525" marB="0" anchor="ctr"/>
+                      <a:endParaRPr lang="en-US" sz="1400" b="0" i="0" u="none" strike="noStrike" dirty="0">
+                        <a:solidFill>
+                          <a:schemeClr val="bg1"/>
+                        </a:solidFill>
+                        <a:effectLst/>
+                        <a:latin typeface="Calibri" panose="020F0502020204030204" pitchFamily="34" charset="0"/>
+                      </a:endParaRPr>
+                    </a:p>
+                  </a:txBody>
+                  <a:tcPr marL="9525" marR="9525" marT="9525" marB="0" anchor="ctr">
+                    <a:solidFill>
+                      <a:srgbClr val="00B050"/>
+                    </a:solidFill>
+                  </a:tcPr>
                 </a:tc>
                 <a:extLst>
                   <a:ext uri="{0D108BD9-81ED-4DB2-BD59-A6C34878D82A}">
@@ -20921,12 +20936,12 @@
                     <a:p>
                       <a:pPr algn="ctr" fontAlgn="ctr"/>
                       <a:r>
-                        <a:rPr lang="en-US" sz="1400" u="none" strike="noStrike">
+                        <a:rPr lang="en-US" sz="1400" u="none" strike="noStrike" dirty="0">
                           <a:effectLst/>
                         </a:rPr>
                         <a:t>0.07647441</a:t>
                       </a:r>
-                      <a:endParaRPr lang="en-US" sz="1400" b="0" i="0" u="none" strike="noStrike">
+                      <a:endParaRPr lang="en-US" sz="1400" b="0" i="0" u="none" strike="noStrike" dirty="0">
                         <a:solidFill>
                           <a:srgbClr val="000000"/>
                         </a:solidFill>
@@ -21378,7 +21393,11 @@
                       </a:endParaRPr>
                     </a:p>
                   </a:txBody>
-                  <a:tcPr marL="9525" marR="9525" marT="9525" marB="0" anchor="ctr"/>
+                  <a:tcPr marL="9525" marR="9525" marT="9525" marB="0" anchor="ctr">
+                    <a:solidFill>
+                      <a:schemeClr val="accent6"/>
+                    </a:solidFill>
+                  </a:tcPr>
                 </a:tc>
                 <a:extLst>
                   <a:ext uri="{0D108BD9-81ED-4DB2-BD59-A6C34878D82A}">

--- a/S.A.V.E/Security Application Via Engineering.pptx
+++ b/S.A.V.E/Security Application Via Engineering.pptx
@@ -25,15 +25,17 @@
     <p:sldId id="277" r:id="rId19"/>
     <p:sldId id="274" r:id="rId20"/>
     <p:sldId id="272" r:id="rId21"/>
-    <p:sldId id="287" r:id="rId22"/>
-    <p:sldId id="288" r:id="rId23"/>
-    <p:sldId id="275" r:id="rId24"/>
-    <p:sldId id="282" r:id="rId25"/>
-    <p:sldId id="273" r:id="rId26"/>
-    <p:sldId id="280" r:id="rId27"/>
-    <p:sldId id="279" r:id="rId28"/>
-    <p:sldId id="283" r:id="rId29"/>
-    <p:sldId id="286" r:id="rId30"/>
+    <p:sldId id="289" r:id="rId22"/>
+    <p:sldId id="290" r:id="rId23"/>
+    <p:sldId id="287" r:id="rId24"/>
+    <p:sldId id="288" r:id="rId25"/>
+    <p:sldId id="275" r:id="rId26"/>
+    <p:sldId id="282" r:id="rId27"/>
+    <p:sldId id="273" r:id="rId28"/>
+    <p:sldId id="280" r:id="rId29"/>
+    <p:sldId id="279" r:id="rId30"/>
+    <p:sldId id="283" r:id="rId31"/>
+    <p:sldId id="286" r:id="rId32"/>
   </p:sldIdLst>
   <p:sldSz cx="12192000" cy="6858000"/>
   <p:notesSz cx="6858000" cy="9144000"/>
@@ -14516,6 +14518,3948 @@
           <p:cNvPr id="2" name="Title 1">
             <a:extLst>
               <a:ext uri="{FF2B5EF4-FFF2-40B4-BE49-F238E27FC236}">
+                <a16:creationId xmlns:a16="http://schemas.microsoft.com/office/drawing/2014/main" id="{8C295A9F-4CE7-461C-AD17-F68A6E2A8D84}"/>
+              </a:ext>
+            </a:extLst>
+          </p:cNvPr>
+          <p:cNvSpPr>
+            <a:spLocks noGrp="1"/>
+          </p:cNvSpPr>
+          <p:nvPr>
+            <p:ph type="title"/>
+          </p:nvPr>
+        </p:nvSpPr>
+        <p:spPr/>
+        <p:txBody>
+          <a:bodyPr/>
+          <a:lstStyle/>
+          <a:p>
+            <a:endParaRPr lang="en-US"/>
+          </a:p>
+        </p:txBody>
+      </p:sp>
+      <p:graphicFrame>
+        <p:nvGraphicFramePr>
+          <p:cNvPr id="3" name="Table 2">
+            <a:extLst>
+              <a:ext uri="{FF2B5EF4-FFF2-40B4-BE49-F238E27FC236}">
+                <a16:creationId xmlns:a16="http://schemas.microsoft.com/office/drawing/2014/main" id="{55D5BDB8-EE6D-482B-8A5D-C5179D3EB83B}"/>
+              </a:ext>
+            </a:extLst>
+          </p:cNvPr>
+          <p:cNvGraphicFramePr>
+            <a:graphicFrameLocks noGrp="1"/>
+          </p:cNvGraphicFramePr>
+          <p:nvPr>
+            <p:extLst>
+              <p:ext uri="{D42A27DB-BD31-4B8C-83A1-F6EECF244321}">
+                <p14:modId xmlns:p14="http://schemas.microsoft.com/office/powerpoint/2010/main" val="4162549885"/>
+              </p:ext>
+            </p:extLst>
+          </p:nvPr>
+        </p:nvGraphicFramePr>
+        <p:xfrm>
+          <a:off x="684212" y="407964"/>
+          <a:ext cx="8727074" cy="5880293"/>
+        </p:xfrm>
+        <a:graphic>
+          <a:graphicData uri="http://schemas.openxmlformats.org/drawingml/2006/table">
+            <a:tbl>
+              <a:tblPr>
+                <a:tableStyleId>{5C22544A-7EE6-4342-B048-85BDC9FD1C3A}</a:tableStyleId>
+              </a:tblPr>
+              <a:tblGrid>
+                <a:gridCol w="1265081">
+                  <a:extLst>
+                    <a:ext uri="{9D8B030D-6E8A-4147-A177-3AD203B41FA5}">
+                      <a16:colId xmlns:a16="http://schemas.microsoft.com/office/drawing/2014/main" val="1910521741"/>
+                    </a:ext>
+                  </a:extLst>
+                </a:gridCol>
+                <a:gridCol w="1052586">
+                  <a:extLst>
+                    <a:ext uri="{9D8B030D-6E8A-4147-A177-3AD203B41FA5}">
+                      <a16:colId xmlns:a16="http://schemas.microsoft.com/office/drawing/2014/main" val="1334506606"/>
+                    </a:ext>
+                  </a:extLst>
+                </a:gridCol>
+                <a:gridCol w="1052586">
+                  <a:extLst>
+                    <a:ext uri="{9D8B030D-6E8A-4147-A177-3AD203B41FA5}">
+                      <a16:colId xmlns:a16="http://schemas.microsoft.com/office/drawing/2014/main" val="2127168698"/>
+                    </a:ext>
+                  </a:extLst>
+                </a:gridCol>
+                <a:gridCol w="1052586">
+                  <a:extLst>
+                    <a:ext uri="{9D8B030D-6E8A-4147-A177-3AD203B41FA5}">
+                      <a16:colId xmlns:a16="http://schemas.microsoft.com/office/drawing/2014/main" val="3947153479"/>
+                    </a:ext>
+                  </a:extLst>
+                </a:gridCol>
+                <a:gridCol w="1052586">
+                  <a:extLst>
+                    <a:ext uri="{9D8B030D-6E8A-4147-A177-3AD203B41FA5}">
+                      <a16:colId xmlns:a16="http://schemas.microsoft.com/office/drawing/2014/main" val="1874995903"/>
+                    </a:ext>
+                  </a:extLst>
+                </a:gridCol>
+                <a:gridCol w="1052586">
+                  <a:extLst>
+                    <a:ext uri="{9D8B030D-6E8A-4147-A177-3AD203B41FA5}">
+                      <a16:colId xmlns:a16="http://schemas.microsoft.com/office/drawing/2014/main" val="2037419723"/>
+                    </a:ext>
+                  </a:extLst>
+                </a:gridCol>
+                <a:gridCol w="1052586">
+                  <a:extLst>
+                    <a:ext uri="{9D8B030D-6E8A-4147-A177-3AD203B41FA5}">
+                      <a16:colId xmlns:a16="http://schemas.microsoft.com/office/drawing/2014/main" val="848016397"/>
+                    </a:ext>
+                  </a:extLst>
+                </a:gridCol>
+                <a:gridCol w="1146477">
+                  <a:extLst>
+                    <a:ext uri="{9D8B030D-6E8A-4147-A177-3AD203B41FA5}">
+                      <a16:colId xmlns:a16="http://schemas.microsoft.com/office/drawing/2014/main" val="1524298462"/>
+                    </a:ext>
+                  </a:extLst>
+                </a:gridCol>
+              </a:tblGrid>
+              <a:tr h="818089">
+                <a:tc>
+                  <a:txBody>
+                    <a:bodyPr/>
+                    <a:lstStyle/>
+                    <a:p>
+                      <a:pPr algn="ctr" fontAlgn="ctr"/>
+                      <a:r>
+                        <a:rPr lang="en-US" sz="2400" b="0" i="0" u="none" strike="noStrike" dirty="0">
+                          <a:solidFill>
+                            <a:schemeClr val="tx1"/>
+                          </a:solidFill>
+                          <a:effectLst/>
+                          <a:latin typeface="Calibri" panose="020F0502020204030204" pitchFamily="34" charset="0"/>
+                        </a:rPr>
+                        <a:t>Criteria</a:t>
+                      </a:r>
+                    </a:p>
+                  </a:txBody>
+                  <a:tcPr marL="9525" marR="9525" marT="9525" marB="0" anchor="ctr">
+                    <a:solidFill>
+                      <a:schemeClr val="bg2">
+                        <a:lumMod val="75000"/>
+                      </a:schemeClr>
+                    </a:solidFill>
+                  </a:tcPr>
+                </a:tc>
+                <a:tc>
+                  <a:txBody>
+                    <a:bodyPr/>
+                    <a:lstStyle/>
+                    <a:p>
+                      <a:pPr algn="ctr" fontAlgn="ctr"/>
+                      <a:r>
+                        <a:rPr lang="en-US" sz="1100" u="none" strike="noStrike" dirty="0">
+                          <a:solidFill>
+                            <a:schemeClr val="tx1"/>
+                          </a:solidFill>
+                          <a:effectLst/>
+                        </a:rPr>
+                        <a:t>Reliability</a:t>
+                      </a:r>
+                      <a:endParaRPr lang="en-US" sz="1100" b="0" i="0" u="none" strike="noStrike" dirty="0">
+                        <a:solidFill>
+                          <a:schemeClr val="tx1"/>
+                        </a:solidFill>
+                        <a:effectLst/>
+                        <a:latin typeface="Calibri" panose="020F0502020204030204" pitchFamily="34" charset="0"/>
+                      </a:endParaRPr>
+                    </a:p>
+                  </a:txBody>
+                  <a:tcPr marL="9525" marR="9525" marT="9525" marB="0" anchor="ctr">
+                    <a:solidFill>
+                      <a:schemeClr val="bg2">
+                        <a:lumMod val="75000"/>
+                      </a:schemeClr>
+                    </a:solidFill>
+                  </a:tcPr>
+                </a:tc>
+                <a:tc>
+                  <a:txBody>
+                    <a:bodyPr/>
+                    <a:lstStyle/>
+                    <a:p>
+                      <a:pPr algn="ctr" fontAlgn="ctr"/>
+                      <a:r>
+                        <a:rPr lang="en-US" sz="1100" u="none" strike="noStrike" dirty="0">
+                          <a:solidFill>
+                            <a:schemeClr val="tx1"/>
+                          </a:solidFill>
+                          <a:effectLst/>
+                        </a:rPr>
+                        <a:t>initial Cost</a:t>
+                      </a:r>
+                      <a:endParaRPr lang="en-US" sz="1100" b="0" i="0" u="none" strike="noStrike" dirty="0">
+                        <a:solidFill>
+                          <a:schemeClr val="tx1"/>
+                        </a:solidFill>
+                        <a:effectLst/>
+                        <a:latin typeface="Calibri" panose="020F0502020204030204" pitchFamily="34" charset="0"/>
+                      </a:endParaRPr>
+                    </a:p>
+                  </a:txBody>
+                  <a:tcPr marL="9525" marR="9525" marT="9525" marB="0" anchor="ctr">
+                    <a:solidFill>
+                      <a:schemeClr val="bg2">
+                        <a:lumMod val="75000"/>
+                      </a:schemeClr>
+                    </a:solidFill>
+                  </a:tcPr>
+                </a:tc>
+                <a:tc>
+                  <a:txBody>
+                    <a:bodyPr/>
+                    <a:lstStyle/>
+                    <a:p>
+                      <a:pPr algn="ctr" fontAlgn="ctr"/>
+                      <a:r>
+                        <a:rPr lang="en-US" sz="1100" u="none" strike="noStrike" dirty="0">
+                          <a:solidFill>
+                            <a:schemeClr val="tx1"/>
+                          </a:solidFill>
+                          <a:effectLst/>
+                        </a:rPr>
+                        <a:t>Efficient</a:t>
+                      </a:r>
+                      <a:endParaRPr lang="en-US" sz="1100" b="0" i="0" u="none" strike="noStrike" dirty="0">
+                        <a:solidFill>
+                          <a:schemeClr val="tx1"/>
+                        </a:solidFill>
+                        <a:effectLst/>
+                        <a:latin typeface="Calibri" panose="020F0502020204030204" pitchFamily="34" charset="0"/>
+                      </a:endParaRPr>
+                    </a:p>
+                  </a:txBody>
+                  <a:tcPr marL="9525" marR="9525" marT="9525" marB="0" anchor="ctr">
+                    <a:solidFill>
+                      <a:schemeClr val="bg2">
+                        <a:lumMod val="75000"/>
+                      </a:schemeClr>
+                    </a:solidFill>
+                  </a:tcPr>
+                </a:tc>
+                <a:tc>
+                  <a:txBody>
+                    <a:bodyPr/>
+                    <a:lstStyle/>
+                    <a:p>
+                      <a:pPr algn="ctr" fontAlgn="ctr"/>
+                      <a:r>
+                        <a:rPr lang="en-US" sz="1100" u="none" strike="noStrike" dirty="0">
+                          <a:solidFill>
+                            <a:schemeClr val="tx1"/>
+                          </a:solidFill>
+                          <a:effectLst/>
+                        </a:rPr>
+                        <a:t>Endurance</a:t>
+                      </a:r>
+                      <a:endParaRPr lang="en-US" sz="1100" b="0" i="0" u="none" strike="noStrike" dirty="0">
+                        <a:solidFill>
+                          <a:schemeClr val="tx1"/>
+                        </a:solidFill>
+                        <a:effectLst/>
+                        <a:latin typeface="Calibri" panose="020F0502020204030204" pitchFamily="34" charset="0"/>
+                      </a:endParaRPr>
+                    </a:p>
+                  </a:txBody>
+                  <a:tcPr marL="9525" marR="9525" marT="9525" marB="0" anchor="ctr">
+                    <a:solidFill>
+                      <a:schemeClr val="bg2">
+                        <a:lumMod val="75000"/>
+                      </a:schemeClr>
+                    </a:solidFill>
+                  </a:tcPr>
+                </a:tc>
+                <a:tc>
+                  <a:txBody>
+                    <a:bodyPr/>
+                    <a:lstStyle/>
+                    <a:p>
+                      <a:pPr algn="ctr" fontAlgn="ctr"/>
+                      <a:r>
+                        <a:rPr lang="en-US" sz="1100" u="none" strike="noStrike" dirty="0">
+                          <a:solidFill>
+                            <a:schemeClr val="tx1"/>
+                          </a:solidFill>
+                          <a:effectLst/>
+                        </a:rPr>
+                        <a:t>Safety</a:t>
+                      </a:r>
+                      <a:endParaRPr lang="en-US" sz="1100" b="0" i="0" u="none" strike="noStrike" dirty="0">
+                        <a:solidFill>
+                          <a:schemeClr val="tx1"/>
+                        </a:solidFill>
+                        <a:effectLst/>
+                        <a:latin typeface="Calibri" panose="020F0502020204030204" pitchFamily="34" charset="0"/>
+                      </a:endParaRPr>
+                    </a:p>
+                  </a:txBody>
+                  <a:tcPr marL="9525" marR="9525" marT="9525" marB="0" anchor="ctr">
+                    <a:solidFill>
+                      <a:schemeClr val="bg2">
+                        <a:lumMod val="75000"/>
+                      </a:schemeClr>
+                    </a:solidFill>
+                  </a:tcPr>
+                </a:tc>
+                <a:tc>
+                  <a:txBody>
+                    <a:bodyPr/>
+                    <a:lstStyle/>
+                    <a:p>
+                      <a:pPr algn="ctr" fontAlgn="ctr"/>
+                      <a:r>
+                        <a:rPr lang="en-US" sz="1100" u="none" strike="noStrike" dirty="0">
+                          <a:solidFill>
+                            <a:schemeClr val="tx1"/>
+                          </a:solidFill>
+                          <a:effectLst/>
+                        </a:rPr>
+                        <a:t>Mobility</a:t>
+                      </a:r>
+                      <a:endParaRPr lang="en-US" sz="1100" b="0" i="0" u="none" strike="noStrike" dirty="0">
+                        <a:solidFill>
+                          <a:schemeClr val="tx1"/>
+                        </a:solidFill>
+                        <a:effectLst/>
+                        <a:latin typeface="Calibri" panose="020F0502020204030204" pitchFamily="34" charset="0"/>
+                      </a:endParaRPr>
+                    </a:p>
+                  </a:txBody>
+                  <a:tcPr marL="9525" marR="9525" marT="9525" marB="0" anchor="ctr">
+                    <a:solidFill>
+                      <a:schemeClr val="bg2">
+                        <a:lumMod val="75000"/>
+                      </a:schemeClr>
+                    </a:solidFill>
+                  </a:tcPr>
+                </a:tc>
+                <a:tc>
+                  <a:txBody>
+                    <a:bodyPr/>
+                    <a:lstStyle/>
+                    <a:p>
+                      <a:pPr algn="ctr" fontAlgn="ctr"/>
+                      <a:r>
+                        <a:rPr lang="en-US" sz="1100" u="none" strike="noStrike" dirty="0">
+                          <a:solidFill>
+                            <a:schemeClr val="tx1"/>
+                          </a:solidFill>
+                          <a:effectLst/>
+                        </a:rPr>
+                        <a:t>Complexity</a:t>
+                      </a:r>
+                      <a:endParaRPr lang="en-US" sz="1100" b="0" i="0" u="none" strike="noStrike" dirty="0">
+                        <a:solidFill>
+                          <a:schemeClr val="tx1"/>
+                        </a:solidFill>
+                        <a:effectLst/>
+                        <a:latin typeface="Calibri" panose="020F0502020204030204" pitchFamily="34" charset="0"/>
+                      </a:endParaRPr>
+                    </a:p>
+                  </a:txBody>
+                  <a:tcPr marL="9525" marR="9525" marT="9525" marB="0" anchor="ctr">
+                    <a:solidFill>
+                      <a:schemeClr val="bg2">
+                        <a:lumMod val="75000"/>
+                      </a:schemeClr>
+                    </a:solidFill>
+                  </a:tcPr>
+                </a:tc>
+                <a:extLst>
+                  <a:ext uri="{0D108BD9-81ED-4DB2-BD59-A6C34878D82A}">
+                    <a16:rowId xmlns:a16="http://schemas.microsoft.com/office/drawing/2014/main" val="2098903151"/>
+                  </a:ext>
+                </a:extLst>
+              </a:tr>
+              <a:tr h="723172">
+                <a:tc>
+                  <a:txBody>
+                    <a:bodyPr/>
+                    <a:lstStyle/>
+                    <a:p>
+                      <a:pPr algn="ctr" fontAlgn="ctr"/>
+                      <a:r>
+                        <a:rPr lang="en-US" sz="1100" u="none" strike="noStrike" dirty="0">
+                          <a:solidFill>
+                            <a:schemeClr val="tx1"/>
+                          </a:solidFill>
+                          <a:effectLst/>
+                        </a:rPr>
+                        <a:t>Reliability</a:t>
+                      </a:r>
+                      <a:endParaRPr lang="en-US" sz="1100" b="0" i="0" u="none" strike="noStrike" dirty="0">
+                        <a:solidFill>
+                          <a:schemeClr val="tx1"/>
+                        </a:solidFill>
+                        <a:effectLst/>
+                        <a:latin typeface="Calibri" panose="020F0502020204030204" pitchFamily="34" charset="0"/>
+                      </a:endParaRPr>
+                    </a:p>
+                  </a:txBody>
+                  <a:tcPr marL="9525" marR="9525" marT="9525" marB="0" anchor="ctr">
+                    <a:solidFill>
+                      <a:schemeClr val="bg2">
+                        <a:lumMod val="75000"/>
+                      </a:schemeClr>
+                    </a:solidFill>
+                  </a:tcPr>
+                </a:tc>
+                <a:tc>
+                  <a:txBody>
+                    <a:bodyPr/>
+                    <a:lstStyle/>
+                    <a:p>
+                      <a:pPr algn="ctr" fontAlgn="ctr"/>
+                      <a:r>
+                        <a:rPr lang="en-US" sz="1100" u="none" strike="noStrike">
+                          <a:effectLst/>
+                        </a:rPr>
+                        <a:t>1.00</a:t>
+                      </a:r>
+                      <a:endParaRPr lang="en-US" sz="1100" b="0" i="0" u="none" strike="noStrike">
+                        <a:solidFill>
+                          <a:srgbClr val="000000"/>
+                        </a:solidFill>
+                        <a:effectLst/>
+                        <a:latin typeface="Calibri" panose="020F0502020204030204" pitchFamily="34" charset="0"/>
+                      </a:endParaRPr>
+                    </a:p>
+                  </a:txBody>
+                  <a:tcPr marL="9525" marR="9525" marT="9525" marB="0" anchor="ctr"/>
+                </a:tc>
+                <a:tc>
+                  <a:txBody>
+                    <a:bodyPr/>
+                    <a:lstStyle/>
+                    <a:p>
+                      <a:pPr algn="ctr" fontAlgn="ctr"/>
+                      <a:r>
+                        <a:rPr lang="en-US" sz="1100" u="none" strike="noStrike">
+                          <a:effectLst/>
+                        </a:rPr>
+                        <a:t>0.20</a:t>
+                      </a:r>
+                      <a:endParaRPr lang="en-US" sz="1100" b="0" i="0" u="none" strike="noStrike">
+                        <a:solidFill>
+                          <a:srgbClr val="000000"/>
+                        </a:solidFill>
+                        <a:effectLst/>
+                        <a:latin typeface="Calibri" panose="020F0502020204030204" pitchFamily="34" charset="0"/>
+                      </a:endParaRPr>
+                    </a:p>
+                  </a:txBody>
+                  <a:tcPr marL="9525" marR="9525" marT="9525" marB="0" anchor="ctr"/>
+                </a:tc>
+                <a:tc>
+                  <a:txBody>
+                    <a:bodyPr/>
+                    <a:lstStyle/>
+                    <a:p>
+                      <a:pPr algn="ctr" fontAlgn="ctr"/>
+                      <a:r>
+                        <a:rPr lang="en-US" sz="1100" u="none" strike="noStrike">
+                          <a:effectLst/>
+                        </a:rPr>
+                        <a:t>0.33</a:t>
+                      </a:r>
+                      <a:endParaRPr lang="en-US" sz="1100" b="0" i="0" u="none" strike="noStrike">
+                        <a:solidFill>
+                          <a:srgbClr val="000000"/>
+                        </a:solidFill>
+                        <a:effectLst/>
+                        <a:latin typeface="Calibri" panose="020F0502020204030204" pitchFamily="34" charset="0"/>
+                      </a:endParaRPr>
+                    </a:p>
+                  </a:txBody>
+                  <a:tcPr marL="9525" marR="9525" marT="9525" marB="0" anchor="ctr"/>
+                </a:tc>
+                <a:tc>
+                  <a:txBody>
+                    <a:bodyPr/>
+                    <a:lstStyle/>
+                    <a:p>
+                      <a:pPr algn="ctr" fontAlgn="ctr"/>
+                      <a:r>
+                        <a:rPr lang="en-US" sz="1100" u="none" strike="noStrike">
+                          <a:effectLst/>
+                        </a:rPr>
+                        <a:t>1.00</a:t>
+                      </a:r>
+                      <a:endParaRPr lang="en-US" sz="1100" b="0" i="0" u="none" strike="noStrike">
+                        <a:solidFill>
+                          <a:srgbClr val="000000"/>
+                        </a:solidFill>
+                        <a:effectLst/>
+                        <a:latin typeface="Calibri" panose="020F0502020204030204" pitchFamily="34" charset="0"/>
+                      </a:endParaRPr>
+                    </a:p>
+                  </a:txBody>
+                  <a:tcPr marL="9525" marR="9525" marT="9525" marB="0" anchor="ctr"/>
+                </a:tc>
+                <a:tc>
+                  <a:txBody>
+                    <a:bodyPr/>
+                    <a:lstStyle/>
+                    <a:p>
+                      <a:pPr algn="ctr" fontAlgn="ctr"/>
+                      <a:r>
+                        <a:rPr lang="en-US" sz="1100" u="none" strike="noStrike">
+                          <a:effectLst/>
+                        </a:rPr>
+                        <a:t>3.00</a:t>
+                      </a:r>
+                      <a:endParaRPr lang="en-US" sz="1100" b="0" i="0" u="none" strike="noStrike">
+                        <a:solidFill>
+                          <a:srgbClr val="000000"/>
+                        </a:solidFill>
+                        <a:effectLst/>
+                        <a:latin typeface="Calibri" panose="020F0502020204030204" pitchFamily="34" charset="0"/>
+                      </a:endParaRPr>
+                    </a:p>
+                  </a:txBody>
+                  <a:tcPr marL="9525" marR="9525" marT="9525" marB="0" anchor="ctr"/>
+                </a:tc>
+                <a:tc>
+                  <a:txBody>
+                    <a:bodyPr/>
+                    <a:lstStyle/>
+                    <a:p>
+                      <a:pPr algn="ctr" fontAlgn="ctr"/>
+                      <a:r>
+                        <a:rPr lang="en-US" sz="1100" u="none" strike="noStrike">
+                          <a:effectLst/>
+                        </a:rPr>
+                        <a:t>0.20</a:t>
+                      </a:r>
+                      <a:endParaRPr lang="en-US" sz="1100" b="0" i="0" u="none" strike="noStrike">
+                        <a:solidFill>
+                          <a:srgbClr val="000000"/>
+                        </a:solidFill>
+                        <a:effectLst/>
+                        <a:latin typeface="Calibri" panose="020F0502020204030204" pitchFamily="34" charset="0"/>
+                      </a:endParaRPr>
+                    </a:p>
+                  </a:txBody>
+                  <a:tcPr marL="9525" marR="9525" marT="9525" marB="0" anchor="ctr"/>
+                </a:tc>
+                <a:tc>
+                  <a:txBody>
+                    <a:bodyPr/>
+                    <a:lstStyle/>
+                    <a:p>
+                      <a:pPr algn="ctr" fontAlgn="ctr"/>
+                      <a:r>
+                        <a:rPr lang="en-US" sz="1100" u="none" strike="noStrike">
+                          <a:effectLst/>
+                        </a:rPr>
+                        <a:t>0.11</a:t>
+                      </a:r>
+                      <a:endParaRPr lang="en-US" sz="1100" b="0" i="0" u="none" strike="noStrike">
+                        <a:solidFill>
+                          <a:srgbClr val="000000"/>
+                        </a:solidFill>
+                        <a:effectLst/>
+                        <a:latin typeface="Calibri" panose="020F0502020204030204" pitchFamily="34" charset="0"/>
+                      </a:endParaRPr>
+                    </a:p>
+                  </a:txBody>
+                  <a:tcPr marL="9525" marR="9525" marT="9525" marB="0" anchor="ctr"/>
+                </a:tc>
+                <a:extLst>
+                  <a:ext uri="{0D108BD9-81ED-4DB2-BD59-A6C34878D82A}">
+                    <a16:rowId xmlns:a16="http://schemas.microsoft.com/office/drawing/2014/main" val="1764030426"/>
+                  </a:ext>
+                </a:extLst>
+              </a:tr>
+              <a:tr h="723172">
+                <a:tc>
+                  <a:txBody>
+                    <a:bodyPr/>
+                    <a:lstStyle/>
+                    <a:p>
+                      <a:pPr algn="ctr" fontAlgn="ctr"/>
+                      <a:r>
+                        <a:rPr lang="en-US" sz="1100" u="none" strike="noStrike" dirty="0">
+                          <a:solidFill>
+                            <a:schemeClr val="tx1"/>
+                          </a:solidFill>
+                          <a:effectLst/>
+                        </a:rPr>
+                        <a:t>initial Cost</a:t>
+                      </a:r>
+                      <a:endParaRPr lang="en-US" sz="1100" b="0" i="0" u="none" strike="noStrike" dirty="0">
+                        <a:solidFill>
+                          <a:schemeClr val="tx1"/>
+                        </a:solidFill>
+                        <a:effectLst/>
+                        <a:latin typeface="Calibri" panose="020F0502020204030204" pitchFamily="34" charset="0"/>
+                      </a:endParaRPr>
+                    </a:p>
+                  </a:txBody>
+                  <a:tcPr marL="9525" marR="9525" marT="9525" marB="0" anchor="ctr">
+                    <a:solidFill>
+                      <a:schemeClr val="bg2">
+                        <a:lumMod val="75000"/>
+                      </a:schemeClr>
+                    </a:solidFill>
+                  </a:tcPr>
+                </a:tc>
+                <a:tc>
+                  <a:txBody>
+                    <a:bodyPr/>
+                    <a:lstStyle/>
+                    <a:p>
+                      <a:pPr algn="ctr" fontAlgn="ctr"/>
+                      <a:r>
+                        <a:rPr lang="en-US" sz="1100" u="none" strike="noStrike">
+                          <a:effectLst/>
+                        </a:rPr>
+                        <a:t>5.00</a:t>
+                      </a:r>
+                      <a:endParaRPr lang="en-US" sz="1100" b="0" i="0" u="none" strike="noStrike">
+                        <a:solidFill>
+                          <a:srgbClr val="000000"/>
+                        </a:solidFill>
+                        <a:effectLst/>
+                        <a:latin typeface="Calibri" panose="020F0502020204030204" pitchFamily="34" charset="0"/>
+                      </a:endParaRPr>
+                    </a:p>
+                  </a:txBody>
+                  <a:tcPr marL="9525" marR="9525" marT="9525" marB="0" anchor="ctr"/>
+                </a:tc>
+                <a:tc>
+                  <a:txBody>
+                    <a:bodyPr/>
+                    <a:lstStyle/>
+                    <a:p>
+                      <a:pPr algn="ctr" fontAlgn="ctr"/>
+                      <a:r>
+                        <a:rPr lang="en-US" sz="1100" u="none" strike="noStrike">
+                          <a:effectLst/>
+                        </a:rPr>
+                        <a:t>1.00</a:t>
+                      </a:r>
+                      <a:endParaRPr lang="en-US" sz="1100" b="0" i="0" u="none" strike="noStrike">
+                        <a:solidFill>
+                          <a:srgbClr val="000000"/>
+                        </a:solidFill>
+                        <a:effectLst/>
+                        <a:latin typeface="Calibri" panose="020F0502020204030204" pitchFamily="34" charset="0"/>
+                      </a:endParaRPr>
+                    </a:p>
+                  </a:txBody>
+                  <a:tcPr marL="9525" marR="9525" marT="9525" marB="0" anchor="ctr"/>
+                </a:tc>
+                <a:tc>
+                  <a:txBody>
+                    <a:bodyPr/>
+                    <a:lstStyle/>
+                    <a:p>
+                      <a:pPr algn="ctr" fontAlgn="ctr"/>
+                      <a:r>
+                        <a:rPr lang="en-US" sz="1100" u="none" strike="noStrike">
+                          <a:effectLst/>
+                        </a:rPr>
+                        <a:t>1.00</a:t>
+                      </a:r>
+                      <a:endParaRPr lang="en-US" sz="1100" b="0" i="0" u="none" strike="noStrike">
+                        <a:solidFill>
+                          <a:srgbClr val="000000"/>
+                        </a:solidFill>
+                        <a:effectLst/>
+                        <a:latin typeface="Calibri" panose="020F0502020204030204" pitchFamily="34" charset="0"/>
+                      </a:endParaRPr>
+                    </a:p>
+                  </a:txBody>
+                  <a:tcPr marL="9525" marR="9525" marT="9525" marB="0" anchor="ctr"/>
+                </a:tc>
+                <a:tc>
+                  <a:txBody>
+                    <a:bodyPr/>
+                    <a:lstStyle/>
+                    <a:p>
+                      <a:pPr algn="ctr" fontAlgn="ctr"/>
+                      <a:r>
+                        <a:rPr lang="en-US" sz="1100" u="none" strike="noStrike">
+                          <a:effectLst/>
+                        </a:rPr>
+                        <a:t>0.20</a:t>
+                      </a:r>
+                      <a:endParaRPr lang="en-US" sz="1100" b="0" i="0" u="none" strike="noStrike">
+                        <a:solidFill>
+                          <a:srgbClr val="000000"/>
+                        </a:solidFill>
+                        <a:effectLst/>
+                        <a:latin typeface="Calibri" panose="020F0502020204030204" pitchFamily="34" charset="0"/>
+                      </a:endParaRPr>
+                    </a:p>
+                  </a:txBody>
+                  <a:tcPr marL="9525" marR="9525" marT="9525" marB="0" anchor="ctr"/>
+                </a:tc>
+                <a:tc>
+                  <a:txBody>
+                    <a:bodyPr/>
+                    <a:lstStyle/>
+                    <a:p>
+                      <a:pPr algn="ctr" fontAlgn="ctr"/>
+                      <a:r>
+                        <a:rPr lang="en-US" sz="1100" u="none" strike="noStrike">
+                          <a:effectLst/>
+                        </a:rPr>
+                        <a:t>7.00</a:t>
+                      </a:r>
+                      <a:endParaRPr lang="en-US" sz="1100" b="0" i="0" u="none" strike="noStrike">
+                        <a:solidFill>
+                          <a:srgbClr val="000000"/>
+                        </a:solidFill>
+                        <a:effectLst/>
+                        <a:latin typeface="Calibri" panose="020F0502020204030204" pitchFamily="34" charset="0"/>
+                      </a:endParaRPr>
+                    </a:p>
+                  </a:txBody>
+                  <a:tcPr marL="9525" marR="9525" marT="9525" marB="0" anchor="ctr"/>
+                </a:tc>
+                <a:tc>
+                  <a:txBody>
+                    <a:bodyPr/>
+                    <a:lstStyle/>
+                    <a:p>
+                      <a:pPr algn="ctr" fontAlgn="ctr"/>
+                      <a:r>
+                        <a:rPr lang="en-US" sz="1100" u="none" strike="noStrike">
+                          <a:effectLst/>
+                        </a:rPr>
+                        <a:t>5.00</a:t>
+                      </a:r>
+                      <a:endParaRPr lang="en-US" sz="1100" b="0" i="0" u="none" strike="noStrike">
+                        <a:solidFill>
+                          <a:srgbClr val="000000"/>
+                        </a:solidFill>
+                        <a:effectLst/>
+                        <a:latin typeface="Calibri" panose="020F0502020204030204" pitchFamily="34" charset="0"/>
+                      </a:endParaRPr>
+                    </a:p>
+                  </a:txBody>
+                  <a:tcPr marL="9525" marR="9525" marT="9525" marB="0" anchor="ctr"/>
+                </a:tc>
+                <a:tc>
+                  <a:txBody>
+                    <a:bodyPr/>
+                    <a:lstStyle/>
+                    <a:p>
+                      <a:pPr algn="ctr" fontAlgn="ctr"/>
+                      <a:r>
+                        <a:rPr lang="en-US" sz="1100" u="none" strike="noStrike">
+                          <a:effectLst/>
+                        </a:rPr>
+                        <a:t>0.14</a:t>
+                      </a:r>
+                      <a:endParaRPr lang="en-US" sz="1100" b="0" i="0" u="none" strike="noStrike">
+                        <a:solidFill>
+                          <a:srgbClr val="000000"/>
+                        </a:solidFill>
+                        <a:effectLst/>
+                        <a:latin typeface="Calibri" panose="020F0502020204030204" pitchFamily="34" charset="0"/>
+                      </a:endParaRPr>
+                    </a:p>
+                  </a:txBody>
+                  <a:tcPr marL="9525" marR="9525" marT="9525" marB="0" anchor="ctr"/>
+                </a:tc>
+                <a:extLst>
+                  <a:ext uri="{0D108BD9-81ED-4DB2-BD59-A6C34878D82A}">
+                    <a16:rowId xmlns:a16="http://schemas.microsoft.com/office/drawing/2014/main" val="3746007241"/>
+                  </a:ext>
+                </a:extLst>
+              </a:tr>
+              <a:tr h="723172">
+                <a:tc>
+                  <a:txBody>
+                    <a:bodyPr/>
+                    <a:lstStyle/>
+                    <a:p>
+                      <a:pPr algn="ctr" fontAlgn="ctr"/>
+                      <a:r>
+                        <a:rPr lang="en-US" sz="1100" u="none" strike="noStrike" dirty="0">
+                          <a:solidFill>
+                            <a:schemeClr val="tx1"/>
+                          </a:solidFill>
+                          <a:effectLst/>
+                        </a:rPr>
+                        <a:t>Efficient</a:t>
+                      </a:r>
+                      <a:endParaRPr lang="en-US" sz="1100" b="0" i="0" u="none" strike="noStrike" dirty="0">
+                        <a:solidFill>
+                          <a:schemeClr val="tx1"/>
+                        </a:solidFill>
+                        <a:effectLst/>
+                        <a:latin typeface="Calibri" panose="020F0502020204030204" pitchFamily="34" charset="0"/>
+                      </a:endParaRPr>
+                    </a:p>
+                  </a:txBody>
+                  <a:tcPr marL="9525" marR="9525" marT="9525" marB="0" anchor="ctr">
+                    <a:solidFill>
+                      <a:schemeClr val="bg2">
+                        <a:lumMod val="75000"/>
+                      </a:schemeClr>
+                    </a:solidFill>
+                  </a:tcPr>
+                </a:tc>
+                <a:tc>
+                  <a:txBody>
+                    <a:bodyPr/>
+                    <a:lstStyle/>
+                    <a:p>
+                      <a:pPr algn="ctr" fontAlgn="ctr"/>
+                      <a:r>
+                        <a:rPr lang="en-US" sz="1100" u="none" strike="noStrike">
+                          <a:effectLst/>
+                        </a:rPr>
+                        <a:t>3.00</a:t>
+                      </a:r>
+                      <a:endParaRPr lang="en-US" sz="1100" b="0" i="0" u="none" strike="noStrike">
+                        <a:solidFill>
+                          <a:srgbClr val="000000"/>
+                        </a:solidFill>
+                        <a:effectLst/>
+                        <a:latin typeface="Calibri" panose="020F0502020204030204" pitchFamily="34" charset="0"/>
+                      </a:endParaRPr>
+                    </a:p>
+                  </a:txBody>
+                  <a:tcPr marL="9525" marR="9525" marT="9525" marB="0" anchor="ctr"/>
+                </a:tc>
+                <a:tc>
+                  <a:txBody>
+                    <a:bodyPr/>
+                    <a:lstStyle/>
+                    <a:p>
+                      <a:pPr algn="ctr" fontAlgn="ctr"/>
+                      <a:r>
+                        <a:rPr lang="en-US" sz="1100" u="none" strike="noStrike">
+                          <a:effectLst/>
+                        </a:rPr>
+                        <a:t>1.00</a:t>
+                      </a:r>
+                      <a:endParaRPr lang="en-US" sz="1100" b="0" i="0" u="none" strike="noStrike">
+                        <a:solidFill>
+                          <a:srgbClr val="000000"/>
+                        </a:solidFill>
+                        <a:effectLst/>
+                        <a:latin typeface="Calibri" panose="020F0502020204030204" pitchFamily="34" charset="0"/>
+                      </a:endParaRPr>
+                    </a:p>
+                  </a:txBody>
+                  <a:tcPr marL="9525" marR="9525" marT="9525" marB="0" anchor="ctr"/>
+                </a:tc>
+                <a:tc>
+                  <a:txBody>
+                    <a:bodyPr/>
+                    <a:lstStyle/>
+                    <a:p>
+                      <a:pPr algn="ctr" fontAlgn="ctr"/>
+                      <a:r>
+                        <a:rPr lang="en-US" sz="1100" u="none" strike="noStrike">
+                          <a:effectLst/>
+                        </a:rPr>
+                        <a:t>1.00</a:t>
+                      </a:r>
+                      <a:endParaRPr lang="en-US" sz="1100" b="0" i="0" u="none" strike="noStrike">
+                        <a:solidFill>
+                          <a:srgbClr val="000000"/>
+                        </a:solidFill>
+                        <a:effectLst/>
+                        <a:latin typeface="Calibri" panose="020F0502020204030204" pitchFamily="34" charset="0"/>
+                      </a:endParaRPr>
+                    </a:p>
+                  </a:txBody>
+                  <a:tcPr marL="9525" marR="9525" marT="9525" marB="0" anchor="ctr"/>
+                </a:tc>
+                <a:tc>
+                  <a:txBody>
+                    <a:bodyPr/>
+                    <a:lstStyle/>
+                    <a:p>
+                      <a:pPr algn="ctr" fontAlgn="ctr"/>
+                      <a:r>
+                        <a:rPr lang="en-US" sz="1100" u="none" strike="noStrike">
+                          <a:effectLst/>
+                        </a:rPr>
+                        <a:t>0.33</a:t>
+                      </a:r>
+                      <a:endParaRPr lang="en-US" sz="1100" b="0" i="0" u="none" strike="noStrike">
+                        <a:solidFill>
+                          <a:srgbClr val="000000"/>
+                        </a:solidFill>
+                        <a:effectLst/>
+                        <a:latin typeface="Calibri" panose="020F0502020204030204" pitchFamily="34" charset="0"/>
+                      </a:endParaRPr>
+                    </a:p>
+                  </a:txBody>
+                  <a:tcPr marL="9525" marR="9525" marT="9525" marB="0" anchor="ctr"/>
+                </a:tc>
+                <a:tc>
+                  <a:txBody>
+                    <a:bodyPr/>
+                    <a:lstStyle/>
+                    <a:p>
+                      <a:pPr algn="ctr" fontAlgn="ctr"/>
+                      <a:r>
+                        <a:rPr lang="en-US" sz="1100" u="none" strike="noStrike">
+                          <a:effectLst/>
+                        </a:rPr>
+                        <a:t>5.00</a:t>
+                      </a:r>
+                      <a:endParaRPr lang="en-US" sz="1100" b="0" i="0" u="none" strike="noStrike">
+                        <a:solidFill>
+                          <a:srgbClr val="000000"/>
+                        </a:solidFill>
+                        <a:effectLst/>
+                        <a:latin typeface="Calibri" panose="020F0502020204030204" pitchFamily="34" charset="0"/>
+                      </a:endParaRPr>
+                    </a:p>
+                  </a:txBody>
+                  <a:tcPr marL="9525" marR="9525" marT="9525" marB="0" anchor="ctr"/>
+                </a:tc>
+                <a:tc>
+                  <a:txBody>
+                    <a:bodyPr/>
+                    <a:lstStyle/>
+                    <a:p>
+                      <a:pPr algn="ctr" fontAlgn="ctr"/>
+                      <a:r>
+                        <a:rPr lang="en-US" sz="1100" u="none" strike="noStrike">
+                          <a:effectLst/>
+                        </a:rPr>
+                        <a:t>0.20</a:t>
+                      </a:r>
+                      <a:endParaRPr lang="en-US" sz="1100" b="0" i="0" u="none" strike="noStrike">
+                        <a:solidFill>
+                          <a:srgbClr val="000000"/>
+                        </a:solidFill>
+                        <a:effectLst/>
+                        <a:latin typeface="Calibri" panose="020F0502020204030204" pitchFamily="34" charset="0"/>
+                      </a:endParaRPr>
+                    </a:p>
+                  </a:txBody>
+                  <a:tcPr marL="9525" marR="9525" marT="9525" marB="0" anchor="ctr"/>
+                </a:tc>
+                <a:tc>
+                  <a:txBody>
+                    <a:bodyPr/>
+                    <a:lstStyle/>
+                    <a:p>
+                      <a:pPr algn="ctr" fontAlgn="ctr"/>
+                      <a:r>
+                        <a:rPr lang="en-US" sz="1100" u="none" strike="noStrike">
+                          <a:effectLst/>
+                        </a:rPr>
+                        <a:t>1.00</a:t>
+                      </a:r>
+                      <a:endParaRPr lang="en-US" sz="1100" b="0" i="0" u="none" strike="noStrike">
+                        <a:solidFill>
+                          <a:srgbClr val="000000"/>
+                        </a:solidFill>
+                        <a:effectLst/>
+                        <a:latin typeface="Calibri" panose="020F0502020204030204" pitchFamily="34" charset="0"/>
+                      </a:endParaRPr>
+                    </a:p>
+                  </a:txBody>
+                  <a:tcPr marL="9525" marR="9525" marT="9525" marB="0" anchor="ctr"/>
+                </a:tc>
+                <a:extLst>
+                  <a:ext uri="{0D108BD9-81ED-4DB2-BD59-A6C34878D82A}">
+                    <a16:rowId xmlns:a16="http://schemas.microsoft.com/office/drawing/2014/main" val="1653167051"/>
+                  </a:ext>
+                </a:extLst>
+              </a:tr>
+              <a:tr h="723172">
+                <a:tc>
+                  <a:txBody>
+                    <a:bodyPr/>
+                    <a:lstStyle/>
+                    <a:p>
+                      <a:pPr algn="ctr" fontAlgn="ctr"/>
+                      <a:r>
+                        <a:rPr lang="en-US" sz="1100" u="none" strike="noStrike" dirty="0">
+                          <a:solidFill>
+                            <a:schemeClr val="tx1"/>
+                          </a:solidFill>
+                          <a:effectLst/>
+                        </a:rPr>
+                        <a:t>Endurance</a:t>
+                      </a:r>
+                      <a:endParaRPr lang="en-US" sz="1100" b="0" i="0" u="none" strike="noStrike" dirty="0">
+                        <a:solidFill>
+                          <a:schemeClr val="tx1"/>
+                        </a:solidFill>
+                        <a:effectLst/>
+                        <a:latin typeface="Calibri" panose="020F0502020204030204" pitchFamily="34" charset="0"/>
+                      </a:endParaRPr>
+                    </a:p>
+                  </a:txBody>
+                  <a:tcPr marL="9525" marR="9525" marT="9525" marB="0" anchor="ctr">
+                    <a:solidFill>
+                      <a:schemeClr val="bg2">
+                        <a:lumMod val="75000"/>
+                      </a:schemeClr>
+                    </a:solidFill>
+                  </a:tcPr>
+                </a:tc>
+                <a:tc>
+                  <a:txBody>
+                    <a:bodyPr/>
+                    <a:lstStyle/>
+                    <a:p>
+                      <a:pPr algn="ctr" fontAlgn="ctr"/>
+                      <a:r>
+                        <a:rPr lang="en-US" sz="1100" u="none" strike="noStrike">
+                          <a:effectLst/>
+                        </a:rPr>
+                        <a:t>1.00</a:t>
+                      </a:r>
+                      <a:endParaRPr lang="en-US" sz="1100" b="0" i="0" u="none" strike="noStrike">
+                        <a:solidFill>
+                          <a:srgbClr val="000000"/>
+                        </a:solidFill>
+                        <a:effectLst/>
+                        <a:latin typeface="Calibri" panose="020F0502020204030204" pitchFamily="34" charset="0"/>
+                      </a:endParaRPr>
+                    </a:p>
+                  </a:txBody>
+                  <a:tcPr marL="9525" marR="9525" marT="9525" marB="0" anchor="ctr"/>
+                </a:tc>
+                <a:tc>
+                  <a:txBody>
+                    <a:bodyPr/>
+                    <a:lstStyle/>
+                    <a:p>
+                      <a:pPr algn="ctr" fontAlgn="ctr"/>
+                      <a:r>
+                        <a:rPr lang="en-US" sz="1100" u="none" strike="noStrike">
+                          <a:effectLst/>
+                        </a:rPr>
+                        <a:t>5.00</a:t>
+                      </a:r>
+                      <a:endParaRPr lang="en-US" sz="1100" b="0" i="0" u="none" strike="noStrike">
+                        <a:solidFill>
+                          <a:srgbClr val="000000"/>
+                        </a:solidFill>
+                        <a:effectLst/>
+                        <a:latin typeface="Calibri" panose="020F0502020204030204" pitchFamily="34" charset="0"/>
+                      </a:endParaRPr>
+                    </a:p>
+                  </a:txBody>
+                  <a:tcPr marL="9525" marR="9525" marT="9525" marB="0" anchor="ctr"/>
+                </a:tc>
+                <a:tc>
+                  <a:txBody>
+                    <a:bodyPr/>
+                    <a:lstStyle/>
+                    <a:p>
+                      <a:pPr algn="ctr" fontAlgn="ctr"/>
+                      <a:r>
+                        <a:rPr lang="en-US" sz="1100" u="none" strike="noStrike">
+                          <a:effectLst/>
+                        </a:rPr>
+                        <a:t>3.00</a:t>
+                      </a:r>
+                      <a:endParaRPr lang="en-US" sz="1100" b="0" i="0" u="none" strike="noStrike">
+                        <a:solidFill>
+                          <a:srgbClr val="000000"/>
+                        </a:solidFill>
+                        <a:effectLst/>
+                        <a:latin typeface="Calibri" panose="020F0502020204030204" pitchFamily="34" charset="0"/>
+                      </a:endParaRPr>
+                    </a:p>
+                  </a:txBody>
+                  <a:tcPr marL="9525" marR="9525" marT="9525" marB="0" anchor="ctr"/>
+                </a:tc>
+                <a:tc>
+                  <a:txBody>
+                    <a:bodyPr/>
+                    <a:lstStyle/>
+                    <a:p>
+                      <a:pPr algn="ctr" fontAlgn="ctr"/>
+                      <a:r>
+                        <a:rPr lang="en-US" sz="1100" u="none" strike="noStrike">
+                          <a:effectLst/>
+                        </a:rPr>
+                        <a:t>1.00</a:t>
+                      </a:r>
+                      <a:endParaRPr lang="en-US" sz="1100" b="0" i="0" u="none" strike="noStrike">
+                        <a:solidFill>
+                          <a:srgbClr val="000000"/>
+                        </a:solidFill>
+                        <a:effectLst/>
+                        <a:latin typeface="Calibri" panose="020F0502020204030204" pitchFamily="34" charset="0"/>
+                      </a:endParaRPr>
+                    </a:p>
+                  </a:txBody>
+                  <a:tcPr marL="9525" marR="9525" marT="9525" marB="0" anchor="ctr"/>
+                </a:tc>
+                <a:tc>
+                  <a:txBody>
+                    <a:bodyPr/>
+                    <a:lstStyle/>
+                    <a:p>
+                      <a:pPr algn="ctr" fontAlgn="ctr"/>
+                      <a:r>
+                        <a:rPr lang="en-US" sz="1100" u="none" strike="noStrike">
+                          <a:effectLst/>
+                        </a:rPr>
+                        <a:t>7.00</a:t>
+                      </a:r>
+                      <a:endParaRPr lang="en-US" sz="1100" b="0" i="0" u="none" strike="noStrike">
+                        <a:solidFill>
+                          <a:srgbClr val="000000"/>
+                        </a:solidFill>
+                        <a:effectLst/>
+                        <a:latin typeface="Calibri" panose="020F0502020204030204" pitchFamily="34" charset="0"/>
+                      </a:endParaRPr>
+                    </a:p>
+                  </a:txBody>
+                  <a:tcPr marL="9525" marR="9525" marT="9525" marB="0" anchor="ctr"/>
+                </a:tc>
+                <a:tc>
+                  <a:txBody>
+                    <a:bodyPr/>
+                    <a:lstStyle/>
+                    <a:p>
+                      <a:pPr algn="ctr" fontAlgn="ctr"/>
+                      <a:r>
+                        <a:rPr lang="en-US" sz="1100" u="none" strike="noStrike">
+                          <a:effectLst/>
+                        </a:rPr>
+                        <a:t>0.33</a:t>
+                      </a:r>
+                      <a:endParaRPr lang="en-US" sz="1100" b="0" i="0" u="none" strike="noStrike">
+                        <a:solidFill>
+                          <a:srgbClr val="000000"/>
+                        </a:solidFill>
+                        <a:effectLst/>
+                        <a:latin typeface="Calibri" panose="020F0502020204030204" pitchFamily="34" charset="0"/>
+                      </a:endParaRPr>
+                    </a:p>
+                  </a:txBody>
+                  <a:tcPr marL="9525" marR="9525" marT="9525" marB="0" anchor="ctr"/>
+                </a:tc>
+                <a:tc>
+                  <a:txBody>
+                    <a:bodyPr/>
+                    <a:lstStyle/>
+                    <a:p>
+                      <a:pPr algn="ctr" fontAlgn="ctr"/>
+                      <a:r>
+                        <a:rPr lang="en-US" sz="1100" u="none" strike="noStrike">
+                          <a:effectLst/>
+                        </a:rPr>
+                        <a:t>0.20</a:t>
+                      </a:r>
+                      <a:endParaRPr lang="en-US" sz="1100" b="0" i="0" u="none" strike="noStrike">
+                        <a:solidFill>
+                          <a:srgbClr val="000000"/>
+                        </a:solidFill>
+                        <a:effectLst/>
+                        <a:latin typeface="Calibri" panose="020F0502020204030204" pitchFamily="34" charset="0"/>
+                      </a:endParaRPr>
+                    </a:p>
+                  </a:txBody>
+                  <a:tcPr marL="9525" marR="9525" marT="9525" marB="0" anchor="ctr"/>
+                </a:tc>
+                <a:extLst>
+                  <a:ext uri="{0D108BD9-81ED-4DB2-BD59-A6C34878D82A}">
+                    <a16:rowId xmlns:a16="http://schemas.microsoft.com/office/drawing/2014/main" val="1944239731"/>
+                  </a:ext>
+                </a:extLst>
+              </a:tr>
+              <a:tr h="723172">
+                <a:tc>
+                  <a:txBody>
+                    <a:bodyPr/>
+                    <a:lstStyle/>
+                    <a:p>
+                      <a:pPr algn="ctr" fontAlgn="ctr"/>
+                      <a:r>
+                        <a:rPr lang="en-US" sz="1100" u="none" strike="noStrike" dirty="0">
+                          <a:solidFill>
+                            <a:schemeClr val="tx1"/>
+                          </a:solidFill>
+                          <a:effectLst/>
+                        </a:rPr>
+                        <a:t>Safety</a:t>
+                      </a:r>
+                      <a:endParaRPr lang="en-US" sz="1100" b="0" i="0" u="none" strike="noStrike" dirty="0">
+                        <a:solidFill>
+                          <a:schemeClr val="tx1"/>
+                        </a:solidFill>
+                        <a:effectLst/>
+                        <a:latin typeface="Calibri" panose="020F0502020204030204" pitchFamily="34" charset="0"/>
+                      </a:endParaRPr>
+                    </a:p>
+                  </a:txBody>
+                  <a:tcPr marL="9525" marR="9525" marT="9525" marB="0" anchor="ctr">
+                    <a:solidFill>
+                      <a:schemeClr val="bg2">
+                        <a:lumMod val="75000"/>
+                      </a:schemeClr>
+                    </a:solidFill>
+                  </a:tcPr>
+                </a:tc>
+                <a:tc>
+                  <a:txBody>
+                    <a:bodyPr/>
+                    <a:lstStyle/>
+                    <a:p>
+                      <a:pPr algn="ctr" fontAlgn="ctr"/>
+                      <a:r>
+                        <a:rPr lang="en-US" sz="1100" u="none" strike="noStrike">
+                          <a:effectLst/>
+                        </a:rPr>
+                        <a:t>0.33</a:t>
+                      </a:r>
+                      <a:endParaRPr lang="en-US" sz="1100" b="0" i="0" u="none" strike="noStrike">
+                        <a:solidFill>
+                          <a:srgbClr val="000000"/>
+                        </a:solidFill>
+                        <a:effectLst/>
+                        <a:latin typeface="Calibri" panose="020F0502020204030204" pitchFamily="34" charset="0"/>
+                      </a:endParaRPr>
+                    </a:p>
+                  </a:txBody>
+                  <a:tcPr marL="9525" marR="9525" marT="9525" marB="0" anchor="ctr"/>
+                </a:tc>
+                <a:tc>
+                  <a:txBody>
+                    <a:bodyPr/>
+                    <a:lstStyle/>
+                    <a:p>
+                      <a:pPr algn="ctr" fontAlgn="ctr"/>
+                      <a:r>
+                        <a:rPr lang="en-US" sz="1100" u="none" strike="noStrike">
+                          <a:effectLst/>
+                        </a:rPr>
+                        <a:t>0.14</a:t>
+                      </a:r>
+                      <a:endParaRPr lang="en-US" sz="1100" b="0" i="0" u="none" strike="noStrike">
+                        <a:solidFill>
+                          <a:srgbClr val="000000"/>
+                        </a:solidFill>
+                        <a:effectLst/>
+                        <a:latin typeface="Calibri" panose="020F0502020204030204" pitchFamily="34" charset="0"/>
+                      </a:endParaRPr>
+                    </a:p>
+                  </a:txBody>
+                  <a:tcPr marL="9525" marR="9525" marT="9525" marB="0" anchor="ctr"/>
+                </a:tc>
+                <a:tc>
+                  <a:txBody>
+                    <a:bodyPr/>
+                    <a:lstStyle/>
+                    <a:p>
+                      <a:pPr algn="ctr" fontAlgn="ctr"/>
+                      <a:r>
+                        <a:rPr lang="en-US" sz="1100" u="none" strike="noStrike">
+                          <a:effectLst/>
+                        </a:rPr>
+                        <a:t>0.20</a:t>
+                      </a:r>
+                      <a:endParaRPr lang="en-US" sz="1100" b="0" i="0" u="none" strike="noStrike">
+                        <a:solidFill>
+                          <a:srgbClr val="000000"/>
+                        </a:solidFill>
+                        <a:effectLst/>
+                        <a:latin typeface="Calibri" panose="020F0502020204030204" pitchFamily="34" charset="0"/>
+                      </a:endParaRPr>
+                    </a:p>
+                  </a:txBody>
+                  <a:tcPr marL="9525" marR="9525" marT="9525" marB="0" anchor="ctr"/>
+                </a:tc>
+                <a:tc>
+                  <a:txBody>
+                    <a:bodyPr/>
+                    <a:lstStyle/>
+                    <a:p>
+                      <a:pPr algn="ctr" fontAlgn="ctr"/>
+                      <a:r>
+                        <a:rPr lang="en-US" sz="1100" u="none" strike="noStrike">
+                          <a:effectLst/>
+                        </a:rPr>
+                        <a:t>0.14</a:t>
+                      </a:r>
+                      <a:endParaRPr lang="en-US" sz="1100" b="0" i="0" u="none" strike="noStrike">
+                        <a:solidFill>
+                          <a:srgbClr val="000000"/>
+                        </a:solidFill>
+                        <a:effectLst/>
+                        <a:latin typeface="Calibri" panose="020F0502020204030204" pitchFamily="34" charset="0"/>
+                      </a:endParaRPr>
+                    </a:p>
+                  </a:txBody>
+                  <a:tcPr marL="9525" marR="9525" marT="9525" marB="0" anchor="ctr"/>
+                </a:tc>
+                <a:tc>
+                  <a:txBody>
+                    <a:bodyPr/>
+                    <a:lstStyle/>
+                    <a:p>
+                      <a:pPr algn="ctr" fontAlgn="ctr"/>
+                      <a:r>
+                        <a:rPr lang="en-US" sz="1100" u="none" strike="noStrike">
+                          <a:effectLst/>
+                        </a:rPr>
+                        <a:t>1.00</a:t>
+                      </a:r>
+                      <a:endParaRPr lang="en-US" sz="1100" b="0" i="0" u="none" strike="noStrike">
+                        <a:solidFill>
+                          <a:srgbClr val="000000"/>
+                        </a:solidFill>
+                        <a:effectLst/>
+                        <a:latin typeface="Calibri" panose="020F0502020204030204" pitchFamily="34" charset="0"/>
+                      </a:endParaRPr>
+                    </a:p>
+                  </a:txBody>
+                  <a:tcPr marL="9525" marR="9525" marT="9525" marB="0" anchor="ctr"/>
+                </a:tc>
+                <a:tc>
+                  <a:txBody>
+                    <a:bodyPr/>
+                    <a:lstStyle/>
+                    <a:p>
+                      <a:pPr algn="ctr" fontAlgn="ctr"/>
+                      <a:r>
+                        <a:rPr lang="en-US" sz="1100" u="none" strike="noStrike">
+                          <a:effectLst/>
+                        </a:rPr>
+                        <a:t>0.33</a:t>
+                      </a:r>
+                      <a:endParaRPr lang="en-US" sz="1100" b="0" i="0" u="none" strike="noStrike">
+                        <a:solidFill>
+                          <a:srgbClr val="000000"/>
+                        </a:solidFill>
+                        <a:effectLst/>
+                        <a:latin typeface="Calibri" panose="020F0502020204030204" pitchFamily="34" charset="0"/>
+                      </a:endParaRPr>
+                    </a:p>
+                  </a:txBody>
+                  <a:tcPr marL="9525" marR="9525" marT="9525" marB="0" anchor="ctr"/>
+                </a:tc>
+                <a:tc>
+                  <a:txBody>
+                    <a:bodyPr/>
+                    <a:lstStyle/>
+                    <a:p>
+                      <a:pPr algn="ctr" fontAlgn="ctr"/>
+                      <a:r>
+                        <a:rPr lang="en-US" sz="1100" u="none" strike="noStrike">
+                          <a:effectLst/>
+                        </a:rPr>
+                        <a:t>0.14</a:t>
+                      </a:r>
+                      <a:endParaRPr lang="en-US" sz="1100" b="0" i="0" u="none" strike="noStrike">
+                        <a:solidFill>
+                          <a:srgbClr val="000000"/>
+                        </a:solidFill>
+                        <a:effectLst/>
+                        <a:latin typeface="Calibri" panose="020F0502020204030204" pitchFamily="34" charset="0"/>
+                      </a:endParaRPr>
+                    </a:p>
+                  </a:txBody>
+                  <a:tcPr marL="9525" marR="9525" marT="9525" marB="0" anchor="ctr"/>
+                </a:tc>
+                <a:extLst>
+                  <a:ext uri="{0D108BD9-81ED-4DB2-BD59-A6C34878D82A}">
+                    <a16:rowId xmlns:a16="http://schemas.microsoft.com/office/drawing/2014/main" val="3928034718"/>
+                  </a:ext>
+                </a:extLst>
+              </a:tr>
+              <a:tr h="723172">
+                <a:tc>
+                  <a:txBody>
+                    <a:bodyPr/>
+                    <a:lstStyle/>
+                    <a:p>
+                      <a:pPr algn="ctr" fontAlgn="ctr"/>
+                      <a:r>
+                        <a:rPr lang="en-US" sz="1100" u="none" strike="noStrike" dirty="0">
+                          <a:solidFill>
+                            <a:schemeClr val="tx1"/>
+                          </a:solidFill>
+                          <a:effectLst/>
+                        </a:rPr>
+                        <a:t>Mobility</a:t>
+                      </a:r>
+                      <a:endParaRPr lang="en-US" sz="1100" b="0" i="0" u="none" strike="noStrike" dirty="0">
+                        <a:solidFill>
+                          <a:schemeClr val="tx1"/>
+                        </a:solidFill>
+                        <a:effectLst/>
+                        <a:latin typeface="Calibri" panose="020F0502020204030204" pitchFamily="34" charset="0"/>
+                      </a:endParaRPr>
+                    </a:p>
+                  </a:txBody>
+                  <a:tcPr marL="9525" marR="9525" marT="9525" marB="0" anchor="ctr">
+                    <a:solidFill>
+                      <a:schemeClr val="bg2">
+                        <a:lumMod val="75000"/>
+                      </a:schemeClr>
+                    </a:solidFill>
+                  </a:tcPr>
+                </a:tc>
+                <a:tc>
+                  <a:txBody>
+                    <a:bodyPr/>
+                    <a:lstStyle/>
+                    <a:p>
+                      <a:pPr algn="ctr" fontAlgn="ctr"/>
+                      <a:r>
+                        <a:rPr lang="en-US" sz="1100" u="none" strike="noStrike">
+                          <a:effectLst/>
+                        </a:rPr>
+                        <a:t>5.00</a:t>
+                      </a:r>
+                      <a:endParaRPr lang="en-US" sz="1100" b="0" i="0" u="none" strike="noStrike">
+                        <a:solidFill>
+                          <a:srgbClr val="000000"/>
+                        </a:solidFill>
+                        <a:effectLst/>
+                        <a:latin typeface="Calibri" panose="020F0502020204030204" pitchFamily="34" charset="0"/>
+                      </a:endParaRPr>
+                    </a:p>
+                  </a:txBody>
+                  <a:tcPr marL="9525" marR="9525" marT="9525" marB="0" anchor="ctr"/>
+                </a:tc>
+                <a:tc>
+                  <a:txBody>
+                    <a:bodyPr/>
+                    <a:lstStyle/>
+                    <a:p>
+                      <a:pPr algn="ctr" fontAlgn="ctr"/>
+                      <a:r>
+                        <a:rPr lang="en-US" sz="1100" u="none" strike="noStrike">
+                          <a:effectLst/>
+                        </a:rPr>
+                        <a:t>0.20</a:t>
+                      </a:r>
+                      <a:endParaRPr lang="en-US" sz="1100" b="0" i="0" u="none" strike="noStrike">
+                        <a:solidFill>
+                          <a:srgbClr val="000000"/>
+                        </a:solidFill>
+                        <a:effectLst/>
+                        <a:latin typeface="Calibri" panose="020F0502020204030204" pitchFamily="34" charset="0"/>
+                      </a:endParaRPr>
+                    </a:p>
+                  </a:txBody>
+                  <a:tcPr marL="9525" marR="9525" marT="9525" marB="0" anchor="ctr"/>
+                </a:tc>
+                <a:tc>
+                  <a:txBody>
+                    <a:bodyPr/>
+                    <a:lstStyle/>
+                    <a:p>
+                      <a:pPr algn="ctr" fontAlgn="ctr"/>
+                      <a:r>
+                        <a:rPr lang="en-US" sz="1100" u="none" strike="noStrike">
+                          <a:effectLst/>
+                        </a:rPr>
+                        <a:t>5.00</a:t>
+                      </a:r>
+                      <a:endParaRPr lang="en-US" sz="1100" b="0" i="0" u="none" strike="noStrike">
+                        <a:solidFill>
+                          <a:srgbClr val="000000"/>
+                        </a:solidFill>
+                        <a:effectLst/>
+                        <a:latin typeface="Calibri" panose="020F0502020204030204" pitchFamily="34" charset="0"/>
+                      </a:endParaRPr>
+                    </a:p>
+                  </a:txBody>
+                  <a:tcPr marL="9525" marR="9525" marT="9525" marB="0" anchor="ctr"/>
+                </a:tc>
+                <a:tc>
+                  <a:txBody>
+                    <a:bodyPr/>
+                    <a:lstStyle/>
+                    <a:p>
+                      <a:pPr algn="ctr" fontAlgn="ctr"/>
+                      <a:r>
+                        <a:rPr lang="en-US" sz="1100" u="none" strike="noStrike">
+                          <a:effectLst/>
+                        </a:rPr>
+                        <a:t>3.00</a:t>
+                      </a:r>
+                      <a:endParaRPr lang="en-US" sz="1100" b="0" i="0" u="none" strike="noStrike">
+                        <a:solidFill>
+                          <a:srgbClr val="000000"/>
+                        </a:solidFill>
+                        <a:effectLst/>
+                        <a:latin typeface="Calibri" panose="020F0502020204030204" pitchFamily="34" charset="0"/>
+                      </a:endParaRPr>
+                    </a:p>
+                  </a:txBody>
+                  <a:tcPr marL="9525" marR="9525" marT="9525" marB="0" anchor="ctr"/>
+                </a:tc>
+                <a:tc>
+                  <a:txBody>
+                    <a:bodyPr/>
+                    <a:lstStyle/>
+                    <a:p>
+                      <a:pPr algn="ctr" fontAlgn="ctr"/>
+                      <a:r>
+                        <a:rPr lang="en-US" sz="1100" u="none" strike="noStrike">
+                          <a:effectLst/>
+                        </a:rPr>
+                        <a:t>3.00</a:t>
+                      </a:r>
+                      <a:endParaRPr lang="en-US" sz="1100" b="0" i="0" u="none" strike="noStrike">
+                        <a:solidFill>
+                          <a:srgbClr val="000000"/>
+                        </a:solidFill>
+                        <a:effectLst/>
+                        <a:latin typeface="Calibri" panose="020F0502020204030204" pitchFamily="34" charset="0"/>
+                      </a:endParaRPr>
+                    </a:p>
+                  </a:txBody>
+                  <a:tcPr marL="9525" marR="9525" marT="9525" marB="0" anchor="ctr"/>
+                </a:tc>
+                <a:tc>
+                  <a:txBody>
+                    <a:bodyPr/>
+                    <a:lstStyle/>
+                    <a:p>
+                      <a:pPr algn="ctr" fontAlgn="ctr"/>
+                      <a:r>
+                        <a:rPr lang="en-US" sz="1100" u="none" strike="noStrike">
+                          <a:effectLst/>
+                        </a:rPr>
+                        <a:t>1.00</a:t>
+                      </a:r>
+                      <a:endParaRPr lang="en-US" sz="1100" b="0" i="0" u="none" strike="noStrike">
+                        <a:solidFill>
+                          <a:srgbClr val="000000"/>
+                        </a:solidFill>
+                        <a:effectLst/>
+                        <a:latin typeface="Calibri" panose="020F0502020204030204" pitchFamily="34" charset="0"/>
+                      </a:endParaRPr>
+                    </a:p>
+                  </a:txBody>
+                  <a:tcPr marL="9525" marR="9525" marT="9525" marB="0" anchor="ctr"/>
+                </a:tc>
+                <a:tc>
+                  <a:txBody>
+                    <a:bodyPr/>
+                    <a:lstStyle/>
+                    <a:p>
+                      <a:pPr algn="ctr" fontAlgn="ctr"/>
+                      <a:r>
+                        <a:rPr lang="en-US" sz="1100" u="none" strike="noStrike">
+                          <a:effectLst/>
+                        </a:rPr>
+                        <a:t>0.33</a:t>
+                      </a:r>
+                      <a:endParaRPr lang="en-US" sz="1100" b="0" i="0" u="none" strike="noStrike">
+                        <a:solidFill>
+                          <a:srgbClr val="000000"/>
+                        </a:solidFill>
+                        <a:effectLst/>
+                        <a:latin typeface="Calibri" panose="020F0502020204030204" pitchFamily="34" charset="0"/>
+                      </a:endParaRPr>
+                    </a:p>
+                  </a:txBody>
+                  <a:tcPr marL="9525" marR="9525" marT="9525" marB="0" anchor="ctr"/>
+                </a:tc>
+                <a:extLst>
+                  <a:ext uri="{0D108BD9-81ED-4DB2-BD59-A6C34878D82A}">
+                    <a16:rowId xmlns:a16="http://schemas.microsoft.com/office/drawing/2014/main" val="2549740792"/>
+                  </a:ext>
+                </a:extLst>
+              </a:tr>
+              <a:tr h="723172">
+                <a:tc>
+                  <a:txBody>
+                    <a:bodyPr/>
+                    <a:lstStyle/>
+                    <a:p>
+                      <a:pPr algn="ctr" fontAlgn="ctr"/>
+                      <a:r>
+                        <a:rPr lang="en-US" sz="1100" u="none" strike="noStrike" dirty="0">
+                          <a:solidFill>
+                            <a:schemeClr val="tx1"/>
+                          </a:solidFill>
+                          <a:effectLst/>
+                        </a:rPr>
+                        <a:t>Complexity</a:t>
+                      </a:r>
+                      <a:endParaRPr lang="en-US" sz="1100" b="0" i="0" u="none" strike="noStrike" dirty="0">
+                        <a:solidFill>
+                          <a:schemeClr val="tx1"/>
+                        </a:solidFill>
+                        <a:effectLst/>
+                        <a:latin typeface="Calibri" panose="020F0502020204030204" pitchFamily="34" charset="0"/>
+                      </a:endParaRPr>
+                    </a:p>
+                  </a:txBody>
+                  <a:tcPr marL="9525" marR="9525" marT="9525" marB="0" anchor="ctr">
+                    <a:solidFill>
+                      <a:schemeClr val="bg2">
+                        <a:lumMod val="75000"/>
+                      </a:schemeClr>
+                    </a:solidFill>
+                  </a:tcPr>
+                </a:tc>
+                <a:tc>
+                  <a:txBody>
+                    <a:bodyPr/>
+                    <a:lstStyle/>
+                    <a:p>
+                      <a:pPr algn="ctr" fontAlgn="ctr"/>
+                      <a:r>
+                        <a:rPr lang="en-US" sz="1100" u="none" strike="noStrike">
+                          <a:effectLst/>
+                        </a:rPr>
+                        <a:t>9.00</a:t>
+                      </a:r>
+                      <a:endParaRPr lang="en-US" sz="1100" b="0" i="0" u="none" strike="noStrike">
+                        <a:solidFill>
+                          <a:srgbClr val="000000"/>
+                        </a:solidFill>
+                        <a:effectLst/>
+                        <a:latin typeface="Calibri" panose="020F0502020204030204" pitchFamily="34" charset="0"/>
+                      </a:endParaRPr>
+                    </a:p>
+                  </a:txBody>
+                  <a:tcPr marL="9525" marR="9525" marT="9525" marB="0" anchor="ctr"/>
+                </a:tc>
+                <a:tc>
+                  <a:txBody>
+                    <a:bodyPr/>
+                    <a:lstStyle/>
+                    <a:p>
+                      <a:pPr algn="ctr" fontAlgn="ctr"/>
+                      <a:r>
+                        <a:rPr lang="en-US" sz="1100" u="none" strike="noStrike">
+                          <a:effectLst/>
+                        </a:rPr>
+                        <a:t>7.00</a:t>
+                      </a:r>
+                      <a:endParaRPr lang="en-US" sz="1100" b="0" i="0" u="none" strike="noStrike">
+                        <a:solidFill>
+                          <a:srgbClr val="000000"/>
+                        </a:solidFill>
+                        <a:effectLst/>
+                        <a:latin typeface="Calibri" panose="020F0502020204030204" pitchFamily="34" charset="0"/>
+                      </a:endParaRPr>
+                    </a:p>
+                  </a:txBody>
+                  <a:tcPr marL="9525" marR="9525" marT="9525" marB="0" anchor="ctr"/>
+                </a:tc>
+                <a:tc>
+                  <a:txBody>
+                    <a:bodyPr/>
+                    <a:lstStyle/>
+                    <a:p>
+                      <a:pPr algn="ctr" fontAlgn="ctr"/>
+                      <a:r>
+                        <a:rPr lang="en-US" sz="1100" u="none" strike="noStrike">
+                          <a:effectLst/>
+                        </a:rPr>
+                        <a:t>1.00</a:t>
+                      </a:r>
+                      <a:endParaRPr lang="en-US" sz="1100" b="0" i="0" u="none" strike="noStrike">
+                        <a:solidFill>
+                          <a:srgbClr val="000000"/>
+                        </a:solidFill>
+                        <a:effectLst/>
+                        <a:latin typeface="Calibri" panose="020F0502020204030204" pitchFamily="34" charset="0"/>
+                      </a:endParaRPr>
+                    </a:p>
+                  </a:txBody>
+                  <a:tcPr marL="9525" marR="9525" marT="9525" marB="0" anchor="ctr"/>
+                </a:tc>
+                <a:tc>
+                  <a:txBody>
+                    <a:bodyPr/>
+                    <a:lstStyle/>
+                    <a:p>
+                      <a:pPr algn="ctr" fontAlgn="ctr"/>
+                      <a:r>
+                        <a:rPr lang="en-US" sz="1100" u="none" strike="noStrike">
+                          <a:effectLst/>
+                        </a:rPr>
+                        <a:t>5.00</a:t>
+                      </a:r>
+                      <a:endParaRPr lang="en-US" sz="1100" b="0" i="0" u="none" strike="noStrike">
+                        <a:solidFill>
+                          <a:srgbClr val="000000"/>
+                        </a:solidFill>
+                        <a:effectLst/>
+                        <a:latin typeface="Calibri" panose="020F0502020204030204" pitchFamily="34" charset="0"/>
+                      </a:endParaRPr>
+                    </a:p>
+                  </a:txBody>
+                  <a:tcPr marL="9525" marR="9525" marT="9525" marB="0" anchor="ctr"/>
+                </a:tc>
+                <a:tc>
+                  <a:txBody>
+                    <a:bodyPr/>
+                    <a:lstStyle/>
+                    <a:p>
+                      <a:pPr algn="ctr" fontAlgn="ctr"/>
+                      <a:r>
+                        <a:rPr lang="en-US" sz="1100" u="none" strike="noStrike">
+                          <a:effectLst/>
+                        </a:rPr>
+                        <a:t>7.00</a:t>
+                      </a:r>
+                      <a:endParaRPr lang="en-US" sz="1100" b="0" i="0" u="none" strike="noStrike">
+                        <a:solidFill>
+                          <a:srgbClr val="000000"/>
+                        </a:solidFill>
+                        <a:effectLst/>
+                        <a:latin typeface="Calibri" panose="020F0502020204030204" pitchFamily="34" charset="0"/>
+                      </a:endParaRPr>
+                    </a:p>
+                  </a:txBody>
+                  <a:tcPr marL="9525" marR="9525" marT="9525" marB="0" anchor="ctr"/>
+                </a:tc>
+                <a:tc>
+                  <a:txBody>
+                    <a:bodyPr/>
+                    <a:lstStyle/>
+                    <a:p>
+                      <a:pPr algn="ctr" fontAlgn="ctr"/>
+                      <a:r>
+                        <a:rPr lang="en-US" sz="1100" u="none" strike="noStrike">
+                          <a:effectLst/>
+                        </a:rPr>
+                        <a:t>3.00</a:t>
+                      </a:r>
+                      <a:endParaRPr lang="en-US" sz="1100" b="0" i="0" u="none" strike="noStrike">
+                        <a:solidFill>
+                          <a:srgbClr val="000000"/>
+                        </a:solidFill>
+                        <a:effectLst/>
+                        <a:latin typeface="Calibri" panose="020F0502020204030204" pitchFamily="34" charset="0"/>
+                      </a:endParaRPr>
+                    </a:p>
+                  </a:txBody>
+                  <a:tcPr marL="9525" marR="9525" marT="9525" marB="0" anchor="ctr"/>
+                </a:tc>
+                <a:tc>
+                  <a:txBody>
+                    <a:bodyPr/>
+                    <a:lstStyle/>
+                    <a:p>
+                      <a:pPr algn="ctr" fontAlgn="ctr"/>
+                      <a:r>
+                        <a:rPr lang="en-US" sz="1100" u="none" strike="noStrike" dirty="0">
+                          <a:effectLst/>
+                        </a:rPr>
+                        <a:t>1.00</a:t>
+                      </a:r>
+                      <a:endParaRPr lang="en-US" sz="1100" b="0" i="0" u="none" strike="noStrike" dirty="0">
+                        <a:solidFill>
+                          <a:srgbClr val="000000"/>
+                        </a:solidFill>
+                        <a:effectLst/>
+                        <a:latin typeface="Calibri" panose="020F0502020204030204" pitchFamily="34" charset="0"/>
+                      </a:endParaRPr>
+                    </a:p>
+                  </a:txBody>
+                  <a:tcPr marL="9525" marR="9525" marT="9525" marB="0" anchor="ctr"/>
+                </a:tc>
+                <a:extLst>
+                  <a:ext uri="{0D108BD9-81ED-4DB2-BD59-A6C34878D82A}">
+                    <a16:rowId xmlns:a16="http://schemas.microsoft.com/office/drawing/2014/main" val="748956236"/>
+                  </a:ext>
+                </a:extLst>
+              </a:tr>
+            </a:tbl>
+          </a:graphicData>
+        </a:graphic>
+      </p:graphicFrame>
+    </p:spTree>
+    <p:extLst>
+      <p:ext uri="{BB962C8B-B14F-4D97-AF65-F5344CB8AC3E}">
+        <p14:creationId xmlns:p14="http://schemas.microsoft.com/office/powerpoint/2010/main" val="263198680"/>
+      </p:ext>
+    </p:extLst>
+  </p:cSld>
+  <p:clrMapOvr>
+    <a:masterClrMapping/>
+  </p:clrMapOvr>
+</p:sld>
+</file>
+
+<file path=ppt/slides/slide22.xml><?xml version="1.0" encoding="utf-8"?>
+<p:sld xmlns:a="http://schemas.openxmlformats.org/drawingml/2006/main" xmlns:r="http://schemas.openxmlformats.org/officeDocument/2006/relationships" xmlns:p="http://schemas.openxmlformats.org/presentationml/2006/main">
+  <p:cSld>
+    <p:spTree>
+      <p:nvGrpSpPr>
+        <p:cNvPr id="1" name=""/>
+        <p:cNvGrpSpPr/>
+        <p:nvPr/>
+      </p:nvGrpSpPr>
+      <p:grpSpPr>
+        <a:xfrm>
+          <a:off x="0" y="0"/>
+          <a:ext cx="0" cy="0"/>
+          <a:chOff x="0" y="0"/>
+          <a:chExt cx="0" cy="0"/>
+        </a:xfrm>
+      </p:grpSpPr>
+      <p:sp>
+        <p:nvSpPr>
+          <p:cNvPr id="2" name="Title 1">
+            <a:extLst>
+              <a:ext uri="{FF2B5EF4-FFF2-40B4-BE49-F238E27FC236}">
+                <a16:creationId xmlns:a16="http://schemas.microsoft.com/office/drawing/2014/main" id="{5E72CD05-7C87-4DFC-A0B9-10417F1AA656}"/>
+              </a:ext>
+            </a:extLst>
+          </p:cNvPr>
+          <p:cNvSpPr>
+            <a:spLocks noGrp="1"/>
+          </p:cNvSpPr>
+          <p:nvPr>
+            <p:ph type="title"/>
+          </p:nvPr>
+        </p:nvSpPr>
+        <p:spPr/>
+        <p:txBody>
+          <a:bodyPr/>
+          <a:lstStyle/>
+          <a:p>
+            <a:endParaRPr lang="en-US"/>
+          </a:p>
+        </p:txBody>
+      </p:sp>
+      <p:graphicFrame>
+        <p:nvGraphicFramePr>
+          <p:cNvPr id="3" name="Table 2">
+            <a:extLst>
+              <a:ext uri="{FF2B5EF4-FFF2-40B4-BE49-F238E27FC236}">
+                <a16:creationId xmlns:a16="http://schemas.microsoft.com/office/drawing/2014/main" id="{5CA7A754-A1C4-44A0-AED5-962FC4D89848}"/>
+              </a:ext>
+            </a:extLst>
+          </p:cNvPr>
+          <p:cNvGraphicFramePr>
+            <a:graphicFrameLocks noGrp="1"/>
+          </p:cNvGraphicFramePr>
+          <p:nvPr>
+            <p:extLst>
+              <p:ext uri="{D42A27DB-BD31-4B8C-83A1-F6EECF244321}">
+                <p14:modId xmlns:p14="http://schemas.microsoft.com/office/powerpoint/2010/main" val="2048444108"/>
+              </p:ext>
+            </p:extLst>
+          </p:nvPr>
+        </p:nvGraphicFramePr>
+        <p:xfrm>
+          <a:off x="684212" y="281354"/>
+          <a:ext cx="9866555" cy="6049111"/>
+        </p:xfrm>
+        <a:graphic>
+          <a:graphicData uri="http://schemas.openxmlformats.org/drawingml/2006/table">
+            <a:tbl>
+              <a:tblPr>
+                <a:tableStyleId>{5C22544A-7EE6-4342-B048-85BDC9FD1C3A}</a:tableStyleId>
+              </a:tblPr>
+              <a:tblGrid>
+                <a:gridCol w="1174809">
+                  <a:extLst>
+                    <a:ext uri="{9D8B030D-6E8A-4147-A177-3AD203B41FA5}">
+                      <a16:colId xmlns:a16="http://schemas.microsoft.com/office/drawing/2014/main" val="829821777"/>
+                    </a:ext>
+                  </a:extLst>
+                </a:gridCol>
+                <a:gridCol w="977477">
+                  <a:extLst>
+                    <a:ext uri="{9D8B030D-6E8A-4147-A177-3AD203B41FA5}">
+                      <a16:colId xmlns:a16="http://schemas.microsoft.com/office/drawing/2014/main" val="755898979"/>
+                    </a:ext>
+                  </a:extLst>
+                </a:gridCol>
+                <a:gridCol w="977477">
+                  <a:extLst>
+                    <a:ext uri="{9D8B030D-6E8A-4147-A177-3AD203B41FA5}">
+                      <a16:colId xmlns:a16="http://schemas.microsoft.com/office/drawing/2014/main" val="1737860830"/>
+                    </a:ext>
+                  </a:extLst>
+                </a:gridCol>
+                <a:gridCol w="977477">
+                  <a:extLst>
+                    <a:ext uri="{9D8B030D-6E8A-4147-A177-3AD203B41FA5}">
+                      <a16:colId xmlns:a16="http://schemas.microsoft.com/office/drawing/2014/main" val="3617179079"/>
+                    </a:ext>
+                  </a:extLst>
+                </a:gridCol>
+                <a:gridCol w="977477">
+                  <a:extLst>
+                    <a:ext uri="{9D8B030D-6E8A-4147-A177-3AD203B41FA5}">
+                      <a16:colId xmlns:a16="http://schemas.microsoft.com/office/drawing/2014/main" val="764305869"/>
+                    </a:ext>
+                  </a:extLst>
+                </a:gridCol>
+                <a:gridCol w="977477">
+                  <a:extLst>
+                    <a:ext uri="{9D8B030D-6E8A-4147-A177-3AD203B41FA5}">
+                      <a16:colId xmlns:a16="http://schemas.microsoft.com/office/drawing/2014/main" val="3664801693"/>
+                    </a:ext>
+                  </a:extLst>
+                </a:gridCol>
+                <a:gridCol w="977477">
+                  <a:extLst>
+                    <a:ext uri="{9D8B030D-6E8A-4147-A177-3AD203B41FA5}">
+                      <a16:colId xmlns:a16="http://schemas.microsoft.com/office/drawing/2014/main" val="1239695726"/>
+                    </a:ext>
+                  </a:extLst>
+                </a:gridCol>
+                <a:gridCol w="1064670">
+                  <a:extLst>
+                    <a:ext uri="{9D8B030D-6E8A-4147-A177-3AD203B41FA5}">
+                      <a16:colId xmlns:a16="http://schemas.microsoft.com/office/drawing/2014/main" val="419290519"/>
+                    </a:ext>
+                  </a:extLst>
+                </a:gridCol>
+                <a:gridCol w="881107">
+                  <a:extLst>
+                    <a:ext uri="{9D8B030D-6E8A-4147-A177-3AD203B41FA5}">
+                      <a16:colId xmlns:a16="http://schemas.microsoft.com/office/drawing/2014/main" val="60064380"/>
+                    </a:ext>
+                  </a:extLst>
+                </a:gridCol>
+                <a:gridCol w="881107">
+                  <a:extLst>
+                    <a:ext uri="{9D8B030D-6E8A-4147-A177-3AD203B41FA5}">
+                      <a16:colId xmlns:a16="http://schemas.microsoft.com/office/drawing/2014/main" val="1272694903"/>
+                    </a:ext>
+                  </a:extLst>
+                </a:gridCol>
+              </a:tblGrid>
+              <a:tr h="442510">
+                <a:tc>
+                  <a:txBody>
+                    <a:bodyPr/>
+                    <a:lstStyle/>
+                    <a:p>
+                      <a:pPr algn="r" fontAlgn="b"/>
+                      <a:endParaRPr lang="en-US" sz="1100" b="0" i="0" u="none" strike="noStrike" dirty="0">
+                        <a:solidFill>
+                          <a:schemeClr val="tx1"/>
+                        </a:solidFill>
+                        <a:effectLst/>
+                        <a:latin typeface="Calibri" panose="020F0502020204030204" pitchFamily="34" charset="0"/>
+                      </a:endParaRPr>
+                    </a:p>
+                  </a:txBody>
+                  <a:tcPr marL="9525" marR="9525" marT="9525" marB="0" anchor="b">
+                    <a:solidFill>
+                      <a:schemeClr val="bg2">
+                        <a:lumMod val="75000"/>
+                      </a:schemeClr>
+                    </a:solidFill>
+                  </a:tcPr>
+                </a:tc>
+                <a:tc>
+                  <a:txBody>
+                    <a:bodyPr/>
+                    <a:lstStyle/>
+                    <a:p>
+                      <a:pPr algn="r" fontAlgn="b"/>
+                      <a:endParaRPr lang="en-US" sz="1100" b="0" i="0" u="none" strike="noStrike" dirty="0">
+                        <a:solidFill>
+                          <a:schemeClr val="tx1"/>
+                        </a:solidFill>
+                        <a:effectLst/>
+                        <a:latin typeface="Calibri" panose="020F0502020204030204" pitchFamily="34" charset="0"/>
+                      </a:endParaRPr>
+                    </a:p>
+                  </a:txBody>
+                  <a:tcPr marL="9525" marR="9525" marT="9525" marB="0" anchor="b">
+                    <a:solidFill>
+                      <a:schemeClr val="bg2">
+                        <a:lumMod val="75000"/>
+                      </a:schemeClr>
+                    </a:solidFill>
+                  </a:tcPr>
+                </a:tc>
+                <a:tc>
+                  <a:txBody>
+                    <a:bodyPr/>
+                    <a:lstStyle/>
+                    <a:p>
+                      <a:pPr algn="r" fontAlgn="b"/>
+                      <a:endParaRPr lang="en-US" sz="1100" b="0" i="0" u="none" strike="noStrike" dirty="0">
+                        <a:solidFill>
+                          <a:schemeClr val="tx1"/>
+                        </a:solidFill>
+                        <a:effectLst/>
+                        <a:latin typeface="Calibri" panose="020F0502020204030204" pitchFamily="34" charset="0"/>
+                      </a:endParaRPr>
+                    </a:p>
+                  </a:txBody>
+                  <a:tcPr marL="9525" marR="9525" marT="9525" marB="0" anchor="b">
+                    <a:solidFill>
+                      <a:schemeClr val="bg2">
+                        <a:lumMod val="75000"/>
+                      </a:schemeClr>
+                    </a:solidFill>
+                  </a:tcPr>
+                </a:tc>
+                <a:tc>
+                  <a:txBody>
+                    <a:bodyPr/>
+                    <a:lstStyle/>
+                    <a:p>
+                      <a:pPr algn="r" fontAlgn="b"/>
+                      <a:endParaRPr lang="en-US" sz="1100" b="0" i="0" u="none" strike="noStrike" dirty="0">
+                        <a:solidFill>
+                          <a:schemeClr val="tx1"/>
+                        </a:solidFill>
+                        <a:effectLst/>
+                        <a:latin typeface="Calibri" panose="020F0502020204030204" pitchFamily="34" charset="0"/>
+                      </a:endParaRPr>
+                    </a:p>
+                  </a:txBody>
+                  <a:tcPr marL="9525" marR="9525" marT="9525" marB="0" anchor="b">
+                    <a:solidFill>
+                      <a:schemeClr val="bg2">
+                        <a:lumMod val="75000"/>
+                      </a:schemeClr>
+                    </a:solidFill>
+                  </a:tcPr>
+                </a:tc>
+                <a:tc>
+                  <a:txBody>
+                    <a:bodyPr/>
+                    <a:lstStyle/>
+                    <a:p>
+                      <a:pPr algn="r" fontAlgn="b"/>
+                      <a:endParaRPr lang="en-US" sz="1100" b="0" i="0" u="none" strike="noStrike" dirty="0">
+                        <a:solidFill>
+                          <a:schemeClr val="tx1"/>
+                        </a:solidFill>
+                        <a:effectLst/>
+                        <a:latin typeface="Calibri" panose="020F0502020204030204" pitchFamily="34" charset="0"/>
+                      </a:endParaRPr>
+                    </a:p>
+                  </a:txBody>
+                  <a:tcPr marL="9525" marR="9525" marT="9525" marB="0" anchor="b">
+                    <a:solidFill>
+                      <a:schemeClr val="bg2">
+                        <a:lumMod val="75000"/>
+                      </a:schemeClr>
+                    </a:solidFill>
+                  </a:tcPr>
+                </a:tc>
+                <a:tc>
+                  <a:txBody>
+                    <a:bodyPr/>
+                    <a:lstStyle/>
+                    <a:p>
+                      <a:pPr algn="r" fontAlgn="b"/>
+                      <a:endParaRPr lang="en-US" sz="1100" b="0" i="0" u="none" strike="noStrike" dirty="0">
+                        <a:solidFill>
+                          <a:schemeClr val="tx1"/>
+                        </a:solidFill>
+                        <a:effectLst/>
+                        <a:latin typeface="Calibri" panose="020F0502020204030204" pitchFamily="34" charset="0"/>
+                      </a:endParaRPr>
+                    </a:p>
+                  </a:txBody>
+                  <a:tcPr marL="9525" marR="9525" marT="9525" marB="0" anchor="b">
+                    <a:solidFill>
+                      <a:schemeClr val="bg2">
+                        <a:lumMod val="75000"/>
+                      </a:schemeClr>
+                    </a:solidFill>
+                  </a:tcPr>
+                </a:tc>
+                <a:tc>
+                  <a:txBody>
+                    <a:bodyPr/>
+                    <a:lstStyle/>
+                    <a:p>
+                      <a:pPr algn="r" fontAlgn="b"/>
+                      <a:endParaRPr lang="en-US" sz="1100" b="0" i="0" u="none" strike="noStrike" dirty="0">
+                        <a:solidFill>
+                          <a:schemeClr val="tx1"/>
+                        </a:solidFill>
+                        <a:effectLst/>
+                        <a:latin typeface="Calibri" panose="020F0502020204030204" pitchFamily="34" charset="0"/>
+                      </a:endParaRPr>
+                    </a:p>
+                  </a:txBody>
+                  <a:tcPr marL="9525" marR="9525" marT="9525" marB="0" anchor="b">
+                    <a:solidFill>
+                      <a:schemeClr val="bg2">
+                        <a:lumMod val="75000"/>
+                      </a:schemeClr>
+                    </a:solidFill>
+                  </a:tcPr>
+                </a:tc>
+                <a:tc>
+                  <a:txBody>
+                    <a:bodyPr/>
+                    <a:lstStyle/>
+                    <a:p>
+                      <a:pPr algn="r" fontAlgn="b"/>
+                      <a:endParaRPr lang="en-US" sz="1100" b="0" i="0" u="none" strike="noStrike" dirty="0">
+                        <a:solidFill>
+                          <a:schemeClr val="tx1"/>
+                        </a:solidFill>
+                        <a:effectLst/>
+                        <a:latin typeface="Calibri" panose="020F0502020204030204" pitchFamily="34" charset="0"/>
+                      </a:endParaRPr>
+                    </a:p>
+                  </a:txBody>
+                  <a:tcPr marL="9525" marR="9525" marT="9525" marB="0" anchor="b">
+                    <a:solidFill>
+                      <a:schemeClr val="bg2">
+                        <a:lumMod val="75000"/>
+                      </a:schemeClr>
+                    </a:solidFill>
+                  </a:tcPr>
+                </a:tc>
+                <a:tc>
+                  <a:txBody>
+                    <a:bodyPr/>
+                    <a:lstStyle/>
+                    <a:p>
+                      <a:pPr algn="ctr" fontAlgn="b"/>
+                      <a:r>
+                        <a:rPr lang="en-US" sz="1100" u="none" strike="noStrike" dirty="0">
+                          <a:solidFill>
+                            <a:schemeClr val="tx1"/>
+                          </a:solidFill>
+                          <a:effectLst/>
+                        </a:rPr>
+                        <a:t>sum</a:t>
+                      </a:r>
+                      <a:endParaRPr lang="en-US" sz="1100" b="0" i="0" u="none" strike="noStrike" dirty="0">
+                        <a:solidFill>
+                          <a:schemeClr val="tx1"/>
+                        </a:solidFill>
+                        <a:effectLst/>
+                        <a:latin typeface="Calibri" panose="020F0502020204030204" pitchFamily="34" charset="0"/>
+                      </a:endParaRPr>
+                    </a:p>
+                  </a:txBody>
+                  <a:tcPr marL="9525" marR="9525" marT="9525" marB="0" anchor="b">
+                    <a:solidFill>
+                      <a:schemeClr val="bg2">
+                        <a:lumMod val="75000"/>
+                      </a:schemeClr>
+                    </a:solidFill>
+                  </a:tcPr>
+                </a:tc>
+                <a:tc>
+                  <a:txBody>
+                    <a:bodyPr/>
+                    <a:lstStyle/>
+                    <a:p>
+                      <a:pPr algn="r" fontAlgn="b"/>
+                      <a:r>
+                        <a:rPr lang="en-US" sz="1100" u="none" strike="noStrike" dirty="0">
+                          <a:solidFill>
+                            <a:schemeClr val="tx1"/>
+                          </a:solidFill>
+                          <a:effectLst/>
+                        </a:rPr>
+                        <a:t>average</a:t>
+                      </a:r>
+                      <a:endParaRPr lang="en-US" sz="1100" b="0" i="0" u="none" strike="noStrike" dirty="0">
+                        <a:solidFill>
+                          <a:schemeClr val="tx1"/>
+                        </a:solidFill>
+                        <a:effectLst/>
+                        <a:latin typeface="Calibri" panose="020F0502020204030204" pitchFamily="34" charset="0"/>
+                      </a:endParaRPr>
+                    </a:p>
+                  </a:txBody>
+                  <a:tcPr marL="9525" marR="9525" marT="9525" marB="0" anchor="b">
+                    <a:solidFill>
+                      <a:schemeClr val="bg2">
+                        <a:lumMod val="75000"/>
+                      </a:schemeClr>
+                    </a:solidFill>
+                  </a:tcPr>
+                </a:tc>
+                <a:extLst>
+                  <a:ext uri="{0D108BD9-81ED-4DB2-BD59-A6C34878D82A}">
+                    <a16:rowId xmlns:a16="http://schemas.microsoft.com/office/drawing/2014/main" val="2630565787"/>
+                  </a:ext>
+                </a:extLst>
+              </a:tr>
+              <a:tr h="800943">
+                <a:tc>
+                  <a:txBody>
+                    <a:bodyPr/>
+                    <a:lstStyle/>
+                    <a:p>
+                      <a:pPr algn="ctr" fontAlgn="ctr"/>
+                      <a:r>
+                        <a:rPr lang="en-US" sz="1100" u="none" strike="noStrike" dirty="0">
+                          <a:solidFill>
+                            <a:schemeClr val="tx1"/>
+                          </a:solidFill>
+                          <a:effectLst/>
+                        </a:rPr>
+                        <a:t>Reliability</a:t>
+                      </a:r>
+                      <a:endParaRPr lang="en-US" sz="1100" b="0" i="0" u="none" strike="noStrike" dirty="0">
+                        <a:solidFill>
+                          <a:schemeClr val="tx1"/>
+                        </a:solidFill>
+                        <a:effectLst/>
+                        <a:latin typeface="Calibri" panose="020F0502020204030204" pitchFamily="34" charset="0"/>
+                      </a:endParaRPr>
+                    </a:p>
+                  </a:txBody>
+                  <a:tcPr marL="9525" marR="9525" marT="9525" marB="0" anchor="ctr">
+                    <a:solidFill>
+                      <a:schemeClr val="bg2">
+                        <a:lumMod val="75000"/>
+                      </a:schemeClr>
+                    </a:solidFill>
+                  </a:tcPr>
+                </a:tc>
+                <a:tc>
+                  <a:txBody>
+                    <a:bodyPr/>
+                    <a:lstStyle/>
+                    <a:p>
+                      <a:pPr algn="ctr" fontAlgn="b"/>
+                      <a:r>
+                        <a:rPr lang="en-US" sz="1100" u="none" strike="noStrike">
+                          <a:effectLst/>
+                        </a:rPr>
+                        <a:t>0.0410959</a:t>
+                      </a:r>
+                      <a:endParaRPr lang="en-US" sz="1100" b="0" i="0" u="none" strike="noStrike">
+                        <a:solidFill>
+                          <a:srgbClr val="000000"/>
+                        </a:solidFill>
+                        <a:effectLst/>
+                        <a:latin typeface="Calibri" panose="020F0502020204030204" pitchFamily="34" charset="0"/>
+                      </a:endParaRPr>
+                    </a:p>
+                  </a:txBody>
+                  <a:tcPr marL="9525" marR="9525" marT="9525" marB="0" anchor="b"/>
+                </a:tc>
+                <a:tc>
+                  <a:txBody>
+                    <a:bodyPr/>
+                    <a:lstStyle/>
+                    <a:p>
+                      <a:pPr algn="ctr" fontAlgn="b"/>
+                      <a:r>
+                        <a:rPr lang="en-US" sz="1100" u="none" strike="noStrike">
+                          <a:effectLst/>
+                        </a:rPr>
+                        <a:t>0.0137525</a:t>
+                      </a:r>
+                      <a:endParaRPr lang="en-US" sz="1100" b="0" i="0" u="none" strike="noStrike">
+                        <a:solidFill>
+                          <a:srgbClr val="000000"/>
+                        </a:solidFill>
+                        <a:effectLst/>
+                        <a:latin typeface="Calibri" panose="020F0502020204030204" pitchFamily="34" charset="0"/>
+                      </a:endParaRPr>
+                    </a:p>
+                  </a:txBody>
+                  <a:tcPr marL="9525" marR="9525" marT="9525" marB="0" anchor="b"/>
+                </a:tc>
+                <a:tc>
+                  <a:txBody>
+                    <a:bodyPr/>
+                    <a:lstStyle/>
+                    <a:p>
+                      <a:pPr algn="ctr" fontAlgn="b"/>
+                      <a:r>
+                        <a:rPr lang="en-US" sz="1100" u="none" strike="noStrike">
+                          <a:effectLst/>
+                        </a:rPr>
+                        <a:t>0.0289017</a:t>
+                      </a:r>
+                      <a:endParaRPr lang="en-US" sz="1100" b="0" i="0" u="none" strike="noStrike">
+                        <a:solidFill>
+                          <a:srgbClr val="000000"/>
+                        </a:solidFill>
+                        <a:effectLst/>
+                        <a:latin typeface="Calibri" panose="020F0502020204030204" pitchFamily="34" charset="0"/>
+                      </a:endParaRPr>
+                    </a:p>
+                  </a:txBody>
+                  <a:tcPr marL="9525" marR="9525" marT="9525" marB="0" anchor="b"/>
+                </a:tc>
+                <a:tc>
+                  <a:txBody>
+                    <a:bodyPr/>
+                    <a:lstStyle/>
+                    <a:p>
+                      <a:pPr algn="ctr" fontAlgn="b"/>
+                      <a:r>
+                        <a:rPr lang="en-US" sz="1100" u="none" strike="noStrike">
+                          <a:effectLst/>
+                        </a:rPr>
+                        <a:t>0.0936664</a:t>
+                      </a:r>
+                      <a:endParaRPr lang="en-US" sz="1100" b="0" i="0" u="none" strike="noStrike">
+                        <a:solidFill>
+                          <a:srgbClr val="000000"/>
+                        </a:solidFill>
+                        <a:effectLst/>
+                        <a:latin typeface="Calibri" panose="020F0502020204030204" pitchFamily="34" charset="0"/>
+                      </a:endParaRPr>
+                    </a:p>
+                  </a:txBody>
+                  <a:tcPr marL="9525" marR="9525" marT="9525" marB="0" anchor="b"/>
+                </a:tc>
+                <a:tc>
+                  <a:txBody>
+                    <a:bodyPr/>
+                    <a:lstStyle/>
+                    <a:p>
+                      <a:pPr algn="ctr" fontAlgn="b"/>
+                      <a:r>
+                        <a:rPr lang="en-US" sz="1100" u="none" strike="noStrike">
+                          <a:effectLst/>
+                        </a:rPr>
+                        <a:t>0.0909091</a:t>
+                      </a:r>
+                      <a:endParaRPr lang="en-US" sz="1100" b="0" i="0" u="none" strike="noStrike">
+                        <a:solidFill>
+                          <a:srgbClr val="000000"/>
+                        </a:solidFill>
+                        <a:effectLst/>
+                        <a:latin typeface="Calibri" panose="020F0502020204030204" pitchFamily="34" charset="0"/>
+                      </a:endParaRPr>
+                    </a:p>
+                  </a:txBody>
+                  <a:tcPr marL="9525" marR="9525" marT="9525" marB="0" anchor="b"/>
+                </a:tc>
+                <a:tc>
+                  <a:txBody>
+                    <a:bodyPr/>
+                    <a:lstStyle/>
+                    <a:p>
+                      <a:pPr algn="ctr" fontAlgn="b"/>
+                      <a:r>
+                        <a:rPr lang="en-US" sz="1100" u="none" strike="noStrike">
+                          <a:effectLst/>
+                        </a:rPr>
+                        <a:t>0.0198675</a:t>
+                      </a:r>
+                      <a:endParaRPr lang="en-US" sz="1100" b="0" i="0" u="none" strike="noStrike">
+                        <a:solidFill>
+                          <a:srgbClr val="000000"/>
+                        </a:solidFill>
+                        <a:effectLst/>
+                        <a:latin typeface="Calibri" panose="020F0502020204030204" pitchFamily="34" charset="0"/>
+                      </a:endParaRPr>
+                    </a:p>
+                  </a:txBody>
+                  <a:tcPr marL="9525" marR="9525" marT="9525" marB="0" anchor="b"/>
+                </a:tc>
+                <a:tc>
+                  <a:txBody>
+                    <a:bodyPr/>
+                    <a:lstStyle/>
+                    <a:p>
+                      <a:pPr algn="ctr" fontAlgn="b"/>
+                      <a:r>
+                        <a:rPr lang="en-US" sz="1100" u="none" strike="noStrike">
+                          <a:effectLst/>
+                        </a:rPr>
+                        <a:t>0.03791983</a:t>
+                      </a:r>
+                      <a:endParaRPr lang="en-US" sz="1100" b="0" i="0" u="none" strike="noStrike">
+                        <a:solidFill>
+                          <a:srgbClr val="000000"/>
+                        </a:solidFill>
+                        <a:effectLst/>
+                        <a:latin typeface="Calibri" panose="020F0502020204030204" pitchFamily="34" charset="0"/>
+                      </a:endParaRPr>
+                    </a:p>
+                  </a:txBody>
+                  <a:tcPr marL="9525" marR="9525" marT="9525" marB="0" anchor="b"/>
+                </a:tc>
+                <a:tc>
+                  <a:txBody>
+                    <a:bodyPr/>
+                    <a:lstStyle/>
+                    <a:p>
+                      <a:pPr algn="ctr" fontAlgn="b"/>
+                      <a:r>
+                        <a:rPr lang="en-US" sz="1100" u="none" strike="noStrike">
+                          <a:effectLst/>
+                        </a:rPr>
+                        <a:t>0.326113</a:t>
+                      </a:r>
+                      <a:endParaRPr lang="en-US" sz="1100" b="0" i="0" u="none" strike="noStrike">
+                        <a:solidFill>
+                          <a:srgbClr val="000000"/>
+                        </a:solidFill>
+                        <a:effectLst/>
+                        <a:latin typeface="Calibri" panose="020F0502020204030204" pitchFamily="34" charset="0"/>
+                      </a:endParaRPr>
+                    </a:p>
+                  </a:txBody>
+                  <a:tcPr marL="9525" marR="9525" marT="9525" marB="0" anchor="b"/>
+                </a:tc>
+                <a:tc>
+                  <a:txBody>
+                    <a:bodyPr/>
+                    <a:lstStyle/>
+                    <a:p>
+                      <a:pPr algn="ctr" fontAlgn="b"/>
+                      <a:r>
+                        <a:rPr lang="en-US" sz="1100" u="none" strike="noStrike">
+                          <a:effectLst/>
+                        </a:rPr>
+                        <a:t>0.081528</a:t>
+                      </a:r>
+                      <a:endParaRPr lang="en-US" sz="1100" b="0" i="0" u="none" strike="noStrike">
+                        <a:solidFill>
+                          <a:srgbClr val="000000"/>
+                        </a:solidFill>
+                        <a:effectLst/>
+                        <a:latin typeface="Calibri" panose="020F0502020204030204" pitchFamily="34" charset="0"/>
+                      </a:endParaRPr>
+                    </a:p>
+                  </a:txBody>
+                  <a:tcPr marL="9525" marR="9525" marT="9525" marB="0" anchor="b"/>
+                </a:tc>
+                <a:extLst>
+                  <a:ext uri="{0D108BD9-81ED-4DB2-BD59-A6C34878D82A}">
+                    <a16:rowId xmlns:a16="http://schemas.microsoft.com/office/drawing/2014/main" val="1098046687"/>
+                  </a:ext>
+                </a:extLst>
+              </a:tr>
+              <a:tr h="800943">
+                <a:tc>
+                  <a:txBody>
+                    <a:bodyPr/>
+                    <a:lstStyle/>
+                    <a:p>
+                      <a:pPr algn="ctr" fontAlgn="ctr"/>
+                      <a:r>
+                        <a:rPr lang="en-US" sz="1100" u="none" strike="noStrike" dirty="0">
+                          <a:solidFill>
+                            <a:schemeClr val="tx1"/>
+                          </a:solidFill>
+                          <a:effectLst/>
+                        </a:rPr>
+                        <a:t>Cost</a:t>
+                      </a:r>
+                      <a:endParaRPr lang="en-US" sz="1100" b="0" i="0" u="none" strike="noStrike" dirty="0">
+                        <a:solidFill>
+                          <a:schemeClr val="tx1"/>
+                        </a:solidFill>
+                        <a:effectLst/>
+                        <a:latin typeface="Calibri" panose="020F0502020204030204" pitchFamily="34" charset="0"/>
+                      </a:endParaRPr>
+                    </a:p>
+                  </a:txBody>
+                  <a:tcPr marL="9525" marR="9525" marT="9525" marB="0" anchor="ctr">
+                    <a:solidFill>
+                      <a:schemeClr val="bg2">
+                        <a:lumMod val="75000"/>
+                      </a:schemeClr>
+                    </a:solidFill>
+                  </a:tcPr>
+                </a:tc>
+                <a:tc>
+                  <a:txBody>
+                    <a:bodyPr/>
+                    <a:lstStyle/>
+                    <a:p>
+                      <a:pPr algn="ctr" fontAlgn="b"/>
+                      <a:r>
+                        <a:rPr lang="en-US" sz="1100" u="none" strike="noStrike">
+                          <a:effectLst/>
+                        </a:rPr>
+                        <a:t>0.2054795</a:t>
+                      </a:r>
+                      <a:endParaRPr lang="en-US" sz="1100" b="0" i="0" u="none" strike="noStrike">
+                        <a:solidFill>
+                          <a:srgbClr val="000000"/>
+                        </a:solidFill>
+                        <a:effectLst/>
+                        <a:latin typeface="Calibri" panose="020F0502020204030204" pitchFamily="34" charset="0"/>
+                      </a:endParaRPr>
+                    </a:p>
+                  </a:txBody>
+                  <a:tcPr marL="9525" marR="9525" marT="9525" marB="0" anchor="b"/>
+                </a:tc>
+                <a:tc>
+                  <a:txBody>
+                    <a:bodyPr/>
+                    <a:lstStyle/>
+                    <a:p>
+                      <a:pPr algn="ctr" fontAlgn="b"/>
+                      <a:r>
+                        <a:rPr lang="en-US" sz="1100" u="none" strike="noStrike">
+                          <a:effectLst/>
+                        </a:rPr>
+                        <a:t>0.0687623</a:t>
+                      </a:r>
+                      <a:endParaRPr lang="en-US" sz="1100" b="0" i="0" u="none" strike="noStrike">
+                        <a:solidFill>
+                          <a:srgbClr val="000000"/>
+                        </a:solidFill>
+                        <a:effectLst/>
+                        <a:latin typeface="Calibri" panose="020F0502020204030204" pitchFamily="34" charset="0"/>
+                      </a:endParaRPr>
+                    </a:p>
+                  </a:txBody>
+                  <a:tcPr marL="9525" marR="9525" marT="9525" marB="0" anchor="b"/>
+                </a:tc>
+                <a:tc>
+                  <a:txBody>
+                    <a:bodyPr/>
+                    <a:lstStyle/>
+                    <a:p>
+                      <a:pPr algn="ctr" fontAlgn="b"/>
+                      <a:r>
+                        <a:rPr lang="en-US" sz="1100" u="none" strike="noStrike">
+                          <a:effectLst/>
+                        </a:rPr>
+                        <a:t>0.0867052</a:t>
+                      </a:r>
+                      <a:endParaRPr lang="en-US" sz="1100" b="0" i="0" u="none" strike="noStrike">
+                        <a:solidFill>
+                          <a:srgbClr val="000000"/>
+                        </a:solidFill>
+                        <a:effectLst/>
+                        <a:latin typeface="Calibri" panose="020F0502020204030204" pitchFamily="34" charset="0"/>
+                      </a:endParaRPr>
+                    </a:p>
+                  </a:txBody>
+                  <a:tcPr marL="9525" marR="9525" marT="9525" marB="0" anchor="b"/>
+                </a:tc>
+                <a:tc>
+                  <a:txBody>
+                    <a:bodyPr/>
+                    <a:lstStyle/>
+                    <a:p>
+                      <a:pPr algn="ctr" fontAlgn="b"/>
+                      <a:r>
+                        <a:rPr lang="en-US" sz="1100" u="none" strike="noStrike">
+                          <a:effectLst/>
+                        </a:rPr>
+                        <a:t>0.0187333</a:t>
+                      </a:r>
+                      <a:endParaRPr lang="en-US" sz="1100" b="0" i="0" u="none" strike="noStrike">
+                        <a:solidFill>
+                          <a:srgbClr val="000000"/>
+                        </a:solidFill>
+                        <a:effectLst/>
+                        <a:latin typeface="Calibri" panose="020F0502020204030204" pitchFamily="34" charset="0"/>
+                      </a:endParaRPr>
+                    </a:p>
+                  </a:txBody>
+                  <a:tcPr marL="9525" marR="9525" marT="9525" marB="0" anchor="b"/>
+                </a:tc>
+                <a:tc>
+                  <a:txBody>
+                    <a:bodyPr/>
+                    <a:lstStyle/>
+                    <a:p>
+                      <a:pPr algn="ctr" fontAlgn="b"/>
+                      <a:r>
+                        <a:rPr lang="en-US" sz="1100" u="none" strike="noStrike">
+                          <a:effectLst/>
+                        </a:rPr>
+                        <a:t>0.2121212</a:t>
+                      </a:r>
+                      <a:endParaRPr lang="en-US" sz="1100" b="0" i="0" u="none" strike="noStrike">
+                        <a:solidFill>
+                          <a:srgbClr val="000000"/>
+                        </a:solidFill>
+                        <a:effectLst/>
+                        <a:latin typeface="Calibri" panose="020F0502020204030204" pitchFamily="34" charset="0"/>
+                      </a:endParaRPr>
+                    </a:p>
+                  </a:txBody>
+                  <a:tcPr marL="9525" marR="9525" marT="9525" marB="0" anchor="b"/>
+                </a:tc>
+                <a:tc>
+                  <a:txBody>
+                    <a:bodyPr/>
+                    <a:lstStyle/>
+                    <a:p>
+                      <a:pPr algn="ctr" fontAlgn="b"/>
+                      <a:r>
+                        <a:rPr lang="en-US" sz="1100" u="none" strike="noStrike">
+                          <a:effectLst/>
+                        </a:rPr>
+                        <a:t>0.4966887</a:t>
+                      </a:r>
+                      <a:endParaRPr lang="en-US" sz="1100" b="0" i="0" u="none" strike="noStrike">
+                        <a:solidFill>
+                          <a:srgbClr val="000000"/>
+                        </a:solidFill>
+                        <a:effectLst/>
+                        <a:latin typeface="Calibri" panose="020F0502020204030204" pitchFamily="34" charset="0"/>
+                      </a:endParaRPr>
+                    </a:p>
+                  </a:txBody>
+                  <a:tcPr marL="9525" marR="9525" marT="9525" marB="0" anchor="b"/>
+                </a:tc>
+                <a:tc>
+                  <a:txBody>
+                    <a:bodyPr/>
+                    <a:lstStyle/>
+                    <a:p>
+                      <a:pPr algn="ctr" fontAlgn="b"/>
+                      <a:r>
+                        <a:rPr lang="en-US" sz="1100" u="none" strike="noStrike">
+                          <a:effectLst/>
+                        </a:rPr>
+                        <a:t>0.04875406</a:t>
+                      </a:r>
+                      <a:endParaRPr lang="en-US" sz="1100" b="0" i="0" u="none" strike="noStrike">
+                        <a:solidFill>
+                          <a:srgbClr val="000000"/>
+                        </a:solidFill>
+                        <a:effectLst/>
+                        <a:latin typeface="Calibri" panose="020F0502020204030204" pitchFamily="34" charset="0"/>
+                      </a:endParaRPr>
+                    </a:p>
+                  </a:txBody>
+                  <a:tcPr marL="9525" marR="9525" marT="9525" marB="0" anchor="b"/>
+                </a:tc>
+                <a:tc>
+                  <a:txBody>
+                    <a:bodyPr/>
+                    <a:lstStyle/>
+                    <a:p>
+                      <a:pPr algn="ctr" fontAlgn="b"/>
+                      <a:r>
+                        <a:rPr lang="en-US" sz="1100" u="none" strike="noStrike">
+                          <a:effectLst/>
+                        </a:rPr>
+                        <a:t>1.137244</a:t>
+                      </a:r>
+                      <a:endParaRPr lang="en-US" sz="1100" b="0" i="0" u="none" strike="noStrike">
+                        <a:solidFill>
+                          <a:srgbClr val="000000"/>
+                        </a:solidFill>
+                        <a:effectLst/>
+                        <a:latin typeface="Calibri" panose="020F0502020204030204" pitchFamily="34" charset="0"/>
+                      </a:endParaRPr>
+                    </a:p>
+                  </a:txBody>
+                  <a:tcPr marL="9525" marR="9525" marT="9525" marB="0" anchor="b"/>
+                </a:tc>
+                <a:tc>
+                  <a:txBody>
+                    <a:bodyPr/>
+                    <a:lstStyle/>
+                    <a:p>
+                      <a:pPr algn="ctr" fontAlgn="b"/>
+                      <a:r>
+                        <a:rPr lang="en-US" sz="1100" u="none" strike="noStrike">
+                          <a:effectLst/>
+                        </a:rPr>
+                        <a:t>0.284311</a:t>
+                      </a:r>
+                      <a:endParaRPr lang="en-US" sz="1100" b="0" i="0" u="none" strike="noStrike">
+                        <a:solidFill>
+                          <a:srgbClr val="000000"/>
+                        </a:solidFill>
+                        <a:effectLst/>
+                        <a:latin typeface="Calibri" panose="020F0502020204030204" pitchFamily="34" charset="0"/>
+                      </a:endParaRPr>
+                    </a:p>
+                  </a:txBody>
+                  <a:tcPr marL="9525" marR="9525" marT="9525" marB="0" anchor="b"/>
+                </a:tc>
+                <a:extLst>
+                  <a:ext uri="{0D108BD9-81ED-4DB2-BD59-A6C34878D82A}">
+                    <a16:rowId xmlns:a16="http://schemas.microsoft.com/office/drawing/2014/main" val="570369303"/>
+                  </a:ext>
+                </a:extLst>
+              </a:tr>
+              <a:tr h="800943">
+                <a:tc>
+                  <a:txBody>
+                    <a:bodyPr/>
+                    <a:lstStyle/>
+                    <a:p>
+                      <a:pPr algn="ctr" fontAlgn="ctr"/>
+                      <a:r>
+                        <a:rPr lang="en-US" sz="1100" u="none" strike="noStrike" dirty="0">
+                          <a:solidFill>
+                            <a:schemeClr val="tx1"/>
+                          </a:solidFill>
+                          <a:effectLst/>
+                        </a:rPr>
+                        <a:t>Efficient</a:t>
+                      </a:r>
+                      <a:endParaRPr lang="en-US" sz="1100" b="0" i="0" u="none" strike="noStrike" dirty="0">
+                        <a:solidFill>
+                          <a:schemeClr val="tx1"/>
+                        </a:solidFill>
+                        <a:effectLst/>
+                        <a:latin typeface="Calibri" panose="020F0502020204030204" pitchFamily="34" charset="0"/>
+                      </a:endParaRPr>
+                    </a:p>
+                  </a:txBody>
+                  <a:tcPr marL="9525" marR="9525" marT="9525" marB="0" anchor="ctr">
+                    <a:solidFill>
+                      <a:schemeClr val="bg2">
+                        <a:lumMod val="75000"/>
+                      </a:schemeClr>
+                    </a:solidFill>
+                  </a:tcPr>
+                </a:tc>
+                <a:tc>
+                  <a:txBody>
+                    <a:bodyPr/>
+                    <a:lstStyle/>
+                    <a:p>
+                      <a:pPr algn="ctr" fontAlgn="b"/>
+                      <a:r>
+                        <a:rPr lang="en-US" sz="1100" u="none" strike="noStrike">
+                          <a:effectLst/>
+                        </a:rPr>
+                        <a:t>0.1232877</a:t>
+                      </a:r>
+                      <a:endParaRPr lang="en-US" sz="1100" b="0" i="0" u="none" strike="noStrike">
+                        <a:solidFill>
+                          <a:srgbClr val="000000"/>
+                        </a:solidFill>
+                        <a:effectLst/>
+                        <a:latin typeface="Calibri" panose="020F0502020204030204" pitchFamily="34" charset="0"/>
+                      </a:endParaRPr>
+                    </a:p>
+                  </a:txBody>
+                  <a:tcPr marL="9525" marR="9525" marT="9525" marB="0" anchor="b"/>
+                </a:tc>
+                <a:tc>
+                  <a:txBody>
+                    <a:bodyPr/>
+                    <a:lstStyle/>
+                    <a:p>
+                      <a:pPr algn="ctr" fontAlgn="b"/>
+                      <a:r>
+                        <a:rPr lang="en-US" sz="1100" u="none" strike="noStrike">
+                          <a:effectLst/>
+                        </a:rPr>
+                        <a:t>0.0687623</a:t>
+                      </a:r>
+                      <a:endParaRPr lang="en-US" sz="1100" b="0" i="0" u="none" strike="noStrike">
+                        <a:solidFill>
+                          <a:srgbClr val="000000"/>
+                        </a:solidFill>
+                        <a:effectLst/>
+                        <a:latin typeface="Calibri" panose="020F0502020204030204" pitchFamily="34" charset="0"/>
+                      </a:endParaRPr>
+                    </a:p>
+                  </a:txBody>
+                  <a:tcPr marL="9525" marR="9525" marT="9525" marB="0" anchor="b"/>
+                </a:tc>
+                <a:tc>
+                  <a:txBody>
+                    <a:bodyPr/>
+                    <a:lstStyle/>
+                    <a:p>
+                      <a:pPr algn="ctr" fontAlgn="b"/>
+                      <a:r>
+                        <a:rPr lang="en-US" sz="1100" u="none" strike="noStrike">
+                          <a:effectLst/>
+                        </a:rPr>
+                        <a:t>0.0867052</a:t>
+                      </a:r>
+                      <a:endParaRPr lang="en-US" sz="1100" b="0" i="0" u="none" strike="noStrike">
+                        <a:solidFill>
+                          <a:srgbClr val="000000"/>
+                        </a:solidFill>
+                        <a:effectLst/>
+                        <a:latin typeface="Calibri" panose="020F0502020204030204" pitchFamily="34" charset="0"/>
+                      </a:endParaRPr>
+                    </a:p>
+                  </a:txBody>
+                  <a:tcPr marL="9525" marR="9525" marT="9525" marB="0" anchor="b"/>
+                </a:tc>
+                <a:tc>
+                  <a:txBody>
+                    <a:bodyPr/>
+                    <a:lstStyle/>
+                    <a:p>
+                      <a:pPr algn="ctr" fontAlgn="b"/>
+                      <a:r>
+                        <a:rPr lang="en-US" sz="1100" u="none" strike="noStrike">
+                          <a:effectLst/>
+                        </a:rPr>
+                        <a:t>0.0312221</a:t>
+                      </a:r>
+                      <a:endParaRPr lang="en-US" sz="1100" b="0" i="0" u="none" strike="noStrike">
+                        <a:solidFill>
+                          <a:srgbClr val="000000"/>
+                        </a:solidFill>
+                        <a:effectLst/>
+                        <a:latin typeface="Calibri" panose="020F0502020204030204" pitchFamily="34" charset="0"/>
+                      </a:endParaRPr>
+                    </a:p>
+                  </a:txBody>
+                  <a:tcPr marL="9525" marR="9525" marT="9525" marB="0" anchor="b"/>
+                </a:tc>
+                <a:tc>
+                  <a:txBody>
+                    <a:bodyPr/>
+                    <a:lstStyle/>
+                    <a:p>
+                      <a:pPr algn="ctr" fontAlgn="b"/>
+                      <a:r>
+                        <a:rPr lang="en-US" sz="1100" u="none" strike="noStrike">
+                          <a:effectLst/>
+                        </a:rPr>
+                        <a:t>0.1515152</a:t>
+                      </a:r>
+                      <a:endParaRPr lang="en-US" sz="1100" b="0" i="0" u="none" strike="noStrike">
+                        <a:solidFill>
+                          <a:srgbClr val="000000"/>
+                        </a:solidFill>
+                        <a:effectLst/>
+                        <a:latin typeface="Calibri" panose="020F0502020204030204" pitchFamily="34" charset="0"/>
+                      </a:endParaRPr>
+                    </a:p>
+                  </a:txBody>
+                  <a:tcPr marL="9525" marR="9525" marT="9525" marB="0" anchor="b"/>
+                </a:tc>
+                <a:tc>
+                  <a:txBody>
+                    <a:bodyPr/>
+                    <a:lstStyle/>
+                    <a:p>
+                      <a:pPr algn="ctr" fontAlgn="b"/>
+                      <a:r>
+                        <a:rPr lang="en-US" sz="1100" u="none" strike="noStrike">
+                          <a:effectLst/>
+                        </a:rPr>
+                        <a:t>0.0198675</a:t>
+                      </a:r>
+                      <a:endParaRPr lang="en-US" sz="1100" b="0" i="0" u="none" strike="noStrike">
+                        <a:solidFill>
+                          <a:srgbClr val="000000"/>
+                        </a:solidFill>
+                        <a:effectLst/>
+                        <a:latin typeface="Calibri" panose="020F0502020204030204" pitchFamily="34" charset="0"/>
+                      </a:endParaRPr>
+                    </a:p>
+                  </a:txBody>
+                  <a:tcPr marL="9525" marR="9525" marT="9525" marB="0" anchor="b"/>
+                </a:tc>
+                <a:tc>
+                  <a:txBody>
+                    <a:bodyPr/>
+                    <a:lstStyle/>
+                    <a:p>
+                      <a:pPr algn="ctr" fontAlgn="b"/>
+                      <a:r>
+                        <a:rPr lang="en-US" sz="1100" u="none" strike="noStrike">
+                          <a:effectLst/>
+                        </a:rPr>
+                        <a:t>0.34127844</a:t>
+                      </a:r>
+                      <a:endParaRPr lang="en-US" sz="1100" b="0" i="0" u="none" strike="noStrike">
+                        <a:solidFill>
+                          <a:srgbClr val="000000"/>
+                        </a:solidFill>
+                        <a:effectLst/>
+                        <a:latin typeface="Calibri" panose="020F0502020204030204" pitchFamily="34" charset="0"/>
+                      </a:endParaRPr>
+                    </a:p>
+                  </a:txBody>
+                  <a:tcPr marL="9525" marR="9525" marT="9525" marB="0" anchor="b"/>
+                </a:tc>
+                <a:tc>
+                  <a:txBody>
+                    <a:bodyPr/>
+                    <a:lstStyle/>
+                    <a:p>
+                      <a:pPr algn="ctr" fontAlgn="b"/>
+                      <a:r>
+                        <a:rPr lang="en-US" sz="1100" u="none" strike="noStrike">
+                          <a:effectLst/>
+                        </a:rPr>
+                        <a:t>0.822638</a:t>
+                      </a:r>
+                      <a:endParaRPr lang="en-US" sz="1100" b="0" i="0" u="none" strike="noStrike">
+                        <a:solidFill>
+                          <a:srgbClr val="000000"/>
+                        </a:solidFill>
+                        <a:effectLst/>
+                        <a:latin typeface="Calibri" panose="020F0502020204030204" pitchFamily="34" charset="0"/>
+                      </a:endParaRPr>
+                    </a:p>
+                  </a:txBody>
+                  <a:tcPr marL="9525" marR="9525" marT="9525" marB="0" anchor="b"/>
+                </a:tc>
+                <a:tc>
+                  <a:txBody>
+                    <a:bodyPr/>
+                    <a:lstStyle/>
+                    <a:p>
+                      <a:pPr algn="ctr" fontAlgn="b"/>
+                      <a:r>
+                        <a:rPr lang="en-US" sz="1100" u="none" strike="noStrike">
+                          <a:effectLst/>
+                        </a:rPr>
+                        <a:t>0.20566</a:t>
+                      </a:r>
+                      <a:endParaRPr lang="en-US" sz="1100" b="0" i="0" u="none" strike="noStrike">
+                        <a:solidFill>
+                          <a:srgbClr val="000000"/>
+                        </a:solidFill>
+                        <a:effectLst/>
+                        <a:latin typeface="Calibri" panose="020F0502020204030204" pitchFamily="34" charset="0"/>
+                      </a:endParaRPr>
+                    </a:p>
+                  </a:txBody>
+                  <a:tcPr marL="9525" marR="9525" marT="9525" marB="0" anchor="b"/>
+                </a:tc>
+                <a:extLst>
+                  <a:ext uri="{0D108BD9-81ED-4DB2-BD59-A6C34878D82A}">
+                    <a16:rowId xmlns:a16="http://schemas.microsoft.com/office/drawing/2014/main" val="934896486"/>
+                  </a:ext>
+                </a:extLst>
+              </a:tr>
+              <a:tr h="800943">
+                <a:tc>
+                  <a:txBody>
+                    <a:bodyPr/>
+                    <a:lstStyle/>
+                    <a:p>
+                      <a:pPr algn="ctr" fontAlgn="ctr"/>
+                      <a:r>
+                        <a:rPr lang="en-US" sz="1100" u="none" strike="noStrike" dirty="0">
+                          <a:solidFill>
+                            <a:schemeClr val="tx1"/>
+                          </a:solidFill>
+                          <a:effectLst/>
+                        </a:rPr>
+                        <a:t>Endurance</a:t>
+                      </a:r>
+                      <a:endParaRPr lang="en-US" sz="1100" b="0" i="0" u="none" strike="noStrike" dirty="0">
+                        <a:solidFill>
+                          <a:schemeClr val="tx1"/>
+                        </a:solidFill>
+                        <a:effectLst/>
+                        <a:latin typeface="Calibri" panose="020F0502020204030204" pitchFamily="34" charset="0"/>
+                      </a:endParaRPr>
+                    </a:p>
+                  </a:txBody>
+                  <a:tcPr marL="9525" marR="9525" marT="9525" marB="0" anchor="ctr">
+                    <a:solidFill>
+                      <a:schemeClr val="bg2">
+                        <a:lumMod val="75000"/>
+                      </a:schemeClr>
+                    </a:solidFill>
+                  </a:tcPr>
+                </a:tc>
+                <a:tc>
+                  <a:txBody>
+                    <a:bodyPr/>
+                    <a:lstStyle/>
+                    <a:p>
+                      <a:pPr algn="ctr" fontAlgn="b"/>
+                      <a:r>
+                        <a:rPr lang="en-US" sz="1100" u="none" strike="noStrike">
+                          <a:effectLst/>
+                        </a:rPr>
+                        <a:t>0.0410959</a:t>
+                      </a:r>
+                      <a:endParaRPr lang="en-US" sz="1100" b="0" i="0" u="none" strike="noStrike">
+                        <a:solidFill>
+                          <a:srgbClr val="000000"/>
+                        </a:solidFill>
+                        <a:effectLst/>
+                        <a:latin typeface="Calibri" panose="020F0502020204030204" pitchFamily="34" charset="0"/>
+                      </a:endParaRPr>
+                    </a:p>
+                  </a:txBody>
+                  <a:tcPr marL="9525" marR="9525" marT="9525" marB="0" anchor="b"/>
+                </a:tc>
+                <a:tc>
+                  <a:txBody>
+                    <a:bodyPr/>
+                    <a:lstStyle/>
+                    <a:p>
+                      <a:pPr algn="ctr" fontAlgn="b"/>
+                      <a:r>
+                        <a:rPr lang="en-US" sz="1100" u="none" strike="noStrike">
+                          <a:effectLst/>
+                        </a:rPr>
+                        <a:t>0.3438114</a:t>
+                      </a:r>
+                      <a:endParaRPr lang="en-US" sz="1100" b="0" i="0" u="none" strike="noStrike">
+                        <a:solidFill>
+                          <a:srgbClr val="000000"/>
+                        </a:solidFill>
+                        <a:effectLst/>
+                        <a:latin typeface="Calibri" panose="020F0502020204030204" pitchFamily="34" charset="0"/>
+                      </a:endParaRPr>
+                    </a:p>
+                  </a:txBody>
+                  <a:tcPr marL="9525" marR="9525" marT="9525" marB="0" anchor="b"/>
+                </a:tc>
+                <a:tc>
+                  <a:txBody>
+                    <a:bodyPr/>
+                    <a:lstStyle/>
+                    <a:p>
+                      <a:pPr algn="ctr" fontAlgn="b"/>
+                      <a:r>
+                        <a:rPr lang="en-US" sz="1100" u="none" strike="noStrike">
+                          <a:effectLst/>
+                        </a:rPr>
+                        <a:t>0.2601156</a:t>
+                      </a:r>
+                      <a:endParaRPr lang="en-US" sz="1100" b="0" i="0" u="none" strike="noStrike">
+                        <a:solidFill>
+                          <a:srgbClr val="000000"/>
+                        </a:solidFill>
+                        <a:effectLst/>
+                        <a:latin typeface="Calibri" panose="020F0502020204030204" pitchFamily="34" charset="0"/>
+                      </a:endParaRPr>
+                    </a:p>
+                  </a:txBody>
+                  <a:tcPr marL="9525" marR="9525" marT="9525" marB="0" anchor="b"/>
+                </a:tc>
+                <a:tc>
+                  <a:txBody>
+                    <a:bodyPr/>
+                    <a:lstStyle/>
+                    <a:p>
+                      <a:pPr algn="ctr" fontAlgn="b"/>
+                      <a:r>
+                        <a:rPr lang="en-US" sz="1100" u="none" strike="noStrike">
+                          <a:effectLst/>
+                        </a:rPr>
+                        <a:t>0.0936664</a:t>
+                      </a:r>
+                      <a:endParaRPr lang="en-US" sz="1100" b="0" i="0" u="none" strike="noStrike">
+                        <a:solidFill>
+                          <a:srgbClr val="000000"/>
+                        </a:solidFill>
+                        <a:effectLst/>
+                        <a:latin typeface="Calibri" panose="020F0502020204030204" pitchFamily="34" charset="0"/>
+                      </a:endParaRPr>
+                    </a:p>
+                  </a:txBody>
+                  <a:tcPr marL="9525" marR="9525" marT="9525" marB="0" anchor="b"/>
+                </a:tc>
+                <a:tc>
+                  <a:txBody>
+                    <a:bodyPr/>
+                    <a:lstStyle/>
+                    <a:p>
+                      <a:pPr algn="ctr" fontAlgn="b"/>
+                      <a:r>
+                        <a:rPr lang="en-US" sz="1100" u="none" strike="noStrike">
+                          <a:effectLst/>
+                        </a:rPr>
+                        <a:t>0.2121212</a:t>
+                      </a:r>
+                      <a:endParaRPr lang="en-US" sz="1100" b="0" i="0" u="none" strike="noStrike">
+                        <a:solidFill>
+                          <a:srgbClr val="000000"/>
+                        </a:solidFill>
+                        <a:effectLst/>
+                        <a:latin typeface="Calibri" panose="020F0502020204030204" pitchFamily="34" charset="0"/>
+                      </a:endParaRPr>
+                    </a:p>
+                  </a:txBody>
+                  <a:tcPr marL="9525" marR="9525" marT="9525" marB="0" anchor="b"/>
+                </a:tc>
+                <a:tc>
+                  <a:txBody>
+                    <a:bodyPr/>
+                    <a:lstStyle/>
+                    <a:p>
+                      <a:pPr algn="ctr" fontAlgn="b"/>
+                      <a:r>
+                        <a:rPr lang="en-US" sz="1100" u="none" strike="noStrike">
+                          <a:effectLst/>
+                        </a:rPr>
+                        <a:t>0.0331126</a:t>
+                      </a:r>
+                      <a:endParaRPr lang="en-US" sz="1100" b="0" i="0" u="none" strike="noStrike">
+                        <a:solidFill>
+                          <a:srgbClr val="000000"/>
+                        </a:solidFill>
+                        <a:effectLst/>
+                        <a:latin typeface="Calibri" panose="020F0502020204030204" pitchFamily="34" charset="0"/>
+                      </a:endParaRPr>
+                    </a:p>
+                  </a:txBody>
+                  <a:tcPr marL="9525" marR="9525" marT="9525" marB="0" anchor="b"/>
+                </a:tc>
+                <a:tc>
+                  <a:txBody>
+                    <a:bodyPr/>
+                    <a:lstStyle/>
+                    <a:p>
+                      <a:pPr algn="ctr" fontAlgn="b"/>
+                      <a:r>
+                        <a:rPr lang="en-US" sz="1100" u="none" strike="noStrike">
+                          <a:effectLst/>
+                        </a:rPr>
+                        <a:t>0.06825569</a:t>
+                      </a:r>
+                      <a:endParaRPr lang="en-US" sz="1100" b="0" i="0" u="none" strike="noStrike">
+                        <a:solidFill>
+                          <a:srgbClr val="000000"/>
+                        </a:solidFill>
+                        <a:effectLst/>
+                        <a:latin typeface="Calibri" panose="020F0502020204030204" pitchFamily="34" charset="0"/>
+                      </a:endParaRPr>
+                    </a:p>
+                  </a:txBody>
+                  <a:tcPr marL="9525" marR="9525" marT="9525" marB="0" anchor="b"/>
+                </a:tc>
+                <a:tc>
+                  <a:txBody>
+                    <a:bodyPr/>
+                    <a:lstStyle/>
+                    <a:p>
+                      <a:pPr algn="ctr" fontAlgn="b"/>
+                      <a:r>
+                        <a:rPr lang="en-US" sz="1100" u="none" strike="noStrike">
+                          <a:effectLst/>
+                        </a:rPr>
+                        <a:t>1.052179</a:t>
+                      </a:r>
+                      <a:endParaRPr lang="en-US" sz="1100" b="0" i="0" u="none" strike="noStrike">
+                        <a:solidFill>
+                          <a:srgbClr val="000000"/>
+                        </a:solidFill>
+                        <a:effectLst/>
+                        <a:latin typeface="Calibri" panose="020F0502020204030204" pitchFamily="34" charset="0"/>
+                      </a:endParaRPr>
+                    </a:p>
+                  </a:txBody>
+                  <a:tcPr marL="9525" marR="9525" marT="9525" marB="0" anchor="b"/>
+                </a:tc>
+                <a:tc>
+                  <a:txBody>
+                    <a:bodyPr/>
+                    <a:lstStyle/>
+                    <a:p>
+                      <a:pPr algn="ctr" fontAlgn="b"/>
+                      <a:r>
+                        <a:rPr lang="en-US" sz="1100" u="none" strike="noStrike">
+                          <a:effectLst/>
+                        </a:rPr>
+                        <a:t>0.263045</a:t>
+                      </a:r>
+                      <a:endParaRPr lang="en-US" sz="1100" b="0" i="0" u="none" strike="noStrike">
+                        <a:solidFill>
+                          <a:srgbClr val="000000"/>
+                        </a:solidFill>
+                        <a:effectLst/>
+                        <a:latin typeface="Calibri" panose="020F0502020204030204" pitchFamily="34" charset="0"/>
+                      </a:endParaRPr>
+                    </a:p>
+                  </a:txBody>
+                  <a:tcPr marL="9525" marR="9525" marT="9525" marB="0" anchor="b"/>
+                </a:tc>
+                <a:extLst>
+                  <a:ext uri="{0D108BD9-81ED-4DB2-BD59-A6C34878D82A}">
+                    <a16:rowId xmlns:a16="http://schemas.microsoft.com/office/drawing/2014/main" val="2094137178"/>
+                  </a:ext>
+                </a:extLst>
+              </a:tr>
+              <a:tr h="800943">
+                <a:tc>
+                  <a:txBody>
+                    <a:bodyPr/>
+                    <a:lstStyle/>
+                    <a:p>
+                      <a:pPr algn="ctr" fontAlgn="ctr"/>
+                      <a:r>
+                        <a:rPr lang="en-US" sz="1100" u="none" strike="noStrike" dirty="0">
+                          <a:solidFill>
+                            <a:schemeClr val="tx1"/>
+                          </a:solidFill>
+                          <a:effectLst/>
+                        </a:rPr>
+                        <a:t>Safety</a:t>
+                      </a:r>
+                      <a:endParaRPr lang="en-US" sz="1100" b="0" i="0" u="none" strike="noStrike" dirty="0">
+                        <a:solidFill>
+                          <a:schemeClr val="tx1"/>
+                        </a:solidFill>
+                        <a:effectLst/>
+                        <a:latin typeface="Calibri" panose="020F0502020204030204" pitchFamily="34" charset="0"/>
+                      </a:endParaRPr>
+                    </a:p>
+                  </a:txBody>
+                  <a:tcPr marL="9525" marR="9525" marT="9525" marB="0" anchor="ctr">
+                    <a:solidFill>
+                      <a:schemeClr val="bg2">
+                        <a:lumMod val="75000"/>
+                      </a:schemeClr>
+                    </a:solidFill>
+                  </a:tcPr>
+                </a:tc>
+                <a:tc>
+                  <a:txBody>
+                    <a:bodyPr/>
+                    <a:lstStyle/>
+                    <a:p>
+                      <a:pPr algn="ctr" fontAlgn="b"/>
+                      <a:r>
+                        <a:rPr lang="en-US" sz="1100" u="none" strike="noStrike">
+                          <a:effectLst/>
+                        </a:rPr>
+                        <a:t>0.0136986</a:t>
+                      </a:r>
+                      <a:endParaRPr lang="en-US" sz="1100" b="0" i="0" u="none" strike="noStrike">
+                        <a:solidFill>
+                          <a:srgbClr val="000000"/>
+                        </a:solidFill>
+                        <a:effectLst/>
+                        <a:latin typeface="Calibri" panose="020F0502020204030204" pitchFamily="34" charset="0"/>
+                      </a:endParaRPr>
+                    </a:p>
+                  </a:txBody>
+                  <a:tcPr marL="9525" marR="9525" marT="9525" marB="0" anchor="b"/>
+                </a:tc>
+                <a:tc>
+                  <a:txBody>
+                    <a:bodyPr/>
+                    <a:lstStyle/>
+                    <a:p>
+                      <a:pPr algn="ctr" fontAlgn="b"/>
+                      <a:r>
+                        <a:rPr lang="en-US" sz="1100" u="none" strike="noStrike">
+                          <a:effectLst/>
+                        </a:rPr>
+                        <a:t>0.0098232</a:t>
+                      </a:r>
+                      <a:endParaRPr lang="en-US" sz="1100" b="0" i="0" u="none" strike="noStrike">
+                        <a:solidFill>
+                          <a:srgbClr val="000000"/>
+                        </a:solidFill>
+                        <a:effectLst/>
+                        <a:latin typeface="Calibri" panose="020F0502020204030204" pitchFamily="34" charset="0"/>
+                      </a:endParaRPr>
+                    </a:p>
+                  </a:txBody>
+                  <a:tcPr marL="9525" marR="9525" marT="9525" marB="0" anchor="b"/>
+                </a:tc>
+                <a:tc>
+                  <a:txBody>
+                    <a:bodyPr/>
+                    <a:lstStyle/>
+                    <a:p>
+                      <a:pPr algn="ctr" fontAlgn="b"/>
+                      <a:r>
+                        <a:rPr lang="en-US" sz="1100" u="none" strike="noStrike">
+                          <a:effectLst/>
+                        </a:rPr>
+                        <a:t>0.017341</a:t>
+                      </a:r>
+                      <a:endParaRPr lang="en-US" sz="1100" b="0" i="0" u="none" strike="noStrike">
+                        <a:solidFill>
+                          <a:srgbClr val="000000"/>
+                        </a:solidFill>
+                        <a:effectLst/>
+                        <a:latin typeface="Calibri" panose="020F0502020204030204" pitchFamily="34" charset="0"/>
+                      </a:endParaRPr>
+                    </a:p>
+                  </a:txBody>
+                  <a:tcPr marL="9525" marR="9525" marT="9525" marB="0" anchor="b"/>
+                </a:tc>
+                <a:tc>
+                  <a:txBody>
+                    <a:bodyPr/>
+                    <a:lstStyle/>
+                    <a:p>
+                      <a:pPr algn="ctr" fontAlgn="b"/>
+                      <a:r>
+                        <a:rPr lang="en-US" sz="1100" u="none" strike="noStrike">
+                          <a:effectLst/>
+                        </a:rPr>
+                        <a:t>0.0133809</a:t>
+                      </a:r>
+                      <a:endParaRPr lang="en-US" sz="1100" b="0" i="0" u="none" strike="noStrike">
+                        <a:solidFill>
+                          <a:srgbClr val="000000"/>
+                        </a:solidFill>
+                        <a:effectLst/>
+                        <a:latin typeface="Calibri" panose="020F0502020204030204" pitchFamily="34" charset="0"/>
+                      </a:endParaRPr>
+                    </a:p>
+                  </a:txBody>
+                  <a:tcPr marL="9525" marR="9525" marT="9525" marB="0" anchor="b"/>
+                </a:tc>
+                <a:tc>
+                  <a:txBody>
+                    <a:bodyPr/>
+                    <a:lstStyle/>
+                    <a:p>
+                      <a:pPr algn="ctr" fontAlgn="b"/>
+                      <a:r>
+                        <a:rPr lang="en-US" sz="1100" u="none" strike="noStrike">
+                          <a:effectLst/>
+                        </a:rPr>
+                        <a:t>0.030303</a:t>
+                      </a:r>
+                      <a:endParaRPr lang="en-US" sz="1100" b="0" i="0" u="none" strike="noStrike">
+                        <a:solidFill>
+                          <a:srgbClr val="000000"/>
+                        </a:solidFill>
+                        <a:effectLst/>
+                        <a:latin typeface="Calibri" panose="020F0502020204030204" pitchFamily="34" charset="0"/>
+                      </a:endParaRPr>
+                    </a:p>
+                  </a:txBody>
+                  <a:tcPr marL="9525" marR="9525" marT="9525" marB="0" anchor="b"/>
+                </a:tc>
+                <a:tc>
+                  <a:txBody>
+                    <a:bodyPr/>
+                    <a:lstStyle/>
+                    <a:p>
+                      <a:pPr algn="ctr" fontAlgn="b"/>
+                      <a:r>
+                        <a:rPr lang="en-US" sz="1100" u="none" strike="noStrike">
+                          <a:effectLst/>
+                        </a:rPr>
+                        <a:t>0.0331126</a:t>
+                      </a:r>
+                      <a:endParaRPr lang="en-US" sz="1100" b="0" i="0" u="none" strike="noStrike">
+                        <a:solidFill>
+                          <a:srgbClr val="000000"/>
+                        </a:solidFill>
+                        <a:effectLst/>
+                        <a:latin typeface="Calibri" panose="020F0502020204030204" pitchFamily="34" charset="0"/>
+                      </a:endParaRPr>
+                    </a:p>
+                  </a:txBody>
+                  <a:tcPr marL="9525" marR="9525" marT="9525" marB="0" anchor="b"/>
+                </a:tc>
+                <a:tc>
+                  <a:txBody>
+                    <a:bodyPr/>
+                    <a:lstStyle/>
+                    <a:p>
+                      <a:pPr algn="ctr" fontAlgn="b"/>
+                      <a:r>
+                        <a:rPr lang="en-US" sz="1100" u="none" strike="noStrike">
+                          <a:effectLst/>
+                        </a:rPr>
+                        <a:t>0.04875406</a:t>
+                      </a:r>
+                      <a:endParaRPr lang="en-US" sz="1100" b="0" i="0" u="none" strike="noStrike">
+                        <a:solidFill>
+                          <a:srgbClr val="000000"/>
+                        </a:solidFill>
+                        <a:effectLst/>
+                        <a:latin typeface="Calibri" panose="020F0502020204030204" pitchFamily="34" charset="0"/>
+                      </a:endParaRPr>
+                    </a:p>
+                  </a:txBody>
+                  <a:tcPr marL="9525" marR="9525" marT="9525" marB="0" anchor="b"/>
+                </a:tc>
+                <a:tc>
+                  <a:txBody>
+                    <a:bodyPr/>
+                    <a:lstStyle/>
+                    <a:p>
+                      <a:pPr algn="ctr" fontAlgn="b"/>
+                      <a:r>
+                        <a:rPr lang="en-US" sz="1100" u="none" strike="noStrike">
+                          <a:effectLst/>
+                        </a:rPr>
+                        <a:t>0.166413</a:t>
+                      </a:r>
+                      <a:endParaRPr lang="en-US" sz="1100" b="0" i="0" u="none" strike="noStrike">
+                        <a:solidFill>
+                          <a:srgbClr val="000000"/>
+                        </a:solidFill>
+                        <a:effectLst/>
+                        <a:latin typeface="Calibri" panose="020F0502020204030204" pitchFamily="34" charset="0"/>
+                      </a:endParaRPr>
+                    </a:p>
+                  </a:txBody>
+                  <a:tcPr marL="9525" marR="9525" marT="9525" marB="0" anchor="b"/>
+                </a:tc>
+                <a:tc>
+                  <a:txBody>
+                    <a:bodyPr/>
+                    <a:lstStyle/>
+                    <a:p>
+                      <a:pPr algn="ctr" fontAlgn="b"/>
+                      <a:r>
+                        <a:rPr lang="en-US" sz="1100" u="none" strike="noStrike">
+                          <a:effectLst/>
+                        </a:rPr>
+                        <a:t>0.041603</a:t>
+                      </a:r>
+                      <a:endParaRPr lang="en-US" sz="1100" b="0" i="0" u="none" strike="noStrike">
+                        <a:solidFill>
+                          <a:srgbClr val="000000"/>
+                        </a:solidFill>
+                        <a:effectLst/>
+                        <a:latin typeface="Calibri" panose="020F0502020204030204" pitchFamily="34" charset="0"/>
+                      </a:endParaRPr>
+                    </a:p>
+                  </a:txBody>
+                  <a:tcPr marL="9525" marR="9525" marT="9525" marB="0" anchor="b"/>
+                </a:tc>
+                <a:extLst>
+                  <a:ext uri="{0D108BD9-81ED-4DB2-BD59-A6C34878D82A}">
+                    <a16:rowId xmlns:a16="http://schemas.microsoft.com/office/drawing/2014/main" val="1837953967"/>
+                  </a:ext>
+                </a:extLst>
+              </a:tr>
+              <a:tr h="800943">
+                <a:tc>
+                  <a:txBody>
+                    <a:bodyPr/>
+                    <a:lstStyle/>
+                    <a:p>
+                      <a:pPr algn="ctr" fontAlgn="ctr"/>
+                      <a:r>
+                        <a:rPr lang="en-US" sz="1100" u="none" strike="noStrike" dirty="0">
+                          <a:solidFill>
+                            <a:schemeClr val="tx1"/>
+                          </a:solidFill>
+                          <a:effectLst/>
+                        </a:rPr>
+                        <a:t>Mobility</a:t>
+                      </a:r>
+                      <a:endParaRPr lang="en-US" sz="1100" b="0" i="0" u="none" strike="noStrike" dirty="0">
+                        <a:solidFill>
+                          <a:schemeClr val="tx1"/>
+                        </a:solidFill>
+                        <a:effectLst/>
+                        <a:latin typeface="Calibri" panose="020F0502020204030204" pitchFamily="34" charset="0"/>
+                      </a:endParaRPr>
+                    </a:p>
+                  </a:txBody>
+                  <a:tcPr marL="9525" marR="9525" marT="9525" marB="0" anchor="ctr">
+                    <a:solidFill>
+                      <a:schemeClr val="bg2">
+                        <a:lumMod val="75000"/>
+                      </a:schemeClr>
+                    </a:solidFill>
+                  </a:tcPr>
+                </a:tc>
+                <a:tc>
+                  <a:txBody>
+                    <a:bodyPr/>
+                    <a:lstStyle/>
+                    <a:p>
+                      <a:pPr algn="ctr" fontAlgn="b"/>
+                      <a:r>
+                        <a:rPr lang="en-US" sz="1100" u="none" strike="noStrike">
+                          <a:effectLst/>
+                        </a:rPr>
+                        <a:t>0.2054795</a:t>
+                      </a:r>
+                      <a:endParaRPr lang="en-US" sz="1100" b="0" i="0" u="none" strike="noStrike">
+                        <a:solidFill>
+                          <a:srgbClr val="000000"/>
+                        </a:solidFill>
+                        <a:effectLst/>
+                        <a:latin typeface="Calibri" panose="020F0502020204030204" pitchFamily="34" charset="0"/>
+                      </a:endParaRPr>
+                    </a:p>
+                  </a:txBody>
+                  <a:tcPr marL="9525" marR="9525" marT="9525" marB="0" anchor="b"/>
+                </a:tc>
+                <a:tc>
+                  <a:txBody>
+                    <a:bodyPr/>
+                    <a:lstStyle/>
+                    <a:p>
+                      <a:pPr algn="ctr" fontAlgn="b"/>
+                      <a:r>
+                        <a:rPr lang="en-US" sz="1100" u="none" strike="noStrike">
+                          <a:effectLst/>
+                        </a:rPr>
+                        <a:t>0.0137525</a:t>
+                      </a:r>
+                      <a:endParaRPr lang="en-US" sz="1100" b="0" i="0" u="none" strike="noStrike">
+                        <a:solidFill>
+                          <a:srgbClr val="000000"/>
+                        </a:solidFill>
+                        <a:effectLst/>
+                        <a:latin typeface="Calibri" panose="020F0502020204030204" pitchFamily="34" charset="0"/>
+                      </a:endParaRPr>
+                    </a:p>
+                  </a:txBody>
+                  <a:tcPr marL="9525" marR="9525" marT="9525" marB="0" anchor="b"/>
+                </a:tc>
+                <a:tc>
+                  <a:txBody>
+                    <a:bodyPr/>
+                    <a:lstStyle/>
+                    <a:p>
+                      <a:pPr algn="ctr" fontAlgn="b"/>
+                      <a:r>
+                        <a:rPr lang="en-US" sz="1100" u="none" strike="noStrike">
+                          <a:effectLst/>
+                        </a:rPr>
+                        <a:t>0.433526</a:t>
+                      </a:r>
+                      <a:endParaRPr lang="en-US" sz="1100" b="0" i="0" u="none" strike="noStrike">
+                        <a:solidFill>
+                          <a:srgbClr val="000000"/>
+                        </a:solidFill>
+                        <a:effectLst/>
+                        <a:latin typeface="Calibri" panose="020F0502020204030204" pitchFamily="34" charset="0"/>
+                      </a:endParaRPr>
+                    </a:p>
+                  </a:txBody>
+                  <a:tcPr marL="9525" marR="9525" marT="9525" marB="0" anchor="b"/>
+                </a:tc>
+                <a:tc>
+                  <a:txBody>
+                    <a:bodyPr/>
+                    <a:lstStyle/>
+                    <a:p>
+                      <a:pPr algn="ctr" fontAlgn="b"/>
+                      <a:r>
+                        <a:rPr lang="en-US" sz="1100" u="none" strike="noStrike">
+                          <a:effectLst/>
+                        </a:rPr>
+                        <a:t>0.2809991</a:t>
+                      </a:r>
+                      <a:endParaRPr lang="en-US" sz="1100" b="0" i="0" u="none" strike="noStrike">
+                        <a:solidFill>
+                          <a:srgbClr val="000000"/>
+                        </a:solidFill>
+                        <a:effectLst/>
+                        <a:latin typeface="Calibri" panose="020F0502020204030204" pitchFamily="34" charset="0"/>
+                      </a:endParaRPr>
+                    </a:p>
+                  </a:txBody>
+                  <a:tcPr marL="9525" marR="9525" marT="9525" marB="0" anchor="b"/>
+                </a:tc>
+                <a:tc>
+                  <a:txBody>
+                    <a:bodyPr/>
+                    <a:lstStyle/>
+                    <a:p>
+                      <a:pPr algn="ctr" fontAlgn="b"/>
+                      <a:r>
+                        <a:rPr lang="en-US" sz="1100" u="none" strike="noStrike">
+                          <a:effectLst/>
+                        </a:rPr>
+                        <a:t>0.0909091</a:t>
+                      </a:r>
+                      <a:endParaRPr lang="en-US" sz="1100" b="0" i="0" u="none" strike="noStrike">
+                        <a:solidFill>
+                          <a:srgbClr val="000000"/>
+                        </a:solidFill>
+                        <a:effectLst/>
+                        <a:latin typeface="Calibri" panose="020F0502020204030204" pitchFamily="34" charset="0"/>
+                      </a:endParaRPr>
+                    </a:p>
+                  </a:txBody>
+                  <a:tcPr marL="9525" marR="9525" marT="9525" marB="0" anchor="b"/>
+                </a:tc>
+                <a:tc>
+                  <a:txBody>
+                    <a:bodyPr/>
+                    <a:lstStyle/>
+                    <a:p>
+                      <a:pPr algn="ctr" fontAlgn="b"/>
+                      <a:r>
+                        <a:rPr lang="en-US" sz="1100" u="none" strike="noStrike">
+                          <a:effectLst/>
+                        </a:rPr>
+                        <a:t>0.0993377</a:t>
+                      </a:r>
+                      <a:endParaRPr lang="en-US" sz="1100" b="0" i="0" u="none" strike="noStrike">
+                        <a:solidFill>
+                          <a:srgbClr val="000000"/>
+                        </a:solidFill>
+                        <a:effectLst/>
+                        <a:latin typeface="Calibri" panose="020F0502020204030204" pitchFamily="34" charset="0"/>
+                      </a:endParaRPr>
+                    </a:p>
+                  </a:txBody>
+                  <a:tcPr marL="9525" marR="9525" marT="9525" marB="0" anchor="b"/>
+                </a:tc>
+                <a:tc>
+                  <a:txBody>
+                    <a:bodyPr/>
+                    <a:lstStyle/>
+                    <a:p>
+                      <a:pPr algn="ctr" fontAlgn="b"/>
+                      <a:r>
+                        <a:rPr lang="en-US" sz="1100" u="none" strike="noStrike">
+                          <a:effectLst/>
+                        </a:rPr>
+                        <a:t>0.11375948</a:t>
+                      </a:r>
+                      <a:endParaRPr lang="en-US" sz="1100" b="0" i="0" u="none" strike="noStrike">
+                        <a:solidFill>
+                          <a:srgbClr val="000000"/>
+                        </a:solidFill>
+                        <a:effectLst/>
+                        <a:latin typeface="Calibri" panose="020F0502020204030204" pitchFamily="34" charset="0"/>
+                      </a:endParaRPr>
+                    </a:p>
+                  </a:txBody>
+                  <a:tcPr marL="9525" marR="9525" marT="9525" marB="0" anchor="b"/>
+                </a:tc>
+                <a:tc>
+                  <a:txBody>
+                    <a:bodyPr/>
+                    <a:lstStyle/>
+                    <a:p>
+                      <a:pPr algn="ctr" fontAlgn="b"/>
+                      <a:r>
+                        <a:rPr lang="en-US" sz="1100" u="none" strike="noStrike">
+                          <a:effectLst/>
+                        </a:rPr>
+                        <a:t>1.237763</a:t>
+                      </a:r>
+                      <a:endParaRPr lang="en-US" sz="1100" b="0" i="0" u="none" strike="noStrike">
+                        <a:solidFill>
+                          <a:srgbClr val="000000"/>
+                        </a:solidFill>
+                        <a:effectLst/>
+                        <a:latin typeface="Calibri" panose="020F0502020204030204" pitchFamily="34" charset="0"/>
+                      </a:endParaRPr>
+                    </a:p>
+                  </a:txBody>
+                  <a:tcPr marL="9525" marR="9525" marT="9525" marB="0" anchor="b"/>
+                </a:tc>
+                <a:tc>
+                  <a:txBody>
+                    <a:bodyPr/>
+                    <a:lstStyle/>
+                    <a:p>
+                      <a:pPr algn="ctr" fontAlgn="b"/>
+                      <a:r>
+                        <a:rPr lang="en-US" sz="1100" u="none" strike="noStrike">
+                          <a:effectLst/>
+                        </a:rPr>
+                        <a:t>0.309441</a:t>
+                      </a:r>
+                      <a:endParaRPr lang="en-US" sz="1100" b="0" i="0" u="none" strike="noStrike">
+                        <a:solidFill>
+                          <a:srgbClr val="000000"/>
+                        </a:solidFill>
+                        <a:effectLst/>
+                        <a:latin typeface="Calibri" panose="020F0502020204030204" pitchFamily="34" charset="0"/>
+                      </a:endParaRPr>
+                    </a:p>
+                  </a:txBody>
+                  <a:tcPr marL="9525" marR="9525" marT="9525" marB="0" anchor="b"/>
+                </a:tc>
+                <a:extLst>
+                  <a:ext uri="{0D108BD9-81ED-4DB2-BD59-A6C34878D82A}">
+                    <a16:rowId xmlns:a16="http://schemas.microsoft.com/office/drawing/2014/main" val="329182703"/>
+                  </a:ext>
+                </a:extLst>
+              </a:tr>
+              <a:tr h="800943">
+                <a:tc>
+                  <a:txBody>
+                    <a:bodyPr/>
+                    <a:lstStyle/>
+                    <a:p>
+                      <a:pPr algn="ctr" fontAlgn="ctr"/>
+                      <a:r>
+                        <a:rPr lang="en-US" sz="1100" u="none" strike="noStrike" dirty="0">
+                          <a:solidFill>
+                            <a:schemeClr val="tx1"/>
+                          </a:solidFill>
+                          <a:effectLst/>
+                        </a:rPr>
+                        <a:t>Complexity</a:t>
+                      </a:r>
+                      <a:endParaRPr lang="en-US" sz="1100" b="0" i="0" u="none" strike="noStrike" dirty="0">
+                        <a:solidFill>
+                          <a:schemeClr val="tx1"/>
+                        </a:solidFill>
+                        <a:effectLst/>
+                        <a:latin typeface="Calibri" panose="020F0502020204030204" pitchFamily="34" charset="0"/>
+                      </a:endParaRPr>
+                    </a:p>
+                  </a:txBody>
+                  <a:tcPr marL="9525" marR="9525" marT="9525" marB="0" anchor="ctr">
+                    <a:solidFill>
+                      <a:schemeClr val="bg2">
+                        <a:lumMod val="75000"/>
+                      </a:schemeClr>
+                    </a:solidFill>
+                  </a:tcPr>
+                </a:tc>
+                <a:tc>
+                  <a:txBody>
+                    <a:bodyPr/>
+                    <a:lstStyle/>
+                    <a:p>
+                      <a:pPr algn="ctr" fontAlgn="b"/>
+                      <a:r>
+                        <a:rPr lang="en-US" sz="1100" u="none" strike="noStrike">
+                          <a:effectLst/>
+                        </a:rPr>
+                        <a:t>0.369863</a:t>
+                      </a:r>
+                      <a:endParaRPr lang="en-US" sz="1100" b="0" i="0" u="none" strike="noStrike">
+                        <a:solidFill>
+                          <a:srgbClr val="000000"/>
+                        </a:solidFill>
+                        <a:effectLst/>
+                        <a:latin typeface="Calibri" panose="020F0502020204030204" pitchFamily="34" charset="0"/>
+                      </a:endParaRPr>
+                    </a:p>
+                  </a:txBody>
+                  <a:tcPr marL="9525" marR="9525" marT="9525" marB="0" anchor="b"/>
+                </a:tc>
+                <a:tc>
+                  <a:txBody>
+                    <a:bodyPr/>
+                    <a:lstStyle/>
+                    <a:p>
+                      <a:pPr algn="ctr" fontAlgn="b"/>
+                      <a:r>
+                        <a:rPr lang="en-US" sz="1100" u="none" strike="noStrike">
+                          <a:effectLst/>
+                        </a:rPr>
+                        <a:t>0.481336</a:t>
+                      </a:r>
+                      <a:endParaRPr lang="en-US" sz="1100" b="0" i="0" u="none" strike="noStrike">
+                        <a:solidFill>
+                          <a:srgbClr val="000000"/>
+                        </a:solidFill>
+                        <a:effectLst/>
+                        <a:latin typeface="Calibri" panose="020F0502020204030204" pitchFamily="34" charset="0"/>
+                      </a:endParaRPr>
+                    </a:p>
+                  </a:txBody>
+                  <a:tcPr marL="9525" marR="9525" marT="9525" marB="0" anchor="b"/>
+                </a:tc>
+                <a:tc>
+                  <a:txBody>
+                    <a:bodyPr/>
+                    <a:lstStyle/>
+                    <a:p>
+                      <a:pPr algn="ctr" fontAlgn="b"/>
+                      <a:r>
+                        <a:rPr lang="en-US" sz="1100" u="none" strike="noStrike">
+                          <a:effectLst/>
+                        </a:rPr>
+                        <a:t>0.0867052</a:t>
+                      </a:r>
+                      <a:endParaRPr lang="en-US" sz="1100" b="0" i="0" u="none" strike="noStrike">
+                        <a:solidFill>
+                          <a:srgbClr val="000000"/>
+                        </a:solidFill>
+                        <a:effectLst/>
+                        <a:latin typeface="Calibri" panose="020F0502020204030204" pitchFamily="34" charset="0"/>
+                      </a:endParaRPr>
+                    </a:p>
+                  </a:txBody>
+                  <a:tcPr marL="9525" marR="9525" marT="9525" marB="0" anchor="b"/>
+                </a:tc>
+                <a:tc>
+                  <a:txBody>
+                    <a:bodyPr/>
+                    <a:lstStyle/>
+                    <a:p>
+                      <a:pPr algn="ctr" fontAlgn="b"/>
+                      <a:r>
+                        <a:rPr lang="en-US" sz="1100" u="none" strike="noStrike">
+                          <a:effectLst/>
+                        </a:rPr>
+                        <a:t>0.4683318</a:t>
+                      </a:r>
+                      <a:endParaRPr lang="en-US" sz="1100" b="0" i="0" u="none" strike="noStrike">
+                        <a:solidFill>
+                          <a:srgbClr val="000000"/>
+                        </a:solidFill>
+                        <a:effectLst/>
+                        <a:latin typeface="Calibri" panose="020F0502020204030204" pitchFamily="34" charset="0"/>
+                      </a:endParaRPr>
+                    </a:p>
+                  </a:txBody>
+                  <a:tcPr marL="9525" marR="9525" marT="9525" marB="0" anchor="b"/>
+                </a:tc>
+                <a:tc>
+                  <a:txBody>
+                    <a:bodyPr/>
+                    <a:lstStyle/>
+                    <a:p>
+                      <a:pPr algn="ctr" fontAlgn="b"/>
+                      <a:r>
+                        <a:rPr lang="en-US" sz="1100" u="none" strike="noStrike">
+                          <a:effectLst/>
+                        </a:rPr>
+                        <a:t>0.2121212</a:t>
+                      </a:r>
+                      <a:endParaRPr lang="en-US" sz="1100" b="0" i="0" u="none" strike="noStrike">
+                        <a:solidFill>
+                          <a:srgbClr val="000000"/>
+                        </a:solidFill>
+                        <a:effectLst/>
+                        <a:latin typeface="Calibri" panose="020F0502020204030204" pitchFamily="34" charset="0"/>
+                      </a:endParaRPr>
+                    </a:p>
+                  </a:txBody>
+                  <a:tcPr marL="9525" marR="9525" marT="9525" marB="0" anchor="b"/>
+                </a:tc>
+                <a:tc>
+                  <a:txBody>
+                    <a:bodyPr/>
+                    <a:lstStyle/>
+                    <a:p>
+                      <a:pPr algn="ctr" fontAlgn="b"/>
+                      <a:r>
+                        <a:rPr lang="en-US" sz="1100" u="none" strike="noStrike">
+                          <a:effectLst/>
+                        </a:rPr>
+                        <a:t>0.2980132</a:t>
+                      </a:r>
+                      <a:endParaRPr lang="en-US" sz="1100" b="0" i="0" u="none" strike="noStrike">
+                        <a:solidFill>
+                          <a:srgbClr val="000000"/>
+                        </a:solidFill>
+                        <a:effectLst/>
+                        <a:latin typeface="Calibri" panose="020F0502020204030204" pitchFamily="34" charset="0"/>
+                      </a:endParaRPr>
+                    </a:p>
+                  </a:txBody>
+                  <a:tcPr marL="9525" marR="9525" marT="9525" marB="0" anchor="b"/>
+                </a:tc>
+                <a:tc>
+                  <a:txBody>
+                    <a:bodyPr/>
+                    <a:lstStyle/>
+                    <a:p>
+                      <a:pPr algn="ctr" fontAlgn="b"/>
+                      <a:r>
+                        <a:rPr lang="en-US" sz="1100" u="none" strike="noStrike">
+                          <a:effectLst/>
+                        </a:rPr>
+                        <a:t>0.34127844</a:t>
+                      </a:r>
+                      <a:endParaRPr lang="en-US" sz="1100" b="0" i="0" u="none" strike="noStrike">
+                        <a:solidFill>
+                          <a:srgbClr val="000000"/>
+                        </a:solidFill>
+                        <a:effectLst/>
+                        <a:latin typeface="Calibri" panose="020F0502020204030204" pitchFamily="34" charset="0"/>
+                      </a:endParaRPr>
+                    </a:p>
+                  </a:txBody>
+                  <a:tcPr marL="9525" marR="9525" marT="9525" marB="0" anchor="b"/>
+                </a:tc>
+                <a:tc>
+                  <a:txBody>
+                    <a:bodyPr/>
+                    <a:lstStyle/>
+                    <a:p>
+                      <a:pPr algn="ctr" fontAlgn="b"/>
+                      <a:r>
+                        <a:rPr lang="en-US" sz="1100" u="none" strike="noStrike">
+                          <a:effectLst/>
+                        </a:rPr>
+                        <a:t>2.257649</a:t>
+                      </a:r>
+                      <a:endParaRPr lang="en-US" sz="1100" b="0" i="0" u="none" strike="noStrike">
+                        <a:solidFill>
+                          <a:srgbClr val="000000"/>
+                        </a:solidFill>
+                        <a:effectLst/>
+                        <a:latin typeface="Calibri" panose="020F0502020204030204" pitchFamily="34" charset="0"/>
+                      </a:endParaRPr>
+                    </a:p>
+                  </a:txBody>
+                  <a:tcPr marL="9525" marR="9525" marT="9525" marB="0" anchor="b"/>
+                </a:tc>
+                <a:tc>
+                  <a:txBody>
+                    <a:bodyPr/>
+                    <a:lstStyle/>
+                    <a:p>
+                      <a:pPr algn="ctr" fontAlgn="b"/>
+                      <a:r>
+                        <a:rPr lang="en-US" sz="1100" u="none" strike="noStrike" dirty="0">
+                          <a:effectLst/>
+                        </a:rPr>
+                        <a:t>0.564412</a:t>
+                      </a:r>
+                      <a:endParaRPr lang="en-US" sz="1100" b="0" i="0" u="none" strike="noStrike" dirty="0">
+                        <a:solidFill>
+                          <a:srgbClr val="000000"/>
+                        </a:solidFill>
+                        <a:effectLst/>
+                        <a:latin typeface="Calibri" panose="020F0502020204030204" pitchFamily="34" charset="0"/>
+                      </a:endParaRPr>
+                    </a:p>
+                  </a:txBody>
+                  <a:tcPr marL="9525" marR="9525" marT="9525" marB="0" anchor="b"/>
+                </a:tc>
+                <a:extLst>
+                  <a:ext uri="{0D108BD9-81ED-4DB2-BD59-A6C34878D82A}">
+                    <a16:rowId xmlns:a16="http://schemas.microsoft.com/office/drawing/2014/main" val="689047979"/>
+                  </a:ext>
+                </a:extLst>
+              </a:tr>
+            </a:tbl>
+          </a:graphicData>
+        </a:graphic>
+      </p:graphicFrame>
+    </p:spTree>
+    <p:extLst>
+      <p:ext uri="{BB962C8B-B14F-4D97-AF65-F5344CB8AC3E}">
+        <p14:creationId xmlns:p14="http://schemas.microsoft.com/office/powerpoint/2010/main" val="967048513"/>
+      </p:ext>
+    </p:extLst>
+  </p:cSld>
+  <p:clrMapOvr>
+    <a:masterClrMapping/>
+  </p:clrMapOvr>
+</p:sld>
+</file>
+
+<file path=ppt/slides/slide23.xml><?xml version="1.0" encoding="utf-8"?>
+<p:sld xmlns:a="http://schemas.openxmlformats.org/drawingml/2006/main" xmlns:r="http://schemas.openxmlformats.org/officeDocument/2006/relationships" xmlns:p="http://schemas.openxmlformats.org/presentationml/2006/main">
+  <p:cSld>
+    <p:spTree>
+      <p:nvGrpSpPr>
+        <p:cNvPr id="1" name=""/>
+        <p:cNvGrpSpPr/>
+        <p:nvPr/>
+      </p:nvGrpSpPr>
+      <p:grpSpPr>
+        <a:xfrm>
+          <a:off x="0" y="0"/>
+          <a:ext cx="0" cy="0"/>
+          <a:chOff x="0" y="0"/>
+          <a:chExt cx="0" cy="0"/>
+        </a:xfrm>
+      </p:grpSpPr>
+      <p:sp>
+        <p:nvSpPr>
+          <p:cNvPr id="2" name="Title 1">
+            <a:extLst>
+              <a:ext uri="{FF2B5EF4-FFF2-40B4-BE49-F238E27FC236}">
                 <a16:creationId xmlns:a16="http://schemas.microsoft.com/office/drawing/2014/main" id="{AC898A68-0863-417D-B492-1F4F8DD3CD1E}"/>
               </a:ext>
             </a:extLst>
@@ -14551,7 +18495,7 @@
           <p:nvPr>
             <p:extLst>
               <p:ext uri="{D42A27DB-BD31-4B8C-83A1-F6EECF244321}">
-                <p14:modId xmlns:p14="http://schemas.microsoft.com/office/powerpoint/2010/main" val="2386948169"/>
+                <p14:modId xmlns:p14="http://schemas.microsoft.com/office/powerpoint/2010/main" val="3216853287"/>
               </p:ext>
             </p:extLst>
           </p:nvPr>
@@ -14653,21 +18597,30 @@
                     <a:p>
                       <a:pPr algn="ctr" fontAlgn="ctr"/>
                       <a:r>
-                        <a:rPr lang="en-US" sz="1800" u="none" strike="noStrike">
+                        <a:rPr lang="en-US" sz="1800" u="none" strike="noStrike" dirty="0">
+                          <a:solidFill>
+                            <a:schemeClr val="tx1"/>
+                          </a:solidFill>
                           <a:effectLst/>
                         </a:rPr>
                         <a:t>Reliability</a:t>
                       </a:r>
-                      <a:endParaRPr lang="en-US" sz="1800" b="0" i="0" u="none" strike="noStrike">
-                        <a:solidFill>
-                          <a:srgbClr val="000000"/>
-                        </a:solidFill>
-                        <a:effectLst/>
-                        <a:latin typeface="Calibri" panose="020F0502020204030204" pitchFamily="34" charset="0"/>
-                      </a:endParaRPr>
-                    </a:p>
-                  </a:txBody>
-                  <a:tcPr marL="8426" marR="8426" marT="8426" marB="0" anchor="ctr"/>
+                      <a:endParaRPr lang="en-US" sz="1800" b="0" i="0" u="none" strike="noStrike" dirty="0">
+                        <a:solidFill>
+                          <a:schemeClr val="tx1"/>
+                        </a:solidFill>
+                        <a:effectLst/>
+                        <a:latin typeface="Calibri" panose="020F0502020204030204" pitchFamily="34" charset="0"/>
+                      </a:endParaRPr>
+                    </a:p>
+                  </a:txBody>
+                  <a:tcPr marL="8426" marR="8426" marT="8426" marB="0" anchor="ctr">
+                    <a:solidFill>
+                      <a:schemeClr val="bg2">
+                        <a:lumMod val="75000"/>
+                      </a:schemeClr>
+                    </a:solidFill>
+                  </a:tcPr>
                 </a:tc>
                 <a:tc rowSpan="2" hMerge="1">
                   <a:txBody>
@@ -14686,21 +18639,124 @@
                     <a:p>
                       <a:pPr algn="ctr" fontAlgn="ctr"/>
                       <a:r>
+                        <a:rPr lang="en-US" sz="1000" u="none" strike="noStrike" dirty="0">
+                          <a:solidFill>
+                            <a:schemeClr val="tx1"/>
+                          </a:solidFill>
+                          <a:effectLst/>
+                        </a:rPr>
+                        <a:t>Sound</a:t>
+                      </a:r>
+                      <a:endParaRPr lang="en-US" sz="1000" b="0" i="0" u="none" strike="noStrike" dirty="0">
+                        <a:solidFill>
+                          <a:schemeClr val="tx1"/>
+                        </a:solidFill>
+                        <a:effectLst/>
+                        <a:latin typeface="Calibri" panose="020F0502020204030204" pitchFamily="34" charset="0"/>
+                      </a:endParaRPr>
+                    </a:p>
+                  </a:txBody>
+                  <a:tcPr marL="8426" marR="8426" marT="8426" marB="0" anchor="ctr">
+                    <a:solidFill>
+                      <a:schemeClr val="bg2">
+                        <a:lumMod val="75000"/>
+                      </a:schemeClr>
+                    </a:solidFill>
+                  </a:tcPr>
+                </a:tc>
+                <a:tc hMerge="1">
+                  <a:txBody>
+                    <a:bodyPr/>
+                    <a:lstStyle/>
+                    <a:p>
+                      <a:endParaRPr lang="en-US"/>
+                    </a:p>
+                  </a:txBody>
+                  <a:tcPr/>
+                </a:tc>
+                <a:tc gridSpan="3">
+                  <a:txBody>
+                    <a:bodyPr/>
+                    <a:lstStyle/>
+                    <a:p>
+                      <a:pPr algn="ctr" fontAlgn="ctr"/>
+                      <a:r>
+                        <a:rPr lang="en-US" sz="1000" u="none" strike="noStrike" dirty="0">
+                          <a:solidFill>
+                            <a:schemeClr val="tx1"/>
+                          </a:solidFill>
+                          <a:effectLst/>
+                        </a:rPr>
+                        <a:t>vibration</a:t>
+                      </a:r>
+                      <a:endParaRPr lang="en-US" sz="1000" b="0" i="0" u="none" strike="noStrike" dirty="0">
+                        <a:solidFill>
+                          <a:schemeClr val="tx1"/>
+                        </a:solidFill>
+                        <a:effectLst/>
+                        <a:latin typeface="Calibri" panose="020F0502020204030204" pitchFamily="34" charset="0"/>
+                      </a:endParaRPr>
+                    </a:p>
+                  </a:txBody>
+                  <a:tcPr marL="8426" marR="8426" marT="8426" marB="0" anchor="ctr">
+                    <a:solidFill>
+                      <a:schemeClr val="bg2">
+                        <a:lumMod val="75000"/>
+                      </a:schemeClr>
+                    </a:solidFill>
+                  </a:tcPr>
+                </a:tc>
+                <a:tc hMerge="1">
+                  <a:txBody>
+                    <a:bodyPr/>
+                    <a:lstStyle/>
+                    <a:p>
+                      <a:endParaRPr lang="en-US"/>
+                    </a:p>
+                  </a:txBody>
+                  <a:tcPr/>
+                </a:tc>
+                <a:tc hMerge="1">
+                  <a:txBody>
+                    <a:bodyPr/>
+                    <a:lstStyle/>
+                    <a:p>
+                      <a:endParaRPr lang="en-US"/>
+                    </a:p>
+                  </a:txBody>
+                  <a:tcPr/>
+                </a:tc>
+                <a:tc gridSpan="2">
+                  <a:txBody>
+                    <a:bodyPr/>
+                    <a:lstStyle/>
+                    <a:p>
+                      <a:pPr algn="ctr" fontAlgn="ctr"/>
+                      <a:r>
                         <a:rPr lang="en-US" sz="1000" u="none" strike="noStrike">
-                          <a:effectLst/>
-                        </a:rPr>
-                        <a:t>Sound</a:t>
+                          <a:solidFill>
+                            <a:schemeClr val="tx1"/>
+                          </a:solidFill>
+                          <a:effectLst/>
+                        </a:rPr>
+                        <a:t>Flashlight</a:t>
                       </a:r>
                       <a:endParaRPr lang="en-US" sz="1000" b="0" i="0" u="none" strike="noStrike">
                         <a:solidFill>
-                          <a:srgbClr val="000000"/>
-                        </a:solidFill>
-                        <a:effectLst/>
-                        <a:latin typeface="Calibri" panose="020F0502020204030204" pitchFamily="34" charset="0"/>
-                      </a:endParaRPr>
-                    </a:p>
-                  </a:txBody>
-                  <a:tcPr marL="8426" marR="8426" marT="8426" marB="0" anchor="ctr"/>
+                          <a:schemeClr val="tx1"/>
+                        </a:solidFill>
+                        <a:effectLst/>
+                        <a:latin typeface="Calibri" panose="020F0502020204030204" pitchFamily="34" charset="0"/>
+                      </a:endParaRPr>
+                    </a:p>
+                  </a:txBody>
+                  <a:tcPr marL="8426" marR="8426" marT="8426" marB="0" anchor="ctr">
+                    <a:solidFill>
+                      <a:schemeClr val="bg2">
+                        <a:lumMod val="75000"/>
+                      </a:schemeClr>
+                    </a:solidFill>
+                  </a:tcPr>
                 </a:tc>
                 <a:tc hMerge="1">
                   <a:txBody>
@@ -14712,7 +18768,7 @@
                   </a:txBody>
                   <a:tcPr/>
                 </a:tc>
-                <a:tc gridSpan="3">
+                <a:tc>
                   <a:txBody>
                     <a:bodyPr/>
                     <a:lstStyle/>
@@ -14720,42 +18776,31 @@
                       <a:pPr algn="ctr" fontAlgn="ctr"/>
                       <a:r>
                         <a:rPr lang="en-US" sz="1000" u="none" strike="noStrike">
-                          <a:effectLst/>
-                        </a:rPr>
-                        <a:t>vibration</a:t>
+                          <a:solidFill>
+                            <a:schemeClr val="tx1"/>
+                          </a:solidFill>
+                          <a:effectLst/>
+                        </a:rPr>
+                        <a:t>Light&amp;Vibration</a:t>
                       </a:r>
                       <a:endParaRPr lang="en-US" sz="1000" b="0" i="0" u="none" strike="noStrike">
                         <a:solidFill>
-                          <a:srgbClr val="000000"/>
-                        </a:solidFill>
-                        <a:effectLst/>
-                        <a:latin typeface="Calibri" panose="020F0502020204030204" pitchFamily="34" charset="0"/>
-                      </a:endParaRPr>
-                    </a:p>
-                  </a:txBody>
-                  <a:tcPr marL="8426" marR="8426" marT="8426" marB="0" anchor="ctr"/>
-                </a:tc>
-                <a:tc hMerge="1">
-                  <a:txBody>
-                    <a:bodyPr/>
-                    <a:lstStyle/>
-                    <a:p>
-                      <a:endParaRPr lang="en-US"/>
-                    </a:p>
-                  </a:txBody>
-                  <a:tcPr/>
-                </a:tc>
-                <a:tc hMerge="1">
-                  <a:txBody>
-                    <a:bodyPr/>
-                    <a:lstStyle/>
-                    <a:p>
-                      <a:endParaRPr lang="en-US"/>
-                    </a:p>
-                  </a:txBody>
-                  <a:tcPr/>
-                </a:tc>
-                <a:tc gridSpan="2">
+                          <a:schemeClr val="tx1"/>
+                        </a:solidFill>
+                        <a:effectLst/>
+                        <a:latin typeface="Calibri" panose="020F0502020204030204" pitchFamily="34" charset="0"/>
+                      </a:endParaRPr>
+                    </a:p>
+                  </a:txBody>
+                  <a:tcPr marL="8426" marR="8426" marT="8426" marB="0" anchor="ctr">
+                    <a:solidFill>
+                      <a:schemeClr val="bg2">
+                        <a:lumMod val="75000"/>
+                      </a:schemeClr>
+                    </a:solidFill>
+                  </a:tcPr>
+                </a:tc>
+                <a:tc>
                   <a:txBody>
                     <a:bodyPr/>
                     <a:lstStyle/>
@@ -14763,76 +18808,29 @@
                       <a:pPr algn="ctr" fontAlgn="ctr"/>
                       <a:r>
                         <a:rPr lang="en-US" sz="1000" u="none" strike="noStrike">
-                          <a:effectLst/>
-                        </a:rPr>
-                        <a:t>Flashlight</a:t>
+                          <a:solidFill>
+                            <a:schemeClr val="tx1"/>
+                          </a:solidFill>
+                          <a:effectLst/>
+                        </a:rPr>
+                        <a:t> </a:t>
                       </a:r>
                       <a:endParaRPr lang="en-US" sz="1000" b="0" i="0" u="none" strike="noStrike">
                         <a:solidFill>
-                          <a:srgbClr val="000000"/>
-                        </a:solidFill>
-                        <a:effectLst/>
-                        <a:latin typeface="Calibri" panose="020F0502020204030204" pitchFamily="34" charset="0"/>
-                      </a:endParaRPr>
-                    </a:p>
-                  </a:txBody>
-                  <a:tcPr marL="8426" marR="8426" marT="8426" marB="0" anchor="ctr"/>
-                </a:tc>
-                <a:tc hMerge="1">
-                  <a:txBody>
-                    <a:bodyPr/>
-                    <a:lstStyle/>
-                    <a:p>
-                      <a:endParaRPr lang="en-US"/>
-                    </a:p>
-                  </a:txBody>
-                  <a:tcPr/>
-                </a:tc>
-                <a:tc>
-                  <a:txBody>
-                    <a:bodyPr/>
-                    <a:lstStyle/>
-                    <a:p>
-                      <a:pPr algn="ctr" fontAlgn="ctr"/>
-                      <a:r>
-                        <a:rPr lang="en-US" sz="1000" u="none" strike="noStrike">
-                          <a:effectLst/>
-                        </a:rPr>
-                        <a:t>Light&amp;Vibration</a:t>
-                      </a:r>
-                      <a:endParaRPr lang="en-US" sz="1000" b="0" i="0" u="none" strike="noStrike">
-                        <a:solidFill>
-                          <a:srgbClr val="000000"/>
-                        </a:solidFill>
-                        <a:effectLst/>
-                        <a:latin typeface="Calibri" panose="020F0502020204030204" pitchFamily="34" charset="0"/>
-                      </a:endParaRPr>
-                    </a:p>
-                  </a:txBody>
-                  <a:tcPr marL="8426" marR="8426" marT="8426" marB="0" anchor="ctr"/>
-                </a:tc>
-                <a:tc>
-                  <a:txBody>
-                    <a:bodyPr/>
-                    <a:lstStyle/>
-                    <a:p>
-                      <a:pPr algn="ctr" fontAlgn="ctr"/>
-                      <a:r>
-                        <a:rPr lang="en-US" sz="1000" u="none" strike="noStrike">
-                          <a:effectLst/>
-                        </a:rPr>
-                        <a:t> </a:t>
-                      </a:r>
-                      <a:endParaRPr lang="en-US" sz="1000" b="0" i="0" u="none" strike="noStrike">
-                        <a:solidFill>
-                          <a:srgbClr val="000000"/>
-                        </a:solidFill>
-                        <a:effectLst/>
-                        <a:latin typeface="Calibri" panose="020F0502020204030204" pitchFamily="34" charset="0"/>
-                      </a:endParaRPr>
-                    </a:p>
-                  </a:txBody>
-                  <a:tcPr marL="8426" marR="8426" marT="8426" marB="0" anchor="ctr"/>
+                          <a:schemeClr val="tx1"/>
+                        </a:solidFill>
+                        <a:effectLst/>
+                        <a:latin typeface="Calibri" panose="020F0502020204030204" pitchFamily="34" charset="0"/>
+                      </a:endParaRPr>
+                    </a:p>
+                  </a:txBody>
+                  <a:tcPr marL="8426" marR="8426" marT="8426" marB="0" anchor="ctr">
+                    <a:solidFill>
+                      <a:schemeClr val="bg2">
+                        <a:lumMod val="75000"/>
+                      </a:schemeClr>
+                    </a:solidFill>
+                  </a:tcPr>
                 </a:tc>
                 <a:extLst>
                   <a:ext uri="{0D108BD9-81ED-4DB2-BD59-A6C34878D82A}">
@@ -14869,20 +18867,29 @@
                       <a:pPr algn="ctr" fontAlgn="ctr"/>
                       <a:r>
                         <a:rPr lang="en-US" sz="1000" u="none" strike="noStrike">
+                          <a:solidFill>
+                            <a:schemeClr val="tx1"/>
+                          </a:solidFill>
                           <a:effectLst/>
                         </a:rPr>
                         <a:t>speaker</a:t>
                       </a:r>
                       <a:endParaRPr lang="en-US" sz="1000" b="0" i="0" u="none" strike="noStrike">
                         <a:solidFill>
-                          <a:srgbClr val="000000"/>
-                        </a:solidFill>
-                        <a:effectLst/>
-                        <a:latin typeface="Calibri" panose="020F0502020204030204" pitchFamily="34" charset="0"/>
-                      </a:endParaRPr>
-                    </a:p>
-                  </a:txBody>
-                  <a:tcPr marL="8426" marR="8426" marT="8426" marB="0" anchor="ctr"/>
+                          <a:schemeClr val="tx1"/>
+                        </a:solidFill>
+                        <a:effectLst/>
+                        <a:latin typeface="Calibri" panose="020F0502020204030204" pitchFamily="34" charset="0"/>
+                      </a:endParaRPr>
+                    </a:p>
+                  </a:txBody>
+                  <a:tcPr marL="8426" marR="8426" marT="8426" marB="0" anchor="ctr">
+                    <a:solidFill>
+                      <a:schemeClr val="bg2">
+                        <a:lumMod val="75000"/>
+                      </a:schemeClr>
+                    </a:solidFill>
+                  </a:tcPr>
                 </a:tc>
                 <a:tc>
                   <a:txBody>
@@ -14892,20 +18899,29 @@
                       <a:pPr algn="ctr" fontAlgn="ctr"/>
                       <a:r>
                         <a:rPr lang="en-US" sz="1000" u="none" strike="noStrike">
+                          <a:solidFill>
+                            <a:schemeClr val="tx1"/>
+                          </a:solidFill>
                           <a:effectLst/>
                         </a:rPr>
                         <a:t>earplugs</a:t>
                       </a:r>
                       <a:endParaRPr lang="en-US" sz="1000" b="0" i="0" u="none" strike="noStrike">
                         <a:solidFill>
-                          <a:srgbClr val="000000"/>
-                        </a:solidFill>
-                        <a:effectLst/>
-                        <a:latin typeface="Calibri" panose="020F0502020204030204" pitchFamily="34" charset="0"/>
-                      </a:endParaRPr>
-                    </a:p>
-                  </a:txBody>
-                  <a:tcPr marL="8426" marR="8426" marT="8426" marB="0" anchor="ctr"/>
+                          <a:schemeClr val="tx1"/>
+                        </a:solidFill>
+                        <a:effectLst/>
+                        <a:latin typeface="Calibri" panose="020F0502020204030204" pitchFamily="34" charset="0"/>
+                      </a:endParaRPr>
+                    </a:p>
+                  </a:txBody>
+                  <a:tcPr marL="8426" marR="8426" marT="8426" marB="0" anchor="ctr">
+                    <a:solidFill>
+                      <a:schemeClr val="bg2">
+                        <a:lumMod val="75000"/>
+                      </a:schemeClr>
+                    </a:solidFill>
+                  </a:tcPr>
                 </a:tc>
                 <a:tc>
                   <a:txBody>
@@ -14915,20 +18931,29 @@
                       <a:pPr algn="ctr" fontAlgn="ctr"/>
                       <a:r>
                         <a:rPr lang="en-US" sz="1000" u="none" strike="noStrike">
+                          <a:solidFill>
+                            <a:schemeClr val="tx1"/>
+                          </a:solidFill>
                           <a:effectLst/>
                         </a:rPr>
                         <a:t>watch</a:t>
                       </a:r>
                       <a:endParaRPr lang="en-US" sz="1000" b="0" i="0" u="none" strike="noStrike">
                         <a:solidFill>
-                          <a:srgbClr val="000000"/>
-                        </a:solidFill>
-                        <a:effectLst/>
-                        <a:latin typeface="Calibri" panose="020F0502020204030204" pitchFamily="34" charset="0"/>
-                      </a:endParaRPr>
-                    </a:p>
-                  </a:txBody>
-                  <a:tcPr marL="8426" marR="8426" marT="8426" marB="0" anchor="ctr"/>
+                          <a:schemeClr val="tx1"/>
+                        </a:solidFill>
+                        <a:effectLst/>
+                        <a:latin typeface="Calibri" panose="020F0502020204030204" pitchFamily="34" charset="0"/>
+                      </a:endParaRPr>
+                    </a:p>
+                  </a:txBody>
+                  <a:tcPr marL="8426" marR="8426" marT="8426" marB="0" anchor="ctr">
+                    <a:solidFill>
+                      <a:schemeClr val="bg2">
+                        <a:lumMod val="75000"/>
+                      </a:schemeClr>
+                    </a:solidFill>
+                  </a:tcPr>
                 </a:tc>
                 <a:tc>
                   <a:txBody>
@@ -14938,20 +18963,29 @@
                       <a:pPr algn="ctr" fontAlgn="ctr"/>
                       <a:r>
                         <a:rPr lang="en-US" sz="1000" u="none" strike="noStrike">
+                          <a:solidFill>
+                            <a:schemeClr val="tx1"/>
+                          </a:solidFill>
                           <a:effectLst/>
                         </a:rPr>
                         <a:t>suit</a:t>
                       </a:r>
                       <a:endParaRPr lang="en-US" sz="1000" b="0" i="0" u="none" strike="noStrike">
                         <a:solidFill>
-                          <a:srgbClr val="000000"/>
-                        </a:solidFill>
-                        <a:effectLst/>
-                        <a:latin typeface="Calibri" panose="020F0502020204030204" pitchFamily="34" charset="0"/>
-                      </a:endParaRPr>
-                    </a:p>
-                  </a:txBody>
-                  <a:tcPr marL="8426" marR="8426" marT="8426" marB="0" anchor="ctr"/>
+                          <a:schemeClr val="tx1"/>
+                        </a:solidFill>
+                        <a:effectLst/>
+                        <a:latin typeface="Calibri" panose="020F0502020204030204" pitchFamily="34" charset="0"/>
+                      </a:endParaRPr>
+                    </a:p>
+                  </a:txBody>
+                  <a:tcPr marL="8426" marR="8426" marT="8426" marB="0" anchor="ctr">
+                    <a:solidFill>
+                      <a:schemeClr val="bg2">
+                        <a:lumMod val="75000"/>
+                      </a:schemeClr>
+                    </a:solidFill>
+                  </a:tcPr>
                 </a:tc>
                 <a:tc>
                   <a:txBody>
@@ -14960,21 +18994,30 @@
                     <a:p>
                       <a:pPr algn="ctr" fontAlgn="ctr"/>
                       <a:r>
-                        <a:rPr lang="en-US" sz="1000" u="none" strike="noStrike">
+                        <a:rPr lang="en-US" sz="1000" u="none" strike="noStrike" dirty="0">
+                          <a:solidFill>
+                            <a:schemeClr val="tx1"/>
+                          </a:solidFill>
                           <a:effectLst/>
                         </a:rPr>
                         <a:t>hat</a:t>
                       </a:r>
-                      <a:endParaRPr lang="en-US" sz="1000" b="0" i="0" u="none" strike="noStrike">
-                        <a:solidFill>
-                          <a:srgbClr val="000000"/>
-                        </a:solidFill>
-                        <a:effectLst/>
-                        <a:latin typeface="Calibri" panose="020F0502020204030204" pitchFamily="34" charset="0"/>
-                      </a:endParaRPr>
-                    </a:p>
-                  </a:txBody>
-                  <a:tcPr marL="8426" marR="8426" marT="8426" marB="0" anchor="ctr"/>
+                      <a:endParaRPr lang="en-US" sz="1000" b="0" i="0" u="none" strike="noStrike" dirty="0">
+                        <a:solidFill>
+                          <a:schemeClr val="tx1"/>
+                        </a:solidFill>
+                        <a:effectLst/>
+                        <a:latin typeface="Calibri" panose="020F0502020204030204" pitchFamily="34" charset="0"/>
+                      </a:endParaRPr>
+                    </a:p>
+                  </a:txBody>
+                  <a:tcPr marL="8426" marR="8426" marT="8426" marB="0" anchor="ctr">
+                    <a:solidFill>
+                      <a:schemeClr val="bg2">
+                        <a:lumMod val="75000"/>
+                      </a:schemeClr>
+                    </a:solidFill>
+                  </a:tcPr>
                 </a:tc>
                 <a:tc>
                   <a:txBody>
@@ -14983,21 +19026,30 @@
                     <a:p>
                       <a:pPr algn="ctr" fontAlgn="ctr"/>
                       <a:r>
-                        <a:rPr lang="en-US" sz="1000" u="none" strike="noStrike">
+                        <a:rPr lang="en-US" sz="1000" u="none" strike="noStrike" dirty="0">
+                          <a:solidFill>
+                            <a:schemeClr val="tx1"/>
+                          </a:solidFill>
                           <a:effectLst/>
                         </a:rPr>
                         <a:t>Watch</a:t>
                       </a:r>
-                      <a:endParaRPr lang="en-US" sz="1000" b="0" i="0" u="none" strike="noStrike">
-                        <a:solidFill>
-                          <a:srgbClr val="000000"/>
-                        </a:solidFill>
-                        <a:effectLst/>
-                        <a:latin typeface="Calibri" panose="020F0502020204030204" pitchFamily="34" charset="0"/>
-                      </a:endParaRPr>
-                    </a:p>
-                  </a:txBody>
-                  <a:tcPr marL="8426" marR="8426" marT="8426" marB="0" anchor="ctr"/>
+                      <a:endParaRPr lang="en-US" sz="1000" b="0" i="0" u="none" strike="noStrike" dirty="0">
+                        <a:solidFill>
+                          <a:schemeClr val="tx1"/>
+                        </a:solidFill>
+                        <a:effectLst/>
+                        <a:latin typeface="Calibri" panose="020F0502020204030204" pitchFamily="34" charset="0"/>
+                      </a:endParaRPr>
+                    </a:p>
+                  </a:txBody>
+                  <a:tcPr marL="8426" marR="8426" marT="8426" marB="0" anchor="ctr">
+                    <a:solidFill>
+                      <a:schemeClr val="bg2">
+                        <a:lumMod val="75000"/>
+                      </a:schemeClr>
+                    </a:solidFill>
+                  </a:tcPr>
                 </a:tc>
                 <a:tc>
                   <a:txBody>
@@ -15006,21 +19058,30 @@
                     <a:p>
                       <a:pPr algn="ctr" fontAlgn="ctr"/>
                       <a:r>
-                        <a:rPr lang="en-US" sz="1000" u="none" strike="noStrike">
+                        <a:rPr lang="en-US" sz="1000" u="none" strike="noStrike" dirty="0">
+                          <a:solidFill>
+                            <a:schemeClr val="tx1"/>
+                          </a:solidFill>
                           <a:effectLst/>
                         </a:rPr>
                         <a:t>Glasses</a:t>
                       </a:r>
-                      <a:endParaRPr lang="en-US" sz="1000" b="0" i="0" u="none" strike="noStrike">
-                        <a:solidFill>
-                          <a:srgbClr val="000000"/>
-                        </a:solidFill>
-                        <a:effectLst/>
-                        <a:latin typeface="Calibri" panose="020F0502020204030204" pitchFamily="34" charset="0"/>
-                      </a:endParaRPr>
-                    </a:p>
-                  </a:txBody>
-                  <a:tcPr marL="8426" marR="8426" marT="8426" marB="0" anchor="ctr"/>
+                      <a:endParaRPr lang="en-US" sz="1000" b="0" i="0" u="none" strike="noStrike" dirty="0">
+                        <a:solidFill>
+                          <a:schemeClr val="tx1"/>
+                        </a:solidFill>
+                        <a:effectLst/>
+                        <a:latin typeface="Calibri" panose="020F0502020204030204" pitchFamily="34" charset="0"/>
+                      </a:endParaRPr>
+                    </a:p>
+                  </a:txBody>
+                  <a:tcPr marL="8426" marR="8426" marT="8426" marB="0" anchor="ctr">
+                    <a:solidFill>
+                      <a:schemeClr val="bg2">
+                        <a:lumMod val="75000"/>
+                      </a:schemeClr>
+                    </a:solidFill>
+                  </a:tcPr>
                 </a:tc>
                 <a:tc>
                   <a:txBody>
@@ -15029,21 +19090,30 @@
                     <a:p>
                       <a:pPr algn="ctr" fontAlgn="ctr"/>
                       <a:r>
-                        <a:rPr lang="en-US" sz="1000" u="none" strike="noStrike">
+                        <a:rPr lang="en-US" sz="1000" u="none" strike="noStrike" dirty="0">
+                          <a:solidFill>
+                            <a:schemeClr val="tx1"/>
+                          </a:solidFill>
                           <a:effectLst/>
                         </a:rPr>
                         <a:t>Watch</a:t>
                       </a:r>
-                      <a:endParaRPr lang="en-US" sz="1000" b="0" i="0" u="none" strike="noStrike">
-                        <a:solidFill>
-                          <a:srgbClr val="000000"/>
-                        </a:solidFill>
-                        <a:effectLst/>
-                        <a:latin typeface="Calibri" panose="020F0502020204030204" pitchFamily="34" charset="0"/>
-                      </a:endParaRPr>
-                    </a:p>
-                  </a:txBody>
-                  <a:tcPr marL="8426" marR="8426" marT="8426" marB="0" anchor="ctr"/>
+                      <a:endParaRPr lang="en-US" sz="1000" b="0" i="0" u="none" strike="noStrike" dirty="0">
+                        <a:solidFill>
+                          <a:schemeClr val="tx1"/>
+                        </a:solidFill>
+                        <a:effectLst/>
+                        <a:latin typeface="Calibri" panose="020F0502020204030204" pitchFamily="34" charset="0"/>
+                      </a:endParaRPr>
+                    </a:p>
+                  </a:txBody>
+                  <a:tcPr marL="8426" marR="8426" marT="8426" marB="0" anchor="ctr">
+                    <a:solidFill>
+                      <a:schemeClr val="bg2">
+                        <a:lumMod val="75000"/>
+                      </a:schemeClr>
+                    </a:solidFill>
+                  </a:tcPr>
                 </a:tc>
                 <a:tc>
                   <a:txBody>
@@ -15052,21 +19122,39 @@
                     <a:p>
                       <a:pPr algn="ctr" fontAlgn="ctr"/>
                       <a:r>
-                        <a:rPr lang="en-US" sz="1000" u="none" strike="noStrike">
-                          <a:effectLst/>
-                        </a:rPr>
-                        <a:t>viperate the water  away</a:t>
-                      </a:r>
-                      <a:endParaRPr lang="en-US" sz="1000" b="0" i="0" u="none" strike="noStrike">
-                        <a:solidFill>
-                          <a:srgbClr val="000000"/>
-                        </a:solidFill>
-                        <a:effectLst/>
-                        <a:latin typeface="Calibri" panose="020F0502020204030204" pitchFamily="34" charset="0"/>
-                      </a:endParaRPr>
-                    </a:p>
-                  </a:txBody>
-                  <a:tcPr marL="8426" marR="8426" marT="8426" marB="0" anchor="ctr"/>
+                        <a:rPr lang="en-US" sz="1000" u="none" strike="noStrike" dirty="0" err="1">
+                          <a:solidFill>
+                            <a:schemeClr val="tx1"/>
+                          </a:solidFill>
+                          <a:effectLst/>
+                        </a:rPr>
+                        <a:t>viperate</a:t>
+                      </a:r>
+                      <a:r>
+                        <a:rPr lang="en-US" sz="1000" u="none" strike="noStrike" dirty="0">
+                          <a:solidFill>
+                            <a:schemeClr val="tx1"/>
+                          </a:solidFill>
+                          <a:effectLst/>
+                        </a:rPr>
+                        <a:t> the water  away</a:t>
+                      </a:r>
+                      <a:endParaRPr lang="en-US" sz="1000" b="0" i="0" u="none" strike="noStrike" dirty="0">
+                        <a:solidFill>
+                          <a:schemeClr val="tx1"/>
+                        </a:solidFill>
+                        <a:effectLst/>
+                        <a:latin typeface="Calibri" panose="020F0502020204030204" pitchFamily="34" charset="0"/>
+                      </a:endParaRPr>
+                    </a:p>
+                  </a:txBody>
+                  <a:tcPr marL="8426" marR="8426" marT="8426" marB="0" anchor="ctr">
+                    <a:solidFill>
+                      <a:schemeClr val="bg2">
+                        <a:lumMod val="75000"/>
+                      </a:schemeClr>
+                    </a:solidFill>
+                  </a:tcPr>
                 </a:tc>
                 <a:extLst>
                   <a:ext uri="{0D108BD9-81ED-4DB2-BD59-A6C34878D82A}">
@@ -15082,44 +19170,62 @@
                     <a:p>
                       <a:pPr algn="ctr" fontAlgn="ctr"/>
                       <a:r>
+                        <a:rPr lang="en-US" sz="1000" u="none" strike="noStrike" dirty="0">
+                          <a:solidFill>
+                            <a:schemeClr val="tx1"/>
+                          </a:solidFill>
+                          <a:effectLst/>
+                        </a:rPr>
+                        <a:t>Sound</a:t>
+                      </a:r>
+                      <a:endParaRPr lang="en-US" sz="1000" b="0" i="0" u="none" strike="noStrike" dirty="0">
+                        <a:solidFill>
+                          <a:schemeClr val="tx1"/>
+                        </a:solidFill>
+                        <a:effectLst/>
+                        <a:latin typeface="Calibri" panose="020F0502020204030204" pitchFamily="34" charset="0"/>
+                      </a:endParaRPr>
+                    </a:p>
+                  </a:txBody>
+                  <a:tcPr marL="8426" marR="8426" marT="8426" marB="0" anchor="ctr">
+                    <a:solidFill>
+                      <a:schemeClr val="bg2">
+                        <a:lumMod val="75000"/>
+                      </a:schemeClr>
+                    </a:solidFill>
+                  </a:tcPr>
+                </a:tc>
+                <a:tc>
+                  <a:txBody>
+                    <a:bodyPr/>
+                    <a:lstStyle/>
+                    <a:p>
+                      <a:pPr algn="ctr" fontAlgn="ctr"/>
+                      <a:r>
                         <a:rPr lang="en-US" sz="1000" u="none" strike="noStrike">
-                          <a:effectLst/>
-                        </a:rPr>
-                        <a:t>Sound</a:t>
+                          <a:solidFill>
+                            <a:schemeClr val="tx1"/>
+                          </a:solidFill>
+                          <a:effectLst/>
+                        </a:rPr>
+                        <a:t>speaker</a:t>
                       </a:r>
                       <a:endParaRPr lang="en-US" sz="1000" b="0" i="0" u="none" strike="noStrike">
                         <a:solidFill>
-                          <a:srgbClr val="000000"/>
-                        </a:solidFill>
-                        <a:effectLst/>
-                        <a:latin typeface="Calibri" panose="020F0502020204030204" pitchFamily="34" charset="0"/>
-                      </a:endParaRPr>
-                    </a:p>
-                  </a:txBody>
-                  <a:tcPr marL="8426" marR="8426" marT="8426" marB="0" anchor="ctr"/>
-                </a:tc>
-                <a:tc>
-                  <a:txBody>
-                    <a:bodyPr/>
-                    <a:lstStyle/>
-                    <a:p>
-                      <a:pPr algn="ctr" fontAlgn="ctr"/>
-                      <a:r>
-                        <a:rPr lang="en-US" sz="1000" u="none" strike="noStrike">
-                          <a:effectLst/>
-                        </a:rPr>
-                        <a:t>speaker</a:t>
-                      </a:r>
-                      <a:endParaRPr lang="en-US" sz="1000" b="0" i="0" u="none" strike="noStrike">
-                        <a:solidFill>
-                          <a:srgbClr val="000000"/>
-                        </a:solidFill>
-                        <a:effectLst/>
-                        <a:latin typeface="Calibri" panose="020F0502020204030204" pitchFamily="34" charset="0"/>
-                      </a:endParaRPr>
-                    </a:p>
-                  </a:txBody>
-                  <a:tcPr marL="8426" marR="8426" marT="8426" marB="0" anchor="ctr"/>
+                          <a:schemeClr val="tx1"/>
+                        </a:solidFill>
+                        <a:effectLst/>
+                        <a:latin typeface="Calibri" panose="020F0502020204030204" pitchFamily="34" charset="0"/>
+                      </a:endParaRPr>
+                    </a:p>
+                  </a:txBody>
+                  <a:tcPr marL="8426" marR="8426" marT="8426" marB="0" anchor="ctr">
+                    <a:solidFill>
+                      <a:schemeClr val="bg2">
+                        <a:lumMod val="75000"/>
+                      </a:schemeClr>
+                    </a:solidFill>
+                  </a:tcPr>
                 </a:tc>
                 <a:tc>
                   <a:txBody>
@@ -15353,20 +19459,29 @@
                       <a:pPr algn="ctr" fontAlgn="ctr"/>
                       <a:r>
                         <a:rPr lang="en-US" sz="1000" u="none" strike="noStrike">
+                          <a:solidFill>
+                            <a:schemeClr val="tx1"/>
+                          </a:solidFill>
                           <a:effectLst/>
                         </a:rPr>
                         <a:t>earplugs</a:t>
                       </a:r>
                       <a:endParaRPr lang="en-US" sz="1000" b="0" i="0" u="none" strike="noStrike">
                         <a:solidFill>
-                          <a:srgbClr val="000000"/>
-                        </a:solidFill>
-                        <a:effectLst/>
-                        <a:latin typeface="Calibri" panose="020F0502020204030204" pitchFamily="34" charset="0"/>
-                      </a:endParaRPr>
-                    </a:p>
-                  </a:txBody>
-                  <a:tcPr marL="8426" marR="8426" marT="8426" marB="0" anchor="ctr"/>
+                          <a:schemeClr val="tx1"/>
+                        </a:solidFill>
+                        <a:effectLst/>
+                        <a:latin typeface="Calibri" panose="020F0502020204030204" pitchFamily="34" charset="0"/>
+                      </a:endParaRPr>
+                    </a:p>
+                  </a:txBody>
+                  <a:tcPr marL="8426" marR="8426" marT="8426" marB="0" anchor="ctr">
+                    <a:solidFill>
+                      <a:schemeClr val="bg2">
+                        <a:lumMod val="75000"/>
+                      </a:schemeClr>
+                    </a:solidFill>
+                  </a:tcPr>
                 </a:tc>
                 <a:tc>
                   <a:txBody>
@@ -15589,44 +19704,62 @@
                     <a:p>
                       <a:pPr algn="ctr" fontAlgn="ctr"/>
                       <a:r>
+                        <a:rPr lang="en-US" sz="1000" u="none" strike="noStrike" dirty="0">
+                          <a:solidFill>
+                            <a:schemeClr val="tx1"/>
+                          </a:solidFill>
+                          <a:effectLst/>
+                        </a:rPr>
+                        <a:t>vibration</a:t>
+                      </a:r>
+                      <a:endParaRPr lang="en-US" sz="1000" b="0" i="0" u="none" strike="noStrike" dirty="0">
+                        <a:solidFill>
+                          <a:schemeClr val="tx1"/>
+                        </a:solidFill>
+                        <a:effectLst/>
+                        <a:latin typeface="Calibri" panose="020F0502020204030204" pitchFamily="34" charset="0"/>
+                      </a:endParaRPr>
+                    </a:p>
+                  </a:txBody>
+                  <a:tcPr marL="8426" marR="8426" marT="8426" marB="0" anchor="ctr">
+                    <a:solidFill>
+                      <a:schemeClr val="bg2">
+                        <a:lumMod val="75000"/>
+                      </a:schemeClr>
+                    </a:solidFill>
+                  </a:tcPr>
+                </a:tc>
+                <a:tc>
+                  <a:txBody>
+                    <a:bodyPr/>
+                    <a:lstStyle/>
+                    <a:p>
+                      <a:pPr algn="ctr" fontAlgn="ctr"/>
+                      <a:r>
                         <a:rPr lang="en-US" sz="1000" u="none" strike="noStrike">
-                          <a:effectLst/>
-                        </a:rPr>
-                        <a:t>vibration</a:t>
+                          <a:solidFill>
+                            <a:schemeClr val="tx1"/>
+                          </a:solidFill>
+                          <a:effectLst/>
+                        </a:rPr>
+                        <a:t>watch</a:t>
                       </a:r>
                       <a:endParaRPr lang="en-US" sz="1000" b="0" i="0" u="none" strike="noStrike">
                         <a:solidFill>
-                          <a:srgbClr val="000000"/>
-                        </a:solidFill>
-                        <a:effectLst/>
-                        <a:latin typeface="Calibri" panose="020F0502020204030204" pitchFamily="34" charset="0"/>
-                      </a:endParaRPr>
-                    </a:p>
-                  </a:txBody>
-                  <a:tcPr marL="8426" marR="8426" marT="8426" marB="0" anchor="ctr"/>
-                </a:tc>
-                <a:tc>
-                  <a:txBody>
-                    <a:bodyPr/>
-                    <a:lstStyle/>
-                    <a:p>
-                      <a:pPr algn="ctr" fontAlgn="ctr"/>
-                      <a:r>
-                        <a:rPr lang="en-US" sz="1000" u="none" strike="noStrike">
-                          <a:effectLst/>
-                        </a:rPr>
-                        <a:t>watch</a:t>
-                      </a:r>
-                      <a:endParaRPr lang="en-US" sz="1000" b="0" i="0" u="none" strike="noStrike">
-                        <a:solidFill>
-                          <a:srgbClr val="000000"/>
-                        </a:solidFill>
-                        <a:effectLst/>
-                        <a:latin typeface="Calibri" panose="020F0502020204030204" pitchFamily="34" charset="0"/>
-                      </a:endParaRPr>
-                    </a:p>
-                  </a:txBody>
-                  <a:tcPr marL="8426" marR="8426" marT="8426" marB="0" anchor="ctr"/>
+                          <a:schemeClr val="tx1"/>
+                        </a:solidFill>
+                        <a:effectLst/>
+                        <a:latin typeface="Calibri" panose="020F0502020204030204" pitchFamily="34" charset="0"/>
+                      </a:endParaRPr>
+                    </a:p>
+                  </a:txBody>
+                  <a:tcPr marL="8426" marR="8426" marT="8426" marB="0" anchor="ctr">
+                    <a:solidFill>
+                      <a:schemeClr val="bg2">
+                        <a:lumMod val="75000"/>
+                      </a:schemeClr>
+                    </a:solidFill>
+                  </a:tcPr>
                 </a:tc>
                 <a:tc>
                   <a:txBody>
@@ -15860,20 +19993,29 @@
                       <a:pPr algn="ctr" fontAlgn="ctr"/>
                       <a:r>
                         <a:rPr lang="en-US" sz="1000" u="none" strike="noStrike">
+                          <a:solidFill>
+                            <a:schemeClr val="tx1"/>
+                          </a:solidFill>
                           <a:effectLst/>
                         </a:rPr>
                         <a:t>suit</a:t>
                       </a:r>
                       <a:endParaRPr lang="en-US" sz="1000" b="0" i="0" u="none" strike="noStrike">
                         <a:solidFill>
-                          <a:srgbClr val="000000"/>
-                        </a:solidFill>
-                        <a:effectLst/>
-                        <a:latin typeface="Calibri" panose="020F0502020204030204" pitchFamily="34" charset="0"/>
-                      </a:endParaRPr>
-                    </a:p>
-                  </a:txBody>
-                  <a:tcPr marL="8426" marR="8426" marT="8426" marB="0" anchor="ctr"/>
+                          <a:schemeClr val="tx1"/>
+                        </a:solidFill>
+                        <a:effectLst/>
+                        <a:latin typeface="Calibri" panose="020F0502020204030204" pitchFamily="34" charset="0"/>
+                      </a:endParaRPr>
+                    </a:p>
+                  </a:txBody>
+                  <a:tcPr marL="8426" marR="8426" marT="8426" marB="0" anchor="ctr">
+                    <a:solidFill>
+                      <a:schemeClr val="bg2">
+                        <a:lumMod val="75000"/>
+                      </a:schemeClr>
+                    </a:solidFill>
+                  </a:tcPr>
                 </a:tc>
                 <a:tc>
                   <a:txBody>
@@ -16107,20 +20249,29 @@
                       <a:pPr algn="ctr" fontAlgn="ctr"/>
                       <a:r>
                         <a:rPr lang="en-US" sz="1000" u="none" strike="noStrike">
+                          <a:solidFill>
+                            <a:schemeClr val="tx1"/>
+                          </a:solidFill>
                           <a:effectLst/>
                         </a:rPr>
                         <a:t>hat</a:t>
                       </a:r>
                       <a:endParaRPr lang="en-US" sz="1000" b="0" i="0" u="none" strike="noStrike">
                         <a:solidFill>
-                          <a:srgbClr val="000000"/>
-                        </a:solidFill>
-                        <a:effectLst/>
-                        <a:latin typeface="Calibri" panose="020F0502020204030204" pitchFamily="34" charset="0"/>
-                      </a:endParaRPr>
-                    </a:p>
-                  </a:txBody>
-                  <a:tcPr marL="8426" marR="8426" marT="8426" marB="0" anchor="ctr"/>
+                          <a:schemeClr val="tx1"/>
+                        </a:solidFill>
+                        <a:effectLst/>
+                        <a:latin typeface="Calibri" panose="020F0502020204030204" pitchFamily="34" charset="0"/>
+                      </a:endParaRPr>
+                    </a:p>
+                  </a:txBody>
+                  <a:tcPr marL="8426" marR="8426" marT="8426" marB="0" anchor="ctr">
+                    <a:solidFill>
+                      <a:schemeClr val="bg2">
+                        <a:lumMod val="75000"/>
+                      </a:schemeClr>
+                    </a:solidFill>
+                  </a:tcPr>
                 </a:tc>
                 <a:tc>
                   <a:txBody>
@@ -16343,21 +20494,30 @@
                     <a:p>
                       <a:pPr algn="ctr" fontAlgn="ctr"/>
                       <a:r>
-                        <a:rPr lang="en-US" sz="1000" u="none" strike="noStrike">
+                        <a:rPr lang="en-US" sz="1000" u="none" strike="noStrike" dirty="0">
+                          <a:solidFill>
+                            <a:schemeClr val="tx1"/>
+                          </a:solidFill>
                           <a:effectLst/>
                         </a:rPr>
                         <a:t>Flashlight</a:t>
                       </a:r>
-                      <a:endParaRPr lang="en-US" sz="1000" b="0" i="0" u="none" strike="noStrike">
-                        <a:solidFill>
-                          <a:srgbClr val="000000"/>
-                        </a:solidFill>
-                        <a:effectLst/>
-                        <a:latin typeface="Calibri" panose="020F0502020204030204" pitchFamily="34" charset="0"/>
-                      </a:endParaRPr>
-                    </a:p>
-                  </a:txBody>
-                  <a:tcPr marL="8426" marR="8426" marT="8426" marB="0" anchor="ctr"/>
+                      <a:endParaRPr lang="en-US" sz="1000" b="0" i="0" u="none" strike="noStrike" dirty="0">
+                        <a:solidFill>
+                          <a:schemeClr val="tx1"/>
+                        </a:solidFill>
+                        <a:effectLst/>
+                        <a:latin typeface="Calibri" panose="020F0502020204030204" pitchFamily="34" charset="0"/>
+                      </a:endParaRPr>
+                    </a:p>
+                  </a:txBody>
+                  <a:tcPr marL="8426" marR="8426" marT="8426" marB="0" anchor="ctr">
+                    <a:solidFill>
+                      <a:schemeClr val="bg2">
+                        <a:lumMod val="75000"/>
+                      </a:schemeClr>
+                    </a:solidFill>
+                  </a:tcPr>
                 </a:tc>
                 <a:tc>
                   <a:txBody>
@@ -16366,21 +20526,30 @@
                     <a:p>
                       <a:pPr algn="ctr" fontAlgn="ctr"/>
                       <a:r>
-                        <a:rPr lang="en-US" sz="1000" u="none" strike="noStrike">
+                        <a:rPr lang="en-US" sz="1000" u="none" strike="noStrike" dirty="0">
+                          <a:solidFill>
+                            <a:schemeClr val="tx1"/>
+                          </a:solidFill>
                           <a:effectLst/>
                         </a:rPr>
                         <a:t>Watch</a:t>
                       </a:r>
-                      <a:endParaRPr lang="en-US" sz="1000" b="0" i="0" u="none" strike="noStrike">
-                        <a:solidFill>
-                          <a:srgbClr val="000000"/>
-                        </a:solidFill>
-                        <a:effectLst/>
-                        <a:latin typeface="Calibri" panose="020F0502020204030204" pitchFamily="34" charset="0"/>
-                      </a:endParaRPr>
-                    </a:p>
-                  </a:txBody>
-                  <a:tcPr marL="8426" marR="8426" marT="8426" marB="0" anchor="ctr"/>
+                      <a:endParaRPr lang="en-US" sz="1000" b="0" i="0" u="none" strike="noStrike" dirty="0">
+                        <a:solidFill>
+                          <a:schemeClr val="tx1"/>
+                        </a:solidFill>
+                        <a:effectLst/>
+                        <a:latin typeface="Calibri" panose="020F0502020204030204" pitchFamily="34" charset="0"/>
+                      </a:endParaRPr>
+                    </a:p>
+                  </a:txBody>
+                  <a:tcPr marL="8426" marR="8426" marT="8426" marB="0" anchor="ctr">
+                    <a:solidFill>
+                      <a:schemeClr val="bg2">
+                        <a:lumMod val="75000"/>
+                      </a:schemeClr>
+                    </a:solidFill>
+                  </a:tcPr>
                 </a:tc>
                 <a:tc>
                   <a:txBody>
@@ -16613,21 +20782,30 @@
                     <a:p>
                       <a:pPr algn="ctr" fontAlgn="ctr"/>
                       <a:r>
-                        <a:rPr lang="en-US" sz="1000" u="none" strike="noStrike">
+                        <a:rPr lang="en-US" sz="1000" u="none" strike="noStrike" dirty="0">
+                          <a:solidFill>
+                            <a:schemeClr val="tx1"/>
+                          </a:solidFill>
                           <a:effectLst/>
                         </a:rPr>
                         <a:t>Glasses</a:t>
                       </a:r>
-                      <a:endParaRPr lang="en-US" sz="1000" b="0" i="0" u="none" strike="noStrike">
-                        <a:solidFill>
-                          <a:srgbClr val="000000"/>
-                        </a:solidFill>
-                        <a:effectLst/>
-                        <a:latin typeface="Calibri" panose="020F0502020204030204" pitchFamily="34" charset="0"/>
-                      </a:endParaRPr>
-                    </a:p>
-                  </a:txBody>
-                  <a:tcPr marL="8426" marR="8426" marT="8426" marB="0" anchor="ctr"/>
+                      <a:endParaRPr lang="en-US" sz="1000" b="0" i="0" u="none" strike="noStrike" dirty="0">
+                        <a:solidFill>
+                          <a:schemeClr val="tx1"/>
+                        </a:solidFill>
+                        <a:effectLst/>
+                        <a:latin typeface="Calibri" panose="020F0502020204030204" pitchFamily="34" charset="0"/>
+                      </a:endParaRPr>
+                    </a:p>
+                  </a:txBody>
+                  <a:tcPr marL="8426" marR="8426" marT="8426" marB="0" anchor="ctr">
+                    <a:solidFill>
+                      <a:schemeClr val="bg2">
+                        <a:lumMod val="75000"/>
+                      </a:schemeClr>
+                    </a:solidFill>
+                  </a:tcPr>
                 </a:tc>
                 <a:tc>
                   <a:txBody>
@@ -16851,20 +21029,29 @@
                       <a:pPr algn="ctr" fontAlgn="ctr"/>
                       <a:r>
                         <a:rPr lang="en-US" sz="1000" u="none" strike="noStrike">
+                          <a:solidFill>
+                            <a:schemeClr val="tx1"/>
+                          </a:solidFill>
                           <a:effectLst/>
                         </a:rPr>
                         <a:t>Light&amp;Vibration</a:t>
                       </a:r>
                       <a:endParaRPr lang="en-US" sz="1000" b="0" i="0" u="none" strike="noStrike">
                         <a:solidFill>
-                          <a:srgbClr val="000000"/>
-                        </a:solidFill>
-                        <a:effectLst/>
-                        <a:latin typeface="Calibri" panose="020F0502020204030204" pitchFamily="34" charset="0"/>
-                      </a:endParaRPr>
-                    </a:p>
-                  </a:txBody>
-                  <a:tcPr marL="8426" marR="8426" marT="8426" marB="0" anchor="ctr"/>
+                          <a:schemeClr val="tx1"/>
+                        </a:solidFill>
+                        <a:effectLst/>
+                        <a:latin typeface="Calibri" panose="020F0502020204030204" pitchFamily="34" charset="0"/>
+                      </a:endParaRPr>
+                    </a:p>
+                  </a:txBody>
+                  <a:tcPr marL="8426" marR="8426" marT="8426" marB="0" anchor="ctr">
+                    <a:solidFill>
+                      <a:schemeClr val="bg2">
+                        <a:lumMod val="75000"/>
+                      </a:schemeClr>
+                    </a:solidFill>
+                  </a:tcPr>
                 </a:tc>
                 <a:tc>
                   <a:txBody>
@@ -16873,21 +21060,30 @@
                     <a:p>
                       <a:pPr algn="ctr" fontAlgn="ctr"/>
                       <a:r>
-                        <a:rPr lang="en-US" sz="1000" u="none" strike="noStrike">
+                        <a:rPr lang="en-US" sz="1000" u="none" strike="noStrike" dirty="0">
+                          <a:solidFill>
+                            <a:schemeClr val="tx1"/>
+                          </a:solidFill>
                           <a:effectLst/>
                         </a:rPr>
                         <a:t>Watch</a:t>
                       </a:r>
-                      <a:endParaRPr lang="en-US" sz="1000" b="0" i="0" u="none" strike="noStrike">
-                        <a:solidFill>
-                          <a:srgbClr val="000000"/>
-                        </a:solidFill>
-                        <a:effectLst/>
-                        <a:latin typeface="Calibri" panose="020F0502020204030204" pitchFamily="34" charset="0"/>
-                      </a:endParaRPr>
-                    </a:p>
-                  </a:txBody>
-                  <a:tcPr marL="8426" marR="8426" marT="8426" marB="0" anchor="ctr"/>
+                      <a:endParaRPr lang="en-US" sz="1000" b="0" i="0" u="none" strike="noStrike" dirty="0">
+                        <a:solidFill>
+                          <a:schemeClr val="tx1"/>
+                        </a:solidFill>
+                        <a:effectLst/>
+                        <a:latin typeface="Calibri" panose="020F0502020204030204" pitchFamily="34" charset="0"/>
+                      </a:endParaRPr>
+                    </a:p>
+                  </a:txBody>
+                  <a:tcPr marL="8426" marR="8426" marT="8426" marB="0" anchor="ctr">
+                    <a:solidFill>
+                      <a:schemeClr val="bg2">
+                        <a:lumMod val="75000"/>
+                      </a:schemeClr>
+                    </a:solidFill>
+                  </a:tcPr>
                 </a:tc>
                 <a:tc>
                   <a:txBody>
@@ -17111,20 +21307,29 @@
                       <a:pPr algn="l" fontAlgn="b"/>
                       <a:r>
                         <a:rPr lang="en-US" sz="1000" u="none" strike="noStrike">
+                          <a:solidFill>
+                            <a:schemeClr val="tx1"/>
+                          </a:solidFill>
                           <a:effectLst/>
                         </a:rPr>
                         <a:t> </a:t>
                       </a:r>
                       <a:endParaRPr lang="en-US" sz="1000" b="0" i="0" u="none" strike="noStrike">
                         <a:solidFill>
-                          <a:srgbClr val="000000"/>
-                        </a:solidFill>
-                        <a:effectLst/>
-                        <a:latin typeface="Calibri" panose="020F0502020204030204" pitchFamily="34" charset="0"/>
-                      </a:endParaRPr>
-                    </a:p>
-                  </a:txBody>
-                  <a:tcPr marL="8426" marR="8426" marT="8426" marB="0" anchor="b"/>
+                          <a:schemeClr val="tx1"/>
+                        </a:solidFill>
+                        <a:effectLst/>
+                        <a:latin typeface="Calibri" panose="020F0502020204030204" pitchFamily="34" charset="0"/>
+                      </a:endParaRPr>
+                    </a:p>
+                  </a:txBody>
+                  <a:tcPr marL="8426" marR="8426" marT="8426" marB="0" anchor="b">
+                    <a:solidFill>
+                      <a:schemeClr val="bg2">
+                        <a:lumMod val="75000"/>
+                      </a:schemeClr>
+                    </a:solidFill>
+                  </a:tcPr>
                 </a:tc>
                 <a:tc>
                   <a:txBody>
@@ -17133,21 +21338,39 @@
                     <a:p>
                       <a:pPr algn="ctr" fontAlgn="ctr"/>
                       <a:r>
-                        <a:rPr lang="en-US" sz="1000" u="none" strike="noStrike">
-                          <a:effectLst/>
-                        </a:rPr>
-                        <a:t>viperate the water  away</a:t>
-                      </a:r>
-                      <a:endParaRPr lang="en-US" sz="1000" b="0" i="0" u="none" strike="noStrike">
-                        <a:solidFill>
-                          <a:srgbClr val="000000"/>
-                        </a:solidFill>
-                        <a:effectLst/>
-                        <a:latin typeface="Calibri" panose="020F0502020204030204" pitchFamily="34" charset="0"/>
-                      </a:endParaRPr>
-                    </a:p>
-                  </a:txBody>
-                  <a:tcPr marL="8426" marR="8426" marT="8426" marB="0" anchor="ctr"/>
+                        <a:rPr lang="en-US" sz="1000" u="none" strike="noStrike" dirty="0" err="1">
+                          <a:solidFill>
+                            <a:schemeClr val="tx1"/>
+                          </a:solidFill>
+                          <a:effectLst/>
+                        </a:rPr>
+                        <a:t>viperate</a:t>
+                      </a:r>
+                      <a:r>
+                        <a:rPr lang="en-US" sz="1000" u="none" strike="noStrike" dirty="0">
+                          <a:solidFill>
+                            <a:schemeClr val="tx1"/>
+                          </a:solidFill>
+                          <a:effectLst/>
+                        </a:rPr>
+                        <a:t> the water  away</a:t>
+                      </a:r>
+                      <a:endParaRPr lang="en-US" sz="1000" b="0" i="0" u="none" strike="noStrike" dirty="0">
+                        <a:solidFill>
+                          <a:schemeClr val="tx1"/>
+                        </a:solidFill>
+                        <a:effectLst/>
+                        <a:latin typeface="Calibri" panose="020F0502020204030204" pitchFamily="34" charset="0"/>
+                      </a:endParaRPr>
+                    </a:p>
+                  </a:txBody>
+                  <a:tcPr marL="8426" marR="8426" marT="8426" marB="0" anchor="ctr">
+                    <a:solidFill>
+                      <a:schemeClr val="bg2">
+                        <a:lumMod val="75000"/>
+                      </a:schemeClr>
+                    </a:solidFill>
+                  </a:tcPr>
                 </a:tc>
                 <a:tc>
                   <a:txBody>
@@ -17379,7 +21602,7 @@
 </p:sld>
 </file>
 
-<file path=ppt/slides/slide22.xml><?xml version="1.0" encoding="utf-8"?>
+<file path=ppt/slides/slide24.xml><?xml version="1.0" encoding="utf-8"?>
 <p:sld xmlns:a="http://schemas.openxmlformats.org/drawingml/2006/main" xmlns:r="http://schemas.openxmlformats.org/officeDocument/2006/relationships" xmlns:p="http://schemas.openxmlformats.org/presentationml/2006/main">
   <p:cSld>
     <p:spTree>
@@ -17436,7 +21659,7 @@
           <p:nvPr>
             <p:extLst>
               <p:ext uri="{D42A27DB-BD31-4B8C-83A1-F6EECF244321}">
-                <p14:modId xmlns:p14="http://schemas.microsoft.com/office/powerpoint/2010/main" val="1161741728"/>
+                <p14:modId xmlns:p14="http://schemas.microsoft.com/office/powerpoint/2010/main" val="3223054407"/>
               </p:ext>
             </p:extLst>
           </p:nvPr>
@@ -17553,14 +21776,20 @@
                       <a:pPr algn="ctr" fontAlgn="b"/>
                       <a:endParaRPr lang="en-US" sz="1100" b="0" i="0" u="none" strike="noStrike" dirty="0">
                         <a:solidFill>
-                          <a:srgbClr val="000000"/>
-                        </a:solidFill>
-                        <a:effectLst/>
-                        <a:latin typeface="Calibri" panose="020F0502020204030204" pitchFamily="34" charset="0"/>
-                      </a:endParaRPr>
-                    </a:p>
-                  </a:txBody>
-                  <a:tcPr marL="9525" marR="9525" marT="9525" marB="0" anchor="b"/>
+                          <a:schemeClr val="tx1"/>
+                        </a:solidFill>
+                        <a:effectLst/>
+                        <a:latin typeface="Calibri" panose="020F0502020204030204" pitchFamily="34" charset="0"/>
+                      </a:endParaRPr>
+                    </a:p>
+                  </a:txBody>
+                  <a:tcPr marL="9525" marR="9525" marT="9525" marB="0" anchor="b">
+                    <a:solidFill>
+                      <a:schemeClr val="bg2">
+                        <a:lumMod val="75000"/>
+                      </a:schemeClr>
+                    </a:solidFill>
+                  </a:tcPr>
                 </a:tc>
                 <a:tc>
                   <a:txBody>
@@ -17568,16 +21797,54 @@
                     <a:lstStyle/>
                     <a:p>
                       <a:pPr algn="ctr" fontAlgn="b"/>
+                      <a:endParaRPr lang="en-US" sz="1100" b="0" i="0" u="none" strike="noStrike" dirty="0">
+                        <a:solidFill>
+                          <a:schemeClr val="tx1"/>
+                        </a:solidFill>
+                        <a:effectLst/>
+                        <a:latin typeface="Calibri" panose="020F0502020204030204" pitchFamily="34" charset="0"/>
+                      </a:endParaRPr>
+                    </a:p>
+                  </a:txBody>
+                  <a:tcPr marL="9525" marR="9525" marT="9525" marB="0" anchor="b">
+                    <a:solidFill>
+                      <a:schemeClr val="bg2">
+                        <a:lumMod val="75000"/>
+                      </a:schemeClr>
+                    </a:solidFill>
+                  </a:tcPr>
+                </a:tc>
+                <a:tc>
+                  <a:txBody>
+                    <a:bodyPr/>
+                    <a:lstStyle/>
+                    <a:p>
+                      <a:pPr algn="ctr" fontAlgn="b"/>
+                      <a:r>
+                        <a:rPr lang="en-US" sz="1100" u="none" strike="noStrike">
+                          <a:solidFill>
+                            <a:schemeClr val="tx1"/>
+                          </a:solidFill>
+                          <a:effectLst/>
+                        </a:rPr>
+                        <a:t>2.13</a:t>
+                      </a:r>
                       <a:endParaRPr lang="en-US" sz="1100" b="0" i="0" u="none" strike="noStrike">
                         <a:solidFill>
-                          <a:srgbClr val="000000"/>
-                        </a:solidFill>
-                        <a:effectLst/>
-                        <a:latin typeface="Calibri" panose="020F0502020204030204" pitchFamily="34" charset="0"/>
-                      </a:endParaRPr>
-                    </a:p>
-                  </a:txBody>
-                  <a:tcPr marL="9525" marR="9525" marT="9525" marB="0" anchor="b"/>
+                          <a:schemeClr val="tx1"/>
+                        </a:solidFill>
+                        <a:effectLst/>
+                        <a:latin typeface="Calibri" panose="020F0502020204030204" pitchFamily="34" charset="0"/>
+                      </a:endParaRPr>
+                    </a:p>
+                  </a:txBody>
+                  <a:tcPr marL="9525" marR="9525" marT="9525" marB="0" anchor="b">
+                    <a:solidFill>
+                      <a:schemeClr val="bg2">
+                        <a:lumMod val="75000"/>
+                      </a:schemeClr>
+                    </a:solidFill>
+                  </a:tcPr>
                 </a:tc>
                 <a:tc>
                   <a:txBody>
@@ -17586,21 +21853,94 @@
                     <a:p>
                       <a:pPr algn="ctr" fontAlgn="b"/>
                       <a:r>
+                        <a:rPr lang="en-US" sz="1100" u="none" strike="noStrike" dirty="0">
+                          <a:solidFill>
+                            <a:schemeClr val="tx1"/>
+                          </a:solidFill>
+                          <a:effectLst/>
+                        </a:rPr>
+                        <a:t>14.85</a:t>
+                      </a:r>
+                      <a:endParaRPr lang="en-US" sz="1100" b="0" i="0" u="none" strike="noStrike" dirty="0">
+                        <a:solidFill>
+                          <a:schemeClr val="tx1"/>
+                        </a:solidFill>
+                        <a:effectLst/>
+                        <a:latin typeface="Calibri" panose="020F0502020204030204" pitchFamily="34" charset="0"/>
+                      </a:endParaRPr>
+                    </a:p>
+                  </a:txBody>
+                  <a:tcPr marL="9525" marR="9525" marT="9525" marB="0" anchor="b">
+                    <a:solidFill>
+                      <a:schemeClr val="bg2">
+                        <a:lumMod val="75000"/>
+                      </a:schemeClr>
+                    </a:solidFill>
+                  </a:tcPr>
+                </a:tc>
+                <a:tc>
+                  <a:txBody>
+                    <a:bodyPr/>
+                    <a:lstStyle/>
+                    <a:p>
+                      <a:pPr algn="ctr" fontAlgn="b"/>
+                      <a:r>
+                        <a:rPr lang="en-US" sz="1100" u="none" strike="noStrike" dirty="0">
+                          <a:solidFill>
+                            <a:schemeClr val="tx1"/>
+                          </a:solidFill>
+                          <a:effectLst/>
+                        </a:rPr>
+                        <a:t>14.32</a:t>
+                      </a:r>
+                      <a:endParaRPr lang="en-US" sz="1100" b="0" i="0" u="none" strike="noStrike" dirty="0">
+                        <a:solidFill>
+                          <a:schemeClr val="tx1"/>
+                        </a:solidFill>
+                        <a:effectLst/>
+                        <a:latin typeface="Calibri" panose="020F0502020204030204" pitchFamily="34" charset="0"/>
+                      </a:endParaRPr>
+                    </a:p>
+                  </a:txBody>
+                  <a:tcPr marL="9525" marR="9525" marT="9525" marB="0" anchor="b">
+                    <a:solidFill>
+                      <a:schemeClr val="bg2">
+                        <a:lumMod val="75000"/>
+                      </a:schemeClr>
+                    </a:solidFill>
+                  </a:tcPr>
+                </a:tc>
+                <a:tc>
+                  <a:txBody>
+                    <a:bodyPr/>
+                    <a:lstStyle/>
+                    <a:p>
+                      <a:pPr algn="ctr" fontAlgn="b"/>
+                      <a:r>
                         <a:rPr lang="en-US" sz="1100" u="none" strike="noStrike">
-                          <a:effectLst/>
-                        </a:rPr>
-                        <a:t>2.13</a:t>
+                          <a:solidFill>
+                            <a:schemeClr val="tx1"/>
+                          </a:solidFill>
+                          <a:effectLst/>
+                        </a:rPr>
+                        <a:t>34.11</a:t>
                       </a:r>
                       <a:endParaRPr lang="en-US" sz="1100" b="0" i="0" u="none" strike="noStrike">
                         <a:solidFill>
-                          <a:srgbClr val="000000"/>
-                        </a:solidFill>
-                        <a:effectLst/>
-                        <a:latin typeface="Calibri" panose="020F0502020204030204" pitchFamily="34" charset="0"/>
-                      </a:endParaRPr>
-                    </a:p>
-                  </a:txBody>
-                  <a:tcPr marL="9525" marR="9525" marT="9525" marB="0" anchor="b"/>
+                          <a:schemeClr val="tx1"/>
+                        </a:solidFill>
+                        <a:effectLst/>
+                        <a:latin typeface="Calibri" panose="020F0502020204030204" pitchFamily="34" charset="0"/>
+                      </a:endParaRPr>
+                    </a:p>
+                  </a:txBody>
+                  <a:tcPr marL="9525" marR="9525" marT="9525" marB="0" anchor="b">
+                    <a:solidFill>
+                      <a:schemeClr val="bg2">
+                        <a:lumMod val="75000"/>
+                      </a:schemeClr>
+                    </a:solidFill>
+                  </a:tcPr>
                 </a:tc>
                 <a:tc>
                   <a:txBody>
@@ -17610,20 +21950,29 @@
                       <a:pPr algn="ctr" fontAlgn="b"/>
                       <a:r>
                         <a:rPr lang="en-US" sz="1100" u="none" strike="noStrike">
-                          <a:effectLst/>
-                        </a:rPr>
-                        <a:t>14.85</a:t>
+                          <a:solidFill>
+                            <a:schemeClr val="tx1"/>
+                          </a:solidFill>
+                          <a:effectLst/>
+                        </a:rPr>
+                        <a:t>22.64</a:t>
                       </a:r>
                       <a:endParaRPr lang="en-US" sz="1100" b="0" i="0" u="none" strike="noStrike">
                         <a:solidFill>
-                          <a:srgbClr val="000000"/>
-                        </a:solidFill>
-                        <a:effectLst/>
-                        <a:latin typeface="Calibri" panose="020F0502020204030204" pitchFamily="34" charset="0"/>
-                      </a:endParaRPr>
-                    </a:p>
-                  </a:txBody>
-                  <a:tcPr marL="9525" marR="9525" marT="9525" marB="0" anchor="b"/>
+                          <a:schemeClr val="tx1"/>
+                        </a:solidFill>
+                        <a:effectLst/>
+                        <a:latin typeface="Calibri" panose="020F0502020204030204" pitchFamily="34" charset="0"/>
+                      </a:endParaRPr>
+                    </a:p>
+                  </a:txBody>
+                  <a:tcPr marL="9525" marR="9525" marT="9525" marB="0" anchor="b">
+                    <a:solidFill>
+                      <a:schemeClr val="bg2">
+                        <a:lumMod val="75000"/>
+                      </a:schemeClr>
+                    </a:solidFill>
+                  </a:tcPr>
                 </a:tc>
                 <a:tc>
                   <a:txBody>
@@ -17632,21 +21981,126 @@
                     <a:p>
                       <a:pPr algn="ctr" fontAlgn="b"/>
                       <a:r>
+                        <a:rPr lang="en-US" sz="1100" u="none" strike="noStrike" dirty="0">
+                          <a:solidFill>
+                            <a:schemeClr val="tx1"/>
+                          </a:solidFill>
+                          <a:effectLst/>
+                        </a:rPr>
+                        <a:t>7.08</a:t>
+                      </a:r>
+                      <a:endParaRPr lang="en-US" sz="1100" b="0" i="0" u="none" strike="noStrike" dirty="0">
+                        <a:solidFill>
+                          <a:schemeClr val="tx1"/>
+                        </a:solidFill>
+                        <a:effectLst/>
+                        <a:latin typeface="Calibri" panose="020F0502020204030204" pitchFamily="34" charset="0"/>
+                      </a:endParaRPr>
+                    </a:p>
+                  </a:txBody>
+                  <a:tcPr marL="9525" marR="9525" marT="9525" marB="0" anchor="b">
+                    <a:solidFill>
+                      <a:schemeClr val="bg2">
+                        <a:lumMod val="75000"/>
+                      </a:schemeClr>
+                    </a:solidFill>
+                  </a:tcPr>
+                </a:tc>
+                <a:tc>
+                  <a:txBody>
+                    <a:bodyPr/>
+                    <a:lstStyle/>
+                    <a:p>
+                      <a:pPr algn="ctr" fontAlgn="b"/>
+                      <a:r>
+                        <a:rPr lang="en-US" sz="1100" u="none" strike="noStrike" dirty="0">
+                          <a:solidFill>
+                            <a:schemeClr val="tx1"/>
+                          </a:solidFill>
+                          <a:effectLst/>
+                        </a:rPr>
+                        <a:t>38.11</a:t>
+                      </a:r>
+                      <a:endParaRPr lang="en-US" sz="1100" b="0" i="0" u="none" strike="noStrike" dirty="0">
+                        <a:solidFill>
+                          <a:schemeClr val="tx1"/>
+                        </a:solidFill>
+                        <a:effectLst/>
+                        <a:latin typeface="Calibri" panose="020F0502020204030204" pitchFamily="34" charset="0"/>
+                      </a:endParaRPr>
+                    </a:p>
+                  </a:txBody>
+                  <a:tcPr marL="9525" marR="9525" marT="9525" marB="0" anchor="b">
+                    <a:solidFill>
+                      <a:schemeClr val="bg2">
+                        <a:lumMod val="75000"/>
+                      </a:schemeClr>
+                    </a:solidFill>
+                  </a:tcPr>
+                </a:tc>
+                <a:tc>
+                  <a:txBody>
+                    <a:bodyPr/>
+                    <a:lstStyle/>
+                    <a:p>
+                      <a:pPr algn="ctr" fontAlgn="b"/>
+                      <a:r>
+                        <a:rPr lang="en-US" sz="1100" u="none" strike="noStrike" dirty="0">
+                          <a:solidFill>
+                            <a:schemeClr val="tx1"/>
+                          </a:solidFill>
+                          <a:effectLst/>
+                        </a:rPr>
+                        <a:t>30.78</a:t>
+                      </a:r>
+                      <a:endParaRPr lang="en-US" sz="1100" b="0" i="0" u="none" strike="noStrike" dirty="0">
+                        <a:solidFill>
+                          <a:schemeClr val="tx1"/>
+                        </a:solidFill>
+                        <a:effectLst/>
+                        <a:latin typeface="Calibri" panose="020F0502020204030204" pitchFamily="34" charset="0"/>
+                      </a:endParaRPr>
+                    </a:p>
+                  </a:txBody>
+                  <a:tcPr marL="9525" marR="9525" marT="9525" marB="0" anchor="b">
+                    <a:solidFill>
+                      <a:schemeClr val="bg2">
+                        <a:lumMod val="75000"/>
+                      </a:schemeClr>
+                    </a:solidFill>
+                  </a:tcPr>
+                </a:tc>
+                <a:tc>
+                  <a:txBody>
+                    <a:bodyPr/>
+                    <a:lstStyle/>
+                    <a:p>
+                      <a:pPr algn="ctr" fontAlgn="b"/>
+                      <a:r>
                         <a:rPr lang="en-US" sz="1100" u="none" strike="noStrike">
-                          <a:effectLst/>
-                        </a:rPr>
-                        <a:t>14.32</a:t>
+                          <a:solidFill>
+                            <a:schemeClr val="tx1"/>
+                          </a:solidFill>
+                          <a:effectLst/>
+                        </a:rPr>
+                        <a:t>73.00</a:t>
                       </a:r>
                       <a:endParaRPr lang="en-US" sz="1100" b="0" i="0" u="none" strike="noStrike">
                         <a:solidFill>
-                          <a:srgbClr val="000000"/>
-                        </a:solidFill>
-                        <a:effectLst/>
-                        <a:latin typeface="Calibri" panose="020F0502020204030204" pitchFamily="34" charset="0"/>
-                      </a:endParaRPr>
-                    </a:p>
-                  </a:txBody>
-                  <a:tcPr marL="9525" marR="9525" marT="9525" marB="0" anchor="b"/>
+                          <a:schemeClr val="tx1"/>
+                        </a:solidFill>
+                        <a:effectLst/>
+                        <a:latin typeface="Calibri" panose="020F0502020204030204" pitchFamily="34" charset="0"/>
+                      </a:endParaRPr>
+                    </a:p>
+                  </a:txBody>
+                  <a:tcPr marL="9525" marR="9525" marT="9525" marB="0" anchor="b">
+                    <a:solidFill>
+                      <a:schemeClr val="bg2">
+                        <a:lumMod val="75000"/>
+                      </a:schemeClr>
+                    </a:solidFill>
+                  </a:tcPr>
                 </a:tc>
                 <a:tc>
                   <a:txBody>
@@ -17656,20 +22110,29 @@
                       <a:pPr algn="ctr" fontAlgn="b"/>
                       <a:r>
                         <a:rPr lang="en-US" sz="1100" u="none" strike="noStrike">
-                          <a:effectLst/>
-                        </a:rPr>
-                        <a:t>34.11</a:t>
+                          <a:solidFill>
+                            <a:schemeClr val="tx1"/>
+                          </a:solidFill>
+                          <a:effectLst/>
+                        </a:rPr>
+                        <a:t>sum</a:t>
                       </a:r>
                       <a:endParaRPr lang="en-US" sz="1100" b="0" i="0" u="none" strike="noStrike">
                         <a:solidFill>
-                          <a:srgbClr val="000000"/>
-                        </a:solidFill>
-                        <a:effectLst/>
-                        <a:latin typeface="Calibri" panose="020F0502020204030204" pitchFamily="34" charset="0"/>
-                      </a:endParaRPr>
-                    </a:p>
-                  </a:txBody>
-                  <a:tcPr marL="9525" marR="9525" marT="9525" marB="0" anchor="b"/>
+                          <a:schemeClr val="tx1"/>
+                        </a:solidFill>
+                        <a:effectLst/>
+                        <a:latin typeface="Calibri" panose="020F0502020204030204" pitchFamily="34" charset="0"/>
+                      </a:endParaRPr>
+                    </a:p>
+                  </a:txBody>
+                  <a:tcPr marL="9525" marR="9525" marT="9525" marB="0" anchor="b">
+                    <a:solidFill>
+                      <a:schemeClr val="bg2">
+                        <a:lumMod val="75000"/>
+                      </a:schemeClr>
+                    </a:solidFill>
+                  </a:tcPr>
                 </a:tc>
                 <a:tc>
                   <a:txBody>
@@ -17678,159 +22141,30 @@
                     <a:p>
                       <a:pPr algn="ctr" fontAlgn="b"/>
                       <a:r>
-                        <a:rPr lang="en-US" sz="1100" u="none" strike="noStrike">
-                          <a:effectLst/>
-                        </a:rPr>
-                        <a:t>22.64</a:t>
-                      </a:r>
-                      <a:endParaRPr lang="en-US" sz="1100" b="0" i="0" u="none" strike="noStrike">
-                        <a:solidFill>
-                          <a:srgbClr val="000000"/>
-                        </a:solidFill>
-                        <a:effectLst/>
-                        <a:latin typeface="Calibri" panose="020F0502020204030204" pitchFamily="34" charset="0"/>
-                      </a:endParaRPr>
-                    </a:p>
-                  </a:txBody>
-                  <a:tcPr marL="9525" marR="9525" marT="9525" marB="0" anchor="b"/>
-                </a:tc>
-                <a:tc>
-                  <a:txBody>
-                    <a:bodyPr/>
-                    <a:lstStyle/>
-                    <a:p>
-                      <a:pPr algn="ctr" fontAlgn="b"/>
-                      <a:r>
-                        <a:rPr lang="en-US" sz="1100" u="none" strike="noStrike">
-                          <a:effectLst/>
-                        </a:rPr>
-                        <a:t>7.08</a:t>
-                      </a:r>
-                      <a:endParaRPr lang="en-US" sz="1100" b="0" i="0" u="none" strike="noStrike">
-                        <a:solidFill>
-                          <a:srgbClr val="000000"/>
-                        </a:solidFill>
-                        <a:effectLst/>
-                        <a:latin typeface="Calibri" panose="020F0502020204030204" pitchFamily="34" charset="0"/>
-                      </a:endParaRPr>
-                    </a:p>
-                  </a:txBody>
-                  <a:tcPr marL="9525" marR="9525" marT="9525" marB="0" anchor="b"/>
-                </a:tc>
-                <a:tc>
-                  <a:txBody>
-                    <a:bodyPr/>
-                    <a:lstStyle/>
-                    <a:p>
-                      <a:pPr algn="ctr" fontAlgn="b"/>
-                      <a:r>
-                        <a:rPr lang="en-US" sz="1100" u="none" strike="noStrike">
-                          <a:effectLst/>
-                        </a:rPr>
-                        <a:t>38.11</a:t>
-                      </a:r>
-                      <a:endParaRPr lang="en-US" sz="1100" b="0" i="0" u="none" strike="noStrike">
-                        <a:solidFill>
-                          <a:srgbClr val="000000"/>
-                        </a:solidFill>
-                        <a:effectLst/>
-                        <a:latin typeface="Calibri" panose="020F0502020204030204" pitchFamily="34" charset="0"/>
-                      </a:endParaRPr>
-                    </a:p>
-                  </a:txBody>
-                  <a:tcPr marL="9525" marR="9525" marT="9525" marB="0" anchor="b"/>
-                </a:tc>
-                <a:tc>
-                  <a:txBody>
-                    <a:bodyPr/>
-                    <a:lstStyle/>
-                    <a:p>
-                      <a:pPr algn="ctr" fontAlgn="b"/>
-                      <a:r>
-                        <a:rPr lang="en-US" sz="1100" u="none" strike="noStrike">
-                          <a:effectLst/>
-                        </a:rPr>
-                        <a:t>30.78</a:t>
-                      </a:r>
-                      <a:endParaRPr lang="en-US" sz="1100" b="0" i="0" u="none" strike="noStrike">
-                        <a:solidFill>
-                          <a:srgbClr val="000000"/>
-                        </a:solidFill>
-                        <a:effectLst/>
-                        <a:latin typeface="Calibri" panose="020F0502020204030204" pitchFamily="34" charset="0"/>
-                      </a:endParaRPr>
-                    </a:p>
-                  </a:txBody>
-                  <a:tcPr marL="9525" marR="9525" marT="9525" marB="0" anchor="b"/>
-                </a:tc>
-                <a:tc>
-                  <a:txBody>
-                    <a:bodyPr/>
-                    <a:lstStyle/>
-                    <a:p>
-                      <a:pPr algn="ctr" fontAlgn="b"/>
-                      <a:r>
-                        <a:rPr lang="en-US" sz="1100" u="none" strike="noStrike">
-                          <a:effectLst/>
-                        </a:rPr>
-                        <a:t>73.00</a:t>
-                      </a:r>
-                      <a:endParaRPr lang="en-US" sz="1100" b="0" i="0" u="none" strike="noStrike">
-                        <a:solidFill>
-                          <a:srgbClr val="000000"/>
-                        </a:solidFill>
-                        <a:effectLst/>
-                        <a:latin typeface="Calibri" panose="020F0502020204030204" pitchFamily="34" charset="0"/>
-                      </a:endParaRPr>
-                    </a:p>
-                  </a:txBody>
-                  <a:tcPr marL="9525" marR="9525" marT="9525" marB="0" anchor="b"/>
-                </a:tc>
-                <a:tc>
-                  <a:txBody>
-                    <a:bodyPr/>
-                    <a:lstStyle/>
-                    <a:p>
-                      <a:pPr algn="ctr" fontAlgn="b"/>
-                      <a:r>
-                        <a:rPr lang="en-US" sz="1100" u="none" strike="noStrike">
-                          <a:effectLst/>
-                        </a:rPr>
-                        <a:t>sum</a:t>
-                      </a:r>
-                      <a:endParaRPr lang="en-US" sz="1100" b="0" i="0" u="none" strike="noStrike">
-                        <a:solidFill>
-                          <a:srgbClr val="000000"/>
-                        </a:solidFill>
-                        <a:effectLst/>
-                        <a:latin typeface="Calibri" panose="020F0502020204030204" pitchFamily="34" charset="0"/>
-                      </a:endParaRPr>
-                    </a:p>
-                  </a:txBody>
-                  <a:tcPr marL="9525" marR="9525" marT="9525" marB="0" anchor="b"/>
-                </a:tc>
-                <a:tc>
-                  <a:txBody>
-                    <a:bodyPr/>
-                    <a:lstStyle/>
-                    <a:p>
-                      <a:pPr algn="ctr" fontAlgn="b"/>
-                      <a:r>
-                        <a:rPr lang="en-US" sz="1100" u="none" strike="noStrike">
+                        <a:rPr lang="en-US" sz="1100" u="none" strike="noStrike" dirty="0">
+                          <a:solidFill>
+                            <a:schemeClr val="tx1"/>
+                          </a:solidFill>
                           <a:effectLst/>
                         </a:rPr>
                         <a:t>Average</a:t>
                       </a:r>
-                      <a:endParaRPr lang="en-US" sz="1100" b="0" i="0" u="none" strike="noStrike">
-                        <a:solidFill>
-                          <a:srgbClr val="000000"/>
-                        </a:solidFill>
-                        <a:effectLst/>
-                        <a:latin typeface="Calibri" panose="020F0502020204030204" pitchFamily="34" charset="0"/>
-                      </a:endParaRPr>
-                    </a:p>
-                  </a:txBody>
-                  <a:tcPr marL="9525" marR="9525" marT="9525" marB="0" anchor="b"/>
+                      <a:endParaRPr lang="en-US" sz="1100" b="0" i="0" u="none" strike="noStrike" dirty="0">
+                        <a:solidFill>
+                          <a:schemeClr val="tx1"/>
+                        </a:solidFill>
+                        <a:effectLst/>
+                        <a:latin typeface="Calibri" panose="020F0502020204030204" pitchFamily="34" charset="0"/>
+                      </a:endParaRPr>
+                    </a:p>
+                  </a:txBody>
+                  <a:tcPr marL="9525" marR="9525" marT="9525" marB="0" anchor="b">
+                    <a:solidFill>
+                      <a:schemeClr val="bg2">
+                        <a:lumMod val="75000"/>
+                      </a:schemeClr>
+                    </a:solidFill>
+                  </a:tcPr>
                 </a:tc>
                 <a:extLst>
                   <a:ext uri="{0D108BD9-81ED-4DB2-BD59-A6C34878D82A}">
@@ -17847,20 +22181,29 @@
                       <a:pPr algn="ctr" fontAlgn="ctr"/>
                       <a:r>
                         <a:rPr lang="en-US" sz="1100" u="none" strike="noStrike" dirty="0">
+                          <a:solidFill>
+                            <a:schemeClr val="tx1"/>
+                          </a:solidFill>
                           <a:effectLst/>
                         </a:rPr>
                         <a:t>Sound</a:t>
                       </a:r>
                       <a:endParaRPr lang="en-US" sz="1100" b="0" i="0" u="none" strike="noStrike" dirty="0">
                         <a:solidFill>
-                          <a:srgbClr val="000000"/>
-                        </a:solidFill>
-                        <a:effectLst/>
-                        <a:latin typeface="Calibri" panose="020F0502020204030204" pitchFamily="34" charset="0"/>
-                      </a:endParaRPr>
-                    </a:p>
-                  </a:txBody>
-                  <a:tcPr marL="9525" marR="9525" marT="9525" marB="0" anchor="ctr"/>
+                          <a:schemeClr val="tx1"/>
+                        </a:solidFill>
+                        <a:effectLst/>
+                        <a:latin typeface="Calibri" panose="020F0502020204030204" pitchFamily="34" charset="0"/>
+                      </a:endParaRPr>
+                    </a:p>
+                  </a:txBody>
+                  <a:tcPr marL="9525" marR="9525" marT="9525" marB="0" anchor="ctr">
+                    <a:solidFill>
+                      <a:schemeClr val="bg2">
+                        <a:lumMod val="75000"/>
+                      </a:schemeClr>
+                    </a:solidFill>
+                  </a:tcPr>
                 </a:tc>
                 <a:tc>
                   <a:txBody>
@@ -17870,20 +22213,29 @@
                       <a:pPr algn="ctr" fontAlgn="ctr"/>
                       <a:r>
                         <a:rPr lang="en-US" sz="1100" u="none" strike="noStrike" dirty="0">
+                          <a:solidFill>
+                            <a:schemeClr val="tx1"/>
+                          </a:solidFill>
                           <a:effectLst/>
                         </a:rPr>
                         <a:t>speaker</a:t>
                       </a:r>
                       <a:endParaRPr lang="en-US" sz="1100" b="0" i="0" u="none" strike="noStrike" dirty="0">
                         <a:solidFill>
-                          <a:srgbClr val="000000"/>
-                        </a:solidFill>
-                        <a:effectLst/>
-                        <a:latin typeface="Calibri" panose="020F0502020204030204" pitchFamily="34" charset="0"/>
-                      </a:endParaRPr>
-                    </a:p>
-                  </a:txBody>
-                  <a:tcPr marL="9525" marR="9525" marT="9525" marB="0" anchor="ctr"/>
+                          <a:schemeClr val="tx1"/>
+                        </a:solidFill>
+                        <a:effectLst/>
+                        <a:latin typeface="Calibri" panose="020F0502020204030204" pitchFamily="34" charset="0"/>
+                      </a:endParaRPr>
+                    </a:p>
+                  </a:txBody>
+                  <a:tcPr marL="9525" marR="9525" marT="9525" marB="0" anchor="ctr">
+                    <a:solidFill>
+                      <a:schemeClr val="bg2">
+                        <a:lumMod val="75000"/>
+                      </a:schemeClr>
+                    </a:solidFill>
+                  </a:tcPr>
                 </a:tc>
                 <a:tc>
                   <a:txBody>
@@ -18076,12 +22428,12 @@
                     <a:p>
                       <a:pPr algn="ctr" fontAlgn="b"/>
                       <a:r>
-                        <a:rPr lang="en-US" sz="1100" u="none" strike="noStrike">
+                        <a:rPr lang="en-US" sz="1100" u="none" strike="noStrike" dirty="0">
                           <a:effectLst/>
                         </a:rPr>
                         <a:t>0.123287671</a:t>
                       </a:r>
-                      <a:endParaRPr lang="en-US" sz="1100" b="0" i="0" u="none" strike="noStrike">
+                      <a:endParaRPr lang="en-US" sz="1100" b="0" i="0" u="none" strike="noStrike" dirty="0">
                         <a:solidFill>
                           <a:srgbClr val="000000"/>
                         </a:solidFill>
@@ -18099,12 +22451,12 @@
                     <a:p>
                       <a:pPr algn="ctr" fontAlgn="b"/>
                       <a:r>
-                        <a:rPr lang="en-US" sz="1100" u="none" strike="noStrike">
+                        <a:rPr lang="en-US" sz="1100" u="none" strike="noStrike" dirty="0">
                           <a:effectLst/>
                         </a:rPr>
                         <a:t>3.225654</a:t>
                       </a:r>
-                      <a:endParaRPr lang="en-US" sz="1100" b="0" i="0" u="none" strike="noStrike">
+                      <a:endParaRPr lang="en-US" sz="1100" b="0" i="0" u="none" strike="noStrike" dirty="0">
                         <a:solidFill>
                           <a:srgbClr val="000000"/>
                         </a:solidFill>
@@ -18122,12 +22474,12 @@
                     <a:p>
                       <a:pPr algn="ctr" fontAlgn="b"/>
                       <a:r>
-                        <a:rPr lang="en-US" sz="1100" u="none" strike="noStrike">
+                        <a:rPr lang="en-US" sz="1100" u="none" strike="noStrike" dirty="0">
                           <a:effectLst/>
                         </a:rPr>
                         <a:t>0.358406</a:t>
                       </a:r>
-                      <a:endParaRPr lang="en-US" sz="1100" b="0" i="0" u="none" strike="noStrike">
+                      <a:endParaRPr lang="en-US" sz="1100" b="0" i="0" u="none" strike="noStrike" dirty="0">
                         <a:solidFill>
                           <a:srgbClr val="000000"/>
                         </a:solidFill>
@@ -18163,20 +22515,29 @@
                       <a:pPr algn="ctr" fontAlgn="ctr"/>
                       <a:r>
                         <a:rPr lang="en-US" sz="1100" u="none" strike="noStrike">
+                          <a:solidFill>
+                            <a:schemeClr val="tx1"/>
+                          </a:solidFill>
                           <a:effectLst/>
                         </a:rPr>
                         <a:t>earplugs</a:t>
                       </a:r>
                       <a:endParaRPr lang="en-US" sz="1100" b="0" i="0" u="none" strike="noStrike">
                         <a:solidFill>
-                          <a:srgbClr val="000000"/>
-                        </a:solidFill>
-                        <a:effectLst/>
-                        <a:latin typeface="Calibri" panose="020F0502020204030204" pitchFamily="34" charset="0"/>
-                      </a:endParaRPr>
-                    </a:p>
-                  </a:txBody>
-                  <a:tcPr marL="9525" marR="9525" marT="9525" marB="0" anchor="ctr"/>
+                          <a:schemeClr val="tx1"/>
+                        </a:solidFill>
+                        <a:effectLst/>
+                        <a:latin typeface="Calibri" panose="020F0502020204030204" pitchFamily="34" charset="0"/>
+                      </a:endParaRPr>
+                    </a:p>
+                  </a:txBody>
+                  <a:tcPr marL="9525" marR="9525" marT="9525" marB="0" anchor="ctr">
+                    <a:solidFill>
+                      <a:schemeClr val="bg2">
+                        <a:lumMod val="75000"/>
+                      </a:schemeClr>
+                    </a:solidFill>
+                  </a:tcPr>
                 </a:tc>
                 <a:tc>
                   <a:txBody>
@@ -18445,21 +22806,30 @@
                     <a:p>
                       <a:pPr algn="ctr" fontAlgn="ctr"/>
                       <a:r>
-                        <a:rPr lang="en-US" sz="1100" u="none" strike="noStrike">
+                        <a:rPr lang="en-US" sz="1100" u="none" strike="noStrike" dirty="0">
+                          <a:solidFill>
+                            <a:schemeClr val="tx1"/>
+                          </a:solidFill>
                           <a:effectLst/>
                         </a:rPr>
                         <a:t>vibration</a:t>
                       </a:r>
-                      <a:endParaRPr lang="en-US" sz="1100" b="0" i="0" u="none" strike="noStrike">
-                        <a:solidFill>
-                          <a:srgbClr val="000000"/>
-                        </a:solidFill>
-                        <a:effectLst/>
-                        <a:latin typeface="Calibri" panose="020F0502020204030204" pitchFamily="34" charset="0"/>
-                      </a:endParaRPr>
-                    </a:p>
-                  </a:txBody>
-                  <a:tcPr marL="9525" marR="9525" marT="9525" marB="0" anchor="ctr"/>
+                      <a:endParaRPr lang="en-US" sz="1100" b="0" i="0" u="none" strike="noStrike" dirty="0">
+                        <a:solidFill>
+                          <a:schemeClr val="tx1"/>
+                        </a:solidFill>
+                        <a:effectLst/>
+                        <a:latin typeface="Calibri" panose="020F0502020204030204" pitchFamily="34" charset="0"/>
+                      </a:endParaRPr>
+                    </a:p>
+                  </a:txBody>
+                  <a:tcPr marL="9525" marR="9525" marT="9525" marB="0" anchor="ctr">
+                    <a:solidFill>
+                      <a:schemeClr val="bg2">
+                        <a:lumMod val="75000"/>
+                      </a:schemeClr>
+                    </a:solidFill>
+                  </a:tcPr>
                 </a:tc>
                 <a:tc>
                   <a:txBody>
@@ -18468,21 +22838,30 @@
                     <a:p>
                       <a:pPr algn="ctr" fontAlgn="ctr"/>
                       <a:r>
-                        <a:rPr lang="en-US" sz="1100" u="none" strike="noStrike">
+                        <a:rPr lang="en-US" sz="1100" u="none" strike="noStrike" dirty="0">
+                          <a:solidFill>
+                            <a:schemeClr val="tx1"/>
+                          </a:solidFill>
                           <a:effectLst/>
                         </a:rPr>
                         <a:t>watch</a:t>
                       </a:r>
-                      <a:endParaRPr lang="en-US" sz="1100" b="0" i="0" u="none" strike="noStrike">
-                        <a:solidFill>
-                          <a:srgbClr val="000000"/>
-                        </a:solidFill>
-                        <a:effectLst/>
-                        <a:latin typeface="Calibri" panose="020F0502020204030204" pitchFamily="34" charset="0"/>
-                      </a:endParaRPr>
-                    </a:p>
-                  </a:txBody>
-                  <a:tcPr marL="9525" marR="9525" marT="9525" marB="0" anchor="ctr"/>
+                      <a:endParaRPr lang="en-US" sz="1100" b="0" i="0" u="none" strike="noStrike" dirty="0">
+                        <a:solidFill>
+                          <a:schemeClr val="tx1"/>
+                        </a:solidFill>
+                        <a:effectLst/>
+                        <a:latin typeface="Calibri" panose="020F0502020204030204" pitchFamily="34" charset="0"/>
+                      </a:endParaRPr>
+                    </a:p>
+                  </a:txBody>
+                  <a:tcPr marL="9525" marR="9525" marT="9525" marB="0" anchor="ctr">
+                    <a:solidFill>
+                      <a:schemeClr val="bg2">
+                        <a:lumMod val="75000"/>
+                      </a:schemeClr>
+                    </a:solidFill>
+                  </a:tcPr>
                 </a:tc>
                 <a:tc>
                   <a:txBody>
@@ -18761,21 +23140,30 @@
                     <a:p>
                       <a:pPr algn="ctr" fontAlgn="ctr"/>
                       <a:r>
-                        <a:rPr lang="en-US" sz="1100" u="none" strike="noStrike">
+                        <a:rPr lang="en-US" sz="1100" u="none" strike="noStrike" dirty="0">
+                          <a:solidFill>
+                            <a:schemeClr val="tx1"/>
+                          </a:solidFill>
                           <a:effectLst/>
                         </a:rPr>
                         <a:t>suit</a:t>
                       </a:r>
-                      <a:endParaRPr lang="en-US" sz="1100" b="0" i="0" u="none" strike="noStrike">
-                        <a:solidFill>
-                          <a:srgbClr val="000000"/>
-                        </a:solidFill>
-                        <a:effectLst/>
-                        <a:latin typeface="Calibri" panose="020F0502020204030204" pitchFamily="34" charset="0"/>
-                      </a:endParaRPr>
-                    </a:p>
-                  </a:txBody>
-                  <a:tcPr marL="9525" marR="9525" marT="9525" marB="0" anchor="ctr"/>
+                      <a:endParaRPr lang="en-US" sz="1100" b="0" i="0" u="none" strike="noStrike" dirty="0">
+                        <a:solidFill>
+                          <a:schemeClr val="tx1"/>
+                        </a:solidFill>
+                        <a:effectLst/>
+                        <a:latin typeface="Calibri" panose="020F0502020204030204" pitchFamily="34" charset="0"/>
+                      </a:endParaRPr>
+                    </a:p>
+                  </a:txBody>
+                  <a:tcPr marL="9525" marR="9525" marT="9525" marB="0" anchor="ctr">
+                    <a:solidFill>
+                      <a:schemeClr val="bg2">
+                        <a:lumMod val="75000"/>
+                      </a:schemeClr>
+                    </a:solidFill>
+                  </a:tcPr>
                 </a:tc>
                 <a:tc>
                   <a:txBody>
@@ -19054,21 +23442,30 @@
                     <a:p>
                       <a:pPr algn="ctr" fontAlgn="ctr"/>
                       <a:r>
-                        <a:rPr lang="en-US" sz="1100" u="none" strike="noStrike">
+                        <a:rPr lang="en-US" sz="1100" u="none" strike="noStrike" dirty="0">
+                          <a:solidFill>
+                            <a:schemeClr val="tx1"/>
+                          </a:solidFill>
                           <a:effectLst/>
                         </a:rPr>
                         <a:t>hat</a:t>
                       </a:r>
-                      <a:endParaRPr lang="en-US" sz="1100" b="0" i="0" u="none" strike="noStrike">
-                        <a:solidFill>
-                          <a:srgbClr val="000000"/>
-                        </a:solidFill>
-                        <a:effectLst/>
-                        <a:latin typeface="Calibri" panose="020F0502020204030204" pitchFamily="34" charset="0"/>
-                      </a:endParaRPr>
-                    </a:p>
-                  </a:txBody>
-                  <a:tcPr marL="9525" marR="9525" marT="9525" marB="0" anchor="ctr"/>
+                      <a:endParaRPr lang="en-US" sz="1100" b="0" i="0" u="none" strike="noStrike" dirty="0">
+                        <a:solidFill>
+                          <a:schemeClr val="tx1"/>
+                        </a:solidFill>
+                        <a:effectLst/>
+                        <a:latin typeface="Calibri" panose="020F0502020204030204" pitchFamily="34" charset="0"/>
+                      </a:endParaRPr>
+                    </a:p>
+                  </a:txBody>
+                  <a:tcPr marL="9525" marR="9525" marT="9525" marB="0" anchor="ctr">
+                    <a:solidFill>
+                      <a:schemeClr val="bg2">
+                        <a:lumMod val="75000"/>
+                      </a:schemeClr>
+                    </a:solidFill>
+                  </a:tcPr>
                 </a:tc>
                 <a:tc>
                   <a:txBody>
@@ -19338,20 +23735,29 @@
                       <a:pPr algn="ctr" fontAlgn="ctr"/>
                       <a:r>
                         <a:rPr lang="en-US" sz="1100" u="none" strike="noStrike">
+                          <a:solidFill>
+                            <a:schemeClr val="tx1"/>
+                          </a:solidFill>
                           <a:effectLst/>
                         </a:rPr>
                         <a:t>Flashlight</a:t>
                       </a:r>
                       <a:endParaRPr lang="en-US" sz="1100" b="0" i="0" u="none" strike="noStrike">
                         <a:solidFill>
-                          <a:srgbClr val="000000"/>
-                        </a:solidFill>
-                        <a:effectLst/>
-                        <a:latin typeface="Calibri" panose="020F0502020204030204" pitchFamily="34" charset="0"/>
-                      </a:endParaRPr>
-                    </a:p>
-                  </a:txBody>
-                  <a:tcPr marL="9525" marR="9525" marT="9525" marB="0" anchor="ctr"/>
+                          <a:schemeClr val="tx1"/>
+                        </a:solidFill>
+                        <a:effectLst/>
+                        <a:latin typeface="Calibri" panose="020F0502020204030204" pitchFamily="34" charset="0"/>
+                      </a:endParaRPr>
+                    </a:p>
+                  </a:txBody>
+                  <a:tcPr marL="9525" marR="9525" marT="9525" marB="0" anchor="ctr">
+                    <a:solidFill>
+                      <a:schemeClr val="bg2">
+                        <a:lumMod val="75000"/>
+                      </a:schemeClr>
+                    </a:solidFill>
+                  </a:tcPr>
                 </a:tc>
                 <a:tc>
                   <a:txBody>
@@ -19360,21 +23766,30 @@
                     <a:p>
                       <a:pPr algn="ctr" fontAlgn="ctr"/>
                       <a:r>
-                        <a:rPr lang="en-US" sz="1100" u="none" strike="noStrike">
+                        <a:rPr lang="en-US" sz="1100" u="none" strike="noStrike" dirty="0">
+                          <a:solidFill>
+                            <a:schemeClr val="tx1"/>
+                          </a:solidFill>
                           <a:effectLst/>
                         </a:rPr>
                         <a:t>Watch</a:t>
                       </a:r>
-                      <a:endParaRPr lang="en-US" sz="1100" b="0" i="0" u="none" strike="noStrike">
-                        <a:solidFill>
-                          <a:srgbClr val="000000"/>
-                        </a:solidFill>
-                        <a:effectLst/>
-                        <a:latin typeface="Calibri" panose="020F0502020204030204" pitchFamily="34" charset="0"/>
-                      </a:endParaRPr>
-                    </a:p>
-                  </a:txBody>
-                  <a:tcPr marL="9525" marR="9525" marT="9525" marB="0" anchor="ctr"/>
+                      <a:endParaRPr lang="en-US" sz="1100" b="0" i="0" u="none" strike="noStrike" dirty="0">
+                        <a:solidFill>
+                          <a:schemeClr val="tx1"/>
+                        </a:solidFill>
+                        <a:effectLst/>
+                        <a:latin typeface="Calibri" panose="020F0502020204030204" pitchFamily="34" charset="0"/>
+                      </a:endParaRPr>
+                    </a:p>
+                  </a:txBody>
+                  <a:tcPr marL="9525" marR="9525" marT="9525" marB="0" anchor="ctr">
+                    <a:solidFill>
+                      <a:schemeClr val="bg2">
+                        <a:lumMod val="75000"/>
+                      </a:schemeClr>
+                    </a:solidFill>
+                  </a:tcPr>
                 </a:tc>
                 <a:tc>
                   <a:txBody>
@@ -19653,21 +24068,30 @@
                     <a:p>
                       <a:pPr algn="ctr" fontAlgn="ctr"/>
                       <a:r>
-                        <a:rPr lang="en-US" sz="1100" u="none" strike="noStrike">
+                        <a:rPr lang="en-US" sz="1100" u="none" strike="noStrike" dirty="0">
+                          <a:solidFill>
+                            <a:schemeClr val="tx1"/>
+                          </a:solidFill>
                           <a:effectLst/>
                         </a:rPr>
                         <a:t>Glasses</a:t>
                       </a:r>
-                      <a:endParaRPr lang="en-US" sz="1100" b="0" i="0" u="none" strike="noStrike">
-                        <a:solidFill>
-                          <a:srgbClr val="000000"/>
-                        </a:solidFill>
-                        <a:effectLst/>
-                        <a:latin typeface="Calibri" panose="020F0502020204030204" pitchFamily="34" charset="0"/>
-                      </a:endParaRPr>
-                    </a:p>
-                  </a:txBody>
-                  <a:tcPr marL="9525" marR="9525" marT="9525" marB="0" anchor="ctr"/>
+                      <a:endParaRPr lang="en-US" sz="1100" b="0" i="0" u="none" strike="noStrike" dirty="0">
+                        <a:solidFill>
+                          <a:schemeClr val="tx1"/>
+                        </a:solidFill>
+                        <a:effectLst/>
+                        <a:latin typeface="Calibri" panose="020F0502020204030204" pitchFamily="34" charset="0"/>
+                      </a:endParaRPr>
+                    </a:p>
+                  </a:txBody>
+                  <a:tcPr marL="9525" marR="9525" marT="9525" marB="0" anchor="ctr">
+                    <a:solidFill>
+                      <a:schemeClr val="bg2">
+                        <a:lumMod val="75000"/>
+                      </a:schemeClr>
+                    </a:solidFill>
+                  </a:tcPr>
                 </a:tc>
                 <a:tc>
                   <a:txBody>
@@ -19937,20 +24361,29 @@
                       <a:pPr algn="ctr" fontAlgn="ctr"/>
                       <a:r>
                         <a:rPr lang="en-US" sz="1100" u="none" strike="noStrike">
+                          <a:solidFill>
+                            <a:schemeClr val="tx1"/>
+                          </a:solidFill>
                           <a:effectLst/>
                         </a:rPr>
                         <a:t>Light&amp;Vibration</a:t>
                       </a:r>
                       <a:endParaRPr lang="en-US" sz="1100" b="0" i="0" u="none" strike="noStrike">
                         <a:solidFill>
-                          <a:srgbClr val="000000"/>
-                        </a:solidFill>
-                        <a:effectLst/>
-                        <a:latin typeface="Calibri" panose="020F0502020204030204" pitchFamily="34" charset="0"/>
-                      </a:endParaRPr>
-                    </a:p>
-                  </a:txBody>
-                  <a:tcPr marL="9525" marR="9525" marT="9525" marB="0" anchor="ctr"/>
+                          <a:schemeClr val="tx1"/>
+                        </a:solidFill>
+                        <a:effectLst/>
+                        <a:latin typeface="Calibri" panose="020F0502020204030204" pitchFamily="34" charset="0"/>
+                      </a:endParaRPr>
+                    </a:p>
+                  </a:txBody>
+                  <a:tcPr marL="9525" marR="9525" marT="9525" marB="0" anchor="ctr">
+                    <a:solidFill>
+                      <a:schemeClr val="bg2">
+                        <a:lumMod val="75000"/>
+                      </a:schemeClr>
+                    </a:solidFill>
+                  </a:tcPr>
                 </a:tc>
                 <a:tc>
                   <a:txBody>
@@ -19959,21 +24392,30 @@
                     <a:p>
                       <a:pPr algn="ctr" fontAlgn="ctr"/>
                       <a:r>
-                        <a:rPr lang="en-US" sz="1100" u="none" strike="noStrike">
+                        <a:rPr lang="en-US" sz="1100" u="none" strike="noStrike" dirty="0">
+                          <a:solidFill>
+                            <a:schemeClr val="tx1"/>
+                          </a:solidFill>
                           <a:effectLst/>
                         </a:rPr>
                         <a:t>Watch</a:t>
                       </a:r>
-                      <a:endParaRPr lang="en-US" sz="1100" b="0" i="0" u="none" strike="noStrike">
-                        <a:solidFill>
-                          <a:srgbClr val="000000"/>
-                        </a:solidFill>
-                        <a:effectLst/>
-                        <a:latin typeface="Calibri" panose="020F0502020204030204" pitchFamily="34" charset="0"/>
-                      </a:endParaRPr>
-                    </a:p>
-                  </a:txBody>
-                  <a:tcPr marL="9525" marR="9525" marT="9525" marB="0" anchor="ctr"/>
+                      <a:endParaRPr lang="en-US" sz="1100" b="0" i="0" u="none" strike="noStrike" dirty="0">
+                        <a:solidFill>
+                          <a:schemeClr val="tx1"/>
+                        </a:solidFill>
+                        <a:effectLst/>
+                        <a:latin typeface="Calibri" panose="020F0502020204030204" pitchFamily="34" charset="0"/>
+                      </a:endParaRPr>
+                    </a:p>
+                  </a:txBody>
+                  <a:tcPr marL="9525" marR="9525" marT="9525" marB="0" anchor="ctr">
+                    <a:solidFill>
+                      <a:schemeClr val="bg2">
+                        <a:lumMod val="75000"/>
+                      </a:schemeClr>
+                    </a:solidFill>
+                  </a:tcPr>
                 </a:tc>
                 <a:tc>
                   <a:txBody>
@@ -20243,20 +24685,29 @@
                       <a:pPr algn="ctr" fontAlgn="b"/>
                       <a:r>
                         <a:rPr lang="en-US" sz="1100" u="none" strike="noStrike">
+                          <a:solidFill>
+                            <a:schemeClr val="tx1"/>
+                          </a:solidFill>
                           <a:effectLst/>
                         </a:rPr>
                         <a:t> </a:t>
                       </a:r>
                       <a:endParaRPr lang="en-US" sz="1100" b="0" i="0" u="none" strike="noStrike">
                         <a:solidFill>
-                          <a:srgbClr val="000000"/>
-                        </a:solidFill>
-                        <a:effectLst/>
-                        <a:latin typeface="Calibri" panose="020F0502020204030204" pitchFamily="34" charset="0"/>
-                      </a:endParaRPr>
-                    </a:p>
-                  </a:txBody>
-                  <a:tcPr marL="9525" marR="9525" marT="9525" marB="0" anchor="b"/>
+                          <a:schemeClr val="tx1"/>
+                        </a:solidFill>
+                        <a:effectLst/>
+                        <a:latin typeface="Calibri" panose="020F0502020204030204" pitchFamily="34" charset="0"/>
+                      </a:endParaRPr>
+                    </a:p>
+                  </a:txBody>
+                  <a:tcPr marL="9525" marR="9525" marT="9525" marB="0" anchor="b">
+                    <a:solidFill>
+                      <a:schemeClr val="bg2">
+                        <a:lumMod val="75000"/>
+                      </a:schemeClr>
+                    </a:solidFill>
+                  </a:tcPr>
                 </a:tc>
                 <a:tc>
                   <a:txBody>
@@ -20265,21 +24716,39 @@
                     <a:p>
                       <a:pPr algn="ctr" fontAlgn="ctr"/>
                       <a:r>
-                        <a:rPr lang="en-US" sz="1100" u="none" strike="noStrike">
-                          <a:effectLst/>
-                        </a:rPr>
-                        <a:t>viperate the water  away</a:t>
-                      </a:r>
-                      <a:endParaRPr lang="en-US" sz="1100" b="0" i="0" u="none" strike="noStrike">
-                        <a:solidFill>
-                          <a:srgbClr val="000000"/>
-                        </a:solidFill>
-                        <a:effectLst/>
-                        <a:latin typeface="Calibri" panose="020F0502020204030204" pitchFamily="34" charset="0"/>
-                      </a:endParaRPr>
-                    </a:p>
-                  </a:txBody>
-                  <a:tcPr marL="9525" marR="9525" marT="9525" marB="0" anchor="ctr"/>
+                        <a:rPr lang="en-US" sz="1100" u="none" strike="noStrike" dirty="0" err="1">
+                          <a:solidFill>
+                            <a:schemeClr val="tx1"/>
+                          </a:solidFill>
+                          <a:effectLst/>
+                        </a:rPr>
+                        <a:t>viperate</a:t>
+                      </a:r>
+                      <a:r>
+                        <a:rPr lang="en-US" sz="1100" u="none" strike="noStrike" dirty="0">
+                          <a:solidFill>
+                            <a:schemeClr val="tx1"/>
+                          </a:solidFill>
+                          <a:effectLst/>
+                        </a:rPr>
+                        <a:t> the water  away</a:t>
+                      </a:r>
+                      <a:endParaRPr lang="en-US" sz="1100" b="0" i="0" u="none" strike="noStrike" dirty="0">
+                        <a:solidFill>
+                          <a:schemeClr val="tx1"/>
+                        </a:solidFill>
+                        <a:effectLst/>
+                        <a:latin typeface="Calibri" panose="020F0502020204030204" pitchFamily="34" charset="0"/>
+                      </a:endParaRPr>
+                    </a:p>
+                  </a:txBody>
+                  <a:tcPr marL="9525" marR="9525" marT="9525" marB="0" anchor="ctr">
+                    <a:solidFill>
+                      <a:schemeClr val="bg2">
+                        <a:lumMod val="75000"/>
+                      </a:schemeClr>
+                    </a:solidFill>
+                  </a:tcPr>
                 </a:tc>
                 <a:tc>
                   <a:txBody>
@@ -20557,7 +25026,7 @@
 </p:sld>
 </file>
 
-<file path=ppt/slides/slide23.xml><?xml version="1.0" encoding="utf-8"?>
+<file path=ppt/slides/slide25.xml><?xml version="1.0" encoding="utf-8"?>
 <p:sld xmlns:a="http://schemas.openxmlformats.org/drawingml/2006/main" xmlns:r="http://schemas.openxmlformats.org/officeDocument/2006/relationships" xmlns:p="http://schemas.openxmlformats.org/presentationml/2006/main">
   <p:cSld>
     <p:spTree>
@@ -20614,7 +25083,7 @@
           <p:nvPr>
             <p:extLst>
               <p:ext uri="{D42A27DB-BD31-4B8C-83A1-F6EECF244321}">
-                <p14:modId xmlns:p14="http://schemas.microsoft.com/office/powerpoint/2010/main" val="12513015"/>
+                <p14:modId xmlns:p14="http://schemas.microsoft.com/office/powerpoint/2010/main" val="1452263212"/>
               </p:ext>
             </p:extLst>
           </p:nvPr>
@@ -20661,13 +25130,16 @@
                       <a:pPr algn="ctr" fontAlgn="ctr"/>
                       <a:r>
                         <a:rPr lang="en-US" sz="1400" u="none" strike="noStrike" dirty="0">
+                          <a:solidFill>
+                            <a:schemeClr val="tx1"/>
+                          </a:solidFill>
                           <a:effectLst/>
                         </a:rPr>
                         <a:t>Concept Solutions</a:t>
                       </a:r>
                       <a:endParaRPr lang="en-US" sz="1400" b="0" i="0" u="none" strike="noStrike" dirty="0">
                         <a:solidFill>
-                          <a:srgbClr val="000000"/>
+                          <a:schemeClr val="tx1"/>
                         </a:solidFill>
                         <a:effectLst/>
                         <a:latin typeface="Calibri" panose="020F0502020204030204" pitchFamily="34" charset="0"/>
@@ -20698,13 +25170,16 @@
                       <a:pPr algn="ctr" fontAlgn="ctr"/>
                       <a:r>
                         <a:rPr lang="en-US" sz="1400" u="none" strike="noStrike" dirty="0">
+                          <a:solidFill>
+                            <a:schemeClr val="tx1"/>
+                          </a:solidFill>
                           <a:effectLst/>
                         </a:rPr>
                         <a:t>Weighted Evaluation</a:t>
                       </a:r>
                       <a:endParaRPr lang="en-US" sz="1400" b="0" i="0" u="none" strike="noStrike" dirty="0">
                         <a:solidFill>
-                          <a:srgbClr val="000000"/>
+                          <a:schemeClr val="tx1"/>
                         </a:solidFill>
                         <a:effectLst/>
                         <a:latin typeface="Calibri" panose="020F0502020204030204" pitchFamily="34" charset="0"/>
@@ -20814,12 +25289,12 @@
                     <a:p>
                       <a:pPr algn="ctr" fontAlgn="ctr"/>
                       <a:r>
-                        <a:rPr lang="en-US" sz="1400" u="none" strike="noStrike">
+                        <a:rPr lang="en-US" sz="1400" u="none" strike="noStrike" dirty="0">
                           <a:effectLst/>
                         </a:rPr>
                         <a:t>Flashlight</a:t>
                       </a:r>
-                      <a:endParaRPr lang="en-US" sz="1400" b="0" i="0" u="none" strike="noStrike">
+                      <a:endParaRPr lang="en-US" sz="1400" b="0" i="0" u="none" strike="noStrike" dirty="0">
                         <a:solidFill>
                           <a:srgbClr val="000000"/>
                         </a:solidFill>
@@ -21422,7 +25897,7 @@
 </p:sld>
 </file>
 
-<file path=ppt/slides/slide24.xml><?xml version="1.0" encoding="utf-8"?>
+<file path=ppt/slides/slide26.xml><?xml version="1.0" encoding="utf-8"?>
 <p:sld xmlns:a="http://schemas.openxmlformats.org/drawingml/2006/main" xmlns:r="http://schemas.openxmlformats.org/officeDocument/2006/relationships" xmlns:p="http://schemas.openxmlformats.org/presentationml/2006/main">
   <p:cSld>
     <p:spTree>
@@ -21574,7 +26049,7 @@
 </p:sld>
 </file>
 
-<file path=ppt/slides/slide25.xml><?xml version="1.0" encoding="utf-8"?>
+<file path=ppt/slides/slide27.xml><?xml version="1.0" encoding="utf-8"?>
 <p:sld xmlns:a="http://schemas.openxmlformats.org/drawingml/2006/main" xmlns:r="http://schemas.openxmlformats.org/officeDocument/2006/relationships" xmlns:p="http://schemas.openxmlformats.org/presentationml/2006/main">
   <p:cSld>
     <p:spTree>
@@ -22949,7 +27424,7 @@
 </p:sld>
 </file>
 
-<file path=ppt/slides/slide26.xml><?xml version="1.0" encoding="utf-8"?>
+<file path=ppt/slides/slide28.xml><?xml version="1.0" encoding="utf-8"?>
 <p:sld xmlns:a="http://schemas.openxmlformats.org/drawingml/2006/main" xmlns:r="http://schemas.openxmlformats.org/officeDocument/2006/relationships" xmlns:p="http://schemas.openxmlformats.org/presentationml/2006/main">
   <p:cSld>
     <p:spTree>
@@ -23076,7 +27551,7 @@
 </p:sld>
 </file>
 
-<file path=ppt/slides/slide27.xml><?xml version="1.0" encoding="utf-8"?>
+<file path=ppt/slides/slide29.xml><?xml version="1.0" encoding="utf-8"?>
 <p:sld xmlns:a="http://schemas.openxmlformats.org/drawingml/2006/main" xmlns:r="http://schemas.openxmlformats.org/officeDocument/2006/relationships" xmlns:p="http://schemas.openxmlformats.org/presentationml/2006/main">
   <p:cSld>
     <p:spTree>
@@ -23167,7 +27642,72 @@
 </p:sld>
 </file>
 
-<file path=ppt/slides/slide28.xml><?xml version="1.0" encoding="utf-8"?>
+<file path=ppt/slides/slide3.xml><?xml version="1.0" encoding="utf-8"?>
+<p:sld xmlns:a="http://schemas.openxmlformats.org/drawingml/2006/main" xmlns:r="http://schemas.openxmlformats.org/officeDocument/2006/relationships" xmlns:p="http://schemas.openxmlformats.org/presentationml/2006/main">
+  <p:cSld>
+    <p:spTree>
+      <p:nvGrpSpPr>
+        <p:cNvPr id="1" name=""/>
+        <p:cNvGrpSpPr/>
+        <p:nvPr/>
+      </p:nvGrpSpPr>
+      <p:grpSpPr>
+        <a:xfrm>
+          <a:off x="0" y="0"/>
+          <a:ext cx="0" cy="0"/>
+          <a:chOff x="0" y="0"/>
+          <a:chExt cx="0" cy="0"/>
+        </a:xfrm>
+      </p:grpSpPr>
+      <p:pic>
+        <p:nvPicPr>
+          <p:cNvPr id="5" name="Content Placeholder 4">
+            <a:extLst>
+              <a:ext uri="{FF2B5EF4-FFF2-40B4-BE49-F238E27FC236}">
+                <a16:creationId xmlns:a16="http://schemas.microsoft.com/office/drawing/2014/main" id="{34BCB9F8-B425-4F4B-B50C-4D74B22A4E70}"/>
+              </a:ext>
+            </a:extLst>
+          </p:cNvPr>
+          <p:cNvPicPr>
+            <a:picLocks noGrp="1" noChangeAspect="1"/>
+          </p:cNvPicPr>
+          <p:nvPr>
+            <p:ph idx="1"/>
+          </p:nvPr>
+        </p:nvPicPr>
+        <p:blipFill>
+          <a:blip r:embed="rId2">
+            <a:extLst>
+              <a:ext uri="{28A0092B-C50C-407E-A947-70E740481C1C}">
+                <a14:useLocalDpi xmlns:a14="http://schemas.microsoft.com/office/drawing/2010/main" val="0"/>
+              </a:ext>
+            </a:extLst>
+          </a:blip>
+          <a:stretch>
+            <a:fillRect/>
+          </a:stretch>
+        </p:blipFill>
+        <p:spPr>
+          <a:xfrm>
+            <a:off x="1059351" y="656168"/>
+            <a:ext cx="8462034" cy="4759894"/>
+          </a:xfrm>
+        </p:spPr>
+      </p:pic>
+    </p:spTree>
+    <p:extLst>
+      <p:ext uri="{BB962C8B-B14F-4D97-AF65-F5344CB8AC3E}">
+        <p14:creationId xmlns:p14="http://schemas.microsoft.com/office/powerpoint/2010/main" val="1012052140"/>
+      </p:ext>
+    </p:extLst>
+  </p:cSld>
+  <p:clrMapOvr>
+    <a:masterClrMapping/>
+  </p:clrMapOvr>
+</p:sld>
+</file>
+
+<file path=ppt/slides/slide30.xml><?xml version="1.0" encoding="utf-8"?>
 <p:sld xmlns:a="http://schemas.openxmlformats.org/drawingml/2006/main" xmlns:r="http://schemas.openxmlformats.org/officeDocument/2006/relationships" xmlns:p="http://schemas.openxmlformats.org/presentationml/2006/main">
   <p:cSld>
     <p:spTree>
@@ -23296,7 +27836,7 @@
 </p:sld>
 </file>
 
-<file path=ppt/slides/slide29.xml><?xml version="1.0" encoding="utf-8"?>
+<file path=ppt/slides/slide31.xml><?xml version="1.0" encoding="utf-8"?>
 <p:sld xmlns:a="http://schemas.openxmlformats.org/drawingml/2006/main" xmlns:r="http://schemas.openxmlformats.org/officeDocument/2006/relationships" xmlns:p="http://schemas.openxmlformats.org/presentationml/2006/main">
   <p:cSld>
     <p:spTree>
@@ -23588,71 +28128,6 @@
     <p:extLst>
       <p:ext uri="{BB962C8B-B14F-4D97-AF65-F5344CB8AC3E}">
         <p14:creationId xmlns:p14="http://schemas.microsoft.com/office/powerpoint/2010/main" val="521339703"/>
-      </p:ext>
-    </p:extLst>
-  </p:cSld>
-  <p:clrMapOvr>
-    <a:masterClrMapping/>
-  </p:clrMapOvr>
-</p:sld>
-</file>
-
-<file path=ppt/slides/slide3.xml><?xml version="1.0" encoding="utf-8"?>
-<p:sld xmlns:a="http://schemas.openxmlformats.org/drawingml/2006/main" xmlns:r="http://schemas.openxmlformats.org/officeDocument/2006/relationships" xmlns:p="http://schemas.openxmlformats.org/presentationml/2006/main">
-  <p:cSld>
-    <p:spTree>
-      <p:nvGrpSpPr>
-        <p:cNvPr id="1" name=""/>
-        <p:cNvGrpSpPr/>
-        <p:nvPr/>
-      </p:nvGrpSpPr>
-      <p:grpSpPr>
-        <a:xfrm>
-          <a:off x="0" y="0"/>
-          <a:ext cx="0" cy="0"/>
-          <a:chOff x="0" y="0"/>
-          <a:chExt cx="0" cy="0"/>
-        </a:xfrm>
-      </p:grpSpPr>
-      <p:pic>
-        <p:nvPicPr>
-          <p:cNvPr id="5" name="Content Placeholder 4">
-            <a:extLst>
-              <a:ext uri="{FF2B5EF4-FFF2-40B4-BE49-F238E27FC236}">
-                <a16:creationId xmlns:a16="http://schemas.microsoft.com/office/drawing/2014/main" id="{34BCB9F8-B425-4F4B-B50C-4D74B22A4E70}"/>
-              </a:ext>
-            </a:extLst>
-          </p:cNvPr>
-          <p:cNvPicPr>
-            <a:picLocks noGrp="1" noChangeAspect="1"/>
-          </p:cNvPicPr>
-          <p:nvPr>
-            <p:ph idx="1"/>
-          </p:nvPr>
-        </p:nvPicPr>
-        <p:blipFill>
-          <a:blip r:embed="rId2">
-            <a:extLst>
-              <a:ext uri="{28A0092B-C50C-407E-A947-70E740481C1C}">
-                <a14:useLocalDpi xmlns:a14="http://schemas.microsoft.com/office/drawing/2010/main" val="0"/>
-              </a:ext>
-            </a:extLst>
-          </a:blip>
-          <a:stretch>
-            <a:fillRect/>
-          </a:stretch>
-        </p:blipFill>
-        <p:spPr>
-          <a:xfrm>
-            <a:off x="1059351" y="656168"/>
-            <a:ext cx="8462034" cy="4759894"/>
-          </a:xfrm>
-        </p:spPr>
-      </p:pic>
-    </p:spTree>
-    <p:extLst>
-      <p:ext uri="{BB962C8B-B14F-4D97-AF65-F5344CB8AC3E}">
-        <p14:creationId xmlns:p14="http://schemas.microsoft.com/office/powerpoint/2010/main" val="1012052140"/>
       </p:ext>
     </p:extLst>
   </p:cSld>

--- a/S.A.V.E/Security Application Via Engineering.pptx
+++ b/S.A.V.E/Security Application Via Engineering.pptx
@@ -16357,14 +16357,14 @@
           <p:nvPr>
             <p:extLst>
               <p:ext uri="{D42A27DB-BD31-4B8C-83A1-F6EECF244321}">
-                <p14:modId xmlns:p14="http://schemas.microsoft.com/office/powerpoint/2010/main" val="2048444108"/>
+                <p14:modId xmlns:p14="http://schemas.microsoft.com/office/powerpoint/2010/main" val="393321785"/>
               </p:ext>
             </p:extLst>
           </p:nvPr>
         </p:nvGraphicFramePr>
         <p:xfrm>
           <a:off x="684212" y="281354"/>
-          <a:ext cx="9866555" cy="6049111"/>
+          <a:ext cx="9866555" cy="6149526"/>
         </p:xfrm>
         <a:graphic>
           <a:graphicData uri="http://schemas.openxmlformats.org/drawingml/2006/table">
@@ -16450,6 +16450,35 @@
                     <a:bodyPr/>
                     <a:lstStyle/>
                     <a:p>
+                      <a:pPr marL="0" marR="0" lvl="0" indent="0" algn="ctr" defTabSz="457200" rtl="0" eaLnBrk="1" fontAlgn="b" latinLnBrk="0" hangingPunct="1">
+                        <a:lnSpc>
+                          <a:spcPct val="100000"/>
+                        </a:lnSpc>
+                        <a:spcBef>
+                          <a:spcPts val="0"/>
+                        </a:spcBef>
+                        <a:spcAft>
+                          <a:spcPts val="0"/>
+                        </a:spcAft>
+                        <a:buClrTx/>
+                        <a:buSzTx/>
+                        <a:buFontTx/>
+                        <a:buNone/>
+                        <a:tabLst/>
+                        <a:defRPr/>
+                      </a:pPr>
+                      <a:r>
+                        <a:rPr lang="en-US" sz="2400" b="0" i="0" u="none" strike="noStrike" dirty="0">
+                          <a:solidFill>
+                            <a:schemeClr val="tx1"/>
+                          </a:solidFill>
+                          <a:effectLst/>
+                          <a:latin typeface="Calibri" panose="020F0502020204030204" pitchFamily="34" charset="0"/>
+                        </a:rPr>
+                        <a:t>Criteria</a:t>
+                      </a:r>
+                    </a:p>
+                    <a:p>
                       <a:pPr algn="r" fontAlgn="b"/>
                       <a:endParaRPr lang="en-US" sz="1100" b="0" i="0" u="none" strike="noStrike" dirty="0">
                         <a:solidFill>
@@ -16460,7 +16489,7 @@
                       </a:endParaRPr>
                     </a:p>
                   </a:txBody>
-                  <a:tcPr marL="9525" marR="9525" marT="9525" marB="0" anchor="b">
+                  <a:tcPr marL="9525" marR="9525" marT="9525" marB="0" anchor="ctr">
                     <a:solidFill>
                       <a:schemeClr val="bg2">
                         <a:lumMod val="75000"/>
@@ -16473,7 +16502,16 @@
                     <a:bodyPr/>
                     <a:lstStyle/>
                     <a:p>
-                      <a:pPr algn="r" fontAlgn="b"/>
+                      <a:pPr algn="ctr" fontAlgn="ctr"/>
+                      <a:r>
+                        <a:rPr lang="en-US" sz="1100" u="none" strike="noStrike" dirty="0">
+                          <a:solidFill>
+                            <a:schemeClr val="tx1"/>
+                          </a:solidFill>
+                          <a:effectLst/>
+                        </a:rPr>
+                        <a:t>Reliability</a:t>
+                      </a:r>
                       <a:endParaRPr lang="en-US" sz="1100" b="0" i="0" u="none" strike="noStrike" dirty="0">
                         <a:solidFill>
                           <a:schemeClr val="tx1"/>
@@ -16483,7 +16521,7 @@
                       </a:endParaRPr>
                     </a:p>
                   </a:txBody>
-                  <a:tcPr marL="9525" marR="9525" marT="9525" marB="0" anchor="b">
+                  <a:tcPr marL="9525" marR="9525" marT="9525" marB="0" anchor="ctr">
                     <a:solidFill>
                       <a:schemeClr val="bg2">
                         <a:lumMod val="75000"/>
@@ -16496,7 +16534,16 @@
                     <a:bodyPr/>
                     <a:lstStyle/>
                     <a:p>
-                      <a:pPr algn="r" fontAlgn="b"/>
+                      <a:pPr algn="ctr" fontAlgn="ctr"/>
+                      <a:r>
+                        <a:rPr lang="en-US" sz="1100" u="none" strike="noStrike" dirty="0">
+                          <a:solidFill>
+                            <a:schemeClr val="tx1"/>
+                          </a:solidFill>
+                          <a:effectLst/>
+                        </a:rPr>
+                        <a:t>initial Cost</a:t>
+                      </a:r>
                       <a:endParaRPr lang="en-US" sz="1100" b="0" i="0" u="none" strike="noStrike" dirty="0">
                         <a:solidFill>
                           <a:schemeClr val="tx1"/>
@@ -16506,7 +16553,7 @@
                       </a:endParaRPr>
                     </a:p>
                   </a:txBody>
-                  <a:tcPr marL="9525" marR="9525" marT="9525" marB="0" anchor="b">
+                  <a:tcPr marL="9525" marR="9525" marT="9525" marB="0" anchor="ctr">
                     <a:solidFill>
                       <a:schemeClr val="bg2">
                         <a:lumMod val="75000"/>
@@ -16519,7 +16566,16 @@
                     <a:bodyPr/>
                     <a:lstStyle/>
                     <a:p>
-                      <a:pPr algn="r" fontAlgn="b"/>
+                      <a:pPr algn="ctr" fontAlgn="ctr"/>
+                      <a:r>
+                        <a:rPr lang="en-US" sz="1100" u="none" strike="noStrike" dirty="0">
+                          <a:solidFill>
+                            <a:schemeClr val="tx1"/>
+                          </a:solidFill>
+                          <a:effectLst/>
+                        </a:rPr>
+                        <a:t>Efficient</a:t>
+                      </a:r>
                       <a:endParaRPr lang="en-US" sz="1100" b="0" i="0" u="none" strike="noStrike" dirty="0">
                         <a:solidFill>
                           <a:schemeClr val="tx1"/>
@@ -16529,7 +16585,7 @@
                       </a:endParaRPr>
                     </a:p>
                   </a:txBody>
-                  <a:tcPr marL="9525" marR="9525" marT="9525" marB="0" anchor="b">
+                  <a:tcPr marL="9525" marR="9525" marT="9525" marB="0" anchor="ctr">
                     <a:solidFill>
                       <a:schemeClr val="bg2">
                         <a:lumMod val="75000"/>
@@ -16542,7 +16598,16 @@
                     <a:bodyPr/>
                     <a:lstStyle/>
                     <a:p>
-                      <a:pPr algn="r" fontAlgn="b"/>
+                      <a:pPr algn="ctr" fontAlgn="ctr"/>
+                      <a:r>
+                        <a:rPr lang="en-US" sz="1100" u="none" strike="noStrike" dirty="0">
+                          <a:solidFill>
+                            <a:schemeClr val="tx1"/>
+                          </a:solidFill>
+                          <a:effectLst/>
+                        </a:rPr>
+                        <a:t>Endurance</a:t>
+                      </a:r>
                       <a:endParaRPr lang="en-US" sz="1100" b="0" i="0" u="none" strike="noStrike" dirty="0">
                         <a:solidFill>
                           <a:schemeClr val="tx1"/>
@@ -16552,7 +16617,7 @@
                       </a:endParaRPr>
                     </a:p>
                   </a:txBody>
-                  <a:tcPr marL="9525" marR="9525" marT="9525" marB="0" anchor="b">
+                  <a:tcPr marL="9525" marR="9525" marT="9525" marB="0" anchor="ctr">
                     <a:solidFill>
                       <a:schemeClr val="bg2">
                         <a:lumMod val="75000"/>
@@ -16565,7 +16630,16 @@
                     <a:bodyPr/>
                     <a:lstStyle/>
                     <a:p>
-                      <a:pPr algn="r" fontAlgn="b"/>
+                      <a:pPr algn="ctr" fontAlgn="ctr"/>
+                      <a:r>
+                        <a:rPr lang="en-US" sz="1100" u="none" strike="noStrike" dirty="0">
+                          <a:solidFill>
+                            <a:schemeClr val="tx1"/>
+                          </a:solidFill>
+                          <a:effectLst/>
+                        </a:rPr>
+                        <a:t>Safety</a:t>
+                      </a:r>
                       <a:endParaRPr lang="en-US" sz="1100" b="0" i="0" u="none" strike="noStrike" dirty="0">
                         <a:solidFill>
                           <a:schemeClr val="tx1"/>
@@ -16575,7 +16649,7 @@
                       </a:endParaRPr>
                     </a:p>
                   </a:txBody>
-                  <a:tcPr marL="9525" marR="9525" marT="9525" marB="0" anchor="b">
+                  <a:tcPr marL="9525" marR="9525" marT="9525" marB="0" anchor="ctr">
                     <a:solidFill>
                       <a:schemeClr val="bg2">
                         <a:lumMod val="75000"/>
@@ -16588,7 +16662,16 @@
                     <a:bodyPr/>
                     <a:lstStyle/>
                     <a:p>
-                      <a:pPr algn="r" fontAlgn="b"/>
+                      <a:pPr algn="ctr" fontAlgn="ctr"/>
+                      <a:r>
+                        <a:rPr lang="en-US" sz="1100" u="none" strike="noStrike" dirty="0">
+                          <a:solidFill>
+                            <a:schemeClr val="tx1"/>
+                          </a:solidFill>
+                          <a:effectLst/>
+                        </a:rPr>
+                        <a:t>Mobility</a:t>
+                      </a:r>
                       <a:endParaRPr lang="en-US" sz="1100" b="0" i="0" u="none" strike="noStrike" dirty="0">
                         <a:solidFill>
                           <a:schemeClr val="tx1"/>
@@ -16598,7 +16681,7 @@
                       </a:endParaRPr>
                     </a:p>
                   </a:txBody>
-                  <a:tcPr marL="9525" marR="9525" marT="9525" marB="0" anchor="b">
+                  <a:tcPr marL="9525" marR="9525" marT="9525" marB="0" anchor="ctr">
                     <a:solidFill>
                       <a:schemeClr val="bg2">
                         <a:lumMod val="75000"/>
@@ -16611,7 +16694,16 @@
                     <a:bodyPr/>
                     <a:lstStyle/>
                     <a:p>
-                      <a:pPr algn="r" fontAlgn="b"/>
+                      <a:pPr algn="ctr" fontAlgn="ctr"/>
+                      <a:r>
+                        <a:rPr lang="en-US" sz="1100" u="none" strike="noStrike" dirty="0">
+                          <a:solidFill>
+                            <a:schemeClr val="tx1"/>
+                          </a:solidFill>
+                          <a:effectLst/>
+                        </a:rPr>
+                        <a:t>Complexity</a:t>
+                      </a:r>
                       <a:endParaRPr lang="en-US" sz="1100" b="0" i="0" u="none" strike="noStrike" dirty="0">
                         <a:solidFill>
                           <a:schemeClr val="tx1"/>
@@ -16621,7 +16713,7 @@
                       </a:endParaRPr>
                     </a:p>
                   </a:txBody>
-                  <a:tcPr marL="9525" marR="9525" marT="9525" marB="0" anchor="b">
+                  <a:tcPr marL="9525" marR="9525" marT="9525" marB="0" anchor="ctr">
                     <a:solidFill>
                       <a:schemeClr val="bg2">
                         <a:lumMod val="75000"/>
@@ -16653,7 +16745,7 @@
                       </a:endParaRPr>
                     </a:p>
                   </a:txBody>
-                  <a:tcPr marL="9525" marR="9525" marT="9525" marB="0" anchor="b">
+                  <a:tcPr marL="9525" marR="9525" marT="9525" marB="0" anchor="ctr">
                     <a:solidFill>
                       <a:schemeClr val="bg2">
                         <a:lumMod val="75000"/>
@@ -16685,7 +16777,7 @@
                       </a:endParaRPr>
                     </a:p>
                   </a:txBody>
-                  <a:tcPr marL="9525" marR="9525" marT="9525" marB="0" anchor="b">
+                  <a:tcPr marL="9525" marR="9525" marT="9525" marB="0" anchor="ctr">
                     <a:solidFill>
                       <a:schemeClr val="bg2">
                         <a:lumMod val="75000"/>
@@ -16753,7 +16845,7 @@
                       </a:endParaRPr>
                     </a:p>
                   </a:txBody>
-                  <a:tcPr marL="9525" marR="9525" marT="9525" marB="0" anchor="b"/>
+                  <a:tcPr marL="9525" marR="9525" marT="9525" marB="0" anchor="ctr"/>
                 </a:tc>
                 <a:tc>
                   <a:txBody>
@@ -16776,7 +16868,7 @@
                       </a:endParaRPr>
                     </a:p>
                   </a:txBody>
-                  <a:tcPr marL="9525" marR="9525" marT="9525" marB="0" anchor="b"/>
+                  <a:tcPr marL="9525" marR="9525" marT="9525" marB="0" anchor="ctr"/>
                 </a:tc>
                 <a:tc>
                   <a:txBody>
@@ -16799,7 +16891,7 @@
                       </a:endParaRPr>
                     </a:p>
                   </a:txBody>
-                  <a:tcPr marL="9525" marR="9525" marT="9525" marB="0" anchor="b"/>
+                  <a:tcPr marL="9525" marR="9525" marT="9525" marB="0" anchor="ctr"/>
                 </a:tc>
                 <a:tc>
                   <a:txBody>
@@ -16822,7 +16914,7 @@
                       </a:endParaRPr>
                     </a:p>
                   </a:txBody>
-                  <a:tcPr marL="9525" marR="9525" marT="9525" marB="0" anchor="b"/>
+                  <a:tcPr marL="9525" marR="9525" marT="9525" marB="0" anchor="ctr"/>
                 </a:tc>
                 <a:tc>
                   <a:txBody>
@@ -16845,7 +16937,7 @@
                       </a:endParaRPr>
                     </a:p>
                   </a:txBody>
-                  <a:tcPr marL="9525" marR="9525" marT="9525" marB="0" anchor="b"/>
+                  <a:tcPr marL="9525" marR="9525" marT="9525" marB="0" anchor="ctr"/>
                 </a:tc>
                 <a:tc>
                   <a:txBody>
@@ -16868,7 +16960,7 @@
                       </a:endParaRPr>
                     </a:p>
                   </a:txBody>
-                  <a:tcPr marL="9525" marR="9525" marT="9525" marB="0" anchor="b"/>
+                  <a:tcPr marL="9525" marR="9525" marT="9525" marB="0" anchor="ctr"/>
                 </a:tc>
                 <a:tc>
                   <a:txBody>
@@ -16891,7 +16983,7 @@
                       </a:endParaRPr>
                     </a:p>
                   </a:txBody>
-                  <a:tcPr marL="9525" marR="9525" marT="9525" marB="0" anchor="b"/>
+                  <a:tcPr marL="9525" marR="9525" marT="9525" marB="0" anchor="ctr"/>
                 </a:tc>
                 <a:tc>
                   <a:txBody>
@@ -16914,7 +17006,7 @@
                       </a:endParaRPr>
                     </a:p>
                   </a:txBody>
-                  <a:tcPr marL="9525" marR="9525" marT="9525" marB="0" anchor="b"/>
+                  <a:tcPr marL="9525" marR="9525" marT="9525" marB="0" anchor="ctr"/>
                 </a:tc>
                 <a:tc>
                   <a:txBody>
@@ -16937,7 +17029,7 @@
                       </a:endParaRPr>
                     </a:p>
                   </a:txBody>
-                  <a:tcPr marL="9525" marR="9525" marT="9525" marB="0" anchor="b"/>
+                  <a:tcPr marL="9525" marR="9525" marT="9525" marB="0" anchor="ctr"/>
                 </a:tc>
                 <a:extLst>
                   <a:ext uri="{0D108BD9-81ED-4DB2-BD59-A6C34878D82A}">
@@ -16999,7 +17091,7 @@
                       </a:endParaRPr>
                     </a:p>
                   </a:txBody>
-                  <a:tcPr marL="9525" marR="9525" marT="9525" marB="0" anchor="b"/>
+                  <a:tcPr marL="9525" marR="9525" marT="9525" marB="0" anchor="ctr"/>
                 </a:tc>
                 <a:tc>
                   <a:txBody>
@@ -17022,7 +17114,7 @@
                       </a:endParaRPr>
                     </a:p>
                   </a:txBody>
-                  <a:tcPr marL="9525" marR="9525" marT="9525" marB="0" anchor="b"/>
+                  <a:tcPr marL="9525" marR="9525" marT="9525" marB="0" anchor="ctr"/>
                 </a:tc>
                 <a:tc>
                   <a:txBody>
@@ -17045,7 +17137,7 @@
                       </a:endParaRPr>
                     </a:p>
                   </a:txBody>
-                  <a:tcPr marL="9525" marR="9525" marT="9525" marB="0" anchor="b"/>
+                  <a:tcPr marL="9525" marR="9525" marT="9525" marB="0" anchor="ctr"/>
                 </a:tc>
                 <a:tc>
                   <a:txBody>
@@ -17068,7 +17160,7 @@
                       </a:endParaRPr>
                     </a:p>
                   </a:txBody>
-                  <a:tcPr marL="9525" marR="9525" marT="9525" marB="0" anchor="b"/>
+                  <a:tcPr marL="9525" marR="9525" marT="9525" marB="0" anchor="ctr"/>
                 </a:tc>
                 <a:tc>
                   <a:txBody>
@@ -17091,7 +17183,7 @@
                       </a:endParaRPr>
                     </a:p>
                   </a:txBody>
-                  <a:tcPr marL="9525" marR="9525" marT="9525" marB="0" anchor="b"/>
+                  <a:tcPr marL="9525" marR="9525" marT="9525" marB="0" anchor="ctr"/>
                 </a:tc>
                 <a:tc>
                   <a:txBody>
@@ -17114,7 +17206,7 @@
                       </a:endParaRPr>
                     </a:p>
                   </a:txBody>
-                  <a:tcPr marL="9525" marR="9525" marT="9525" marB="0" anchor="b"/>
+                  <a:tcPr marL="9525" marR="9525" marT="9525" marB="0" anchor="ctr"/>
                 </a:tc>
                 <a:tc>
                   <a:txBody>
@@ -17137,7 +17229,7 @@
                       </a:endParaRPr>
                     </a:p>
                   </a:txBody>
-                  <a:tcPr marL="9525" marR="9525" marT="9525" marB="0" anchor="b"/>
+                  <a:tcPr marL="9525" marR="9525" marT="9525" marB="0" anchor="ctr"/>
                 </a:tc>
                 <a:tc>
                   <a:txBody>
@@ -17160,7 +17252,7 @@
                       </a:endParaRPr>
                     </a:p>
                   </a:txBody>
-                  <a:tcPr marL="9525" marR="9525" marT="9525" marB="0" anchor="b"/>
+                  <a:tcPr marL="9525" marR="9525" marT="9525" marB="0" anchor="ctr"/>
                 </a:tc>
                 <a:tc>
                   <a:txBody>
@@ -17183,7 +17275,7 @@
                       </a:endParaRPr>
                     </a:p>
                   </a:txBody>
-                  <a:tcPr marL="9525" marR="9525" marT="9525" marB="0" anchor="b"/>
+                  <a:tcPr marL="9525" marR="9525" marT="9525" marB="0" anchor="ctr"/>
                 </a:tc>
                 <a:extLst>
                   <a:ext uri="{0D108BD9-81ED-4DB2-BD59-A6C34878D82A}">
@@ -17245,7 +17337,7 @@
                       </a:endParaRPr>
                     </a:p>
                   </a:txBody>
-                  <a:tcPr marL="9525" marR="9525" marT="9525" marB="0" anchor="b"/>
+                  <a:tcPr marL="9525" marR="9525" marT="9525" marB="0" anchor="ctr"/>
                 </a:tc>
                 <a:tc>
                   <a:txBody>
@@ -17268,7 +17360,7 @@
                       </a:endParaRPr>
                     </a:p>
                   </a:txBody>
-                  <a:tcPr marL="9525" marR="9525" marT="9525" marB="0" anchor="b"/>
+                  <a:tcPr marL="9525" marR="9525" marT="9525" marB="0" anchor="ctr"/>
                 </a:tc>
                 <a:tc>
                   <a:txBody>
@@ -17291,7 +17383,7 @@
                       </a:endParaRPr>
                     </a:p>
                   </a:txBody>
-                  <a:tcPr marL="9525" marR="9525" marT="9525" marB="0" anchor="b"/>
+                  <a:tcPr marL="9525" marR="9525" marT="9525" marB="0" anchor="ctr"/>
                 </a:tc>
                 <a:tc>
                   <a:txBody>
@@ -17314,7 +17406,7 @@
                       </a:endParaRPr>
                     </a:p>
                   </a:txBody>
-                  <a:tcPr marL="9525" marR="9525" marT="9525" marB="0" anchor="b"/>
+                  <a:tcPr marL="9525" marR="9525" marT="9525" marB="0" anchor="ctr"/>
                 </a:tc>
                 <a:tc>
                   <a:txBody>
@@ -17337,7 +17429,7 @@
                       </a:endParaRPr>
                     </a:p>
                   </a:txBody>
-                  <a:tcPr marL="9525" marR="9525" marT="9525" marB="0" anchor="b"/>
+                  <a:tcPr marL="9525" marR="9525" marT="9525" marB="0" anchor="ctr"/>
                 </a:tc>
                 <a:tc>
                   <a:txBody>
@@ -17360,7 +17452,7 @@
                       </a:endParaRPr>
                     </a:p>
                   </a:txBody>
-                  <a:tcPr marL="9525" marR="9525" marT="9525" marB="0" anchor="b"/>
+                  <a:tcPr marL="9525" marR="9525" marT="9525" marB="0" anchor="ctr"/>
                 </a:tc>
                 <a:tc>
                   <a:txBody>
@@ -17383,7 +17475,7 @@
                       </a:endParaRPr>
                     </a:p>
                   </a:txBody>
-                  <a:tcPr marL="9525" marR="9525" marT="9525" marB="0" anchor="b"/>
+                  <a:tcPr marL="9525" marR="9525" marT="9525" marB="0" anchor="ctr"/>
                 </a:tc>
                 <a:tc>
                   <a:txBody>
@@ -17406,7 +17498,7 @@
                       </a:endParaRPr>
                     </a:p>
                   </a:txBody>
-                  <a:tcPr marL="9525" marR="9525" marT="9525" marB="0" anchor="b"/>
+                  <a:tcPr marL="9525" marR="9525" marT="9525" marB="0" anchor="ctr"/>
                 </a:tc>
                 <a:tc>
                   <a:txBody>
@@ -17429,7 +17521,7 @@
                       </a:endParaRPr>
                     </a:p>
                   </a:txBody>
-                  <a:tcPr marL="9525" marR="9525" marT="9525" marB="0" anchor="b"/>
+                  <a:tcPr marL="9525" marR="9525" marT="9525" marB="0" anchor="ctr"/>
                 </a:tc>
                 <a:extLst>
                   <a:ext uri="{0D108BD9-81ED-4DB2-BD59-A6C34878D82A}">
@@ -17491,7 +17583,7 @@
                       </a:endParaRPr>
                     </a:p>
                   </a:txBody>
-                  <a:tcPr marL="9525" marR="9525" marT="9525" marB="0" anchor="b"/>
+                  <a:tcPr marL="9525" marR="9525" marT="9525" marB="0" anchor="ctr"/>
                 </a:tc>
                 <a:tc>
                   <a:txBody>
@@ -17514,7 +17606,7 @@
                       </a:endParaRPr>
                     </a:p>
                   </a:txBody>
-                  <a:tcPr marL="9525" marR="9525" marT="9525" marB="0" anchor="b"/>
+                  <a:tcPr marL="9525" marR="9525" marT="9525" marB="0" anchor="ctr"/>
                 </a:tc>
                 <a:tc>
                   <a:txBody>
@@ -17537,7 +17629,7 @@
                       </a:endParaRPr>
                     </a:p>
                   </a:txBody>
-                  <a:tcPr marL="9525" marR="9525" marT="9525" marB="0" anchor="b"/>
+                  <a:tcPr marL="9525" marR="9525" marT="9525" marB="0" anchor="ctr"/>
                 </a:tc>
                 <a:tc>
                   <a:txBody>
@@ -17560,7 +17652,7 @@
                       </a:endParaRPr>
                     </a:p>
                   </a:txBody>
-                  <a:tcPr marL="9525" marR="9525" marT="9525" marB="0" anchor="b"/>
+                  <a:tcPr marL="9525" marR="9525" marT="9525" marB="0" anchor="ctr"/>
                 </a:tc>
                 <a:tc>
                   <a:txBody>
@@ -17583,7 +17675,7 @@
                       </a:endParaRPr>
                     </a:p>
                   </a:txBody>
-                  <a:tcPr marL="9525" marR="9525" marT="9525" marB="0" anchor="b"/>
+                  <a:tcPr marL="9525" marR="9525" marT="9525" marB="0" anchor="ctr"/>
                 </a:tc>
                 <a:tc>
                   <a:txBody>
@@ -17606,7 +17698,7 @@
                       </a:endParaRPr>
                     </a:p>
                   </a:txBody>
-                  <a:tcPr marL="9525" marR="9525" marT="9525" marB="0" anchor="b"/>
+                  <a:tcPr marL="9525" marR="9525" marT="9525" marB="0" anchor="ctr"/>
                 </a:tc>
                 <a:tc>
                   <a:txBody>
@@ -17629,7 +17721,7 @@
                       </a:endParaRPr>
                     </a:p>
                   </a:txBody>
-                  <a:tcPr marL="9525" marR="9525" marT="9525" marB="0" anchor="b"/>
+                  <a:tcPr marL="9525" marR="9525" marT="9525" marB="0" anchor="ctr"/>
                 </a:tc>
                 <a:tc>
                   <a:txBody>
@@ -17652,7 +17744,7 @@
                       </a:endParaRPr>
                     </a:p>
                   </a:txBody>
-                  <a:tcPr marL="9525" marR="9525" marT="9525" marB="0" anchor="b"/>
+                  <a:tcPr marL="9525" marR="9525" marT="9525" marB="0" anchor="ctr"/>
                 </a:tc>
                 <a:tc>
                   <a:txBody>
@@ -17675,7 +17767,7 @@
                       </a:endParaRPr>
                     </a:p>
                   </a:txBody>
-                  <a:tcPr marL="9525" marR="9525" marT="9525" marB="0" anchor="b"/>
+                  <a:tcPr marL="9525" marR="9525" marT="9525" marB="0" anchor="ctr"/>
                 </a:tc>
                 <a:extLst>
                   <a:ext uri="{0D108BD9-81ED-4DB2-BD59-A6C34878D82A}">
@@ -17737,7 +17829,7 @@
                       </a:endParaRPr>
                     </a:p>
                   </a:txBody>
-                  <a:tcPr marL="9525" marR="9525" marT="9525" marB="0" anchor="b"/>
+                  <a:tcPr marL="9525" marR="9525" marT="9525" marB="0" anchor="ctr"/>
                 </a:tc>
                 <a:tc>
                   <a:txBody>
@@ -17760,7 +17852,7 @@
                       </a:endParaRPr>
                     </a:p>
                   </a:txBody>
-                  <a:tcPr marL="9525" marR="9525" marT="9525" marB="0" anchor="b"/>
+                  <a:tcPr marL="9525" marR="9525" marT="9525" marB="0" anchor="ctr"/>
                 </a:tc>
                 <a:tc>
                   <a:txBody>
@@ -17783,7 +17875,7 @@
                       </a:endParaRPr>
                     </a:p>
                   </a:txBody>
-                  <a:tcPr marL="9525" marR="9525" marT="9525" marB="0" anchor="b"/>
+                  <a:tcPr marL="9525" marR="9525" marT="9525" marB="0" anchor="ctr"/>
                 </a:tc>
                 <a:tc>
                   <a:txBody>
@@ -17806,7 +17898,7 @@
                       </a:endParaRPr>
                     </a:p>
                   </a:txBody>
-                  <a:tcPr marL="9525" marR="9525" marT="9525" marB="0" anchor="b"/>
+                  <a:tcPr marL="9525" marR="9525" marT="9525" marB="0" anchor="ctr"/>
                 </a:tc>
                 <a:tc>
                   <a:txBody>
@@ -17829,7 +17921,7 @@
                       </a:endParaRPr>
                     </a:p>
                   </a:txBody>
-                  <a:tcPr marL="9525" marR="9525" marT="9525" marB="0" anchor="b"/>
+                  <a:tcPr marL="9525" marR="9525" marT="9525" marB="0" anchor="ctr"/>
                 </a:tc>
                 <a:tc>
                   <a:txBody>
@@ -17852,7 +17944,7 @@
                       </a:endParaRPr>
                     </a:p>
                   </a:txBody>
-                  <a:tcPr marL="9525" marR="9525" marT="9525" marB="0" anchor="b"/>
+                  <a:tcPr marL="9525" marR="9525" marT="9525" marB="0" anchor="ctr"/>
                 </a:tc>
                 <a:tc>
                   <a:txBody>
@@ -17875,7 +17967,7 @@
                       </a:endParaRPr>
                     </a:p>
                   </a:txBody>
-                  <a:tcPr marL="9525" marR="9525" marT="9525" marB="0" anchor="b"/>
+                  <a:tcPr marL="9525" marR="9525" marT="9525" marB="0" anchor="ctr"/>
                 </a:tc>
                 <a:tc>
                   <a:txBody>
@@ -17898,7 +17990,7 @@
                       </a:endParaRPr>
                     </a:p>
                   </a:txBody>
-                  <a:tcPr marL="9525" marR="9525" marT="9525" marB="0" anchor="b"/>
+                  <a:tcPr marL="9525" marR="9525" marT="9525" marB="0" anchor="ctr"/>
                 </a:tc>
                 <a:tc>
                   <a:txBody>
@@ -17921,7 +18013,7 @@
                       </a:endParaRPr>
                     </a:p>
                   </a:txBody>
-                  <a:tcPr marL="9525" marR="9525" marT="9525" marB="0" anchor="b"/>
+                  <a:tcPr marL="9525" marR="9525" marT="9525" marB="0" anchor="ctr"/>
                 </a:tc>
                 <a:extLst>
                   <a:ext uri="{0D108BD9-81ED-4DB2-BD59-A6C34878D82A}">
@@ -17983,7 +18075,7 @@
                       </a:endParaRPr>
                     </a:p>
                   </a:txBody>
-                  <a:tcPr marL="9525" marR="9525" marT="9525" marB="0" anchor="b"/>
+                  <a:tcPr marL="9525" marR="9525" marT="9525" marB="0" anchor="ctr"/>
                 </a:tc>
                 <a:tc>
                   <a:txBody>
@@ -18006,7 +18098,7 @@
                       </a:endParaRPr>
                     </a:p>
                   </a:txBody>
-                  <a:tcPr marL="9525" marR="9525" marT="9525" marB="0" anchor="b"/>
+                  <a:tcPr marL="9525" marR="9525" marT="9525" marB="0" anchor="ctr"/>
                 </a:tc>
                 <a:tc>
                   <a:txBody>
@@ -18029,7 +18121,7 @@
                       </a:endParaRPr>
                     </a:p>
                   </a:txBody>
-                  <a:tcPr marL="9525" marR="9525" marT="9525" marB="0" anchor="b"/>
+                  <a:tcPr marL="9525" marR="9525" marT="9525" marB="0" anchor="ctr"/>
                 </a:tc>
                 <a:tc>
                   <a:txBody>
@@ -18052,7 +18144,7 @@
                       </a:endParaRPr>
                     </a:p>
                   </a:txBody>
-                  <a:tcPr marL="9525" marR="9525" marT="9525" marB="0" anchor="b"/>
+                  <a:tcPr marL="9525" marR="9525" marT="9525" marB="0" anchor="ctr"/>
                 </a:tc>
                 <a:tc>
                   <a:txBody>
@@ -18075,7 +18167,7 @@
                       </a:endParaRPr>
                     </a:p>
                   </a:txBody>
-                  <a:tcPr marL="9525" marR="9525" marT="9525" marB="0" anchor="b"/>
+                  <a:tcPr marL="9525" marR="9525" marT="9525" marB="0" anchor="ctr"/>
                 </a:tc>
                 <a:tc>
                   <a:txBody>
@@ -18098,7 +18190,7 @@
                       </a:endParaRPr>
                     </a:p>
                   </a:txBody>
-                  <a:tcPr marL="9525" marR="9525" marT="9525" marB="0" anchor="b"/>
+                  <a:tcPr marL="9525" marR="9525" marT="9525" marB="0" anchor="ctr"/>
                 </a:tc>
                 <a:tc>
                   <a:txBody>
@@ -18121,7 +18213,7 @@
                       </a:endParaRPr>
                     </a:p>
                   </a:txBody>
-                  <a:tcPr marL="9525" marR="9525" marT="9525" marB="0" anchor="b"/>
+                  <a:tcPr marL="9525" marR="9525" marT="9525" marB="0" anchor="ctr"/>
                 </a:tc>
                 <a:tc>
                   <a:txBody>
@@ -18144,7 +18236,7 @@
                       </a:endParaRPr>
                     </a:p>
                   </a:txBody>
-                  <a:tcPr marL="9525" marR="9525" marT="9525" marB="0" anchor="b"/>
+                  <a:tcPr marL="9525" marR="9525" marT="9525" marB="0" anchor="ctr"/>
                 </a:tc>
                 <a:tc>
                   <a:txBody>
@@ -18167,7 +18259,7 @@
                       </a:endParaRPr>
                     </a:p>
                   </a:txBody>
-                  <a:tcPr marL="9525" marR="9525" marT="9525" marB="0" anchor="b"/>
+                  <a:tcPr marL="9525" marR="9525" marT="9525" marB="0" anchor="ctr"/>
                 </a:tc>
                 <a:extLst>
                   <a:ext uri="{0D108BD9-81ED-4DB2-BD59-A6C34878D82A}">
@@ -18229,7 +18321,7 @@
                       </a:endParaRPr>
                     </a:p>
                   </a:txBody>
-                  <a:tcPr marL="9525" marR="9525" marT="9525" marB="0" anchor="b"/>
+                  <a:tcPr marL="9525" marR="9525" marT="9525" marB="0" anchor="ctr"/>
                 </a:tc>
                 <a:tc>
                   <a:txBody>
@@ -18252,7 +18344,7 @@
                       </a:endParaRPr>
                     </a:p>
                   </a:txBody>
-                  <a:tcPr marL="9525" marR="9525" marT="9525" marB="0" anchor="b"/>
+                  <a:tcPr marL="9525" marR="9525" marT="9525" marB="0" anchor="ctr"/>
                 </a:tc>
                 <a:tc>
                   <a:txBody>
@@ -18275,7 +18367,7 @@
                       </a:endParaRPr>
                     </a:p>
                   </a:txBody>
-                  <a:tcPr marL="9525" marR="9525" marT="9525" marB="0" anchor="b"/>
+                  <a:tcPr marL="9525" marR="9525" marT="9525" marB="0" anchor="ctr"/>
                 </a:tc>
                 <a:tc>
                   <a:txBody>
@@ -18298,7 +18390,7 @@
                       </a:endParaRPr>
                     </a:p>
                   </a:txBody>
-                  <a:tcPr marL="9525" marR="9525" marT="9525" marB="0" anchor="b"/>
+                  <a:tcPr marL="9525" marR="9525" marT="9525" marB="0" anchor="ctr"/>
                 </a:tc>
                 <a:tc>
                   <a:txBody>
@@ -18321,7 +18413,7 @@
                       </a:endParaRPr>
                     </a:p>
                   </a:txBody>
-                  <a:tcPr marL="9525" marR="9525" marT="9525" marB="0" anchor="b"/>
+                  <a:tcPr marL="9525" marR="9525" marT="9525" marB="0" anchor="ctr"/>
                 </a:tc>
                 <a:tc>
                   <a:txBody>
@@ -18344,7 +18436,7 @@
                       </a:endParaRPr>
                     </a:p>
                   </a:txBody>
-                  <a:tcPr marL="9525" marR="9525" marT="9525" marB="0" anchor="b"/>
+                  <a:tcPr marL="9525" marR="9525" marT="9525" marB="0" anchor="ctr"/>
                 </a:tc>
                 <a:tc>
                   <a:txBody>
@@ -18367,7 +18459,7 @@
                       </a:endParaRPr>
                     </a:p>
                   </a:txBody>
-                  <a:tcPr marL="9525" marR="9525" marT="9525" marB="0" anchor="b"/>
+                  <a:tcPr marL="9525" marR="9525" marT="9525" marB="0" anchor="ctr"/>
                 </a:tc>
                 <a:tc>
                   <a:txBody>
@@ -18390,7 +18482,7 @@
                       </a:endParaRPr>
                     </a:p>
                   </a:txBody>
-                  <a:tcPr marL="9525" marR="9525" marT="9525" marB="0" anchor="b"/>
+                  <a:tcPr marL="9525" marR="9525" marT="9525" marB="0" anchor="ctr"/>
                 </a:tc>
                 <a:tc>
                   <a:txBody>
@@ -18413,7 +18505,7 @@
                       </a:endParaRPr>
                     </a:p>
                   </a:txBody>
-                  <a:tcPr marL="9525" marR="9525" marT="9525" marB="0" anchor="b"/>
+                  <a:tcPr marL="9525" marR="9525" marT="9525" marB="0" anchor="ctr"/>
                 </a:tc>
                 <a:extLst>
                   <a:ext uri="{0D108BD9-81ED-4DB2-BD59-A6C34878D82A}">
@@ -18495,7 +18587,7 @@
           <p:nvPr>
             <p:extLst>
               <p:ext uri="{D42A27DB-BD31-4B8C-83A1-F6EECF244321}">
-                <p14:modId xmlns:p14="http://schemas.microsoft.com/office/powerpoint/2010/main" val="3216853287"/>
+                <p14:modId xmlns:p14="http://schemas.microsoft.com/office/powerpoint/2010/main" val="1747862059"/>
               </p:ext>
             </p:extLst>
           </p:nvPr>
@@ -18898,7 +18990,7 @@
                     <a:p>
                       <a:pPr algn="ctr" fontAlgn="ctr"/>
                       <a:r>
-                        <a:rPr lang="en-US" sz="1000" u="none" strike="noStrike">
+                        <a:rPr lang="en-US" sz="1000" u="none" strike="noStrike" dirty="0">
                           <a:solidFill>
                             <a:schemeClr val="tx1"/>
                           </a:solidFill>
@@ -18906,7 +18998,7 @@
                         </a:rPr>
                         <a:t>earplugs</a:t>
                       </a:r>
-                      <a:endParaRPr lang="en-US" sz="1000" b="0" i="0" u="none" strike="noStrike">
+                      <a:endParaRPr lang="en-US" sz="1000" b="0" i="0" u="none" strike="noStrike" dirty="0">
                         <a:solidFill>
                           <a:schemeClr val="tx1"/>
                         </a:solidFill>
@@ -18930,7 +19022,7 @@
                     <a:p>
                       <a:pPr algn="ctr" fontAlgn="ctr"/>
                       <a:r>
-                        <a:rPr lang="en-US" sz="1000" u="none" strike="noStrike">
+                        <a:rPr lang="en-US" sz="1000" u="none" strike="noStrike" dirty="0">
                           <a:solidFill>
                             <a:schemeClr val="tx1"/>
                           </a:solidFill>
@@ -18938,7 +19030,7 @@
                         </a:rPr>
                         <a:t>watch</a:t>
                       </a:r>
-                      <a:endParaRPr lang="en-US" sz="1000" b="0" i="0" u="none" strike="noStrike">
+                      <a:endParaRPr lang="en-US" sz="1000" b="0" i="0" u="none" strike="noStrike" dirty="0">
                         <a:solidFill>
                           <a:schemeClr val="tx1"/>
                         </a:solidFill>
@@ -18962,7 +19054,7 @@
                     <a:p>
                       <a:pPr algn="ctr" fontAlgn="ctr"/>
                       <a:r>
-                        <a:rPr lang="en-US" sz="1000" u="none" strike="noStrike">
+                        <a:rPr lang="en-US" sz="1000" u="none" strike="noStrike" dirty="0">
                           <a:solidFill>
                             <a:schemeClr val="tx1"/>
                           </a:solidFill>
@@ -18970,7 +19062,7 @@
                         </a:rPr>
                         <a:t>suit</a:t>
                       </a:r>
-                      <a:endParaRPr lang="en-US" sz="1000" b="0" i="0" u="none" strike="noStrike">
+                      <a:endParaRPr lang="en-US" sz="1000" b="0" i="0" u="none" strike="noStrike" dirty="0">
                         <a:solidFill>
                           <a:schemeClr val="tx1"/>
                         </a:solidFill>
@@ -19122,22 +19214,13 @@
                     <a:p>
                       <a:pPr algn="ctr" fontAlgn="ctr"/>
                       <a:r>
-                        <a:rPr lang="en-US" sz="1000" u="none" strike="noStrike" dirty="0" err="1">
-                          <a:solidFill>
-                            <a:schemeClr val="tx1"/>
-                          </a:solidFill>
-                          <a:effectLst/>
-                        </a:rPr>
-                        <a:t>viperate</a:t>
-                      </a:r>
-                      <a:r>
                         <a:rPr lang="en-US" sz="1000" u="none" strike="noStrike" dirty="0">
                           <a:solidFill>
                             <a:schemeClr val="tx1"/>
                           </a:solidFill>
                           <a:effectLst/>
                         </a:rPr>
-                        <a:t> the water  away</a:t>
+                        <a:t>evaporate the water  away</a:t>
                       </a:r>
                       <a:endParaRPr lang="en-US" sz="1000" b="0" i="0" u="none" strike="noStrike" dirty="0">
                         <a:solidFill>
@@ -21659,14 +21742,14 @@
           <p:nvPr>
             <p:extLst>
               <p:ext uri="{D42A27DB-BD31-4B8C-83A1-F6EECF244321}">
-                <p14:modId xmlns:p14="http://schemas.microsoft.com/office/powerpoint/2010/main" val="3223054407"/>
+                <p14:modId xmlns:p14="http://schemas.microsoft.com/office/powerpoint/2010/main" val="3874527579"/>
               </p:ext>
             </p:extLst>
           </p:nvPr>
         </p:nvGraphicFramePr>
         <p:xfrm>
           <a:off x="684212" y="449943"/>
-          <a:ext cx="10201500" cy="5805714"/>
+          <a:ext cx="10201500" cy="6485799"/>
         </p:xfrm>
         <a:graphic>
           <a:graphicData uri="http://schemas.openxmlformats.org/drawingml/2006/table">
@@ -21768,7 +21851,43 @@
                 </a:gridCol>
               </a:tblGrid>
               <a:tr h="548166">
-                <a:tc>
+                <a:tc rowSpan="2" gridSpan="2">
+                  <a:txBody>
+                    <a:bodyPr/>
+                    <a:lstStyle/>
+                    <a:p>
+                      <a:pPr algn="ctr" fontAlgn="ctr">
+                        <a:lnSpc>
+                          <a:spcPct val="100000"/>
+                        </a:lnSpc>
+                      </a:pPr>
+                      <a:r>
+                        <a:rPr lang="en-US" sz="1800" u="none" strike="noStrike" dirty="0">
+                          <a:solidFill>
+                            <a:schemeClr val="tx1"/>
+                          </a:solidFill>
+                          <a:effectLst/>
+                        </a:rPr>
+                        <a:t>Reliability</a:t>
+                      </a:r>
+                      <a:endParaRPr lang="en-US" sz="1800" b="0" i="0" u="none" strike="noStrike" dirty="0">
+                        <a:solidFill>
+                          <a:schemeClr val="tx1"/>
+                        </a:solidFill>
+                        <a:effectLst/>
+                        <a:latin typeface="Calibri" panose="020F0502020204030204" pitchFamily="34" charset="0"/>
+                      </a:endParaRPr>
+                    </a:p>
+                  </a:txBody>
+                  <a:tcPr marL="9525" marR="9525" marT="9525" marB="0" anchor="ctr">
+                    <a:solidFill>
+                      <a:schemeClr val="bg2">
+                        <a:lumMod val="75000"/>
+                      </a:schemeClr>
+                    </a:solidFill>
+                  </a:tcPr>
+                </a:tc>
+                <a:tc rowSpan="2" hMerge="1">
                   <a:txBody>
                     <a:bodyPr/>
                     <a:lstStyle/>
@@ -21791,13 +21910,205 @@
                     </a:solidFill>
                   </a:tcPr>
                 </a:tc>
+                <a:tc gridSpan="2">
+                  <a:txBody>
+                    <a:bodyPr/>
+                    <a:lstStyle/>
+                    <a:p>
+                      <a:pPr algn="ctr" fontAlgn="ctr"/>
+                      <a:r>
+                        <a:rPr lang="en-US" sz="1000" u="none" strike="noStrike" dirty="0">
+                          <a:solidFill>
+                            <a:schemeClr val="tx1"/>
+                          </a:solidFill>
+                          <a:effectLst/>
+                        </a:rPr>
+                        <a:t>Sound</a:t>
+                      </a:r>
+                      <a:endParaRPr lang="en-US" sz="1000" b="0" i="0" u="none" strike="noStrike" dirty="0">
+                        <a:solidFill>
+                          <a:schemeClr val="tx1"/>
+                        </a:solidFill>
+                        <a:effectLst/>
+                        <a:latin typeface="Calibri" panose="020F0502020204030204" pitchFamily="34" charset="0"/>
+                      </a:endParaRPr>
+                    </a:p>
+                  </a:txBody>
+                  <a:tcPr marL="8426" marR="8426" marT="8426" marB="0" anchor="ctr">
+                    <a:solidFill>
+                      <a:schemeClr val="bg2">
+                        <a:lumMod val="75000"/>
+                      </a:schemeClr>
+                    </a:solidFill>
+                  </a:tcPr>
+                </a:tc>
+                <a:tc hMerge="1">
+                  <a:txBody>
+                    <a:bodyPr/>
+                    <a:lstStyle/>
+                    <a:p>
+                      <a:endParaRPr lang="en-US"/>
+                    </a:p>
+                  </a:txBody>
+                  <a:tcPr>
+                    <a:solidFill>
+                      <a:schemeClr val="bg2">
+                        <a:lumMod val="75000"/>
+                      </a:schemeClr>
+                    </a:solidFill>
+                  </a:tcPr>
+                </a:tc>
+                <a:tc gridSpan="3">
+                  <a:txBody>
+                    <a:bodyPr/>
+                    <a:lstStyle/>
+                    <a:p>
+                      <a:pPr algn="ctr" fontAlgn="ctr"/>
+                      <a:r>
+                        <a:rPr lang="en-US" sz="1000" u="none" strike="noStrike" dirty="0">
+                          <a:solidFill>
+                            <a:schemeClr val="tx1"/>
+                          </a:solidFill>
+                          <a:effectLst/>
+                        </a:rPr>
+                        <a:t>vibration</a:t>
+                      </a:r>
+                      <a:endParaRPr lang="en-US" sz="1000" b="0" i="0" u="none" strike="noStrike" dirty="0">
+                        <a:solidFill>
+                          <a:schemeClr val="tx1"/>
+                        </a:solidFill>
+                        <a:effectLst/>
+                        <a:latin typeface="Calibri" panose="020F0502020204030204" pitchFamily="34" charset="0"/>
+                      </a:endParaRPr>
+                    </a:p>
+                  </a:txBody>
+                  <a:tcPr marL="8426" marR="8426" marT="8426" marB="0" anchor="ctr">
+                    <a:solidFill>
+                      <a:schemeClr val="bg2">
+                        <a:lumMod val="75000"/>
+                      </a:schemeClr>
+                    </a:solidFill>
+                  </a:tcPr>
+                </a:tc>
+                <a:tc hMerge="1">
+                  <a:txBody>
+                    <a:bodyPr/>
+                    <a:lstStyle/>
+                    <a:p>
+                      <a:endParaRPr lang="en-US"/>
+                    </a:p>
+                  </a:txBody>
+                  <a:tcPr>
+                    <a:solidFill>
+                      <a:schemeClr val="bg2">
+                        <a:lumMod val="75000"/>
+                      </a:schemeClr>
+                    </a:solidFill>
+                  </a:tcPr>
+                </a:tc>
+                <a:tc hMerge="1">
+                  <a:txBody>
+                    <a:bodyPr/>
+                    <a:lstStyle/>
+                    <a:p>
+                      <a:endParaRPr lang="en-US"/>
+                    </a:p>
+                  </a:txBody>
+                  <a:tcPr>
+                    <a:solidFill>
+                      <a:schemeClr val="bg2">
+                        <a:lumMod val="75000"/>
+                      </a:schemeClr>
+                    </a:solidFill>
+                  </a:tcPr>
+                </a:tc>
+                <a:tc gridSpan="2">
+                  <a:txBody>
+                    <a:bodyPr/>
+                    <a:lstStyle/>
+                    <a:p>
+                      <a:pPr algn="ctr" fontAlgn="ctr"/>
+                      <a:r>
+                        <a:rPr lang="en-US" sz="1000" u="none" strike="noStrike">
+                          <a:solidFill>
+                            <a:schemeClr val="tx1"/>
+                          </a:solidFill>
+                          <a:effectLst/>
+                        </a:rPr>
+                        <a:t>Flashlight</a:t>
+                      </a:r>
+                      <a:endParaRPr lang="en-US" sz="1000" b="0" i="0" u="none" strike="noStrike">
+                        <a:solidFill>
+                          <a:schemeClr val="tx1"/>
+                        </a:solidFill>
+                        <a:effectLst/>
+                        <a:latin typeface="Calibri" panose="020F0502020204030204" pitchFamily="34" charset="0"/>
+                      </a:endParaRPr>
+                    </a:p>
+                  </a:txBody>
+                  <a:tcPr marL="8426" marR="8426" marT="8426" marB="0" anchor="ctr">
+                    <a:solidFill>
+                      <a:schemeClr val="bg2">
+                        <a:lumMod val="75000"/>
+                      </a:schemeClr>
+                    </a:solidFill>
+                  </a:tcPr>
+                </a:tc>
+                <a:tc hMerge="1">
+                  <a:txBody>
+                    <a:bodyPr/>
+                    <a:lstStyle/>
+                    <a:p>
+                      <a:endParaRPr lang="en-US"/>
+                    </a:p>
+                  </a:txBody>
+                  <a:tcPr>
+                    <a:solidFill>
+                      <a:schemeClr val="bg2">
+                        <a:lumMod val="75000"/>
+                      </a:schemeClr>
+                    </a:solidFill>
+                  </a:tcPr>
+                </a:tc>
+                <a:tc>
+                  <a:txBody>
+                    <a:bodyPr/>
+                    <a:lstStyle/>
+                    <a:p>
+                      <a:pPr algn="ctr" fontAlgn="ctr"/>
+                      <a:r>
+                        <a:rPr lang="en-US" sz="1000" u="none" strike="noStrike">
+                          <a:solidFill>
+                            <a:schemeClr val="tx1"/>
+                          </a:solidFill>
+                          <a:effectLst/>
+                        </a:rPr>
+                        <a:t>Light&amp;Vibration</a:t>
+                      </a:r>
+                      <a:endParaRPr lang="en-US" sz="1000" b="0" i="0" u="none" strike="noStrike">
+                        <a:solidFill>
+                          <a:schemeClr val="tx1"/>
+                        </a:solidFill>
+                        <a:effectLst/>
+                        <a:latin typeface="Calibri" panose="020F0502020204030204" pitchFamily="34" charset="0"/>
+                      </a:endParaRPr>
+                    </a:p>
+                  </a:txBody>
+                  <a:tcPr marL="8426" marR="8426" marT="8426" marB="0" anchor="ctr">
+                    <a:solidFill>
+                      <a:schemeClr val="bg2">
+                        <a:lumMod val="75000"/>
+                      </a:schemeClr>
+                    </a:solidFill>
+                  </a:tcPr>
+                </a:tc>
                 <a:tc>
                   <a:txBody>
                     <a:bodyPr/>
                     <a:lstStyle/>
                     <a:p>
                       <a:pPr algn="ctr" fontAlgn="b"/>
-                      <a:endParaRPr lang="en-US" sz="1100" b="0" i="0" u="none" strike="noStrike" dirty="0">
+                      <a:endParaRPr lang="en-US" sz="1100" b="0" i="0" u="none" strike="noStrike">
                         <a:solidFill>
                           <a:schemeClr val="tx1"/>
                         </a:solidFill>
@@ -21820,15 +22131,6 @@
                     <a:lstStyle/>
                     <a:p>
                       <a:pPr algn="ctr" fontAlgn="b"/>
-                      <a:r>
-                        <a:rPr lang="en-US" sz="1100" u="none" strike="noStrike">
-                          <a:solidFill>
-                            <a:schemeClr val="tx1"/>
-                          </a:solidFill>
-                          <a:effectLst/>
-                        </a:rPr>
-                        <a:t>2.13</a:t>
-                      </a:r>
                       <a:endParaRPr lang="en-US" sz="1100" b="0" i="0" u="none" strike="noStrike">
                         <a:solidFill>
                           <a:schemeClr val="tx1"/>
@@ -21852,15 +22154,6 @@
                     <a:lstStyle/>
                     <a:p>
                       <a:pPr algn="ctr" fontAlgn="b"/>
-                      <a:r>
-                        <a:rPr lang="en-US" sz="1100" u="none" strike="noStrike" dirty="0">
-                          <a:solidFill>
-                            <a:schemeClr val="tx1"/>
-                          </a:solidFill>
-                          <a:effectLst/>
-                        </a:rPr>
-                        <a:t>14.85</a:t>
-                      </a:r>
                       <a:endParaRPr lang="en-US" sz="1100" b="0" i="0" u="none" strike="noStrike" dirty="0">
                         <a:solidFill>
                           <a:schemeClr val="tx1"/>
@@ -21878,21 +22171,19 @@
                     </a:solidFill>
                   </a:tcPr>
                 </a:tc>
-                <a:tc>
+                <a:extLst>
+                  <a:ext uri="{0D108BD9-81ED-4DB2-BD59-A6C34878D82A}">
+                    <a16:rowId xmlns:a16="http://schemas.microsoft.com/office/drawing/2014/main" val="775067024"/>
+                  </a:ext>
+                </a:extLst>
+              </a:tr>
+              <a:tr h="548166">
+                <a:tc gridSpan="2" vMerge="1">
                   <a:txBody>
                     <a:bodyPr/>
                     <a:lstStyle/>
                     <a:p>
                       <a:pPr algn="ctr" fontAlgn="b"/>
-                      <a:r>
-                        <a:rPr lang="en-US" sz="1100" u="none" strike="noStrike" dirty="0">
-                          <a:solidFill>
-                            <a:schemeClr val="tx1"/>
-                          </a:solidFill>
-                          <a:effectLst/>
-                        </a:rPr>
-                        <a:t>14.32</a:t>
-                      </a:r>
                       <a:endParaRPr lang="en-US" sz="1100" b="0" i="0" u="none" strike="noStrike" dirty="0">
                         <a:solidFill>
                           <a:schemeClr val="tx1"/>
@@ -21910,22 +22201,13 @@
                     </a:solidFill>
                   </a:tcPr>
                 </a:tc>
-                <a:tc>
+                <a:tc hMerge="1" vMerge="1">
                   <a:txBody>
                     <a:bodyPr/>
                     <a:lstStyle/>
                     <a:p>
                       <a:pPr algn="ctr" fontAlgn="b"/>
-                      <a:r>
-                        <a:rPr lang="en-US" sz="1100" u="none" strike="noStrike">
-                          <a:solidFill>
-                            <a:schemeClr val="tx1"/>
-                          </a:solidFill>
-                          <a:effectLst/>
-                        </a:rPr>
-                        <a:t>34.11</a:t>
-                      </a:r>
-                      <a:endParaRPr lang="en-US" sz="1100" b="0" i="0" u="none" strike="noStrike">
+                      <a:endParaRPr lang="en-US" sz="1100" b="0" i="0" u="none" strike="noStrike" dirty="0">
                         <a:solidFill>
                           <a:schemeClr val="tx1"/>
                         </a:solidFill>
@@ -21947,17 +22229,17 @@
                     <a:bodyPr/>
                     <a:lstStyle/>
                     <a:p>
-                      <a:pPr algn="ctr" fontAlgn="b"/>
-                      <a:r>
-                        <a:rPr lang="en-US" sz="1100" u="none" strike="noStrike">
+                      <a:pPr algn="ctr" fontAlgn="ctr"/>
+                      <a:r>
+                        <a:rPr lang="en-US" sz="1000" u="none" strike="noStrike">
                           <a:solidFill>
                             <a:schemeClr val="tx1"/>
                           </a:solidFill>
                           <a:effectLst/>
                         </a:rPr>
-                        <a:t>22.64</a:t>
-                      </a:r>
-                      <a:endParaRPr lang="en-US" sz="1100" b="0" i="0" u="none" strike="noStrike">
+                        <a:t>speaker</a:t>
+                      </a:r>
+                      <a:endParaRPr lang="en-US" sz="1000" b="0" i="0" u="none" strike="noStrike">
                         <a:solidFill>
                           <a:schemeClr val="tx1"/>
                         </a:solidFill>
@@ -21966,7 +22248,7 @@
                       </a:endParaRPr>
                     </a:p>
                   </a:txBody>
-                  <a:tcPr marL="9525" marR="9525" marT="9525" marB="0" anchor="b">
+                  <a:tcPr marL="8426" marR="8426" marT="8426" marB="0" anchor="ctr">
                     <a:solidFill>
                       <a:schemeClr val="bg2">
                         <a:lumMod val="75000"/>
@@ -21979,17 +22261,17 @@
                     <a:bodyPr/>
                     <a:lstStyle/>
                     <a:p>
-                      <a:pPr algn="ctr" fontAlgn="b"/>
-                      <a:r>
-                        <a:rPr lang="en-US" sz="1100" u="none" strike="noStrike" dirty="0">
+                      <a:pPr algn="ctr" fontAlgn="ctr"/>
+                      <a:r>
+                        <a:rPr lang="en-US" sz="1000" u="none" strike="noStrike" dirty="0">
                           <a:solidFill>
                             <a:schemeClr val="tx1"/>
                           </a:solidFill>
                           <a:effectLst/>
                         </a:rPr>
-                        <a:t>7.08</a:t>
-                      </a:r>
-                      <a:endParaRPr lang="en-US" sz="1100" b="0" i="0" u="none" strike="noStrike" dirty="0">
+                        <a:t>earplugs</a:t>
+                      </a:r>
+                      <a:endParaRPr lang="en-US" sz="1000" b="0" i="0" u="none" strike="noStrike" dirty="0">
                         <a:solidFill>
                           <a:schemeClr val="tx1"/>
                         </a:solidFill>
@@ -21998,7 +22280,7 @@
                       </a:endParaRPr>
                     </a:p>
                   </a:txBody>
-                  <a:tcPr marL="9525" marR="9525" marT="9525" marB="0" anchor="b">
+                  <a:tcPr marL="8426" marR="8426" marT="8426" marB="0" anchor="ctr">
                     <a:solidFill>
                       <a:schemeClr val="bg2">
                         <a:lumMod val="75000"/>
@@ -22011,17 +22293,17 @@
                     <a:bodyPr/>
                     <a:lstStyle/>
                     <a:p>
-                      <a:pPr algn="ctr" fontAlgn="b"/>
-                      <a:r>
-                        <a:rPr lang="en-US" sz="1100" u="none" strike="noStrike" dirty="0">
+                      <a:pPr algn="ctr" fontAlgn="ctr"/>
+                      <a:r>
+                        <a:rPr lang="en-US" sz="1000" u="none" strike="noStrike" dirty="0">
                           <a:solidFill>
                             <a:schemeClr val="tx1"/>
                           </a:solidFill>
                           <a:effectLst/>
                         </a:rPr>
-                        <a:t>38.11</a:t>
-                      </a:r>
-                      <a:endParaRPr lang="en-US" sz="1100" b="0" i="0" u="none" strike="noStrike" dirty="0">
+                        <a:t>watch</a:t>
+                      </a:r>
+                      <a:endParaRPr lang="en-US" sz="1000" b="0" i="0" u="none" strike="noStrike" dirty="0">
                         <a:solidFill>
                           <a:schemeClr val="tx1"/>
                         </a:solidFill>
@@ -22030,7 +22312,7 @@
                       </a:endParaRPr>
                     </a:p>
                   </a:txBody>
-                  <a:tcPr marL="9525" marR="9525" marT="9525" marB="0" anchor="b">
+                  <a:tcPr marL="8426" marR="8426" marT="8426" marB="0" anchor="ctr">
                     <a:solidFill>
                       <a:schemeClr val="bg2">
                         <a:lumMod val="75000"/>
@@ -22043,17 +22325,17 @@
                     <a:bodyPr/>
                     <a:lstStyle/>
                     <a:p>
-                      <a:pPr algn="ctr" fontAlgn="b"/>
-                      <a:r>
-                        <a:rPr lang="en-US" sz="1100" u="none" strike="noStrike" dirty="0">
+                      <a:pPr algn="ctr" fontAlgn="ctr"/>
+                      <a:r>
+                        <a:rPr lang="en-US" sz="1000" u="none" strike="noStrike" dirty="0">
                           <a:solidFill>
                             <a:schemeClr val="tx1"/>
                           </a:solidFill>
                           <a:effectLst/>
                         </a:rPr>
-                        <a:t>30.78</a:t>
-                      </a:r>
-                      <a:endParaRPr lang="en-US" sz="1100" b="0" i="0" u="none" strike="noStrike" dirty="0">
+                        <a:t>suit</a:t>
+                      </a:r>
+                      <a:endParaRPr lang="en-US" sz="1000" b="0" i="0" u="none" strike="noStrike" dirty="0">
                         <a:solidFill>
                           <a:schemeClr val="tx1"/>
                         </a:solidFill>
@@ -22062,7 +22344,7 @@
                       </a:endParaRPr>
                     </a:p>
                   </a:txBody>
-                  <a:tcPr marL="9525" marR="9525" marT="9525" marB="0" anchor="b">
+                  <a:tcPr marL="8426" marR="8426" marT="8426" marB="0" anchor="ctr">
                     <a:solidFill>
                       <a:schemeClr val="bg2">
                         <a:lumMod val="75000"/>
@@ -22075,17 +22357,171 @@
                     <a:bodyPr/>
                     <a:lstStyle/>
                     <a:p>
-                      <a:pPr algn="ctr" fontAlgn="b"/>
-                      <a:r>
-                        <a:rPr lang="en-US" sz="1100" u="none" strike="noStrike">
+                      <a:pPr algn="ctr" fontAlgn="ctr"/>
+                      <a:r>
+                        <a:rPr lang="en-US" sz="1000" u="none" strike="noStrike" dirty="0">
                           <a:solidFill>
                             <a:schemeClr val="tx1"/>
                           </a:solidFill>
                           <a:effectLst/>
                         </a:rPr>
-                        <a:t>73.00</a:t>
-                      </a:r>
-                      <a:endParaRPr lang="en-US" sz="1100" b="0" i="0" u="none" strike="noStrike">
+                        <a:t>hat</a:t>
+                      </a:r>
+                      <a:endParaRPr lang="en-US" sz="1000" b="0" i="0" u="none" strike="noStrike" dirty="0">
+                        <a:solidFill>
+                          <a:schemeClr val="tx1"/>
+                        </a:solidFill>
+                        <a:effectLst/>
+                        <a:latin typeface="Calibri" panose="020F0502020204030204" pitchFamily="34" charset="0"/>
+                      </a:endParaRPr>
+                    </a:p>
+                  </a:txBody>
+                  <a:tcPr marL="8426" marR="8426" marT="8426" marB="0" anchor="ctr">
+                    <a:solidFill>
+                      <a:schemeClr val="bg2">
+                        <a:lumMod val="75000"/>
+                      </a:schemeClr>
+                    </a:solidFill>
+                  </a:tcPr>
+                </a:tc>
+                <a:tc>
+                  <a:txBody>
+                    <a:bodyPr/>
+                    <a:lstStyle/>
+                    <a:p>
+                      <a:pPr algn="ctr" fontAlgn="ctr"/>
+                      <a:r>
+                        <a:rPr lang="en-US" sz="1000" u="none" strike="noStrike" dirty="0">
+                          <a:solidFill>
+                            <a:schemeClr val="tx1"/>
+                          </a:solidFill>
+                          <a:effectLst/>
+                        </a:rPr>
+                        <a:t>Watch</a:t>
+                      </a:r>
+                      <a:endParaRPr lang="en-US" sz="1000" b="0" i="0" u="none" strike="noStrike" dirty="0">
+                        <a:solidFill>
+                          <a:schemeClr val="tx1"/>
+                        </a:solidFill>
+                        <a:effectLst/>
+                        <a:latin typeface="Calibri" panose="020F0502020204030204" pitchFamily="34" charset="0"/>
+                      </a:endParaRPr>
+                    </a:p>
+                  </a:txBody>
+                  <a:tcPr marL="8426" marR="8426" marT="8426" marB="0" anchor="ctr">
+                    <a:solidFill>
+                      <a:schemeClr val="bg2">
+                        <a:lumMod val="75000"/>
+                      </a:schemeClr>
+                    </a:solidFill>
+                  </a:tcPr>
+                </a:tc>
+                <a:tc>
+                  <a:txBody>
+                    <a:bodyPr/>
+                    <a:lstStyle/>
+                    <a:p>
+                      <a:pPr algn="ctr" fontAlgn="ctr"/>
+                      <a:r>
+                        <a:rPr lang="en-US" sz="1000" u="none" strike="noStrike" dirty="0">
+                          <a:solidFill>
+                            <a:schemeClr val="tx1"/>
+                          </a:solidFill>
+                          <a:effectLst/>
+                        </a:rPr>
+                        <a:t>Glasses</a:t>
+                      </a:r>
+                      <a:endParaRPr lang="en-US" sz="1000" b="0" i="0" u="none" strike="noStrike" dirty="0">
+                        <a:solidFill>
+                          <a:schemeClr val="tx1"/>
+                        </a:solidFill>
+                        <a:effectLst/>
+                        <a:latin typeface="Calibri" panose="020F0502020204030204" pitchFamily="34" charset="0"/>
+                      </a:endParaRPr>
+                    </a:p>
+                  </a:txBody>
+                  <a:tcPr marL="8426" marR="8426" marT="8426" marB="0" anchor="ctr">
+                    <a:solidFill>
+                      <a:schemeClr val="bg2">
+                        <a:lumMod val="75000"/>
+                      </a:schemeClr>
+                    </a:solidFill>
+                  </a:tcPr>
+                </a:tc>
+                <a:tc>
+                  <a:txBody>
+                    <a:bodyPr/>
+                    <a:lstStyle/>
+                    <a:p>
+                      <a:pPr algn="ctr" fontAlgn="ctr"/>
+                      <a:r>
+                        <a:rPr lang="en-US" sz="1000" u="none" strike="noStrike" dirty="0">
+                          <a:solidFill>
+                            <a:schemeClr val="tx1"/>
+                          </a:solidFill>
+                          <a:effectLst/>
+                        </a:rPr>
+                        <a:t>Watch</a:t>
+                      </a:r>
+                      <a:endParaRPr lang="en-US" sz="1000" b="0" i="0" u="none" strike="noStrike" dirty="0">
+                        <a:solidFill>
+                          <a:schemeClr val="tx1"/>
+                        </a:solidFill>
+                        <a:effectLst/>
+                        <a:latin typeface="Calibri" panose="020F0502020204030204" pitchFamily="34" charset="0"/>
+                      </a:endParaRPr>
+                    </a:p>
+                  </a:txBody>
+                  <a:tcPr marL="8426" marR="8426" marT="8426" marB="0" anchor="ctr">
+                    <a:solidFill>
+                      <a:schemeClr val="bg2">
+                        <a:lumMod val="75000"/>
+                      </a:schemeClr>
+                    </a:solidFill>
+                  </a:tcPr>
+                </a:tc>
+                <a:tc>
+                  <a:txBody>
+                    <a:bodyPr/>
+                    <a:lstStyle/>
+                    <a:p>
+                      <a:pPr marL="0" marR="0" lvl="0" indent="0" algn="ctr" defTabSz="457200" rtl="0" eaLnBrk="1" fontAlgn="b" latinLnBrk="0" hangingPunct="1">
+                        <a:lnSpc>
+                          <a:spcPct val="100000"/>
+                        </a:lnSpc>
+                        <a:spcBef>
+                          <a:spcPts val="0"/>
+                        </a:spcBef>
+                        <a:spcAft>
+                          <a:spcPts val="0"/>
+                        </a:spcAft>
+                        <a:buClrTx/>
+                        <a:buSzTx/>
+                        <a:buFontTx/>
+                        <a:buNone/>
+                        <a:tabLst/>
+                        <a:defRPr/>
+                      </a:pPr>
+                      <a:r>
+                        <a:rPr lang="en-US" sz="1100" u="none" strike="noStrike" dirty="0">
+                          <a:solidFill>
+                            <a:schemeClr val="tx1"/>
+                          </a:solidFill>
+                          <a:effectLst/>
+                        </a:rPr>
+                        <a:t>evaporate the water  away</a:t>
+                      </a:r>
+                      <a:endParaRPr lang="en-US" sz="1100" b="0" i="0" u="none" strike="noStrike" dirty="0">
+                        <a:solidFill>
+                          <a:schemeClr val="tx1"/>
+                        </a:solidFill>
+                        <a:effectLst/>
+                        <a:latin typeface="Calibri" panose="020F0502020204030204" pitchFamily="34" charset="0"/>
+                      </a:endParaRPr>
+                    </a:p>
+                    <a:p>
+                      <a:pPr algn="ctr" fontAlgn="b"/>
+                      <a:endParaRPr lang="en-US" sz="1100" b="0" i="0" u="none" strike="noStrike" dirty="0">
                         <a:solidFill>
                           <a:schemeClr val="tx1"/>
                         </a:solidFill>
@@ -22290,12 +22726,12 @@
                     <a:p>
                       <a:pPr algn="ctr" fontAlgn="b"/>
                       <a:r>
-                        <a:rPr lang="en-US" sz="1100" u="none" strike="noStrike">
+                        <a:rPr lang="en-US" sz="1100" u="none" strike="noStrike" dirty="0">
                           <a:effectLst/>
                         </a:rPr>
                         <a:t>0.488805</a:t>
                       </a:r>
-                      <a:endParaRPr lang="en-US" sz="1100" b="0" i="0" u="none" strike="noStrike">
+                      <a:endParaRPr lang="en-US" sz="1100" b="0" i="0" u="none" strike="noStrike" dirty="0">
                         <a:solidFill>
                           <a:srgbClr val="000000"/>
                         </a:solidFill>
@@ -22313,12 +22749,12 @@
                     <a:p>
                       <a:pPr algn="ctr" fontAlgn="b"/>
                       <a:r>
-                        <a:rPr lang="en-US" sz="1100" u="none" strike="noStrike">
+                        <a:rPr lang="en-US" sz="1100" u="none" strike="noStrike" dirty="0">
                           <a:effectLst/>
                         </a:rPr>
                         <a:t>0.263844</a:t>
                       </a:r>
-                      <a:endParaRPr lang="en-US" sz="1100" b="0" i="0" u="none" strike="noStrike">
+                      <a:endParaRPr lang="en-US" sz="1100" b="0" i="0" u="none" strike="noStrike" dirty="0">
                         <a:solidFill>
                           <a:srgbClr val="000000"/>
                         </a:solidFill>
@@ -22336,12 +22772,12 @@
                     <a:p>
                       <a:pPr algn="ctr" fontAlgn="b"/>
                       <a:r>
-                        <a:rPr lang="en-US" sz="1100" u="none" strike="noStrike">
+                        <a:rPr lang="en-US" sz="1100" u="none" strike="noStrike" dirty="0">
                           <a:effectLst/>
                         </a:rPr>
                         <a:t>0.309127</a:t>
                       </a:r>
-                      <a:endParaRPr lang="en-US" sz="1100" b="0" i="0" u="none" strike="noStrike">
+                      <a:endParaRPr lang="en-US" sz="1100" b="0" i="0" u="none" strike="noStrike" dirty="0">
                         <a:solidFill>
                           <a:srgbClr val="000000"/>
                         </a:solidFill>
@@ -22359,12 +22795,12 @@
                     <a:p>
                       <a:pPr algn="ctr" fontAlgn="b"/>
                       <a:r>
-                        <a:rPr lang="en-US" sz="1100" u="none" strike="noStrike">
+                        <a:rPr lang="en-US" sz="1100" u="none" strike="noStrike" dirty="0">
                           <a:effectLst/>
                         </a:rPr>
                         <a:t>0.705961</a:t>
                       </a:r>
-                      <a:endParaRPr lang="en-US" sz="1100" b="0" i="0" u="none" strike="noStrike">
+                      <a:endParaRPr lang="en-US" sz="1100" b="0" i="0" u="none" strike="noStrike" dirty="0">
                         <a:solidFill>
                           <a:srgbClr val="000000"/>
                         </a:solidFill>

--- a/S.A.V.E/Security Application Via Engineering.pptx
+++ b/S.A.V.E/Security Application Via Engineering.pptx
@@ -4,6 +4,9 @@
   <p:sldMasterIdLst>
     <p:sldMasterId id="2147483672" r:id="rId1"/>
   </p:sldMasterIdLst>
+  <p:notesMasterIdLst>
+    <p:notesMasterId r:id="rId33"/>
+  </p:notesMasterIdLst>
   <p:sldIdLst>
     <p:sldId id="256" r:id="rId2"/>
     <p:sldId id="258" r:id="rId3"/>
@@ -140,6 +143,355 @@
     </p:ext>
   </p:extLst>
 </p:presentation>
+</file>
+
+<file path=ppt/notesMasters/notesMaster1.xml><?xml version="1.0" encoding="utf-8"?>
+<p:notesMaster xmlns:a="http://schemas.openxmlformats.org/drawingml/2006/main" xmlns:r="http://schemas.openxmlformats.org/officeDocument/2006/relationships" xmlns:p="http://schemas.openxmlformats.org/presentationml/2006/main">
+  <p:cSld>
+    <p:bg>
+      <p:bgRef idx="1001">
+        <a:schemeClr val="bg1"/>
+      </p:bgRef>
+    </p:bg>
+    <p:spTree>
+      <p:nvGrpSpPr>
+        <p:cNvPr id="1" name=""/>
+        <p:cNvGrpSpPr/>
+        <p:nvPr/>
+      </p:nvGrpSpPr>
+      <p:grpSpPr>
+        <a:xfrm>
+          <a:off x="0" y="0"/>
+          <a:ext cx="0" cy="0"/>
+          <a:chOff x="0" y="0"/>
+          <a:chExt cx="0" cy="0"/>
+        </a:xfrm>
+      </p:grpSpPr>
+      <p:sp>
+        <p:nvSpPr>
+          <p:cNvPr id="2" name="Header Placeholder 1"/>
+          <p:cNvSpPr>
+            <a:spLocks noGrp="1"/>
+          </p:cNvSpPr>
+          <p:nvPr>
+            <p:ph type="hdr" sz="quarter"/>
+          </p:nvPr>
+        </p:nvSpPr>
+        <p:spPr>
+          <a:xfrm>
+            <a:off x="0" y="0"/>
+            <a:ext cx="2971800" cy="458788"/>
+          </a:xfrm>
+          <a:prstGeom prst="rect">
+            <a:avLst/>
+          </a:prstGeom>
+        </p:spPr>
+        <p:txBody>
+          <a:bodyPr vert="horz" lIns="91440" tIns="45720" rIns="91440" bIns="45720" rtlCol="0"/>
+          <a:lstStyle>
+            <a:lvl1pPr algn="l">
+              <a:defRPr sz="1200"/>
+            </a:lvl1pPr>
+          </a:lstStyle>
+          <a:p>
+            <a:endParaRPr lang="en-US"/>
+          </a:p>
+        </p:txBody>
+      </p:sp>
+      <p:sp>
+        <p:nvSpPr>
+          <p:cNvPr id="3" name="Date Placeholder 2"/>
+          <p:cNvSpPr>
+            <a:spLocks noGrp="1"/>
+          </p:cNvSpPr>
+          <p:nvPr>
+            <p:ph type="dt" idx="1"/>
+          </p:nvPr>
+        </p:nvSpPr>
+        <p:spPr>
+          <a:xfrm>
+            <a:off x="3884613" y="0"/>
+            <a:ext cx="2971800" cy="458788"/>
+          </a:xfrm>
+          <a:prstGeom prst="rect">
+            <a:avLst/>
+          </a:prstGeom>
+        </p:spPr>
+        <p:txBody>
+          <a:bodyPr vert="horz" lIns="91440" tIns="45720" rIns="91440" bIns="45720" rtlCol="0"/>
+          <a:lstStyle>
+            <a:lvl1pPr algn="r">
+              <a:defRPr sz="1200"/>
+            </a:lvl1pPr>
+          </a:lstStyle>
+          <a:p>
+            <a:fld id="{F3782CC8-E9AD-43A7-99F7-6E3DE1E004F0}" type="datetimeFigureOut">
+              <a:rPr lang="en-US" smtClean="0"/>
+              <a:t>8/31/2018</a:t>
+            </a:fld>
+            <a:endParaRPr lang="en-US"/>
+          </a:p>
+        </p:txBody>
+      </p:sp>
+      <p:sp>
+        <p:nvSpPr>
+          <p:cNvPr id="4" name="Slide Image Placeholder 3"/>
+          <p:cNvSpPr>
+            <a:spLocks noGrp="1" noRot="1" noChangeAspect="1"/>
+          </p:cNvSpPr>
+          <p:nvPr>
+            <p:ph type="sldImg" idx="2"/>
+          </p:nvPr>
+        </p:nvSpPr>
+        <p:spPr>
+          <a:xfrm>
+            <a:off x="685800" y="1143000"/>
+            <a:ext cx="5486400" cy="3086100"/>
+          </a:xfrm>
+          <a:prstGeom prst="rect">
+            <a:avLst/>
+          </a:prstGeom>
+          <a:noFill/>
+          <a:ln w="12700">
+            <a:solidFill>
+              <a:prstClr val="black"/>
+            </a:solidFill>
+          </a:ln>
+        </p:spPr>
+        <p:txBody>
+          <a:bodyPr vert="horz" lIns="91440" tIns="45720" rIns="91440" bIns="45720" rtlCol="0" anchor="ctr"/>
+          <a:lstStyle/>
+          <a:p>
+            <a:endParaRPr lang="en-US"/>
+          </a:p>
+        </p:txBody>
+      </p:sp>
+      <p:sp>
+        <p:nvSpPr>
+          <p:cNvPr id="5" name="Notes Placeholder 4"/>
+          <p:cNvSpPr>
+            <a:spLocks noGrp="1"/>
+          </p:cNvSpPr>
+          <p:nvPr>
+            <p:ph type="body" sz="quarter" idx="3"/>
+          </p:nvPr>
+        </p:nvSpPr>
+        <p:spPr>
+          <a:xfrm>
+            <a:off x="685800" y="4400550"/>
+            <a:ext cx="5486400" cy="3600450"/>
+          </a:xfrm>
+          <a:prstGeom prst="rect">
+            <a:avLst/>
+          </a:prstGeom>
+        </p:spPr>
+        <p:txBody>
+          <a:bodyPr vert="horz" lIns="91440" tIns="45720" rIns="91440" bIns="45720" rtlCol="0"/>
+          <a:lstStyle/>
+          <a:p>
+            <a:pPr lvl="0"/>
+            <a:r>
+              <a:rPr lang="en-US"/>
+              <a:t>Edit Master text styles</a:t>
+            </a:r>
+          </a:p>
+          <a:p>
+            <a:pPr lvl="1"/>
+            <a:r>
+              <a:rPr lang="en-US"/>
+              <a:t>Second level</a:t>
+            </a:r>
+          </a:p>
+          <a:p>
+            <a:pPr lvl="2"/>
+            <a:r>
+              <a:rPr lang="en-US"/>
+              <a:t>Third level</a:t>
+            </a:r>
+          </a:p>
+          <a:p>
+            <a:pPr lvl="3"/>
+            <a:r>
+              <a:rPr lang="en-US"/>
+              <a:t>Fourth level</a:t>
+            </a:r>
+          </a:p>
+          <a:p>
+            <a:pPr lvl="4"/>
+            <a:r>
+              <a:rPr lang="en-US"/>
+              <a:t>Fifth level</a:t>
+            </a:r>
+          </a:p>
+        </p:txBody>
+      </p:sp>
+      <p:sp>
+        <p:nvSpPr>
+          <p:cNvPr id="6" name="Footer Placeholder 5"/>
+          <p:cNvSpPr>
+            <a:spLocks noGrp="1"/>
+          </p:cNvSpPr>
+          <p:nvPr>
+            <p:ph type="ftr" sz="quarter" idx="4"/>
+          </p:nvPr>
+        </p:nvSpPr>
+        <p:spPr>
+          <a:xfrm>
+            <a:off x="0" y="8685213"/>
+            <a:ext cx="2971800" cy="458787"/>
+          </a:xfrm>
+          <a:prstGeom prst="rect">
+            <a:avLst/>
+          </a:prstGeom>
+        </p:spPr>
+        <p:txBody>
+          <a:bodyPr vert="horz" lIns="91440" tIns="45720" rIns="91440" bIns="45720" rtlCol="0" anchor="b"/>
+          <a:lstStyle>
+            <a:lvl1pPr algn="l">
+              <a:defRPr sz="1200"/>
+            </a:lvl1pPr>
+          </a:lstStyle>
+          <a:p>
+            <a:endParaRPr lang="en-US"/>
+          </a:p>
+        </p:txBody>
+      </p:sp>
+      <p:sp>
+        <p:nvSpPr>
+          <p:cNvPr id="7" name="Slide Number Placeholder 6"/>
+          <p:cNvSpPr>
+            <a:spLocks noGrp="1"/>
+          </p:cNvSpPr>
+          <p:nvPr>
+            <p:ph type="sldNum" sz="quarter" idx="5"/>
+          </p:nvPr>
+        </p:nvSpPr>
+        <p:spPr>
+          <a:xfrm>
+            <a:off x="3884613" y="8685213"/>
+            <a:ext cx="2971800" cy="458787"/>
+          </a:xfrm>
+          <a:prstGeom prst="rect">
+            <a:avLst/>
+          </a:prstGeom>
+        </p:spPr>
+        <p:txBody>
+          <a:bodyPr vert="horz" lIns="91440" tIns="45720" rIns="91440" bIns="45720" rtlCol="0" anchor="b"/>
+          <a:lstStyle>
+            <a:lvl1pPr algn="r">
+              <a:defRPr sz="1200"/>
+            </a:lvl1pPr>
+          </a:lstStyle>
+          <a:p>
+            <a:fld id="{726703E7-AC05-4EA0-A717-45BA0B503698}" type="slidenum">
+              <a:rPr lang="en-US" smtClean="0"/>
+              <a:t>‹#›</a:t>
+            </a:fld>
+            <a:endParaRPr lang="en-US"/>
+          </a:p>
+        </p:txBody>
+      </p:sp>
+    </p:spTree>
+    <p:extLst>
+      <p:ext uri="{BB962C8B-B14F-4D97-AF65-F5344CB8AC3E}">
+        <p14:creationId xmlns:p14="http://schemas.microsoft.com/office/powerpoint/2010/main" val="3527503877"/>
+      </p:ext>
+    </p:extLst>
+  </p:cSld>
+  <p:clrMap bg1="lt1" tx1="dk1" bg2="lt2" tx2="dk2" accent1="accent1" accent2="accent2" accent3="accent3" accent4="accent4" accent5="accent5" accent6="accent6" hlink="hlink" folHlink="folHlink"/>
+  <p:notesStyle>
+    <a:lvl1pPr marL="0" algn="l" defTabSz="914400" rtl="0" eaLnBrk="1" latinLnBrk="0" hangingPunct="1">
+      <a:defRPr sz="1200" kern="1200">
+        <a:solidFill>
+          <a:schemeClr val="tx1"/>
+        </a:solidFill>
+        <a:latin typeface="+mn-lt"/>
+        <a:ea typeface="+mn-ea"/>
+        <a:cs typeface="+mn-cs"/>
+      </a:defRPr>
+    </a:lvl1pPr>
+    <a:lvl2pPr marL="457200" algn="l" defTabSz="914400" rtl="0" eaLnBrk="1" latinLnBrk="0" hangingPunct="1">
+      <a:defRPr sz="1200" kern="1200">
+        <a:solidFill>
+          <a:schemeClr val="tx1"/>
+        </a:solidFill>
+        <a:latin typeface="+mn-lt"/>
+        <a:ea typeface="+mn-ea"/>
+        <a:cs typeface="+mn-cs"/>
+      </a:defRPr>
+    </a:lvl2pPr>
+    <a:lvl3pPr marL="914400" algn="l" defTabSz="914400" rtl="0" eaLnBrk="1" latinLnBrk="0" hangingPunct="1">
+      <a:defRPr sz="1200" kern="1200">
+        <a:solidFill>
+          <a:schemeClr val="tx1"/>
+        </a:solidFill>
+        <a:latin typeface="+mn-lt"/>
+        <a:ea typeface="+mn-ea"/>
+        <a:cs typeface="+mn-cs"/>
+      </a:defRPr>
+    </a:lvl3pPr>
+    <a:lvl4pPr marL="1371600" algn="l" defTabSz="914400" rtl="0" eaLnBrk="1" latinLnBrk="0" hangingPunct="1">
+      <a:defRPr sz="1200" kern="1200">
+        <a:solidFill>
+          <a:schemeClr val="tx1"/>
+        </a:solidFill>
+        <a:latin typeface="+mn-lt"/>
+        <a:ea typeface="+mn-ea"/>
+        <a:cs typeface="+mn-cs"/>
+      </a:defRPr>
+    </a:lvl4pPr>
+    <a:lvl5pPr marL="1828800" algn="l" defTabSz="914400" rtl="0" eaLnBrk="1" latinLnBrk="0" hangingPunct="1">
+      <a:defRPr sz="1200" kern="1200">
+        <a:solidFill>
+          <a:schemeClr val="tx1"/>
+        </a:solidFill>
+        <a:latin typeface="+mn-lt"/>
+        <a:ea typeface="+mn-ea"/>
+        <a:cs typeface="+mn-cs"/>
+      </a:defRPr>
+    </a:lvl5pPr>
+    <a:lvl6pPr marL="2286000" algn="l" defTabSz="914400" rtl="0" eaLnBrk="1" latinLnBrk="0" hangingPunct="1">
+      <a:defRPr sz="1200" kern="1200">
+        <a:solidFill>
+          <a:schemeClr val="tx1"/>
+        </a:solidFill>
+        <a:latin typeface="+mn-lt"/>
+        <a:ea typeface="+mn-ea"/>
+        <a:cs typeface="+mn-cs"/>
+      </a:defRPr>
+    </a:lvl6pPr>
+    <a:lvl7pPr marL="2743200" algn="l" defTabSz="914400" rtl="0" eaLnBrk="1" latinLnBrk="0" hangingPunct="1">
+      <a:defRPr sz="1200" kern="1200">
+        <a:solidFill>
+          <a:schemeClr val="tx1"/>
+        </a:solidFill>
+        <a:latin typeface="+mn-lt"/>
+        <a:ea typeface="+mn-ea"/>
+        <a:cs typeface="+mn-cs"/>
+      </a:defRPr>
+    </a:lvl7pPr>
+    <a:lvl8pPr marL="3200400" algn="l" defTabSz="914400" rtl="0" eaLnBrk="1" latinLnBrk="0" hangingPunct="1">
+      <a:defRPr sz="1200" kern="1200">
+        <a:solidFill>
+          <a:schemeClr val="tx1"/>
+        </a:solidFill>
+        <a:latin typeface="+mn-lt"/>
+        <a:ea typeface="+mn-ea"/>
+        <a:cs typeface="+mn-cs"/>
+      </a:defRPr>
+    </a:lvl8pPr>
+    <a:lvl9pPr marL="3657600" algn="l" defTabSz="914400" rtl="0" eaLnBrk="1" latinLnBrk="0" hangingPunct="1">
+      <a:defRPr sz="1200" kern="1200">
+        <a:solidFill>
+          <a:schemeClr val="tx1"/>
+        </a:solidFill>
+        <a:latin typeface="+mn-lt"/>
+        <a:ea typeface="+mn-ea"/>
+        <a:cs typeface="+mn-cs"/>
+      </a:defRPr>
+    </a:lvl9pPr>
+  </p:notesStyle>
+</p:notesMaster>
 </file>
 
 <file path=ppt/slideLayouts/slideLayout1.xml><?xml version="1.0" encoding="utf-8"?>
@@ -331,7 +683,7 @@
           <a:bodyPr/>
           <a:lstStyle/>
           <a:p>
-            <a:fld id="{1C9513C9-089C-45C7-BEB5-4F50097954EA}" type="datetimeFigureOut">
+            <a:fld id="{6EE4D153-DA14-4CE2-8048-BD6BDC96D8B9}" type="datetime1">
               <a:rPr lang="en-US" smtClean="0"/>
               <a:t>8/31/2018</a:t>
             </a:fld>
@@ -767,7 +1119,7 @@
           <a:bodyPr/>
           <a:lstStyle/>
           <a:p>
-            <a:fld id="{1C9513C9-089C-45C7-BEB5-4F50097954EA}" type="datetimeFigureOut">
+            <a:fld id="{34F03019-13E9-4649-8E77-ED2425250857}" type="datetime1">
               <a:rPr lang="en-US" smtClean="0"/>
               <a:t>8/31/2018</a:t>
             </a:fld>
@@ -1017,7 +1369,7 @@
           <a:bodyPr/>
           <a:lstStyle/>
           <a:p>
-            <a:fld id="{1C9513C9-089C-45C7-BEB5-4F50097954EA}" type="datetimeFigureOut">
+            <a:fld id="{22E04052-6E46-4DFD-84F7-EDAAF59DEB4C}" type="datetime1">
               <a:rPr lang="en-US" smtClean="0"/>
               <a:t>8/31/2018</a:t>
             </a:fld>
@@ -1325,7 +1677,7 @@
           <a:bodyPr/>
           <a:lstStyle/>
           <a:p>
-            <a:fld id="{1C9513C9-089C-45C7-BEB5-4F50097954EA}" type="datetimeFigureOut">
+            <a:fld id="{B303D6C1-0102-4A80-B3C9-D5BED09DBC26}" type="datetime1">
               <a:rPr lang="en-US" smtClean="0"/>
               <a:t>8/31/2018</a:t>
             </a:fld>
@@ -1643,7 +1995,7 @@
           <a:bodyPr/>
           <a:lstStyle/>
           <a:p>
-            <a:fld id="{1C9513C9-089C-45C7-BEB5-4F50097954EA}" type="datetimeFigureOut">
+            <a:fld id="{0ECB05FD-47C5-492A-A807-610D9AF97D23}" type="datetime1">
               <a:rPr lang="en-US" smtClean="0"/>
               <a:t>8/31/2018</a:t>
             </a:fld>
@@ -1945,7 +2297,7 @@
           <a:bodyPr/>
           <a:lstStyle/>
           <a:p>
-            <a:fld id="{1C9513C9-089C-45C7-BEB5-4F50097954EA}" type="datetimeFigureOut">
+            <a:fld id="{CAEC52CF-DC4B-4306-8CEB-8AA479979792}" type="datetime1">
               <a:rPr lang="en-US" smtClean="0"/>
               <a:t>8/31/2018</a:t>
             </a:fld>
@@ -2312,7 +2664,7 @@
           <a:bodyPr/>
           <a:lstStyle/>
           <a:p>
-            <a:fld id="{1C9513C9-089C-45C7-BEB5-4F50097954EA}" type="datetimeFigureOut">
+            <a:fld id="{A1161FE1-D8AE-4789-A747-5B6E1D14BF39}" type="datetime1">
               <a:rPr lang="en-US" smtClean="0"/>
               <a:t>8/31/2018</a:t>
             </a:fld>
@@ -2486,7 +2838,7 @@
           <a:bodyPr/>
           <a:lstStyle/>
           <a:p>
-            <a:fld id="{1C9513C9-089C-45C7-BEB5-4F50097954EA}" type="datetimeFigureOut">
+            <a:fld id="{17AC1791-C4D2-46EC-BD15-AF2229F1EA30}" type="datetime1">
               <a:rPr lang="en-US" smtClean="0"/>
               <a:t>8/31/2018</a:t>
             </a:fld>
@@ -2666,7 +3018,7 @@
           <a:bodyPr/>
           <a:lstStyle/>
           <a:p>
-            <a:fld id="{1C9513C9-089C-45C7-BEB5-4F50097954EA}" type="datetimeFigureOut">
+            <a:fld id="{1ACC663F-CEF6-44EA-861D-2EA19F1ABCF1}" type="datetime1">
               <a:rPr lang="en-US" smtClean="0"/>
               <a:t>8/31/2018</a:t>
             </a:fld>
@@ -2836,7 +3188,7 @@
           <a:bodyPr/>
           <a:lstStyle/>
           <a:p>
-            <a:fld id="{1C9513C9-089C-45C7-BEB5-4F50097954EA}" type="datetimeFigureOut">
+            <a:fld id="{913B63A8-A364-4896-911D-B5C09FC31F65}" type="datetime1">
               <a:rPr lang="en-US" smtClean="0"/>
               <a:t>8/31/2018</a:t>
             </a:fld>
@@ -3086,7 +3438,7 @@
           <a:bodyPr/>
           <a:lstStyle/>
           <a:p>
-            <a:fld id="{1C9513C9-089C-45C7-BEB5-4F50097954EA}" type="datetimeFigureOut">
+            <a:fld id="{B2807902-3C0B-4004-9CFF-E0D287E72397}" type="datetime1">
               <a:rPr lang="en-US" smtClean="0"/>
               <a:t>8/31/2018</a:t>
             </a:fld>
@@ -3322,7 +3674,7 @@
           <a:bodyPr/>
           <a:lstStyle/>
           <a:p>
-            <a:fld id="{1C9513C9-089C-45C7-BEB5-4F50097954EA}" type="datetimeFigureOut">
+            <a:fld id="{F462E2F8-520F-4568-AAA5-218903B4BDE4}" type="datetime1">
               <a:rPr lang="en-US" smtClean="0"/>
               <a:t>8/31/2018</a:t>
             </a:fld>
@@ -3704,7 +4056,7 @@
           <a:bodyPr/>
           <a:lstStyle/>
           <a:p>
-            <a:fld id="{1C9513C9-089C-45C7-BEB5-4F50097954EA}" type="datetimeFigureOut">
+            <a:fld id="{42DD2E4D-5F10-4768-BCF1-392326AF765C}" type="datetime1">
               <a:rPr lang="en-US" smtClean="0"/>
               <a:t>8/31/2018</a:t>
             </a:fld>
@@ -3822,7 +4174,7 @@
           <a:bodyPr/>
           <a:lstStyle/>
           <a:p>
-            <a:fld id="{1C9513C9-089C-45C7-BEB5-4F50097954EA}" type="datetimeFigureOut">
+            <a:fld id="{B57D705E-52B3-4614-8F8B-A613E2A61437}" type="datetime1">
               <a:rPr lang="en-US" smtClean="0"/>
               <a:t>8/31/2018</a:t>
             </a:fld>
@@ -3917,7 +4269,7 @@
           <a:bodyPr/>
           <a:lstStyle/>
           <a:p>
-            <a:fld id="{1C9513C9-089C-45C7-BEB5-4F50097954EA}" type="datetimeFigureOut">
+            <a:fld id="{E73ABC6D-81EE-4153-89AD-B02A25131AA6}" type="datetime1">
               <a:rPr lang="en-US" smtClean="0"/>
               <a:t>8/31/2018</a:t>
             </a:fld>
@@ -4172,7 +4524,7 @@
           <a:bodyPr/>
           <a:lstStyle/>
           <a:p>
-            <a:fld id="{1C9513C9-089C-45C7-BEB5-4F50097954EA}" type="datetimeFigureOut">
+            <a:fld id="{141773DB-02CD-4877-8142-412D9938B6CB}" type="datetime1">
               <a:rPr lang="en-US" smtClean="0"/>
               <a:t>8/31/2018</a:t>
             </a:fld>
@@ -4455,7 +4807,7 @@
           <a:bodyPr/>
           <a:lstStyle/>
           <a:p>
-            <a:fld id="{1C9513C9-089C-45C7-BEB5-4F50097954EA}" type="datetimeFigureOut">
+            <a:fld id="{C2294F04-234E-48AA-8A1A-0E609B92838A}" type="datetime1">
               <a:rPr lang="en-US" smtClean="0"/>
               <a:t>8/31/2018</a:t>
             </a:fld>
@@ -4861,7 +5213,7 @@
             </a:lvl1pPr>
           </a:lstStyle>
           <a:p>
-            <a:fld id="{1C9513C9-089C-45C7-BEB5-4F50097954EA}" type="datetimeFigureOut">
+            <a:fld id="{A5A3A0E3-DF84-4577-B2E3-3234A1EF18FD}" type="datetime1">
               <a:rPr lang="en-US" smtClean="0"/>
               <a:t>8/31/2018</a:t>
             </a:fld>
@@ -4978,6 +5330,7 @@
     <p:sldLayoutId id="2147483688" r:id="rId16"/>
     <p:sldLayoutId id="2147483689" r:id="rId17"/>
   </p:sldLayoutIdLst>
+  <p:hf hdr="0" ftr="0" dt="0"/>
   <p:txStyles>
     <p:titleStyle>
       <a:lvl1pPr algn="l" defTabSz="457200" rtl="0" eaLnBrk="1" latinLnBrk="0" hangingPunct="1">
@@ -5384,6 +5737,31 @@
 <file path=ppt/slides/slide1.xml><?xml version="1.0" encoding="utf-8"?>
 <p:sld xmlns:a="http://schemas.openxmlformats.org/drawingml/2006/main" xmlns:r="http://schemas.openxmlformats.org/officeDocument/2006/relationships" xmlns:p="http://schemas.openxmlformats.org/presentationml/2006/main">
   <p:cSld>
+    <p:bg>
+      <p:bgPr>
+        <a:gradFill rotWithShape="1">
+          <a:gsLst>
+            <a:gs pos="0">
+              <a:schemeClr val="bg2">
+                <a:tint val="97000"/>
+                <a:hueMod val="92000"/>
+                <a:satMod val="169000"/>
+                <a:lumMod val="164000"/>
+              </a:schemeClr>
+            </a:gs>
+            <a:gs pos="100000">
+              <a:schemeClr val="bg2">
+                <a:shade val="96000"/>
+                <a:satMod val="120000"/>
+                <a:lumMod val="90000"/>
+              </a:schemeClr>
+            </a:gs>
+          </a:gsLst>
+          <a:lin ang="6120000" scaled="1"/>
+        </a:gradFill>
+        <a:effectLst/>
+      </p:bgPr>
+    </p:bg>
     <p:spTree>
       <p:nvGrpSpPr>
         <p:cNvPr id="1" name=""/>
@@ -5562,7 +5940,7 @@
         </p:blipFill>
         <p:spPr>
           <a:xfrm>
-            <a:off x="5881420" y="2759092"/>
+            <a:off x="5166268" y="2773160"/>
             <a:ext cx="5768054" cy="3843867"/>
           </a:xfrm>
           <a:prstGeom prst="rect">
@@ -5666,6 +6044,35 @@
               <a:rPr lang="en-US" dirty="0"/>
               <a:t> </a:t>
             </a:r>
+          </a:p>
+        </p:txBody>
+      </p:sp>
+      <p:sp>
+        <p:nvSpPr>
+          <p:cNvPr id="6" name="Slide Number Placeholder 5">
+            <a:extLst>
+              <a:ext uri="{FF2B5EF4-FFF2-40B4-BE49-F238E27FC236}">
+                <a16:creationId xmlns:a16="http://schemas.microsoft.com/office/drawing/2014/main" id="{202AE4C0-B2BB-454C-963B-EB29FFC8DF66}"/>
+              </a:ext>
+            </a:extLst>
+          </p:cNvPr>
+          <p:cNvSpPr>
+            <a:spLocks noGrp="1"/>
+          </p:cNvSpPr>
+          <p:nvPr>
+            <p:ph type="sldNum" sz="quarter" idx="12"/>
+          </p:nvPr>
+        </p:nvSpPr>
+        <p:spPr/>
+        <p:txBody>
+          <a:bodyPr/>
+          <a:lstStyle/>
+          <a:p>
+            <a:fld id="{CE83F37B-76DB-4CB9-8167-97BED313ED8D}" type="slidenum">
+              <a:rPr lang="en-US" smtClean="0"/>
+              <a:t>1</a:t>
+            </a:fld>
+            <a:endParaRPr lang="en-US"/>
           </a:p>
         </p:txBody>
       </p:sp>
@@ -5802,6 +6209,35 @@
           </a:p>
         </p:txBody>
       </p:sp>
+      <p:sp>
+        <p:nvSpPr>
+          <p:cNvPr id="5" name="Slide Number Placeholder 4">
+            <a:extLst>
+              <a:ext uri="{FF2B5EF4-FFF2-40B4-BE49-F238E27FC236}">
+                <a16:creationId xmlns:a16="http://schemas.microsoft.com/office/drawing/2014/main" id="{26301C70-FBD5-437C-84D9-F7FCEA78A8D0}"/>
+              </a:ext>
+            </a:extLst>
+          </p:cNvPr>
+          <p:cNvSpPr>
+            <a:spLocks noGrp="1"/>
+          </p:cNvSpPr>
+          <p:nvPr>
+            <p:ph type="sldNum" sz="quarter" idx="12"/>
+          </p:nvPr>
+        </p:nvSpPr>
+        <p:spPr/>
+        <p:txBody>
+          <a:bodyPr/>
+          <a:lstStyle/>
+          <a:p>
+            <a:fld id="{CE83F37B-76DB-4CB9-8167-97BED313ED8D}" type="slidenum">
+              <a:rPr lang="en-US" smtClean="0"/>
+              <a:t>10</a:t>
+            </a:fld>
+            <a:endParaRPr lang="en-US"/>
+          </a:p>
+        </p:txBody>
+      </p:sp>
     </p:spTree>
     <p:extLst>
       <p:ext uri="{BB962C8B-B14F-4D97-AF65-F5344CB8AC3E}">
@@ -5932,6 +6368,35 @@
           </a:prstGeom>
         </p:spPr>
       </p:pic>
+      <p:sp>
+        <p:nvSpPr>
+          <p:cNvPr id="3" name="Slide Number Placeholder 2">
+            <a:extLst>
+              <a:ext uri="{FF2B5EF4-FFF2-40B4-BE49-F238E27FC236}">
+                <a16:creationId xmlns:a16="http://schemas.microsoft.com/office/drawing/2014/main" id="{495084C1-2B1A-4CAC-8528-F19F6D4303BD}"/>
+              </a:ext>
+            </a:extLst>
+          </p:cNvPr>
+          <p:cNvSpPr>
+            <a:spLocks noGrp="1"/>
+          </p:cNvSpPr>
+          <p:nvPr>
+            <p:ph type="sldNum" sz="quarter" idx="12"/>
+          </p:nvPr>
+        </p:nvSpPr>
+        <p:spPr/>
+        <p:txBody>
+          <a:bodyPr/>
+          <a:lstStyle/>
+          <a:p>
+            <a:fld id="{CE83F37B-76DB-4CB9-8167-97BED313ED8D}" type="slidenum">
+              <a:rPr lang="en-US" smtClean="0"/>
+              <a:t>11</a:t>
+            </a:fld>
+            <a:endParaRPr lang="en-US"/>
+          </a:p>
+        </p:txBody>
+      </p:sp>
     </p:spTree>
     <p:extLst>
       <p:ext uri="{BB962C8B-B14F-4D97-AF65-F5344CB8AC3E}">
@@ -6064,6 +6529,35 @@
               <a:rPr lang="en-US" dirty="0"/>
               <a:t>CONOPS</a:t>
             </a:r>
+          </a:p>
+        </p:txBody>
+      </p:sp>
+      <p:sp>
+        <p:nvSpPr>
+          <p:cNvPr id="5" name="Slide Number Placeholder 4">
+            <a:extLst>
+              <a:ext uri="{FF2B5EF4-FFF2-40B4-BE49-F238E27FC236}">
+                <a16:creationId xmlns:a16="http://schemas.microsoft.com/office/drawing/2014/main" id="{B06A29C9-DC43-4E63-8950-1458DA8AB6E4}"/>
+              </a:ext>
+            </a:extLst>
+          </p:cNvPr>
+          <p:cNvSpPr>
+            <a:spLocks noGrp="1"/>
+          </p:cNvSpPr>
+          <p:nvPr>
+            <p:ph type="sldNum" sz="quarter" idx="12"/>
+          </p:nvPr>
+        </p:nvSpPr>
+        <p:spPr/>
+        <p:txBody>
+          <a:bodyPr/>
+          <a:lstStyle/>
+          <a:p>
+            <a:fld id="{CE83F37B-76DB-4CB9-8167-97BED313ED8D}" type="slidenum">
+              <a:rPr lang="en-US" smtClean="0"/>
+              <a:t>12</a:t>
+            </a:fld>
+            <a:endParaRPr lang="en-US"/>
           </a:p>
         </p:txBody>
       </p:sp>
@@ -6237,6 +6731,35 @@
           </a:prstGeom>
         </p:spPr>
       </p:pic>
+      <p:sp>
+        <p:nvSpPr>
+          <p:cNvPr id="5" name="Slide Number Placeholder 4">
+            <a:extLst>
+              <a:ext uri="{FF2B5EF4-FFF2-40B4-BE49-F238E27FC236}">
+                <a16:creationId xmlns:a16="http://schemas.microsoft.com/office/drawing/2014/main" id="{6B65AF70-588A-47A6-9748-8CD82C58372A}"/>
+              </a:ext>
+            </a:extLst>
+          </p:cNvPr>
+          <p:cNvSpPr>
+            <a:spLocks noGrp="1"/>
+          </p:cNvSpPr>
+          <p:nvPr>
+            <p:ph type="sldNum" sz="quarter" idx="12"/>
+          </p:nvPr>
+        </p:nvSpPr>
+        <p:spPr/>
+        <p:txBody>
+          <a:bodyPr/>
+          <a:lstStyle/>
+          <a:p>
+            <a:fld id="{CE83F37B-76DB-4CB9-8167-97BED313ED8D}" type="slidenum">
+              <a:rPr lang="en-US" smtClean="0"/>
+              <a:t>13</a:t>
+            </a:fld>
+            <a:endParaRPr lang="en-US"/>
+          </a:p>
+        </p:txBody>
+      </p:sp>
     </p:spTree>
     <p:extLst>
       <p:ext uri="{BB962C8B-B14F-4D97-AF65-F5344CB8AC3E}">
@@ -6865,6 +7388,35 @@
           </p:style>
         </p:cxnSp>
       </p:grpSp>
+      <p:sp>
+        <p:nvSpPr>
+          <p:cNvPr id="3" name="Slide Number Placeholder 2">
+            <a:extLst>
+              <a:ext uri="{FF2B5EF4-FFF2-40B4-BE49-F238E27FC236}">
+                <a16:creationId xmlns:a16="http://schemas.microsoft.com/office/drawing/2014/main" id="{4880C34E-B45F-4649-A3A9-14FD9D0DB23D}"/>
+              </a:ext>
+            </a:extLst>
+          </p:cNvPr>
+          <p:cNvSpPr>
+            <a:spLocks noGrp="1"/>
+          </p:cNvSpPr>
+          <p:nvPr>
+            <p:ph type="sldNum" sz="quarter" idx="12"/>
+          </p:nvPr>
+        </p:nvSpPr>
+        <p:spPr/>
+        <p:txBody>
+          <a:bodyPr/>
+          <a:lstStyle/>
+          <a:p>
+            <a:fld id="{CE83F37B-76DB-4CB9-8167-97BED313ED8D}" type="slidenum">
+              <a:rPr lang="en-US" smtClean="0"/>
+              <a:t>14</a:t>
+            </a:fld>
+            <a:endParaRPr lang="en-US"/>
+          </a:p>
+        </p:txBody>
+      </p:sp>
     </p:spTree>
     <p:extLst>
       <p:ext uri="{BB962C8B-B14F-4D97-AF65-F5344CB8AC3E}">
@@ -7024,6 +7576,35 @@
           </a:p>
         </p:txBody>
       </p:sp>
+      <p:sp>
+        <p:nvSpPr>
+          <p:cNvPr id="4" name="Slide Number Placeholder 3">
+            <a:extLst>
+              <a:ext uri="{FF2B5EF4-FFF2-40B4-BE49-F238E27FC236}">
+                <a16:creationId xmlns:a16="http://schemas.microsoft.com/office/drawing/2014/main" id="{0F533A7C-AC3F-4517-B30B-8357722E1F78}"/>
+              </a:ext>
+            </a:extLst>
+          </p:cNvPr>
+          <p:cNvSpPr>
+            <a:spLocks noGrp="1"/>
+          </p:cNvSpPr>
+          <p:nvPr>
+            <p:ph type="sldNum" sz="quarter" idx="12"/>
+          </p:nvPr>
+        </p:nvSpPr>
+        <p:spPr/>
+        <p:txBody>
+          <a:bodyPr/>
+          <a:lstStyle/>
+          <a:p>
+            <a:fld id="{CE83F37B-76DB-4CB9-8167-97BED313ED8D}" type="slidenum">
+              <a:rPr lang="en-US" smtClean="0"/>
+              <a:t>15</a:t>
+            </a:fld>
+            <a:endParaRPr lang="en-US"/>
+          </a:p>
+        </p:txBody>
+      </p:sp>
     </p:spTree>
     <p:extLst>
       <p:ext uri="{BB962C8B-B14F-4D97-AF65-F5344CB8AC3E}">
@@ -8048,6 +8629,35 @@
           </a:graphicData>
         </a:graphic>
       </p:graphicFrame>
+      <p:sp>
+        <p:nvSpPr>
+          <p:cNvPr id="3" name="Slide Number Placeholder 2">
+            <a:extLst>
+              <a:ext uri="{FF2B5EF4-FFF2-40B4-BE49-F238E27FC236}">
+                <a16:creationId xmlns:a16="http://schemas.microsoft.com/office/drawing/2014/main" id="{C1F38D45-8CAE-4E97-85B8-37C54DA752E6}"/>
+              </a:ext>
+            </a:extLst>
+          </p:cNvPr>
+          <p:cNvSpPr>
+            <a:spLocks noGrp="1"/>
+          </p:cNvSpPr>
+          <p:nvPr>
+            <p:ph type="sldNum" sz="quarter" idx="12"/>
+          </p:nvPr>
+        </p:nvSpPr>
+        <p:spPr/>
+        <p:txBody>
+          <a:bodyPr/>
+          <a:lstStyle/>
+          <a:p>
+            <a:fld id="{CE83F37B-76DB-4CB9-8167-97BED313ED8D}" type="slidenum">
+              <a:rPr lang="en-US" smtClean="0"/>
+              <a:t>16</a:t>
+            </a:fld>
+            <a:endParaRPr lang="en-US"/>
+          </a:p>
+        </p:txBody>
+      </p:sp>
     </p:spTree>
     <p:extLst>
       <p:ext uri="{BB962C8B-B14F-4D97-AF65-F5344CB8AC3E}">
@@ -9133,6 +9743,35 @@
           </a:graphicData>
         </a:graphic>
       </p:graphicFrame>
+      <p:sp>
+        <p:nvSpPr>
+          <p:cNvPr id="3" name="Slide Number Placeholder 2">
+            <a:extLst>
+              <a:ext uri="{FF2B5EF4-FFF2-40B4-BE49-F238E27FC236}">
+                <a16:creationId xmlns:a16="http://schemas.microsoft.com/office/drawing/2014/main" id="{EA58B07C-02B4-4D54-BF97-0ADD5969AC78}"/>
+              </a:ext>
+            </a:extLst>
+          </p:cNvPr>
+          <p:cNvSpPr>
+            <a:spLocks noGrp="1"/>
+          </p:cNvSpPr>
+          <p:nvPr>
+            <p:ph type="sldNum" sz="quarter" idx="12"/>
+          </p:nvPr>
+        </p:nvSpPr>
+        <p:spPr/>
+        <p:txBody>
+          <a:bodyPr/>
+          <a:lstStyle/>
+          <a:p>
+            <a:fld id="{CE83F37B-76DB-4CB9-8167-97BED313ED8D}" type="slidenum">
+              <a:rPr lang="en-US" smtClean="0"/>
+              <a:t>17</a:t>
+            </a:fld>
+            <a:endParaRPr lang="en-US"/>
+          </a:p>
+        </p:txBody>
+      </p:sp>
     </p:spTree>
     <p:extLst>
       <p:ext uri="{BB962C8B-B14F-4D97-AF65-F5344CB8AC3E}">
@@ -10899,6 +11538,35 @@
           </a:graphicData>
         </a:graphic>
       </p:graphicFrame>
+      <p:sp>
+        <p:nvSpPr>
+          <p:cNvPr id="2" name="Slide Number Placeholder 1">
+            <a:extLst>
+              <a:ext uri="{FF2B5EF4-FFF2-40B4-BE49-F238E27FC236}">
+                <a16:creationId xmlns:a16="http://schemas.microsoft.com/office/drawing/2014/main" id="{F9CAF46A-A69B-40EC-AB57-3A07D7955E31}"/>
+              </a:ext>
+            </a:extLst>
+          </p:cNvPr>
+          <p:cNvSpPr>
+            <a:spLocks noGrp="1"/>
+          </p:cNvSpPr>
+          <p:nvPr>
+            <p:ph type="sldNum" sz="quarter" idx="12"/>
+          </p:nvPr>
+        </p:nvSpPr>
+        <p:spPr/>
+        <p:txBody>
+          <a:bodyPr/>
+          <a:lstStyle/>
+          <a:p>
+            <a:fld id="{CE83F37B-76DB-4CB9-8167-97BED313ED8D}" type="slidenum">
+              <a:rPr lang="en-US" smtClean="0"/>
+              <a:t>18</a:t>
+            </a:fld>
+            <a:endParaRPr lang="en-US"/>
+          </a:p>
+        </p:txBody>
+      </p:sp>
     </p:spTree>
     <p:extLst>
       <p:ext uri="{BB962C8B-B14F-4D97-AF65-F5344CB8AC3E}">
@@ -11364,6 +12032,35 @@
           </a:p>
         </p:txBody>
       </p:sp>
+      <p:sp>
+        <p:nvSpPr>
+          <p:cNvPr id="3" name="Slide Number Placeholder 2">
+            <a:extLst>
+              <a:ext uri="{FF2B5EF4-FFF2-40B4-BE49-F238E27FC236}">
+                <a16:creationId xmlns:a16="http://schemas.microsoft.com/office/drawing/2014/main" id="{5B6A7986-0F70-4016-BD29-F4762AC7A171}"/>
+              </a:ext>
+            </a:extLst>
+          </p:cNvPr>
+          <p:cNvSpPr>
+            <a:spLocks noGrp="1"/>
+          </p:cNvSpPr>
+          <p:nvPr>
+            <p:ph type="sldNum" sz="quarter" idx="12"/>
+          </p:nvPr>
+        </p:nvSpPr>
+        <p:spPr/>
+        <p:txBody>
+          <a:bodyPr/>
+          <a:lstStyle/>
+          <a:p>
+            <a:fld id="{CE83F37B-76DB-4CB9-8167-97BED313ED8D}" type="slidenum">
+              <a:rPr lang="en-US" smtClean="0"/>
+              <a:t>19</a:t>
+            </a:fld>
+            <a:endParaRPr lang="en-US"/>
+          </a:p>
+        </p:txBody>
+      </p:sp>
     </p:spTree>
     <p:extLst>
       <p:ext uri="{BB962C8B-B14F-4D97-AF65-F5344CB8AC3E}">
@@ -11429,6 +12126,35 @@
           </a:xfrm>
         </p:spPr>
       </p:pic>
+      <p:sp>
+        <p:nvSpPr>
+          <p:cNvPr id="2" name="Slide Number Placeholder 1">
+            <a:extLst>
+              <a:ext uri="{FF2B5EF4-FFF2-40B4-BE49-F238E27FC236}">
+                <a16:creationId xmlns:a16="http://schemas.microsoft.com/office/drawing/2014/main" id="{D207C7F8-4817-4BD6-96AD-9ECC11F67EC9}"/>
+              </a:ext>
+            </a:extLst>
+          </p:cNvPr>
+          <p:cNvSpPr>
+            <a:spLocks noGrp="1"/>
+          </p:cNvSpPr>
+          <p:nvPr>
+            <p:ph type="sldNum" sz="quarter" idx="12"/>
+          </p:nvPr>
+        </p:nvSpPr>
+        <p:spPr/>
+        <p:txBody>
+          <a:bodyPr/>
+          <a:lstStyle/>
+          <a:p>
+            <a:fld id="{CE83F37B-76DB-4CB9-8167-97BED313ED8D}" type="slidenum">
+              <a:rPr lang="en-US" smtClean="0"/>
+              <a:t>2</a:t>
+            </a:fld>
+            <a:endParaRPr lang="en-US"/>
+          </a:p>
+        </p:txBody>
+      </p:sp>
     </p:spTree>
     <p:extLst>
       <p:ext uri="{BB962C8B-B14F-4D97-AF65-F5344CB8AC3E}">
@@ -14483,6 +15209,35 @@
           </a:p>
         </p:txBody>
       </p:sp>
+      <p:sp>
+        <p:nvSpPr>
+          <p:cNvPr id="5" name="Slide Number Placeholder 4">
+            <a:extLst>
+              <a:ext uri="{FF2B5EF4-FFF2-40B4-BE49-F238E27FC236}">
+                <a16:creationId xmlns:a16="http://schemas.microsoft.com/office/drawing/2014/main" id="{BD3151C2-B534-4279-9C1A-10D301B31FA7}"/>
+              </a:ext>
+            </a:extLst>
+          </p:cNvPr>
+          <p:cNvSpPr>
+            <a:spLocks noGrp="1"/>
+          </p:cNvSpPr>
+          <p:nvPr>
+            <p:ph type="sldNum" sz="quarter" idx="12"/>
+          </p:nvPr>
+        </p:nvSpPr>
+        <p:spPr/>
+        <p:txBody>
+          <a:bodyPr/>
+          <a:lstStyle/>
+          <a:p>
+            <a:fld id="{CE83F37B-76DB-4CB9-8167-97BED313ED8D}" type="slidenum">
+              <a:rPr lang="en-US" smtClean="0"/>
+              <a:t>20</a:t>
+            </a:fld>
+            <a:endParaRPr lang="en-US"/>
+          </a:p>
+        </p:txBody>
+      </p:sp>
     </p:spTree>
     <p:extLst>
       <p:ext uri="{BB962C8B-B14F-4D97-AF65-F5344CB8AC3E}">
@@ -16287,6 +17042,35 @@
           </a:graphicData>
         </a:graphic>
       </p:graphicFrame>
+      <p:sp>
+        <p:nvSpPr>
+          <p:cNvPr id="4" name="Slide Number Placeholder 3">
+            <a:extLst>
+              <a:ext uri="{FF2B5EF4-FFF2-40B4-BE49-F238E27FC236}">
+                <a16:creationId xmlns:a16="http://schemas.microsoft.com/office/drawing/2014/main" id="{BC0CADB4-64B7-4469-A8F4-2FCA2EFF9D0F}"/>
+              </a:ext>
+            </a:extLst>
+          </p:cNvPr>
+          <p:cNvSpPr>
+            <a:spLocks noGrp="1"/>
+          </p:cNvSpPr>
+          <p:nvPr>
+            <p:ph type="sldNum" sz="quarter" idx="12"/>
+          </p:nvPr>
+        </p:nvSpPr>
+        <p:spPr/>
+        <p:txBody>
+          <a:bodyPr/>
+          <a:lstStyle/>
+          <a:p>
+            <a:fld id="{CE83F37B-76DB-4CB9-8167-97BED313ED8D}" type="slidenum">
+              <a:rPr lang="en-US" smtClean="0"/>
+              <a:t>21</a:t>
+            </a:fld>
+            <a:endParaRPr lang="en-US"/>
+          </a:p>
+        </p:txBody>
+      </p:sp>
     </p:spTree>
     <p:extLst>
       <p:ext uri="{BB962C8B-B14F-4D97-AF65-F5344CB8AC3E}">
@@ -16357,7 +17141,7 @@
           <p:nvPr>
             <p:extLst>
               <p:ext uri="{D42A27DB-BD31-4B8C-83A1-F6EECF244321}">
-                <p14:modId xmlns:p14="http://schemas.microsoft.com/office/powerpoint/2010/main" val="393321785"/>
+                <p14:modId xmlns:p14="http://schemas.microsoft.com/office/powerpoint/2010/main" val="2600976119"/>
               </p:ext>
             </p:extLst>
           </p:nvPr>
@@ -16747,9 +17531,7 @@
                   </a:txBody>
                   <a:tcPr marL="9525" marR="9525" marT="9525" marB="0" anchor="ctr">
                     <a:solidFill>
-                      <a:schemeClr val="bg2">
-                        <a:lumMod val="75000"/>
-                      </a:schemeClr>
+                      <a:schemeClr val="accent2"/>
                     </a:solidFill>
                   </a:tcPr>
                 </a:tc>
@@ -16767,6 +17549,43 @@
                           <a:effectLst/>
                         </a:rPr>
                         <a:t>average</a:t>
+                      </a:r>
+                      <a:endParaRPr lang="en-US" sz="1100" b="0" i="0" u="none" strike="noStrike" dirty="0">
+                        <a:solidFill>
+                          <a:schemeClr val="tx1"/>
+                        </a:solidFill>
+                        <a:effectLst/>
+                        <a:latin typeface="Calibri" panose="020F0502020204030204" pitchFamily="34" charset="0"/>
+                      </a:endParaRPr>
+                    </a:p>
+                  </a:txBody>
+                  <a:tcPr marL="9525" marR="9525" marT="9525" marB="0" anchor="ctr">
+                    <a:solidFill>
+                      <a:schemeClr val="accent2"/>
+                    </a:solidFill>
+                  </a:tcPr>
+                </a:tc>
+                <a:extLst>
+                  <a:ext uri="{0D108BD9-81ED-4DB2-BD59-A6C34878D82A}">
+                    <a16:rowId xmlns:a16="http://schemas.microsoft.com/office/drawing/2014/main" val="2630565787"/>
+                  </a:ext>
+                </a:extLst>
+              </a:tr>
+              <a:tr h="800943">
+                <a:tc>
+                  <a:txBody>
+                    <a:bodyPr/>
+                    <a:lstStyle/>
+                    <a:p>
+                      <a:pPr algn="ctr" fontAlgn="ctr"/>
+                      <a:r>
+                        <a:rPr lang="en-US" sz="1100" u="none" strike="noStrike" dirty="0">
+                          <a:solidFill>
+                            <a:schemeClr val="tx1"/>
+                          </a:solidFill>
+                          <a:effectLst/>
+                        </a:rPr>
+                        <a:t>Reliability</a:t>
                       </a:r>
                       <a:endParaRPr lang="en-US" sz="1100" b="0" i="0" u="none" strike="noStrike" dirty="0">
                         <a:solidFill>
@@ -16785,9 +17604,216 @@
                     </a:solidFill>
                   </a:tcPr>
                 </a:tc>
+                <a:tc>
+                  <a:txBody>
+                    <a:bodyPr/>
+                    <a:lstStyle/>
+                    <a:p>
+                      <a:pPr algn="ctr" fontAlgn="b"/>
+                      <a:r>
+                        <a:rPr lang="en-US" sz="1100" u="none" strike="noStrike">
+                          <a:effectLst/>
+                        </a:rPr>
+                        <a:t>0.0410959</a:t>
+                      </a:r>
+                      <a:endParaRPr lang="en-US" sz="1100" b="0" i="0" u="none" strike="noStrike">
+                        <a:solidFill>
+                          <a:srgbClr val="000000"/>
+                        </a:solidFill>
+                        <a:effectLst/>
+                        <a:latin typeface="Calibri" panose="020F0502020204030204" pitchFamily="34" charset="0"/>
+                      </a:endParaRPr>
+                    </a:p>
+                  </a:txBody>
+                  <a:tcPr marL="9525" marR="9525" marT="9525" marB="0" anchor="ctr"/>
+                </a:tc>
+                <a:tc>
+                  <a:txBody>
+                    <a:bodyPr/>
+                    <a:lstStyle/>
+                    <a:p>
+                      <a:pPr algn="ctr" fontAlgn="b"/>
+                      <a:r>
+                        <a:rPr lang="en-US" sz="1100" u="none" strike="noStrike">
+                          <a:effectLst/>
+                        </a:rPr>
+                        <a:t>0.0137525</a:t>
+                      </a:r>
+                      <a:endParaRPr lang="en-US" sz="1100" b="0" i="0" u="none" strike="noStrike">
+                        <a:solidFill>
+                          <a:srgbClr val="000000"/>
+                        </a:solidFill>
+                        <a:effectLst/>
+                        <a:latin typeface="Calibri" panose="020F0502020204030204" pitchFamily="34" charset="0"/>
+                      </a:endParaRPr>
+                    </a:p>
+                  </a:txBody>
+                  <a:tcPr marL="9525" marR="9525" marT="9525" marB="0" anchor="ctr"/>
+                </a:tc>
+                <a:tc>
+                  <a:txBody>
+                    <a:bodyPr/>
+                    <a:lstStyle/>
+                    <a:p>
+                      <a:pPr algn="ctr" fontAlgn="b"/>
+                      <a:r>
+                        <a:rPr lang="en-US" sz="1100" u="none" strike="noStrike">
+                          <a:effectLst/>
+                        </a:rPr>
+                        <a:t>0.0289017</a:t>
+                      </a:r>
+                      <a:endParaRPr lang="en-US" sz="1100" b="0" i="0" u="none" strike="noStrike">
+                        <a:solidFill>
+                          <a:srgbClr val="000000"/>
+                        </a:solidFill>
+                        <a:effectLst/>
+                        <a:latin typeface="Calibri" panose="020F0502020204030204" pitchFamily="34" charset="0"/>
+                      </a:endParaRPr>
+                    </a:p>
+                  </a:txBody>
+                  <a:tcPr marL="9525" marR="9525" marT="9525" marB="0" anchor="ctr"/>
+                </a:tc>
+                <a:tc>
+                  <a:txBody>
+                    <a:bodyPr/>
+                    <a:lstStyle/>
+                    <a:p>
+                      <a:pPr algn="ctr" fontAlgn="b"/>
+                      <a:r>
+                        <a:rPr lang="en-US" sz="1100" u="none" strike="noStrike">
+                          <a:effectLst/>
+                        </a:rPr>
+                        <a:t>0.0936664</a:t>
+                      </a:r>
+                      <a:endParaRPr lang="en-US" sz="1100" b="0" i="0" u="none" strike="noStrike">
+                        <a:solidFill>
+                          <a:srgbClr val="000000"/>
+                        </a:solidFill>
+                        <a:effectLst/>
+                        <a:latin typeface="Calibri" panose="020F0502020204030204" pitchFamily="34" charset="0"/>
+                      </a:endParaRPr>
+                    </a:p>
+                  </a:txBody>
+                  <a:tcPr marL="9525" marR="9525" marT="9525" marB="0" anchor="ctr"/>
+                </a:tc>
+                <a:tc>
+                  <a:txBody>
+                    <a:bodyPr/>
+                    <a:lstStyle/>
+                    <a:p>
+                      <a:pPr algn="ctr" fontAlgn="b"/>
+                      <a:r>
+                        <a:rPr lang="en-US" sz="1100" u="none" strike="noStrike">
+                          <a:effectLst/>
+                        </a:rPr>
+                        <a:t>0.0909091</a:t>
+                      </a:r>
+                      <a:endParaRPr lang="en-US" sz="1100" b="0" i="0" u="none" strike="noStrike">
+                        <a:solidFill>
+                          <a:srgbClr val="000000"/>
+                        </a:solidFill>
+                        <a:effectLst/>
+                        <a:latin typeface="Calibri" panose="020F0502020204030204" pitchFamily="34" charset="0"/>
+                      </a:endParaRPr>
+                    </a:p>
+                  </a:txBody>
+                  <a:tcPr marL="9525" marR="9525" marT="9525" marB="0" anchor="ctr"/>
+                </a:tc>
+                <a:tc>
+                  <a:txBody>
+                    <a:bodyPr/>
+                    <a:lstStyle/>
+                    <a:p>
+                      <a:pPr algn="ctr" fontAlgn="b"/>
+                      <a:r>
+                        <a:rPr lang="en-US" sz="1100" u="none" strike="noStrike">
+                          <a:effectLst/>
+                        </a:rPr>
+                        <a:t>0.0198675</a:t>
+                      </a:r>
+                      <a:endParaRPr lang="en-US" sz="1100" b="0" i="0" u="none" strike="noStrike">
+                        <a:solidFill>
+                          <a:srgbClr val="000000"/>
+                        </a:solidFill>
+                        <a:effectLst/>
+                        <a:latin typeface="Calibri" panose="020F0502020204030204" pitchFamily="34" charset="0"/>
+                      </a:endParaRPr>
+                    </a:p>
+                  </a:txBody>
+                  <a:tcPr marL="9525" marR="9525" marT="9525" marB="0" anchor="ctr"/>
+                </a:tc>
+                <a:tc>
+                  <a:txBody>
+                    <a:bodyPr/>
+                    <a:lstStyle/>
+                    <a:p>
+                      <a:pPr algn="ctr" fontAlgn="b"/>
+                      <a:r>
+                        <a:rPr lang="en-US" sz="1100" u="none" strike="noStrike">
+                          <a:effectLst/>
+                        </a:rPr>
+                        <a:t>0.03791983</a:t>
+                      </a:r>
+                      <a:endParaRPr lang="en-US" sz="1100" b="0" i="0" u="none" strike="noStrike">
+                        <a:solidFill>
+                          <a:srgbClr val="000000"/>
+                        </a:solidFill>
+                        <a:effectLst/>
+                        <a:latin typeface="Calibri" panose="020F0502020204030204" pitchFamily="34" charset="0"/>
+                      </a:endParaRPr>
+                    </a:p>
+                  </a:txBody>
+                  <a:tcPr marL="9525" marR="9525" marT="9525" marB="0" anchor="ctr"/>
+                </a:tc>
+                <a:tc>
+                  <a:txBody>
+                    <a:bodyPr/>
+                    <a:lstStyle/>
+                    <a:p>
+                      <a:pPr algn="ctr" fontAlgn="b"/>
+                      <a:r>
+                        <a:rPr lang="en-US" sz="1100" u="none" strike="noStrike">
+                          <a:effectLst/>
+                        </a:rPr>
+                        <a:t>0.326113</a:t>
+                      </a:r>
+                      <a:endParaRPr lang="en-US" sz="1100" b="0" i="0" u="none" strike="noStrike">
+                        <a:solidFill>
+                          <a:srgbClr val="000000"/>
+                        </a:solidFill>
+                        <a:effectLst/>
+                        <a:latin typeface="Calibri" panose="020F0502020204030204" pitchFamily="34" charset="0"/>
+                      </a:endParaRPr>
+                    </a:p>
+                  </a:txBody>
+                  <a:tcPr marL="9525" marR="9525" marT="9525" marB="0" anchor="ctr"/>
+                </a:tc>
+                <a:tc>
+                  <a:txBody>
+                    <a:bodyPr/>
+                    <a:lstStyle/>
+                    <a:p>
+                      <a:pPr algn="ctr" fontAlgn="b"/>
+                      <a:r>
+                        <a:rPr lang="en-US" sz="1100" u="none" strike="noStrike" dirty="0">
+                          <a:effectLst/>
+                        </a:rPr>
+                        <a:t>0.081528</a:t>
+                      </a:r>
+                      <a:endParaRPr lang="en-US" sz="1100" b="0" i="0" u="none" strike="noStrike" dirty="0">
+                        <a:solidFill>
+                          <a:srgbClr val="000000"/>
+                        </a:solidFill>
+                        <a:effectLst/>
+                        <a:latin typeface="Calibri" panose="020F0502020204030204" pitchFamily="34" charset="0"/>
+                      </a:endParaRPr>
+                    </a:p>
+                  </a:txBody>
+                  <a:tcPr marL="9525" marR="9525" marT="9525" marB="0" anchor="ctr"/>
+                </a:tc>
                 <a:extLst>
                   <a:ext uri="{0D108BD9-81ED-4DB2-BD59-A6C34878D82A}">
-                    <a16:rowId xmlns:a16="http://schemas.microsoft.com/office/drawing/2014/main" val="2630565787"/>
+                    <a16:rowId xmlns:a16="http://schemas.microsoft.com/office/drawing/2014/main" val="1098046687"/>
                   </a:ext>
                 </a:extLst>
               </a:tr>
@@ -16805,7 +17831,7 @@
                           </a:solidFill>
                           <a:effectLst/>
                         </a:rPr>
-                        <a:t>Reliability</a:t>
+                        <a:t>Cost</a:t>
                       </a:r>
                       <a:endParaRPr lang="en-US" sz="1100" b="0" i="0" u="none" strike="noStrike" dirty="0">
                         <a:solidFill>
@@ -16834,7 +17860,7 @@
                         <a:rPr lang="en-US" sz="1100" u="none" strike="noStrike">
                           <a:effectLst/>
                         </a:rPr>
-                        <a:t>0.0410959</a:t>
+                        <a:t>0.2054795</a:t>
                       </a:r>
                       <a:endParaRPr lang="en-US" sz="1100" b="0" i="0" u="none" strike="noStrike">
                         <a:solidFill>
@@ -16857,7 +17883,7 @@
                         <a:rPr lang="en-US" sz="1100" u="none" strike="noStrike">
                           <a:effectLst/>
                         </a:rPr>
-                        <a:t>0.0137525</a:t>
+                        <a:t>0.0687623</a:t>
                       </a:r>
                       <a:endParaRPr lang="en-US" sz="1100" b="0" i="0" u="none" strike="noStrike">
                         <a:solidFill>
@@ -16880,7 +17906,7 @@
                         <a:rPr lang="en-US" sz="1100" u="none" strike="noStrike">
                           <a:effectLst/>
                         </a:rPr>
-                        <a:t>0.0289017</a:t>
+                        <a:t>0.0867052</a:t>
                       </a:r>
                       <a:endParaRPr lang="en-US" sz="1100" b="0" i="0" u="none" strike="noStrike">
                         <a:solidFill>
@@ -16903,7 +17929,7 @@
                         <a:rPr lang="en-US" sz="1100" u="none" strike="noStrike">
                           <a:effectLst/>
                         </a:rPr>
-                        <a:t>0.0936664</a:t>
+                        <a:t>0.0187333</a:t>
                       </a:r>
                       <a:endParaRPr lang="en-US" sz="1100" b="0" i="0" u="none" strike="noStrike">
                         <a:solidFill>
@@ -16926,7 +17952,7 @@
                         <a:rPr lang="en-US" sz="1100" u="none" strike="noStrike">
                           <a:effectLst/>
                         </a:rPr>
-                        <a:t>0.0909091</a:t>
+                        <a:t>0.2121212</a:t>
                       </a:r>
                       <a:endParaRPr lang="en-US" sz="1100" b="0" i="0" u="none" strike="noStrike">
                         <a:solidFill>
@@ -16949,7 +17975,7 @@
                         <a:rPr lang="en-US" sz="1100" u="none" strike="noStrike">
                           <a:effectLst/>
                         </a:rPr>
-                        <a:t>0.0198675</a:t>
+                        <a:t>0.4966887</a:t>
                       </a:r>
                       <a:endParaRPr lang="en-US" sz="1100" b="0" i="0" u="none" strike="noStrike">
                         <a:solidFill>
@@ -16972,7 +17998,7 @@
                         <a:rPr lang="en-US" sz="1100" u="none" strike="noStrike">
                           <a:effectLst/>
                         </a:rPr>
-                        <a:t>0.03791983</a:t>
+                        <a:t>0.04875406</a:t>
                       </a:r>
                       <a:endParaRPr lang="en-US" sz="1100" b="0" i="0" u="none" strike="noStrike">
                         <a:solidFill>
@@ -16995,7 +18021,7 @@
                         <a:rPr lang="en-US" sz="1100" u="none" strike="noStrike">
                           <a:effectLst/>
                         </a:rPr>
-                        <a:t>0.326113</a:t>
+                        <a:t>1.137244</a:t>
                       </a:r>
                       <a:endParaRPr lang="en-US" sz="1100" b="0" i="0" u="none" strike="noStrike">
                         <a:solidFill>
@@ -17018,7 +18044,7 @@
                         <a:rPr lang="en-US" sz="1100" u="none" strike="noStrike">
                           <a:effectLst/>
                         </a:rPr>
-                        <a:t>0.081528</a:t>
+                        <a:t>0.284311</a:t>
                       </a:r>
                       <a:endParaRPr lang="en-US" sz="1100" b="0" i="0" u="none" strike="noStrike">
                         <a:solidFill>
@@ -17033,7 +18059,7 @@
                 </a:tc>
                 <a:extLst>
                   <a:ext uri="{0D108BD9-81ED-4DB2-BD59-A6C34878D82A}">
-                    <a16:rowId xmlns:a16="http://schemas.microsoft.com/office/drawing/2014/main" val="1098046687"/>
+                    <a16:rowId xmlns:a16="http://schemas.microsoft.com/office/drawing/2014/main" val="570369303"/>
                   </a:ext>
                 </a:extLst>
               </a:tr>
@@ -17051,7 +18077,7 @@
                           </a:solidFill>
                           <a:effectLst/>
                         </a:rPr>
-                        <a:t>Cost</a:t>
+                        <a:t>Efficient</a:t>
                       </a:r>
                       <a:endParaRPr lang="en-US" sz="1100" b="0" i="0" u="none" strike="noStrike" dirty="0">
                         <a:solidFill>
@@ -17080,7 +18106,7 @@
                         <a:rPr lang="en-US" sz="1100" u="none" strike="noStrike">
                           <a:effectLst/>
                         </a:rPr>
-                        <a:t>0.2054795</a:t>
+                        <a:t>0.1232877</a:t>
                       </a:r>
                       <a:endParaRPr lang="en-US" sz="1100" b="0" i="0" u="none" strike="noStrike">
                         <a:solidFill>
@@ -17149,7 +18175,7 @@
                         <a:rPr lang="en-US" sz="1100" u="none" strike="noStrike">
                           <a:effectLst/>
                         </a:rPr>
-                        <a:t>0.0187333</a:t>
+                        <a:t>0.0312221</a:t>
                       </a:r>
                       <a:endParaRPr lang="en-US" sz="1100" b="0" i="0" u="none" strike="noStrike">
                         <a:solidFill>
@@ -17172,7 +18198,7 @@
                         <a:rPr lang="en-US" sz="1100" u="none" strike="noStrike">
                           <a:effectLst/>
                         </a:rPr>
-                        <a:t>0.2121212</a:t>
+                        <a:t>0.1515152</a:t>
                       </a:r>
                       <a:endParaRPr lang="en-US" sz="1100" b="0" i="0" u="none" strike="noStrike">
                         <a:solidFill>
@@ -17195,7 +18221,7 @@
                         <a:rPr lang="en-US" sz="1100" u="none" strike="noStrike">
                           <a:effectLst/>
                         </a:rPr>
-                        <a:t>0.4966887</a:t>
+                        <a:t>0.0198675</a:t>
                       </a:r>
                       <a:endParaRPr lang="en-US" sz="1100" b="0" i="0" u="none" strike="noStrike">
                         <a:solidFill>
@@ -17218,7 +18244,7 @@
                         <a:rPr lang="en-US" sz="1100" u="none" strike="noStrike">
                           <a:effectLst/>
                         </a:rPr>
-                        <a:t>0.04875406</a:t>
+                        <a:t>0.34127844</a:t>
                       </a:r>
                       <a:endParaRPr lang="en-US" sz="1100" b="0" i="0" u="none" strike="noStrike">
                         <a:solidFill>
@@ -17241,7 +18267,7 @@
                         <a:rPr lang="en-US" sz="1100" u="none" strike="noStrike">
                           <a:effectLst/>
                         </a:rPr>
-                        <a:t>1.137244</a:t>
+                        <a:t>0.822638</a:t>
                       </a:r>
                       <a:endParaRPr lang="en-US" sz="1100" b="0" i="0" u="none" strike="noStrike">
                         <a:solidFill>
@@ -17264,7 +18290,7 @@
                         <a:rPr lang="en-US" sz="1100" u="none" strike="noStrike">
                           <a:effectLst/>
                         </a:rPr>
-                        <a:t>0.284311</a:t>
+                        <a:t>0.20566</a:t>
                       </a:r>
                       <a:endParaRPr lang="en-US" sz="1100" b="0" i="0" u="none" strike="noStrike">
                         <a:solidFill>
@@ -17279,7 +18305,7 @@
                 </a:tc>
                 <a:extLst>
                   <a:ext uri="{0D108BD9-81ED-4DB2-BD59-A6C34878D82A}">
-                    <a16:rowId xmlns:a16="http://schemas.microsoft.com/office/drawing/2014/main" val="570369303"/>
+                    <a16:rowId xmlns:a16="http://schemas.microsoft.com/office/drawing/2014/main" val="934896486"/>
                   </a:ext>
                 </a:extLst>
               </a:tr>
@@ -17297,7 +18323,7 @@
                           </a:solidFill>
                           <a:effectLst/>
                         </a:rPr>
-                        <a:t>Efficient</a:t>
+                        <a:t>Endurance</a:t>
                       </a:r>
                       <a:endParaRPr lang="en-US" sz="1100" b="0" i="0" u="none" strike="noStrike" dirty="0">
                         <a:solidFill>
@@ -17326,7 +18352,7 @@
                         <a:rPr lang="en-US" sz="1100" u="none" strike="noStrike">
                           <a:effectLst/>
                         </a:rPr>
-                        <a:t>0.1232877</a:t>
+                        <a:t>0.0410959</a:t>
                       </a:r>
                       <a:endParaRPr lang="en-US" sz="1100" b="0" i="0" u="none" strike="noStrike">
                         <a:solidFill>
@@ -17349,7 +18375,7 @@
                         <a:rPr lang="en-US" sz="1100" u="none" strike="noStrike">
                           <a:effectLst/>
                         </a:rPr>
-                        <a:t>0.0687623</a:t>
+                        <a:t>0.3438114</a:t>
                       </a:r>
                       <a:endParaRPr lang="en-US" sz="1100" b="0" i="0" u="none" strike="noStrike">
                         <a:solidFill>
@@ -17372,7 +18398,7 @@
                         <a:rPr lang="en-US" sz="1100" u="none" strike="noStrike">
                           <a:effectLst/>
                         </a:rPr>
-                        <a:t>0.0867052</a:t>
+                        <a:t>0.2601156</a:t>
                       </a:r>
                       <a:endParaRPr lang="en-US" sz="1100" b="0" i="0" u="none" strike="noStrike">
                         <a:solidFill>
@@ -17395,7 +18421,7 @@
                         <a:rPr lang="en-US" sz="1100" u="none" strike="noStrike">
                           <a:effectLst/>
                         </a:rPr>
-                        <a:t>0.0312221</a:t>
+                        <a:t>0.0936664</a:t>
                       </a:r>
                       <a:endParaRPr lang="en-US" sz="1100" b="0" i="0" u="none" strike="noStrike">
                         <a:solidFill>
@@ -17418,7 +18444,7 @@
                         <a:rPr lang="en-US" sz="1100" u="none" strike="noStrike">
                           <a:effectLst/>
                         </a:rPr>
-                        <a:t>0.1515152</a:t>
+                        <a:t>0.2121212</a:t>
                       </a:r>
                       <a:endParaRPr lang="en-US" sz="1100" b="0" i="0" u="none" strike="noStrike">
                         <a:solidFill>
@@ -17441,7 +18467,7 @@
                         <a:rPr lang="en-US" sz="1100" u="none" strike="noStrike">
                           <a:effectLst/>
                         </a:rPr>
-                        <a:t>0.0198675</a:t>
+                        <a:t>0.0331126</a:t>
                       </a:r>
                       <a:endParaRPr lang="en-US" sz="1100" b="0" i="0" u="none" strike="noStrike">
                         <a:solidFill>
@@ -17464,7 +18490,7 @@
                         <a:rPr lang="en-US" sz="1100" u="none" strike="noStrike">
                           <a:effectLst/>
                         </a:rPr>
-                        <a:t>0.34127844</a:t>
+                        <a:t>0.06825569</a:t>
                       </a:r>
                       <a:endParaRPr lang="en-US" sz="1100" b="0" i="0" u="none" strike="noStrike">
                         <a:solidFill>
@@ -17487,7 +18513,7 @@
                         <a:rPr lang="en-US" sz="1100" u="none" strike="noStrike">
                           <a:effectLst/>
                         </a:rPr>
-                        <a:t>0.822638</a:t>
+                        <a:t>1.052179</a:t>
                       </a:r>
                       <a:endParaRPr lang="en-US" sz="1100" b="0" i="0" u="none" strike="noStrike">
                         <a:solidFill>
@@ -17510,7 +18536,7 @@
                         <a:rPr lang="en-US" sz="1100" u="none" strike="noStrike">
                           <a:effectLst/>
                         </a:rPr>
-                        <a:t>0.20566</a:t>
+                        <a:t>0.263045</a:t>
                       </a:r>
                       <a:endParaRPr lang="en-US" sz="1100" b="0" i="0" u="none" strike="noStrike">
                         <a:solidFill>
@@ -17525,7 +18551,7 @@
                 </a:tc>
                 <a:extLst>
                   <a:ext uri="{0D108BD9-81ED-4DB2-BD59-A6C34878D82A}">
-                    <a16:rowId xmlns:a16="http://schemas.microsoft.com/office/drawing/2014/main" val="934896486"/>
+                    <a16:rowId xmlns:a16="http://schemas.microsoft.com/office/drawing/2014/main" val="2094137178"/>
                   </a:ext>
                 </a:extLst>
               </a:tr>
@@ -17543,7 +18569,7 @@
                           </a:solidFill>
                           <a:effectLst/>
                         </a:rPr>
-                        <a:t>Endurance</a:t>
+                        <a:t>Safety</a:t>
                       </a:r>
                       <a:endParaRPr lang="en-US" sz="1100" b="0" i="0" u="none" strike="noStrike" dirty="0">
                         <a:solidFill>
@@ -17572,7 +18598,7 @@
                         <a:rPr lang="en-US" sz="1100" u="none" strike="noStrike">
                           <a:effectLst/>
                         </a:rPr>
-                        <a:t>0.0410959</a:t>
+                        <a:t>0.0136986</a:t>
                       </a:r>
                       <a:endParaRPr lang="en-US" sz="1100" b="0" i="0" u="none" strike="noStrike">
                         <a:solidFill>
@@ -17595,7 +18621,7 @@
                         <a:rPr lang="en-US" sz="1100" u="none" strike="noStrike">
                           <a:effectLst/>
                         </a:rPr>
-                        <a:t>0.3438114</a:t>
+                        <a:t>0.0098232</a:t>
                       </a:r>
                       <a:endParaRPr lang="en-US" sz="1100" b="0" i="0" u="none" strike="noStrike">
                         <a:solidFill>
@@ -17618,7 +18644,7 @@
                         <a:rPr lang="en-US" sz="1100" u="none" strike="noStrike">
                           <a:effectLst/>
                         </a:rPr>
-                        <a:t>0.2601156</a:t>
+                        <a:t>0.017341</a:t>
                       </a:r>
                       <a:endParaRPr lang="en-US" sz="1100" b="0" i="0" u="none" strike="noStrike">
                         <a:solidFill>
@@ -17641,7 +18667,7 @@
                         <a:rPr lang="en-US" sz="1100" u="none" strike="noStrike">
                           <a:effectLst/>
                         </a:rPr>
-                        <a:t>0.0936664</a:t>
+                        <a:t>0.0133809</a:t>
                       </a:r>
                       <a:endParaRPr lang="en-US" sz="1100" b="0" i="0" u="none" strike="noStrike">
                         <a:solidFill>
@@ -17664,7 +18690,7 @@
                         <a:rPr lang="en-US" sz="1100" u="none" strike="noStrike">
                           <a:effectLst/>
                         </a:rPr>
-                        <a:t>0.2121212</a:t>
+                        <a:t>0.030303</a:t>
                       </a:r>
                       <a:endParaRPr lang="en-US" sz="1100" b="0" i="0" u="none" strike="noStrike">
                         <a:solidFill>
@@ -17710,7 +18736,7 @@
                         <a:rPr lang="en-US" sz="1100" u="none" strike="noStrike">
                           <a:effectLst/>
                         </a:rPr>
-                        <a:t>0.06825569</a:t>
+                        <a:t>0.04875406</a:t>
                       </a:r>
                       <a:endParaRPr lang="en-US" sz="1100" b="0" i="0" u="none" strike="noStrike">
                         <a:solidFill>
@@ -17733,7 +18759,7 @@
                         <a:rPr lang="en-US" sz="1100" u="none" strike="noStrike">
                           <a:effectLst/>
                         </a:rPr>
-                        <a:t>1.052179</a:t>
+                        <a:t>0.166413</a:t>
                       </a:r>
                       <a:endParaRPr lang="en-US" sz="1100" b="0" i="0" u="none" strike="noStrike">
                         <a:solidFill>
@@ -17752,48 +18778,18 @@
                     <a:lstStyle/>
                     <a:p>
                       <a:pPr algn="ctr" fontAlgn="b"/>
-                      <a:r>
-                        <a:rPr lang="en-US" sz="1100" u="none" strike="noStrike">
-                          <a:effectLst/>
-                        </a:rPr>
-                        <a:t>0.263045</a:t>
-                      </a:r>
-                      <a:endParaRPr lang="en-US" sz="1100" b="0" i="0" u="none" strike="noStrike">
-                        <a:solidFill>
-                          <a:srgbClr val="000000"/>
-                        </a:solidFill>
-                        <a:effectLst/>
-                        <a:latin typeface="Calibri" panose="020F0502020204030204" pitchFamily="34" charset="0"/>
-                      </a:endParaRPr>
-                    </a:p>
-                  </a:txBody>
-                  <a:tcPr marL="9525" marR="9525" marT="9525" marB="0" anchor="ctr"/>
-                </a:tc>
-                <a:extLst>
-                  <a:ext uri="{0D108BD9-81ED-4DB2-BD59-A6C34878D82A}">
-                    <a16:rowId xmlns:a16="http://schemas.microsoft.com/office/drawing/2014/main" val="2094137178"/>
-                  </a:ext>
-                </a:extLst>
-              </a:tr>
-              <a:tr h="800943">
-                <a:tc>
-                  <a:txBody>
-                    <a:bodyPr/>
-                    <a:lstStyle/>
-                    <a:p>
-                      <a:pPr algn="ctr" fontAlgn="ctr"/>
                       <a:r>
                         <a:rPr lang="en-US" sz="1100" u="none" strike="noStrike" dirty="0">
                           <a:solidFill>
-                            <a:schemeClr val="tx1"/>
+                            <a:schemeClr val="bg1"/>
                           </a:solidFill>
                           <a:effectLst/>
                         </a:rPr>
-                        <a:t>Safety</a:t>
+                        <a:t>0.041603</a:t>
                       </a:r>
                       <a:endParaRPr lang="en-US" sz="1100" b="0" i="0" u="none" strike="noStrike" dirty="0">
                         <a:solidFill>
-                          <a:schemeClr val="tx1"/>
+                          <a:schemeClr val="bg1"/>
                         </a:solidFill>
                         <a:effectLst/>
                         <a:latin typeface="Calibri" panose="020F0502020204030204" pitchFamily="34" charset="0"/>
@@ -17802,218 +18798,9 @@
                   </a:txBody>
                   <a:tcPr marL="9525" marR="9525" marT="9525" marB="0" anchor="ctr">
                     <a:solidFill>
-                      <a:schemeClr val="bg2">
-                        <a:lumMod val="75000"/>
-                      </a:schemeClr>
+                      <a:srgbClr val="00B050"/>
                     </a:solidFill>
                   </a:tcPr>
-                </a:tc>
-                <a:tc>
-                  <a:txBody>
-                    <a:bodyPr/>
-                    <a:lstStyle/>
-                    <a:p>
-                      <a:pPr algn="ctr" fontAlgn="b"/>
-                      <a:r>
-                        <a:rPr lang="en-US" sz="1100" u="none" strike="noStrike">
-                          <a:effectLst/>
-                        </a:rPr>
-                        <a:t>0.0136986</a:t>
-                      </a:r>
-                      <a:endParaRPr lang="en-US" sz="1100" b="0" i="0" u="none" strike="noStrike">
-                        <a:solidFill>
-                          <a:srgbClr val="000000"/>
-                        </a:solidFill>
-                        <a:effectLst/>
-                        <a:latin typeface="Calibri" panose="020F0502020204030204" pitchFamily="34" charset="0"/>
-                      </a:endParaRPr>
-                    </a:p>
-                  </a:txBody>
-                  <a:tcPr marL="9525" marR="9525" marT="9525" marB="0" anchor="ctr"/>
-                </a:tc>
-                <a:tc>
-                  <a:txBody>
-                    <a:bodyPr/>
-                    <a:lstStyle/>
-                    <a:p>
-                      <a:pPr algn="ctr" fontAlgn="b"/>
-                      <a:r>
-                        <a:rPr lang="en-US" sz="1100" u="none" strike="noStrike">
-                          <a:effectLst/>
-                        </a:rPr>
-                        <a:t>0.0098232</a:t>
-                      </a:r>
-                      <a:endParaRPr lang="en-US" sz="1100" b="0" i="0" u="none" strike="noStrike">
-                        <a:solidFill>
-                          <a:srgbClr val="000000"/>
-                        </a:solidFill>
-                        <a:effectLst/>
-                        <a:latin typeface="Calibri" panose="020F0502020204030204" pitchFamily="34" charset="0"/>
-                      </a:endParaRPr>
-                    </a:p>
-                  </a:txBody>
-                  <a:tcPr marL="9525" marR="9525" marT="9525" marB="0" anchor="ctr"/>
-                </a:tc>
-                <a:tc>
-                  <a:txBody>
-                    <a:bodyPr/>
-                    <a:lstStyle/>
-                    <a:p>
-                      <a:pPr algn="ctr" fontAlgn="b"/>
-                      <a:r>
-                        <a:rPr lang="en-US" sz="1100" u="none" strike="noStrike">
-                          <a:effectLst/>
-                        </a:rPr>
-                        <a:t>0.017341</a:t>
-                      </a:r>
-                      <a:endParaRPr lang="en-US" sz="1100" b="0" i="0" u="none" strike="noStrike">
-                        <a:solidFill>
-                          <a:srgbClr val="000000"/>
-                        </a:solidFill>
-                        <a:effectLst/>
-                        <a:latin typeface="Calibri" panose="020F0502020204030204" pitchFamily="34" charset="0"/>
-                      </a:endParaRPr>
-                    </a:p>
-                  </a:txBody>
-                  <a:tcPr marL="9525" marR="9525" marT="9525" marB="0" anchor="ctr"/>
-                </a:tc>
-                <a:tc>
-                  <a:txBody>
-                    <a:bodyPr/>
-                    <a:lstStyle/>
-                    <a:p>
-                      <a:pPr algn="ctr" fontAlgn="b"/>
-                      <a:r>
-                        <a:rPr lang="en-US" sz="1100" u="none" strike="noStrike">
-                          <a:effectLst/>
-                        </a:rPr>
-                        <a:t>0.0133809</a:t>
-                      </a:r>
-                      <a:endParaRPr lang="en-US" sz="1100" b="0" i="0" u="none" strike="noStrike">
-                        <a:solidFill>
-                          <a:srgbClr val="000000"/>
-                        </a:solidFill>
-                        <a:effectLst/>
-                        <a:latin typeface="Calibri" panose="020F0502020204030204" pitchFamily="34" charset="0"/>
-                      </a:endParaRPr>
-                    </a:p>
-                  </a:txBody>
-                  <a:tcPr marL="9525" marR="9525" marT="9525" marB="0" anchor="ctr"/>
-                </a:tc>
-                <a:tc>
-                  <a:txBody>
-                    <a:bodyPr/>
-                    <a:lstStyle/>
-                    <a:p>
-                      <a:pPr algn="ctr" fontAlgn="b"/>
-                      <a:r>
-                        <a:rPr lang="en-US" sz="1100" u="none" strike="noStrike">
-                          <a:effectLst/>
-                        </a:rPr>
-                        <a:t>0.030303</a:t>
-                      </a:r>
-                      <a:endParaRPr lang="en-US" sz="1100" b="0" i="0" u="none" strike="noStrike">
-                        <a:solidFill>
-                          <a:srgbClr val="000000"/>
-                        </a:solidFill>
-                        <a:effectLst/>
-                        <a:latin typeface="Calibri" panose="020F0502020204030204" pitchFamily="34" charset="0"/>
-                      </a:endParaRPr>
-                    </a:p>
-                  </a:txBody>
-                  <a:tcPr marL="9525" marR="9525" marT="9525" marB="0" anchor="ctr"/>
-                </a:tc>
-                <a:tc>
-                  <a:txBody>
-                    <a:bodyPr/>
-                    <a:lstStyle/>
-                    <a:p>
-                      <a:pPr algn="ctr" fontAlgn="b"/>
-                      <a:r>
-                        <a:rPr lang="en-US" sz="1100" u="none" strike="noStrike">
-                          <a:effectLst/>
-                        </a:rPr>
-                        <a:t>0.0331126</a:t>
-                      </a:r>
-                      <a:endParaRPr lang="en-US" sz="1100" b="0" i="0" u="none" strike="noStrike">
-                        <a:solidFill>
-                          <a:srgbClr val="000000"/>
-                        </a:solidFill>
-                        <a:effectLst/>
-                        <a:latin typeface="Calibri" panose="020F0502020204030204" pitchFamily="34" charset="0"/>
-                      </a:endParaRPr>
-                    </a:p>
-                  </a:txBody>
-                  <a:tcPr marL="9525" marR="9525" marT="9525" marB="0" anchor="ctr"/>
-                </a:tc>
-                <a:tc>
-                  <a:txBody>
-                    <a:bodyPr/>
-                    <a:lstStyle/>
-                    <a:p>
-                      <a:pPr algn="ctr" fontAlgn="b"/>
-                      <a:r>
-                        <a:rPr lang="en-US" sz="1100" u="none" strike="noStrike">
-                          <a:effectLst/>
-                        </a:rPr>
-                        <a:t>0.04875406</a:t>
-                      </a:r>
-                      <a:endParaRPr lang="en-US" sz="1100" b="0" i="0" u="none" strike="noStrike">
-                        <a:solidFill>
-                          <a:srgbClr val="000000"/>
-                        </a:solidFill>
-                        <a:effectLst/>
-                        <a:latin typeface="Calibri" panose="020F0502020204030204" pitchFamily="34" charset="0"/>
-                      </a:endParaRPr>
-                    </a:p>
-                  </a:txBody>
-                  <a:tcPr marL="9525" marR="9525" marT="9525" marB="0" anchor="ctr"/>
-                </a:tc>
-                <a:tc>
-                  <a:txBody>
-                    <a:bodyPr/>
-                    <a:lstStyle/>
-                    <a:p>
-                      <a:pPr algn="ctr" fontAlgn="b"/>
-                      <a:r>
-                        <a:rPr lang="en-US" sz="1100" u="none" strike="noStrike">
-                          <a:effectLst/>
-                        </a:rPr>
-                        <a:t>0.166413</a:t>
-                      </a:r>
-                      <a:endParaRPr lang="en-US" sz="1100" b="0" i="0" u="none" strike="noStrike">
-                        <a:solidFill>
-                          <a:srgbClr val="000000"/>
-                        </a:solidFill>
-                        <a:effectLst/>
-                        <a:latin typeface="Calibri" panose="020F0502020204030204" pitchFamily="34" charset="0"/>
-                      </a:endParaRPr>
-                    </a:p>
-                  </a:txBody>
-                  <a:tcPr marL="9525" marR="9525" marT="9525" marB="0" anchor="ctr"/>
-                </a:tc>
-                <a:tc>
-                  <a:txBody>
-                    <a:bodyPr/>
-                    <a:lstStyle/>
-                    <a:p>
-                      <a:pPr algn="ctr" fontAlgn="b"/>
-                      <a:r>
-                        <a:rPr lang="en-US" sz="1100" u="none" strike="noStrike">
-                          <a:effectLst/>
-                        </a:rPr>
-                        <a:t>0.041603</a:t>
-                      </a:r>
-                      <a:endParaRPr lang="en-US" sz="1100" b="0" i="0" u="none" strike="noStrike">
-                        <a:solidFill>
-                          <a:srgbClr val="000000"/>
-                        </a:solidFill>
-                        <a:effectLst/>
-                        <a:latin typeface="Calibri" panose="020F0502020204030204" pitchFamily="34" charset="0"/>
-                      </a:endParaRPr>
-                    </a:p>
-                  </a:txBody>
-                  <a:tcPr marL="9525" marR="9525" marT="9525" marB="0" anchor="ctr"/>
                 </a:tc>
                 <a:extLst>
                   <a:ext uri="{0D108BD9-81ED-4DB2-BD59-A6C34878D82A}">
@@ -18517,6 +19304,35 @@
           </a:graphicData>
         </a:graphic>
       </p:graphicFrame>
+      <p:sp>
+        <p:nvSpPr>
+          <p:cNvPr id="4" name="Slide Number Placeholder 3">
+            <a:extLst>
+              <a:ext uri="{FF2B5EF4-FFF2-40B4-BE49-F238E27FC236}">
+                <a16:creationId xmlns:a16="http://schemas.microsoft.com/office/drawing/2014/main" id="{B86EF0DC-59B5-4C98-8D40-2AF2B87AB72E}"/>
+              </a:ext>
+            </a:extLst>
+          </p:cNvPr>
+          <p:cNvSpPr>
+            <a:spLocks noGrp="1"/>
+          </p:cNvSpPr>
+          <p:nvPr>
+            <p:ph type="sldNum" sz="quarter" idx="12"/>
+          </p:nvPr>
+        </p:nvSpPr>
+        <p:spPr/>
+        <p:txBody>
+          <a:bodyPr/>
+          <a:lstStyle/>
+          <a:p>
+            <a:fld id="{CE83F37B-76DB-4CB9-8167-97BED313ED8D}" type="slidenum">
+              <a:rPr lang="en-US" smtClean="0"/>
+              <a:t>22</a:t>
+            </a:fld>
+            <a:endParaRPr lang="en-US"/>
+          </a:p>
+        </p:txBody>
+      </p:sp>
     </p:spTree>
     <p:extLst>
       <p:ext uri="{BB962C8B-B14F-4D97-AF65-F5344CB8AC3E}">
@@ -21672,6 +22488,35 @@
           </a:graphicData>
         </a:graphic>
       </p:graphicFrame>
+      <p:sp>
+        <p:nvSpPr>
+          <p:cNvPr id="4" name="Slide Number Placeholder 3">
+            <a:extLst>
+              <a:ext uri="{FF2B5EF4-FFF2-40B4-BE49-F238E27FC236}">
+                <a16:creationId xmlns:a16="http://schemas.microsoft.com/office/drawing/2014/main" id="{EFB92AF4-0354-43F7-9402-0431C869DE3E}"/>
+              </a:ext>
+            </a:extLst>
+          </p:cNvPr>
+          <p:cNvSpPr>
+            <a:spLocks noGrp="1"/>
+          </p:cNvSpPr>
+          <p:nvPr>
+            <p:ph type="sldNum" sz="quarter" idx="12"/>
+          </p:nvPr>
+        </p:nvSpPr>
+        <p:spPr/>
+        <p:txBody>
+          <a:bodyPr/>
+          <a:lstStyle/>
+          <a:p>
+            <a:fld id="{CE83F37B-76DB-4CB9-8167-97BED313ED8D}" type="slidenum">
+              <a:rPr lang="en-US" smtClean="0"/>
+              <a:t>23</a:t>
+            </a:fld>
+            <a:endParaRPr lang="en-US"/>
+          </a:p>
+        </p:txBody>
+      </p:sp>
     </p:spTree>
     <p:extLst>
       <p:ext uri="{BB962C8B-B14F-4D97-AF65-F5344CB8AC3E}">
@@ -21742,13 +22587,13 @@
           <p:nvPr>
             <p:extLst>
               <p:ext uri="{D42A27DB-BD31-4B8C-83A1-F6EECF244321}">
-                <p14:modId xmlns:p14="http://schemas.microsoft.com/office/powerpoint/2010/main" val="3874527579"/>
+                <p14:modId xmlns:p14="http://schemas.microsoft.com/office/powerpoint/2010/main" val="246764212"/>
               </p:ext>
             </p:extLst>
           </p:nvPr>
         </p:nvGraphicFramePr>
         <p:xfrm>
-          <a:off x="684212" y="449943"/>
+          <a:off x="684212" y="186100"/>
           <a:ext cx="10201500" cy="6485799"/>
         </p:xfrm>
         <a:graphic>
@@ -22131,7 +22976,7 @@
                     <a:lstStyle/>
                     <a:p>
                       <a:pPr algn="ctr" fontAlgn="b"/>
-                      <a:endParaRPr lang="en-US" sz="1100" b="0" i="0" u="none" strike="noStrike">
+                      <a:endParaRPr lang="en-US" sz="1100" b="0" i="0" u="none" strike="noStrike" dirty="0">
                         <a:solidFill>
                           <a:schemeClr val="tx1"/>
                         </a:solidFill>
@@ -22142,8 +22987,9 @@
                   </a:txBody>
                   <a:tcPr marL="9525" marR="9525" marT="9525" marB="0" anchor="b">
                     <a:solidFill>
-                      <a:schemeClr val="bg2">
-                        <a:lumMod val="75000"/>
+                      <a:schemeClr val="accent2">
+                        <a:lumMod val="60000"/>
+                        <a:lumOff val="40000"/>
                       </a:schemeClr>
                     </a:solidFill>
                   </a:tcPr>
@@ -22165,8 +23011,9 @@
                   </a:txBody>
                   <a:tcPr marL="9525" marR="9525" marT="9525" marB="0" anchor="b">
                     <a:solidFill>
-                      <a:schemeClr val="bg2">
-                        <a:lumMod val="75000"/>
+                      <a:schemeClr val="accent2">
+                        <a:lumMod val="60000"/>
+                        <a:lumOff val="40000"/>
                       </a:schemeClr>
                     </a:solidFill>
                   </a:tcPr>
@@ -22545,44 +23392,45 @@
                     <a:p>
                       <a:pPr algn="ctr" fontAlgn="b"/>
                       <a:r>
-                        <a:rPr lang="en-US" sz="1100" u="none" strike="noStrike">
-                          <a:solidFill>
-                            <a:schemeClr val="tx1"/>
-                          </a:solidFill>
-                          <a:effectLst/>
-                        </a:rPr>
-                        <a:t>sum</a:t>
-                      </a:r>
-                      <a:endParaRPr lang="en-US" sz="1100" b="0" i="0" u="none" strike="noStrike">
-                        <a:solidFill>
-                          <a:schemeClr val="tx1"/>
-                        </a:solidFill>
-                        <a:effectLst/>
-                        <a:latin typeface="Calibri" panose="020F0502020204030204" pitchFamily="34" charset="0"/>
-                      </a:endParaRPr>
-                    </a:p>
-                  </a:txBody>
-                  <a:tcPr marL="9525" marR="9525" marT="9525" marB="0" anchor="b">
-                    <a:solidFill>
-                      <a:schemeClr val="bg2">
-                        <a:lumMod val="75000"/>
-                      </a:schemeClr>
-                    </a:solidFill>
-                  </a:tcPr>
-                </a:tc>
-                <a:tc>
-                  <a:txBody>
-                    <a:bodyPr/>
-                    <a:lstStyle/>
-                    <a:p>
-                      <a:pPr algn="ctr" fontAlgn="b"/>
-                      <a:r>
                         <a:rPr lang="en-US" sz="1100" u="none" strike="noStrike" dirty="0">
                           <a:solidFill>
                             <a:schemeClr val="tx1"/>
                           </a:solidFill>
                           <a:effectLst/>
                         </a:rPr>
+                        <a:t>sum</a:t>
+                      </a:r>
+                      <a:endParaRPr lang="en-US" sz="1100" b="0" i="0" u="none" strike="noStrike" dirty="0">
+                        <a:solidFill>
+                          <a:schemeClr val="tx1"/>
+                        </a:solidFill>
+                        <a:effectLst/>
+                        <a:latin typeface="Calibri" panose="020F0502020204030204" pitchFamily="34" charset="0"/>
+                      </a:endParaRPr>
+                    </a:p>
+                  </a:txBody>
+                  <a:tcPr marL="9525" marR="9525" marT="9525" marB="0" anchor="ctr">
+                    <a:solidFill>
+                      <a:schemeClr val="accent2">
+                        <a:lumMod val="60000"/>
+                        <a:lumOff val="40000"/>
+                      </a:schemeClr>
+                    </a:solidFill>
+                  </a:tcPr>
+                </a:tc>
+                <a:tc>
+                  <a:txBody>
+                    <a:bodyPr/>
+                    <a:lstStyle/>
+                    <a:p>
+                      <a:pPr algn="ctr" fontAlgn="b"/>
+                      <a:r>
+                        <a:rPr lang="en-US" sz="1100" u="none" strike="noStrike" dirty="0">
+                          <a:solidFill>
+                            <a:schemeClr val="tx1"/>
+                          </a:solidFill>
+                          <a:effectLst/>
+                        </a:rPr>
                         <a:t>Average</a:t>
                       </a:r>
                       <a:endParaRPr lang="en-US" sz="1100" b="0" i="0" u="none" strike="noStrike" dirty="0">
@@ -22594,10 +23442,11 @@
                       </a:endParaRPr>
                     </a:p>
                   </a:txBody>
-                  <a:tcPr marL="9525" marR="9525" marT="9525" marB="0" anchor="b">
+                  <a:tcPr marL="9525" marR="9525" marT="9525" marB="0" anchor="ctr">
                     <a:solidFill>
-                      <a:schemeClr val="bg2">
-                        <a:lumMod val="75000"/>
+                      <a:schemeClr val="accent2">
+                        <a:lumMod val="60000"/>
+                        <a:lumOff val="40000"/>
                       </a:schemeClr>
                     </a:solidFill>
                   </a:tcPr>
@@ -22694,7 +23543,7 @@
                       </a:endParaRPr>
                     </a:p>
                   </a:txBody>
-                  <a:tcPr marL="9525" marR="9525" marT="9525" marB="0" anchor="b"/>
+                  <a:tcPr marL="9525" marR="9525" marT="9525" marB="0" anchor="ctr"/>
                 </a:tc>
                 <a:tc>
                   <a:txBody>
@@ -22717,7 +23566,7 @@
                       </a:endParaRPr>
                     </a:p>
                   </a:txBody>
-                  <a:tcPr marL="9525" marR="9525" marT="9525" marB="0" anchor="b"/>
+                  <a:tcPr marL="9525" marR="9525" marT="9525" marB="0" anchor="ctr"/>
                 </a:tc>
                 <a:tc>
                   <a:txBody>
@@ -22740,7 +23589,7 @@
                       </a:endParaRPr>
                     </a:p>
                   </a:txBody>
-                  <a:tcPr marL="9525" marR="9525" marT="9525" marB="0" anchor="b"/>
+                  <a:tcPr marL="9525" marR="9525" marT="9525" marB="0" anchor="ctr"/>
                 </a:tc>
                 <a:tc>
                   <a:txBody>
@@ -22763,7 +23612,7 @@
                       </a:endParaRPr>
                     </a:p>
                   </a:txBody>
-                  <a:tcPr marL="9525" marR="9525" marT="9525" marB="0" anchor="b"/>
+                  <a:tcPr marL="9525" marR="9525" marT="9525" marB="0" anchor="ctr"/>
                 </a:tc>
                 <a:tc>
                   <a:txBody>
@@ -22786,7 +23635,7 @@
                       </a:endParaRPr>
                     </a:p>
                   </a:txBody>
-                  <a:tcPr marL="9525" marR="9525" marT="9525" marB="0" anchor="b"/>
+                  <a:tcPr marL="9525" marR="9525" marT="9525" marB="0" anchor="ctr"/>
                 </a:tc>
                 <a:tc>
                   <a:txBody>
@@ -22809,7 +23658,7 @@
                       </a:endParaRPr>
                     </a:p>
                   </a:txBody>
-                  <a:tcPr marL="9525" marR="9525" marT="9525" marB="0" anchor="b"/>
+                  <a:tcPr marL="9525" marR="9525" marT="9525" marB="0" anchor="ctr"/>
                 </a:tc>
                 <a:tc>
                   <a:txBody>
@@ -22832,7 +23681,7 @@
                       </a:endParaRPr>
                     </a:p>
                   </a:txBody>
-                  <a:tcPr marL="9525" marR="9525" marT="9525" marB="0" anchor="b"/>
+                  <a:tcPr marL="9525" marR="9525" marT="9525" marB="0" anchor="ctr"/>
                 </a:tc>
                 <a:tc>
                   <a:txBody>
@@ -22855,7 +23704,7 @@
                       </a:endParaRPr>
                     </a:p>
                   </a:txBody>
-                  <a:tcPr marL="9525" marR="9525" marT="9525" marB="0" anchor="b"/>
+                  <a:tcPr marL="9525" marR="9525" marT="9525" marB="0" anchor="ctr"/>
                 </a:tc>
                 <a:tc>
                   <a:txBody>
@@ -22878,7 +23727,7 @@
                       </a:endParaRPr>
                     </a:p>
                   </a:txBody>
-                  <a:tcPr marL="9525" marR="9525" marT="9525" marB="0" anchor="b"/>
+                  <a:tcPr marL="9525" marR="9525" marT="9525" marB="0" anchor="ctr"/>
                 </a:tc>
                 <a:tc>
                   <a:txBody>
@@ -22901,7 +23750,7 @@
                       </a:endParaRPr>
                     </a:p>
                   </a:txBody>
-                  <a:tcPr marL="9525" marR="9525" marT="9525" marB="0" anchor="b"/>
+                  <a:tcPr marL="9525" marR="9525" marT="9525" marB="0" anchor="ctr"/>
                 </a:tc>
                 <a:tc>
                   <a:txBody>
@@ -22924,7 +23773,7 @@
                       </a:endParaRPr>
                     </a:p>
                   </a:txBody>
-                  <a:tcPr marL="9525" marR="9525" marT="9525" marB="0" anchor="b"/>
+                  <a:tcPr marL="9525" marR="9525" marT="9525" marB="0" anchor="ctr"/>
                 </a:tc>
                 <a:extLst>
                   <a:ext uri="{0D108BD9-81ED-4DB2-BD59-A6C34878D82A}">
@@ -22996,7 +23845,7 @@
                       </a:endParaRPr>
                     </a:p>
                   </a:txBody>
-                  <a:tcPr marL="9525" marR="9525" marT="9525" marB="0" anchor="b"/>
+                  <a:tcPr marL="9525" marR="9525" marT="9525" marB="0" anchor="ctr"/>
                 </a:tc>
                 <a:tc>
                   <a:txBody>
@@ -23019,7 +23868,7 @@
                       </a:endParaRPr>
                     </a:p>
                   </a:txBody>
-                  <a:tcPr marL="9525" marR="9525" marT="9525" marB="0" anchor="b"/>
+                  <a:tcPr marL="9525" marR="9525" marT="9525" marB="0" anchor="ctr"/>
                 </a:tc>
                 <a:tc>
                   <a:txBody>
@@ -23042,7 +23891,7 @@
                       </a:endParaRPr>
                     </a:p>
                   </a:txBody>
-                  <a:tcPr marL="9525" marR="9525" marT="9525" marB="0" anchor="b"/>
+                  <a:tcPr marL="9525" marR="9525" marT="9525" marB="0" anchor="ctr"/>
                 </a:tc>
                 <a:tc>
                   <a:txBody>
@@ -23065,7 +23914,7 @@
                       </a:endParaRPr>
                     </a:p>
                   </a:txBody>
-                  <a:tcPr marL="9525" marR="9525" marT="9525" marB="0" anchor="b"/>
+                  <a:tcPr marL="9525" marR="9525" marT="9525" marB="0" anchor="ctr"/>
                 </a:tc>
                 <a:tc>
                   <a:txBody>
@@ -23088,7 +23937,7 @@
                       </a:endParaRPr>
                     </a:p>
                   </a:txBody>
-                  <a:tcPr marL="9525" marR="9525" marT="9525" marB="0" anchor="b"/>
+                  <a:tcPr marL="9525" marR="9525" marT="9525" marB="0" anchor="ctr"/>
                 </a:tc>
                 <a:tc>
                   <a:txBody>
@@ -23111,7 +23960,7 @@
                       </a:endParaRPr>
                     </a:p>
                   </a:txBody>
-                  <a:tcPr marL="9525" marR="9525" marT="9525" marB="0" anchor="b"/>
+                  <a:tcPr marL="9525" marR="9525" marT="9525" marB="0" anchor="ctr"/>
                 </a:tc>
                 <a:tc>
                   <a:txBody>
@@ -23134,7 +23983,7 @@
                       </a:endParaRPr>
                     </a:p>
                   </a:txBody>
-                  <a:tcPr marL="9525" marR="9525" marT="9525" marB="0" anchor="b"/>
+                  <a:tcPr marL="9525" marR="9525" marT="9525" marB="0" anchor="ctr"/>
                 </a:tc>
                 <a:tc>
                   <a:txBody>
@@ -23157,7 +24006,7 @@
                       </a:endParaRPr>
                     </a:p>
                   </a:txBody>
-                  <a:tcPr marL="9525" marR="9525" marT="9525" marB="0" anchor="b"/>
+                  <a:tcPr marL="9525" marR="9525" marT="9525" marB="0" anchor="ctr"/>
                 </a:tc>
                 <a:tc>
                   <a:txBody>
@@ -23180,7 +24029,7 @@
                       </a:endParaRPr>
                     </a:p>
                   </a:txBody>
-                  <a:tcPr marL="9525" marR="9525" marT="9525" marB="0" anchor="b"/>
+                  <a:tcPr marL="9525" marR="9525" marT="9525" marB="0" anchor="ctr"/>
                 </a:tc>
                 <a:tc>
                   <a:txBody>
@@ -23203,7 +24052,7 @@
                       </a:endParaRPr>
                     </a:p>
                   </a:txBody>
-                  <a:tcPr marL="9525" marR="9525" marT="9525" marB="0" anchor="b"/>
+                  <a:tcPr marL="9525" marR="9525" marT="9525" marB="0" anchor="ctr"/>
                 </a:tc>
                 <a:tc>
                   <a:txBody>
@@ -23226,7 +24075,7 @@
                       </a:endParaRPr>
                     </a:p>
                   </a:txBody>
-                  <a:tcPr marL="9525" marR="9525" marT="9525" marB="0" anchor="b"/>
+                  <a:tcPr marL="9525" marR="9525" marT="9525" marB="0" anchor="ctr"/>
                 </a:tc>
                 <a:extLst>
                   <a:ext uri="{0D108BD9-81ED-4DB2-BD59-A6C34878D82A}">
@@ -23320,7 +24169,7 @@
                       </a:endParaRPr>
                     </a:p>
                   </a:txBody>
-                  <a:tcPr marL="9525" marR="9525" marT="9525" marB="0" anchor="b"/>
+                  <a:tcPr marL="9525" marR="9525" marT="9525" marB="0" anchor="ctr"/>
                 </a:tc>
                 <a:tc>
                   <a:txBody>
@@ -23329,10 +24178,79 @@
                     <a:p>
                       <a:pPr algn="ctr" fontAlgn="b"/>
                       <a:r>
+                        <a:rPr lang="en-US" sz="1100" u="none" strike="noStrike" dirty="0">
+                          <a:effectLst/>
+                        </a:rPr>
+                        <a:t>0.201966</a:t>
+                      </a:r>
+                      <a:endParaRPr lang="en-US" sz="1100" b="0" i="0" u="none" strike="noStrike" dirty="0">
+                        <a:solidFill>
+                          <a:srgbClr val="000000"/>
+                        </a:solidFill>
+                        <a:effectLst/>
+                        <a:latin typeface="Calibri" panose="020F0502020204030204" pitchFamily="34" charset="0"/>
+                      </a:endParaRPr>
+                    </a:p>
+                  </a:txBody>
+                  <a:tcPr marL="9525" marR="9525" marT="9525" marB="0" anchor="ctr"/>
+                </a:tc>
+                <a:tc>
+                  <a:txBody>
+                    <a:bodyPr/>
+                    <a:lstStyle/>
+                    <a:p>
+                      <a:pPr algn="ctr" fontAlgn="b"/>
+                      <a:r>
+                        <a:rPr lang="en-US" sz="1100" u="none" strike="noStrike" dirty="0">
+                          <a:effectLst/>
+                        </a:rPr>
+                        <a:t>0.069829</a:t>
+                      </a:r>
+                      <a:endParaRPr lang="en-US" sz="1100" b="0" i="0" u="none" strike="noStrike" dirty="0">
+                        <a:solidFill>
+                          <a:srgbClr val="000000"/>
+                        </a:solidFill>
+                        <a:effectLst/>
+                        <a:latin typeface="Calibri" panose="020F0502020204030204" pitchFamily="34" charset="0"/>
+                      </a:endParaRPr>
+                    </a:p>
+                  </a:txBody>
+                  <a:tcPr marL="9525" marR="9525" marT="9525" marB="0" anchor="ctr"/>
+                </a:tc>
+                <a:tc>
+                  <a:txBody>
+                    <a:bodyPr/>
+                    <a:lstStyle/>
+                    <a:p>
+                      <a:pPr algn="ctr" fontAlgn="b"/>
+                      <a:r>
+                        <a:rPr lang="en-US" sz="1100" u="none" strike="noStrike" dirty="0">
+                          <a:effectLst/>
+                        </a:rPr>
+                        <a:t>0.14658</a:t>
+                      </a:r>
+                      <a:endParaRPr lang="en-US" sz="1100" b="0" i="0" u="none" strike="noStrike" dirty="0">
+                        <a:solidFill>
+                          <a:srgbClr val="000000"/>
+                        </a:solidFill>
+                        <a:effectLst/>
+                        <a:latin typeface="Calibri" panose="020F0502020204030204" pitchFamily="34" charset="0"/>
+                      </a:endParaRPr>
+                    </a:p>
+                  </a:txBody>
+                  <a:tcPr marL="9525" marR="9525" marT="9525" marB="0" anchor="ctr"/>
+                </a:tc>
+                <a:tc>
+                  <a:txBody>
+                    <a:bodyPr/>
+                    <a:lstStyle/>
+                    <a:p>
+                      <a:pPr algn="ctr" fontAlgn="b"/>
+                      <a:r>
                         <a:rPr lang="en-US" sz="1100" u="none" strike="noStrike">
                           <a:effectLst/>
                         </a:rPr>
-                        <a:t>0.201966</a:t>
+                        <a:t>0.132483</a:t>
                       </a:r>
                       <a:endParaRPr lang="en-US" sz="1100" b="0" i="0" u="none" strike="noStrike">
                         <a:solidFill>
@@ -23343,7 +24261,7 @@
                       </a:endParaRPr>
                     </a:p>
                   </a:txBody>
-                  <a:tcPr marL="9525" marR="9525" marT="9525" marB="0" anchor="b"/>
+                  <a:tcPr marL="9525" marR="9525" marT="9525" marB="0" anchor="ctr"/>
                 </a:tc>
                 <a:tc>
                   <a:txBody>
@@ -23352,21 +24270,21 @@
                     <a:p>
                       <a:pPr algn="ctr" fontAlgn="b"/>
                       <a:r>
-                        <a:rPr lang="en-US" sz="1100" u="none" strike="noStrike" dirty="0">
-                          <a:effectLst/>
-                        </a:rPr>
-                        <a:t>0.069829</a:t>
-                      </a:r>
-                      <a:endParaRPr lang="en-US" sz="1100" b="0" i="0" u="none" strike="noStrike" dirty="0">
-                        <a:solidFill>
-                          <a:srgbClr val="000000"/>
-                        </a:solidFill>
-                        <a:effectLst/>
-                        <a:latin typeface="Calibri" panose="020F0502020204030204" pitchFamily="34" charset="0"/>
-                      </a:endParaRPr>
-                    </a:p>
-                  </a:txBody>
-                  <a:tcPr marL="9525" marR="9525" marT="9525" marB="0" anchor="b"/>
+                        <a:rPr lang="en-US" sz="1100" u="none" strike="noStrike">
+                          <a:effectLst/>
+                        </a:rPr>
+                        <a:t>0.028238</a:t>
+                      </a:r>
+                      <a:endParaRPr lang="en-US" sz="1100" b="0" i="0" u="none" strike="noStrike">
+                        <a:solidFill>
+                          <a:srgbClr val="000000"/>
+                        </a:solidFill>
+                        <a:effectLst/>
+                        <a:latin typeface="Calibri" panose="020F0502020204030204" pitchFamily="34" charset="0"/>
+                      </a:endParaRPr>
+                    </a:p>
+                  </a:txBody>
+                  <a:tcPr marL="9525" marR="9525" marT="9525" marB="0" anchor="ctr"/>
                 </a:tc>
                 <a:tc>
                   <a:txBody>
@@ -23378,7 +24296,7 @@
                         <a:rPr lang="en-US" sz="1100" u="none" strike="noStrike">
                           <a:effectLst/>
                         </a:rPr>
-                        <a:t>0.14658</a:t>
+                        <a:t>0.183673</a:t>
                       </a:r>
                       <a:endParaRPr lang="en-US" sz="1100" b="0" i="0" u="none" strike="noStrike">
                         <a:solidFill>
@@ -23389,7 +24307,7 @@
                       </a:endParaRPr>
                     </a:p>
                   </a:txBody>
-                  <a:tcPr marL="9525" marR="9525" marT="9525" marB="0" anchor="b"/>
+                  <a:tcPr marL="9525" marR="9525" marT="9525" marB="0" anchor="ctr"/>
                 </a:tc>
                 <a:tc>
                   <a:txBody>
@@ -23401,7 +24319,7 @@
                         <a:rPr lang="en-US" sz="1100" u="none" strike="noStrike">
                           <a:effectLst/>
                         </a:rPr>
-                        <a:t>0.132483</a:t>
+                        <a:t>0.162455</a:t>
                       </a:r>
                       <a:endParaRPr lang="en-US" sz="1100" b="0" i="0" u="none" strike="noStrike">
                         <a:solidFill>
@@ -23412,7 +24330,7 @@
                       </a:endParaRPr>
                     </a:p>
                   </a:txBody>
-                  <a:tcPr marL="9525" marR="9525" marT="9525" marB="0" anchor="b"/>
+                  <a:tcPr marL="9525" marR="9525" marT="9525" marB="0" anchor="ctr"/>
                 </a:tc>
                 <a:tc>
                   <a:txBody>
@@ -23424,7 +24342,7 @@
                         <a:rPr lang="en-US" sz="1100" u="none" strike="noStrike">
                           <a:effectLst/>
                         </a:rPr>
-                        <a:t>0.028238</a:t>
+                        <a:t>0.123287671</a:t>
                       </a:r>
                       <a:endParaRPr lang="en-US" sz="1100" b="0" i="0" u="none" strike="noStrike">
                         <a:solidFill>
@@ -23435,7 +24353,7 @@
                       </a:endParaRPr>
                     </a:p>
                   </a:txBody>
-                  <a:tcPr marL="9525" marR="9525" marT="9525" marB="0" anchor="b"/>
+                  <a:tcPr marL="9525" marR="9525" marT="9525" marB="0" anchor="ctr"/>
                 </a:tc>
                 <a:tc>
                   <a:txBody>
@@ -23447,7 +24365,7 @@
                         <a:rPr lang="en-US" sz="1100" u="none" strike="noStrike">
                           <a:effectLst/>
                         </a:rPr>
-                        <a:t>0.183673</a:t>
+                        <a:t>1.115577</a:t>
                       </a:r>
                       <a:endParaRPr lang="en-US" sz="1100" b="0" i="0" u="none" strike="noStrike">
                         <a:solidFill>
@@ -23458,7 +24376,7 @@
                       </a:endParaRPr>
                     </a:p>
                   </a:txBody>
-                  <a:tcPr marL="9525" marR="9525" marT="9525" marB="0" anchor="b"/>
+                  <a:tcPr marL="9525" marR="9525" marT="9525" marB="0" anchor="ctr"/>
                 </a:tc>
                 <a:tc>
                   <a:txBody>
@@ -23470,7 +24388,7 @@
                         <a:rPr lang="en-US" sz="1100" u="none" strike="noStrike">
                           <a:effectLst/>
                         </a:rPr>
-                        <a:t>0.162455</a:t>
+                        <a:t>0.123953</a:t>
                       </a:r>
                       <a:endParaRPr lang="en-US" sz="1100" b="0" i="0" u="none" strike="noStrike">
                         <a:solidFill>
@@ -23481,76 +24399,7 @@
                       </a:endParaRPr>
                     </a:p>
                   </a:txBody>
-                  <a:tcPr marL="9525" marR="9525" marT="9525" marB="0" anchor="b"/>
-                </a:tc>
-                <a:tc>
-                  <a:txBody>
-                    <a:bodyPr/>
-                    <a:lstStyle/>
-                    <a:p>
-                      <a:pPr algn="ctr" fontAlgn="b"/>
-                      <a:r>
-                        <a:rPr lang="en-US" sz="1100" u="none" strike="noStrike">
-                          <a:effectLst/>
-                        </a:rPr>
-                        <a:t>0.123287671</a:t>
-                      </a:r>
-                      <a:endParaRPr lang="en-US" sz="1100" b="0" i="0" u="none" strike="noStrike">
-                        <a:solidFill>
-                          <a:srgbClr val="000000"/>
-                        </a:solidFill>
-                        <a:effectLst/>
-                        <a:latin typeface="Calibri" panose="020F0502020204030204" pitchFamily="34" charset="0"/>
-                      </a:endParaRPr>
-                    </a:p>
-                  </a:txBody>
-                  <a:tcPr marL="9525" marR="9525" marT="9525" marB="0" anchor="b"/>
-                </a:tc>
-                <a:tc>
-                  <a:txBody>
-                    <a:bodyPr/>
-                    <a:lstStyle/>
-                    <a:p>
-                      <a:pPr algn="ctr" fontAlgn="b"/>
-                      <a:r>
-                        <a:rPr lang="en-US" sz="1100" u="none" strike="noStrike">
-                          <a:effectLst/>
-                        </a:rPr>
-                        <a:t>1.115577</a:t>
-                      </a:r>
-                      <a:endParaRPr lang="en-US" sz="1100" b="0" i="0" u="none" strike="noStrike">
-                        <a:solidFill>
-                          <a:srgbClr val="000000"/>
-                        </a:solidFill>
-                        <a:effectLst/>
-                        <a:latin typeface="Calibri" panose="020F0502020204030204" pitchFamily="34" charset="0"/>
-                      </a:endParaRPr>
-                    </a:p>
-                  </a:txBody>
-                  <a:tcPr marL="9525" marR="9525" marT="9525" marB="0" anchor="b"/>
-                </a:tc>
-                <a:tc>
-                  <a:txBody>
-                    <a:bodyPr/>
-                    <a:lstStyle/>
-                    <a:p>
-                      <a:pPr algn="ctr" fontAlgn="b"/>
-                      <a:r>
-                        <a:rPr lang="en-US" sz="1100" u="none" strike="noStrike">
-                          <a:effectLst/>
-                        </a:rPr>
-                        <a:t>0.123953</a:t>
-                      </a:r>
-                      <a:endParaRPr lang="en-US" sz="1100" b="0" i="0" u="none" strike="noStrike">
-                        <a:solidFill>
-                          <a:srgbClr val="000000"/>
-                        </a:solidFill>
-                        <a:effectLst/>
-                        <a:latin typeface="Calibri" panose="020F0502020204030204" pitchFamily="34" charset="0"/>
-                      </a:endParaRPr>
-                    </a:p>
-                  </a:txBody>
-                  <a:tcPr marL="9525" marR="9525" marT="9525" marB="0" anchor="b"/>
+                  <a:tcPr marL="9525" marR="9525" marT="9525" marB="0" anchor="ctr"/>
                 </a:tc>
                 <a:extLst>
                   <a:ext uri="{0D108BD9-81ED-4DB2-BD59-A6C34878D82A}">
@@ -23622,7 +24471,7 @@
                       </a:endParaRPr>
                     </a:p>
                   </a:txBody>
-                  <a:tcPr marL="9525" marR="9525" marT="9525" marB="0" anchor="b"/>
+                  <a:tcPr marL="9525" marR="9525" marT="9525" marB="0" anchor="ctr"/>
                 </a:tc>
                 <a:tc>
                   <a:txBody>
@@ -23645,7 +24494,7 @@
                       </a:endParaRPr>
                     </a:p>
                   </a:txBody>
-                  <a:tcPr marL="9525" marR="9525" marT="9525" marB="0" anchor="b"/>
+                  <a:tcPr marL="9525" marR="9525" marT="9525" marB="0" anchor="ctr"/>
                 </a:tc>
                 <a:tc>
                   <a:txBody>
@@ -23668,7 +24517,7 @@
                       </a:endParaRPr>
                     </a:p>
                   </a:txBody>
-                  <a:tcPr marL="9525" marR="9525" marT="9525" marB="0" anchor="b"/>
+                  <a:tcPr marL="9525" marR="9525" marT="9525" marB="0" anchor="ctr"/>
                 </a:tc>
                 <a:tc>
                   <a:txBody>
@@ -23691,7 +24540,7 @@
                       </a:endParaRPr>
                     </a:p>
                   </a:txBody>
-                  <a:tcPr marL="9525" marR="9525" marT="9525" marB="0" anchor="b"/>
+                  <a:tcPr marL="9525" marR="9525" marT="9525" marB="0" anchor="ctr"/>
                 </a:tc>
                 <a:tc>
                   <a:txBody>
@@ -23700,10 +24549,33 @@
                     <a:p>
                       <a:pPr algn="ctr" fontAlgn="b"/>
                       <a:r>
+                        <a:rPr lang="en-US" sz="1100" u="none" strike="noStrike" dirty="0">
+                          <a:effectLst/>
+                        </a:rPr>
+                        <a:t>0.01472</a:t>
+                      </a:r>
+                      <a:endParaRPr lang="en-US" sz="1100" b="0" i="0" u="none" strike="noStrike" dirty="0">
+                        <a:solidFill>
+                          <a:srgbClr val="000000"/>
+                        </a:solidFill>
+                        <a:effectLst/>
+                        <a:latin typeface="Calibri" panose="020F0502020204030204" pitchFamily="34" charset="0"/>
+                      </a:endParaRPr>
+                    </a:p>
+                  </a:txBody>
+                  <a:tcPr marL="9525" marR="9525" marT="9525" marB="0" anchor="ctr"/>
+                </a:tc>
+                <a:tc>
+                  <a:txBody>
+                    <a:bodyPr/>
+                    <a:lstStyle/>
+                    <a:p>
+                      <a:pPr algn="ctr" fontAlgn="b"/>
+                      <a:r>
                         <a:rPr lang="en-US" sz="1100" u="none" strike="noStrike">
                           <a:effectLst/>
                         </a:rPr>
-                        <a:t>0.01472</a:t>
+                        <a:t>0.02017</a:t>
                       </a:r>
                       <a:endParaRPr lang="en-US" sz="1100" b="0" i="0" u="none" strike="noStrike">
                         <a:solidFill>
@@ -23714,7 +24586,7 @@
                       </a:endParaRPr>
                     </a:p>
                   </a:txBody>
-                  <a:tcPr marL="9525" marR="9525" marT="9525" marB="0" anchor="b"/>
+                  <a:tcPr marL="9525" marR="9525" marT="9525" marB="0" anchor="ctr"/>
                 </a:tc>
                 <a:tc>
                   <a:txBody>
@@ -23726,7 +24598,7 @@
                         <a:rPr lang="en-US" sz="1100" u="none" strike="noStrike">
                           <a:effectLst/>
                         </a:rPr>
-                        <a:t>0.02017</a:t>
+                        <a:t>0.026239</a:t>
                       </a:r>
                       <a:endParaRPr lang="en-US" sz="1100" b="0" i="0" u="none" strike="noStrike">
                         <a:solidFill>
@@ -23737,7 +24609,7 @@
                       </a:endParaRPr>
                     </a:p>
                   </a:txBody>
-                  <a:tcPr marL="9525" marR="9525" marT="9525" marB="0" anchor="b"/>
+                  <a:tcPr marL="9525" marR="9525" marT="9525" marB="0" anchor="ctr"/>
                 </a:tc>
                 <a:tc>
                   <a:txBody>
@@ -23749,7 +24621,7 @@
                         <a:rPr lang="en-US" sz="1100" u="none" strike="noStrike">
                           <a:effectLst/>
                         </a:rPr>
-                        <a:t>0.026239</a:t>
+                        <a:t>0.01083</a:t>
                       </a:r>
                       <a:endParaRPr lang="en-US" sz="1100" b="0" i="0" u="none" strike="noStrike">
                         <a:solidFill>
@@ -23760,7 +24632,7 @@
                       </a:endParaRPr>
                     </a:p>
                   </a:txBody>
-                  <a:tcPr marL="9525" marR="9525" marT="9525" marB="0" anchor="b"/>
+                  <a:tcPr marL="9525" marR="9525" marT="9525" marB="0" anchor="ctr"/>
                 </a:tc>
                 <a:tc>
                   <a:txBody>
@@ -23772,7 +24644,7 @@
                         <a:rPr lang="en-US" sz="1100" u="none" strike="noStrike">
                           <a:effectLst/>
                         </a:rPr>
-                        <a:t>0.01083</a:t>
+                        <a:t>0.123287671</a:t>
                       </a:r>
                       <a:endParaRPr lang="en-US" sz="1100" b="0" i="0" u="none" strike="noStrike">
                         <a:solidFill>
@@ -23783,7 +24655,7 @@
                       </a:endParaRPr>
                     </a:p>
                   </a:txBody>
-                  <a:tcPr marL="9525" marR="9525" marT="9525" marB="0" anchor="b"/>
+                  <a:tcPr marL="9525" marR="9525" marT="9525" marB="0" anchor="ctr"/>
                 </a:tc>
                 <a:tc>
                   <a:txBody>
@@ -23795,7 +24667,7 @@
                         <a:rPr lang="en-US" sz="1100" u="none" strike="noStrike">
                           <a:effectLst/>
                         </a:rPr>
-                        <a:t>0.123287671</a:t>
+                        <a:t>0.304155</a:t>
                       </a:r>
                       <a:endParaRPr lang="en-US" sz="1100" b="0" i="0" u="none" strike="noStrike">
                         <a:solidFill>
@@ -23806,7 +24678,7 @@
                       </a:endParaRPr>
                     </a:p>
                   </a:txBody>
-                  <a:tcPr marL="9525" marR="9525" marT="9525" marB="0" anchor="b"/>
+                  <a:tcPr marL="9525" marR="9525" marT="9525" marB="0" anchor="ctr"/>
                 </a:tc>
                 <a:tc>
                   <a:txBody>
@@ -23815,44 +24687,21 @@
                     <a:p>
                       <a:pPr algn="ctr" fontAlgn="b"/>
                       <a:r>
-                        <a:rPr lang="en-US" sz="1100" u="none" strike="noStrike">
-                          <a:effectLst/>
-                        </a:rPr>
-                        <a:t>0.304155</a:t>
-                      </a:r>
-                      <a:endParaRPr lang="en-US" sz="1100" b="0" i="0" u="none" strike="noStrike">
-                        <a:solidFill>
-                          <a:srgbClr val="000000"/>
-                        </a:solidFill>
-                        <a:effectLst/>
-                        <a:latin typeface="Calibri" panose="020F0502020204030204" pitchFamily="34" charset="0"/>
-                      </a:endParaRPr>
-                    </a:p>
-                  </a:txBody>
-                  <a:tcPr marL="9525" marR="9525" marT="9525" marB="0" anchor="b"/>
-                </a:tc>
-                <a:tc>
-                  <a:txBody>
-                    <a:bodyPr/>
-                    <a:lstStyle/>
-                    <a:p>
-                      <a:pPr algn="ctr" fontAlgn="b"/>
-                      <a:r>
-                        <a:rPr lang="en-US" sz="1100" u="none" strike="noStrike">
+                        <a:rPr lang="en-US" sz="1100" u="none" strike="noStrike" dirty="0">
                           <a:effectLst/>
                         </a:rPr>
                         <a:t>0.033795</a:t>
                       </a:r>
-                      <a:endParaRPr lang="en-US" sz="1100" b="0" i="0" u="none" strike="noStrike">
-                        <a:solidFill>
-                          <a:srgbClr val="000000"/>
-                        </a:solidFill>
-                        <a:effectLst/>
-                        <a:latin typeface="Calibri" panose="020F0502020204030204" pitchFamily="34" charset="0"/>
-                      </a:endParaRPr>
-                    </a:p>
-                  </a:txBody>
-                  <a:tcPr marL="9525" marR="9525" marT="9525" marB="0" anchor="b"/>
+                      <a:endParaRPr lang="en-US" sz="1100" b="0" i="0" u="none" strike="noStrike" dirty="0">
+                        <a:solidFill>
+                          <a:srgbClr val="000000"/>
+                        </a:solidFill>
+                        <a:effectLst/>
+                        <a:latin typeface="Calibri" panose="020F0502020204030204" pitchFamily="34" charset="0"/>
+                      </a:endParaRPr>
+                    </a:p>
+                  </a:txBody>
+                  <a:tcPr marL="9525" marR="9525" marT="9525" marB="0" anchor="ctr"/>
                 </a:tc>
                 <a:extLst>
                   <a:ext uri="{0D108BD9-81ED-4DB2-BD59-A6C34878D82A}">
@@ -23924,7 +24773,7 @@
                       </a:endParaRPr>
                     </a:p>
                   </a:txBody>
-                  <a:tcPr marL="9525" marR="9525" marT="9525" marB="0" anchor="b"/>
+                  <a:tcPr marL="9525" marR="9525" marT="9525" marB="0" anchor="ctr"/>
                 </a:tc>
                 <a:tc>
                   <a:txBody>
@@ -23947,7 +24796,7 @@
                       </a:endParaRPr>
                     </a:p>
                   </a:txBody>
-                  <a:tcPr marL="9525" marR="9525" marT="9525" marB="0" anchor="b"/>
+                  <a:tcPr marL="9525" marR="9525" marT="9525" marB="0" anchor="ctr"/>
                 </a:tc>
                 <a:tc>
                   <a:txBody>
@@ -23970,7 +24819,7 @@
                       </a:endParaRPr>
                     </a:p>
                   </a:txBody>
-                  <a:tcPr marL="9525" marR="9525" marT="9525" marB="0" anchor="b"/>
+                  <a:tcPr marL="9525" marR="9525" marT="9525" marB="0" anchor="ctr"/>
                 </a:tc>
                 <a:tc>
                   <a:txBody>
@@ -23993,7 +24842,7 @@
                       </a:endParaRPr>
                     </a:p>
                   </a:txBody>
-                  <a:tcPr marL="9525" marR="9525" marT="9525" marB="0" anchor="b"/>
+                  <a:tcPr marL="9525" marR="9525" marT="9525" marB="0" anchor="ctr"/>
                 </a:tc>
                 <a:tc>
                   <a:txBody>
@@ -24016,7 +24865,7 @@
                       </a:endParaRPr>
                     </a:p>
                   </a:txBody>
-                  <a:tcPr marL="9525" marR="9525" marT="9525" marB="0" anchor="b"/>
+                  <a:tcPr marL="9525" marR="9525" marT="9525" marB="0" anchor="ctr"/>
                 </a:tc>
                 <a:tc>
                   <a:txBody>
@@ -24025,10 +24874,56 @@
                     <a:p>
                       <a:pPr algn="ctr" fontAlgn="b"/>
                       <a:r>
+                        <a:rPr lang="en-US" sz="1100" u="none" strike="noStrike" dirty="0">
+                          <a:effectLst/>
+                        </a:rPr>
+                        <a:t>0.028238</a:t>
+                      </a:r>
+                      <a:endParaRPr lang="en-US" sz="1100" b="0" i="0" u="none" strike="noStrike" dirty="0">
+                        <a:solidFill>
+                          <a:srgbClr val="000000"/>
+                        </a:solidFill>
+                        <a:effectLst/>
+                        <a:latin typeface="Calibri" panose="020F0502020204030204" pitchFamily="34" charset="0"/>
+                      </a:endParaRPr>
+                    </a:p>
+                  </a:txBody>
+                  <a:tcPr marL="9525" marR="9525" marT="9525" marB="0" anchor="ctr"/>
+                </a:tc>
+                <a:tc>
+                  <a:txBody>
+                    <a:bodyPr/>
+                    <a:lstStyle/>
+                    <a:p>
+                      <a:pPr algn="ctr" fontAlgn="b"/>
+                      <a:r>
+                        <a:rPr lang="en-US" sz="1100" u="none" strike="noStrike" dirty="0">
+                          <a:effectLst/>
+                        </a:rPr>
+                        <a:t>0.131195</a:t>
+                      </a:r>
+                      <a:endParaRPr lang="en-US" sz="1100" b="0" i="0" u="none" strike="noStrike" dirty="0">
+                        <a:solidFill>
+                          <a:srgbClr val="000000"/>
+                        </a:solidFill>
+                        <a:effectLst/>
+                        <a:latin typeface="Calibri" panose="020F0502020204030204" pitchFamily="34" charset="0"/>
+                      </a:endParaRPr>
+                    </a:p>
+                  </a:txBody>
+                  <a:tcPr marL="9525" marR="9525" marT="9525" marB="0" anchor="ctr"/>
+                </a:tc>
+                <a:tc>
+                  <a:txBody>
+                    <a:bodyPr/>
+                    <a:lstStyle/>
+                    <a:p>
+                      <a:pPr algn="ctr" fontAlgn="b"/>
+                      <a:r>
                         <a:rPr lang="en-US" sz="1100" u="none" strike="noStrike">
                           <a:effectLst/>
                         </a:rPr>
-                        <a:t>0.028238</a:t>
+                        <a:t>0.032491</a:t>
                       </a:r>
                       <a:endParaRPr lang="en-US" sz="1100" b="0" i="0" u="none" strike="noStrike">
                         <a:solidFill>
@@ -24039,7 +24934,7 @@
                       </a:endParaRPr>
                     </a:p>
                   </a:txBody>
-                  <a:tcPr marL="9525" marR="9525" marT="9525" marB="0" anchor="b"/>
+                  <a:tcPr marL="9525" marR="9525" marT="9525" marB="0" anchor="ctr"/>
                 </a:tc>
                 <a:tc>
                   <a:txBody>
@@ -24051,7 +24946,7 @@
                         <a:rPr lang="en-US" sz="1100" u="none" strike="noStrike">
                           <a:effectLst/>
                         </a:rPr>
-                        <a:t>0.131195</a:t>
+                        <a:t>0.123287671</a:t>
                       </a:r>
                       <a:endParaRPr lang="en-US" sz="1100" b="0" i="0" u="none" strike="noStrike">
                         <a:solidFill>
@@ -24062,7 +24957,7 @@
                       </a:endParaRPr>
                     </a:p>
                   </a:txBody>
-                  <a:tcPr marL="9525" marR="9525" marT="9525" marB="0" anchor="b"/>
+                  <a:tcPr marL="9525" marR="9525" marT="9525" marB="0" anchor="ctr"/>
                 </a:tc>
                 <a:tc>
                   <a:txBody>
@@ -24074,7 +24969,7 @@
                         <a:rPr lang="en-US" sz="1100" u="none" strike="noStrike">
                           <a:effectLst/>
                         </a:rPr>
-                        <a:t>0.032491</a:t>
+                        <a:t>0.551126</a:t>
                       </a:r>
                       <a:endParaRPr lang="en-US" sz="1100" b="0" i="0" u="none" strike="noStrike">
                         <a:solidFill>
@@ -24085,7 +24980,7 @@
                       </a:endParaRPr>
                     </a:p>
                   </a:txBody>
-                  <a:tcPr marL="9525" marR="9525" marT="9525" marB="0" anchor="b"/>
+                  <a:tcPr marL="9525" marR="9525" marT="9525" marB="0" anchor="ctr"/>
                 </a:tc>
                 <a:tc>
                   <a:txBody>
@@ -24097,7 +24992,7 @@
                         <a:rPr lang="en-US" sz="1100" u="none" strike="noStrike">
                           <a:effectLst/>
                         </a:rPr>
-                        <a:t>0.123287671</a:t>
+                        <a:t>0.061236</a:t>
                       </a:r>
                       <a:endParaRPr lang="en-US" sz="1100" b="0" i="0" u="none" strike="noStrike">
                         <a:solidFill>
@@ -24108,53 +25003,7 @@
                       </a:endParaRPr>
                     </a:p>
                   </a:txBody>
-                  <a:tcPr marL="9525" marR="9525" marT="9525" marB="0" anchor="b"/>
-                </a:tc>
-                <a:tc>
-                  <a:txBody>
-                    <a:bodyPr/>
-                    <a:lstStyle/>
-                    <a:p>
-                      <a:pPr algn="ctr" fontAlgn="b"/>
-                      <a:r>
-                        <a:rPr lang="en-US" sz="1100" u="none" strike="noStrike">
-                          <a:effectLst/>
-                        </a:rPr>
-                        <a:t>0.551126</a:t>
-                      </a:r>
-                      <a:endParaRPr lang="en-US" sz="1100" b="0" i="0" u="none" strike="noStrike">
-                        <a:solidFill>
-                          <a:srgbClr val="000000"/>
-                        </a:solidFill>
-                        <a:effectLst/>
-                        <a:latin typeface="Calibri" panose="020F0502020204030204" pitchFamily="34" charset="0"/>
-                      </a:endParaRPr>
-                    </a:p>
-                  </a:txBody>
-                  <a:tcPr marL="9525" marR="9525" marT="9525" marB="0" anchor="b"/>
-                </a:tc>
-                <a:tc>
-                  <a:txBody>
-                    <a:bodyPr/>
-                    <a:lstStyle/>
-                    <a:p>
-                      <a:pPr algn="ctr" fontAlgn="b"/>
-                      <a:r>
-                        <a:rPr lang="en-US" sz="1100" u="none" strike="noStrike">
-                          <a:effectLst/>
-                        </a:rPr>
-                        <a:t>0.061236</a:t>
-                      </a:r>
-                      <a:endParaRPr lang="en-US" sz="1100" b="0" i="0" u="none" strike="noStrike">
-                        <a:solidFill>
-                          <a:srgbClr val="000000"/>
-                        </a:solidFill>
-                        <a:effectLst/>
-                        <a:latin typeface="Calibri" panose="020F0502020204030204" pitchFamily="34" charset="0"/>
-                      </a:endParaRPr>
-                    </a:p>
-                  </a:txBody>
-                  <a:tcPr marL="9525" marR="9525" marT="9525" marB="0" anchor="b"/>
+                  <a:tcPr marL="9525" marR="9525" marT="9525" marB="0" anchor="ctr"/>
                 </a:tc>
                 <a:extLst>
                   <a:ext uri="{0D108BD9-81ED-4DB2-BD59-A6C34878D82A}">
@@ -24248,7 +25097,7 @@
                       </a:endParaRPr>
                     </a:p>
                   </a:txBody>
-                  <a:tcPr marL="9525" marR="9525" marT="9525" marB="0" anchor="b"/>
+                  <a:tcPr marL="9525" marR="9525" marT="9525" marB="0" anchor="ctr"/>
                 </a:tc>
                 <a:tc>
                   <a:txBody>
@@ -24271,7 +25120,7 @@
                       </a:endParaRPr>
                     </a:p>
                   </a:txBody>
-                  <a:tcPr marL="9525" marR="9525" marT="9525" marB="0" anchor="b"/>
+                  <a:tcPr marL="9525" marR="9525" marT="9525" marB="0" anchor="ctr"/>
                 </a:tc>
                 <a:tc>
                   <a:txBody>
@@ -24294,7 +25143,7 @@
                       </a:endParaRPr>
                     </a:p>
                   </a:txBody>
-                  <a:tcPr marL="9525" marR="9525" marT="9525" marB="0" anchor="b"/>
+                  <a:tcPr marL="9525" marR="9525" marT="9525" marB="0" anchor="ctr"/>
                 </a:tc>
                 <a:tc>
                   <a:txBody>
@@ -24317,7 +25166,7 @@
                       </a:endParaRPr>
                     </a:p>
                   </a:txBody>
-                  <a:tcPr marL="9525" marR="9525" marT="9525" marB="0" anchor="b"/>
+                  <a:tcPr marL="9525" marR="9525" marT="9525" marB="0" anchor="ctr"/>
                 </a:tc>
                 <a:tc>
                   <a:txBody>
@@ -24340,7 +25189,7 @@
                       </a:endParaRPr>
                     </a:p>
                   </a:txBody>
-                  <a:tcPr marL="9525" marR="9525" marT="9525" marB="0" anchor="b"/>
+                  <a:tcPr marL="9525" marR="9525" marT="9525" marB="0" anchor="ctr"/>
                 </a:tc>
                 <a:tc>
                   <a:txBody>
@@ -24363,7 +25212,7 @@
                       </a:endParaRPr>
                     </a:p>
                   </a:txBody>
-                  <a:tcPr marL="9525" marR="9525" marT="9525" marB="0" anchor="b"/>
+                  <a:tcPr marL="9525" marR="9525" marT="9525" marB="0" anchor="ctr"/>
                 </a:tc>
                 <a:tc>
                   <a:txBody>
@@ -24372,10 +25221,56 @@
                     <a:p>
                       <a:pPr algn="ctr" fontAlgn="b"/>
                       <a:r>
+                        <a:rPr lang="en-US" sz="1100" u="none" strike="noStrike" dirty="0">
+                          <a:effectLst/>
+                        </a:rPr>
+                        <a:t>0.183673</a:t>
+                      </a:r>
+                      <a:endParaRPr lang="en-US" sz="1100" b="0" i="0" u="none" strike="noStrike" dirty="0">
+                        <a:solidFill>
+                          <a:srgbClr val="000000"/>
+                        </a:solidFill>
+                        <a:effectLst/>
+                        <a:latin typeface="Calibri" panose="020F0502020204030204" pitchFamily="34" charset="0"/>
+                      </a:endParaRPr>
+                    </a:p>
+                  </a:txBody>
+                  <a:tcPr marL="9525" marR="9525" marT="9525" marB="0" anchor="ctr"/>
+                </a:tc>
+                <a:tc>
+                  <a:txBody>
+                    <a:bodyPr/>
+                    <a:lstStyle/>
+                    <a:p>
+                      <a:pPr algn="ctr" fontAlgn="b"/>
+                      <a:r>
+                        <a:rPr lang="en-US" sz="1100" u="none" strike="noStrike" dirty="0">
+                          <a:effectLst/>
+                        </a:rPr>
+                        <a:t>0.227437</a:t>
+                      </a:r>
+                      <a:endParaRPr lang="en-US" sz="1100" b="0" i="0" u="none" strike="noStrike" dirty="0">
+                        <a:solidFill>
+                          <a:srgbClr val="000000"/>
+                        </a:solidFill>
+                        <a:effectLst/>
+                        <a:latin typeface="Calibri" panose="020F0502020204030204" pitchFamily="34" charset="0"/>
+                      </a:endParaRPr>
+                    </a:p>
+                  </a:txBody>
+                  <a:tcPr marL="9525" marR="9525" marT="9525" marB="0" anchor="ctr"/>
+                </a:tc>
+                <a:tc>
+                  <a:txBody>
+                    <a:bodyPr/>
+                    <a:lstStyle/>
+                    <a:p>
+                      <a:pPr algn="ctr" fontAlgn="b"/>
+                      <a:r>
                         <a:rPr lang="en-US" sz="1100" u="none" strike="noStrike">
                           <a:effectLst/>
                         </a:rPr>
-                        <a:t>0.183673</a:t>
+                        <a:t>0.123287671</a:t>
                       </a:r>
                       <a:endParaRPr lang="en-US" sz="1100" b="0" i="0" u="none" strike="noStrike">
                         <a:solidFill>
@@ -24386,7 +25281,7 @@
                       </a:endParaRPr>
                     </a:p>
                   </a:txBody>
-                  <a:tcPr marL="9525" marR="9525" marT="9525" marB="0" anchor="b"/>
+                  <a:tcPr marL="9525" marR="9525" marT="9525" marB="0" anchor="ctr"/>
                 </a:tc>
                 <a:tc>
                   <a:txBody>
@@ -24398,7 +25293,7 @@
                         <a:rPr lang="en-US" sz="1100" u="none" strike="noStrike">
                           <a:effectLst/>
                         </a:rPr>
-                        <a:t>0.227437</a:t>
+                        <a:t>1.881253</a:t>
                       </a:r>
                       <a:endParaRPr lang="en-US" sz="1100" b="0" i="0" u="none" strike="noStrike">
                         <a:solidFill>
@@ -24409,7 +25304,7 @@
                       </a:endParaRPr>
                     </a:p>
                   </a:txBody>
-                  <a:tcPr marL="9525" marR="9525" marT="9525" marB="0" anchor="b"/>
+                  <a:tcPr marL="9525" marR="9525" marT="9525" marB="0" anchor="ctr"/>
                 </a:tc>
                 <a:tc>
                   <a:txBody>
@@ -24421,7 +25316,7 @@
                         <a:rPr lang="en-US" sz="1100" u="none" strike="noStrike">
                           <a:effectLst/>
                         </a:rPr>
-                        <a:t>0.123287671</a:t>
+                        <a:t>0.209028</a:t>
                       </a:r>
                       <a:endParaRPr lang="en-US" sz="1100" b="0" i="0" u="none" strike="noStrike">
                         <a:solidFill>
@@ -24432,53 +25327,7 @@
                       </a:endParaRPr>
                     </a:p>
                   </a:txBody>
-                  <a:tcPr marL="9525" marR="9525" marT="9525" marB="0" anchor="b"/>
-                </a:tc>
-                <a:tc>
-                  <a:txBody>
-                    <a:bodyPr/>
-                    <a:lstStyle/>
-                    <a:p>
-                      <a:pPr algn="ctr" fontAlgn="b"/>
-                      <a:r>
-                        <a:rPr lang="en-US" sz="1100" u="none" strike="noStrike">
-                          <a:effectLst/>
-                        </a:rPr>
-                        <a:t>1.881253</a:t>
-                      </a:r>
-                      <a:endParaRPr lang="en-US" sz="1100" b="0" i="0" u="none" strike="noStrike">
-                        <a:solidFill>
-                          <a:srgbClr val="000000"/>
-                        </a:solidFill>
-                        <a:effectLst/>
-                        <a:latin typeface="Calibri" panose="020F0502020204030204" pitchFamily="34" charset="0"/>
-                      </a:endParaRPr>
-                    </a:p>
-                  </a:txBody>
-                  <a:tcPr marL="9525" marR="9525" marT="9525" marB="0" anchor="b"/>
-                </a:tc>
-                <a:tc>
-                  <a:txBody>
-                    <a:bodyPr/>
-                    <a:lstStyle/>
-                    <a:p>
-                      <a:pPr algn="ctr" fontAlgn="b"/>
-                      <a:r>
-                        <a:rPr lang="en-US" sz="1100" u="none" strike="noStrike">
-                          <a:effectLst/>
-                        </a:rPr>
-                        <a:t>0.209028</a:t>
-                      </a:r>
-                      <a:endParaRPr lang="en-US" sz="1100" b="0" i="0" u="none" strike="noStrike">
-                        <a:solidFill>
-                          <a:srgbClr val="000000"/>
-                        </a:solidFill>
-                        <a:effectLst/>
-                        <a:latin typeface="Calibri" panose="020F0502020204030204" pitchFamily="34" charset="0"/>
-                      </a:endParaRPr>
-                    </a:p>
-                  </a:txBody>
-                  <a:tcPr marL="9525" marR="9525" marT="9525" marB="0" anchor="b"/>
+                  <a:tcPr marL="9525" marR="9525" marT="9525" marB="0" anchor="ctr"/>
                 </a:tc>
                 <a:extLst>
                   <a:ext uri="{0D108BD9-81ED-4DB2-BD59-A6C34878D82A}">
@@ -24550,7 +25399,7 @@
                       </a:endParaRPr>
                     </a:p>
                   </a:txBody>
-                  <a:tcPr marL="9525" marR="9525" marT="9525" marB="0" anchor="b"/>
+                  <a:tcPr marL="9525" marR="9525" marT="9525" marB="0" anchor="ctr"/>
                 </a:tc>
                 <a:tc>
                   <a:txBody>
@@ -24573,7 +25422,7 @@
                       </a:endParaRPr>
                     </a:p>
                   </a:txBody>
-                  <a:tcPr marL="9525" marR="9525" marT="9525" marB="0" anchor="b"/>
+                  <a:tcPr marL="9525" marR="9525" marT="9525" marB="0" anchor="ctr"/>
                 </a:tc>
                 <a:tc>
                   <a:txBody>
@@ -24596,7 +25445,7 @@
                       </a:endParaRPr>
                     </a:p>
                   </a:txBody>
-                  <a:tcPr marL="9525" marR="9525" marT="9525" marB="0" anchor="b"/>
+                  <a:tcPr marL="9525" marR="9525" marT="9525" marB="0" anchor="ctr"/>
                 </a:tc>
                 <a:tc>
                   <a:txBody>
@@ -24619,7 +25468,7 @@
                       </a:endParaRPr>
                     </a:p>
                   </a:txBody>
-                  <a:tcPr marL="9525" marR="9525" marT="9525" marB="0" anchor="b"/>
+                  <a:tcPr marL="9525" marR="9525" marT="9525" marB="0" anchor="ctr"/>
                 </a:tc>
                 <a:tc>
                   <a:txBody>
@@ -24642,7 +25491,7 @@
                       </a:endParaRPr>
                     </a:p>
                   </a:txBody>
-                  <a:tcPr marL="9525" marR="9525" marT="9525" marB="0" anchor="b"/>
+                  <a:tcPr marL="9525" marR="9525" marT="9525" marB="0" anchor="ctr"/>
                 </a:tc>
                 <a:tc>
                   <a:txBody>
@@ -24665,7 +25514,7 @@
                       </a:endParaRPr>
                     </a:p>
                   </a:txBody>
-                  <a:tcPr marL="9525" marR="9525" marT="9525" marB="0" anchor="b"/>
+                  <a:tcPr marL="9525" marR="9525" marT="9525" marB="0" anchor="ctr"/>
                 </a:tc>
                 <a:tc>
                   <a:txBody>
@@ -24688,7 +25537,7 @@
                       </a:endParaRPr>
                     </a:p>
                   </a:txBody>
-                  <a:tcPr marL="9525" marR="9525" marT="9525" marB="0" anchor="b"/>
+                  <a:tcPr marL="9525" marR="9525" marT="9525" marB="0" anchor="ctr"/>
                 </a:tc>
                 <a:tc>
                   <a:txBody>
@@ -24697,10 +25546,56 @@
                     <a:p>
                       <a:pPr algn="ctr" fontAlgn="b"/>
                       <a:r>
+                        <a:rPr lang="en-US" sz="1100" u="none" strike="noStrike" dirty="0">
+                          <a:effectLst/>
+                        </a:rPr>
+                        <a:t>0.01083</a:t>
+                      </a:r>
+                      <a:endParaRPr lang="en-US" sz="1100" b="0" i="0" u="none" strike="noStrike" dirty="0">
+                        <a:solidFill>
+                          <a:srgbClr val="000000"/>
+                        </a:solidFill>
+                        <a:effectLst/>
+                        <a:latin typeface="Calibri" panose="020F0502020204030204" pitchFamily="34" charset="0"/>
+                      </a:endParaRPr>
+                    </a:p>
+                  </a:txBody>
+                  <a:tcPr marL="9525" marR="9525" marT="9525" marB="0" anchor="ctr"/>
+                </a:tc>
+                <a:tc>
+                  <a:txBody>
+                    <a:bodyPr/>
+                    <a:lstStyle/>
+                    <a:p>
+                      <a:pPr algn="ctr" fontAlgn="b"/>
+                      <a:r>
+                        <a:rPr lang="en-US" sz="1100" u="none" strike="noStrike" dirty="0">
+                          <a:effectLst/>
+                        </a:rPr>
+                        <a:t>0.123287671</a:t>
+                      </a:r>
+                      <a:endParaRPr lang="en-US" sz="1100" b="0" i="0" u="none" strike="noStrike" dirty="0">
+                        <a:solidFill>
+                          <a:srgbClr val="000000"/>
+                        </a:solidFill>
+                        <a:effectLst/>
+                        <a:latin typeface="Calibri" panose="020F0502020204030204" pitchFamily="34" charset="0"/>
+                      </a:endParaRPr>
+                    </a:p>
+                  </a:txBody>
+                  <a:tcPr marL="9525" marR="9525" marT="9525" marB="0" anchor="ctr"/>
+                </a:tc>
+                <a:tc>
+                  <a:txBody>
+                    <a:bodyPr/>
+                    <a:lstStyle/>
+                    <a:p>
+                      <a:pPr algn="ctr" fontAlgn="b"/>
+                      <a:r>
                         <a:rPr lang="en-US" sz="1100" u="none" strike="noStrike">
                           <a:effectLst/>
                         </a:rPr>
-                        <a:t>0.01083</a:t>
+                        <a:t>0.294277</a:t>
                       </a:r>
                       <a:endParaRPr lang="en-US" sz="1100" b="0" i="0" u="none" strike="noStrike">
                         <a:solidFill>
@@ -24711,7 +25606,7 @@
                       </a:endParaRPr>
                     </a:p>
                   </a:txBody>
-                  <a:tcPr marL="9525" marR="9525" marT="9525" marB="0" anchor="b"/>
+                  <a:tcPr marL="9525" marR="9525" marT="9525" marB="0" anchor="ctr"/>
                 </a:tc>
                 <a:tc>
                   <a:txBody>
@@ -24723,7 +25618,7 @@
                         <a:rPr lang="en-US" sz="1100" u="none" strike="noStrike">
                           <a:effectLst/>
                         </a:rPr>
-                        <a:t>0.123287671</a:t>
+                        <a:t>0.032697</a:t>
                       </a:r>
                       <a:endParaRPr lang="en-US" sz="1100" b="0" i="0" u="none" strike="noStrike">
                         <a:solidFill>
@@ -24734,53 +25629,7 @@
                       </a:endParaRPr>
                     </a:p>
                   </a:txBody>
-                  <a:tcPr marL="9525" marR="9525" marT="9525" marB="0" anchor="b"/>
-                </a:tc>
-                <a:tc>
-                  <a:txBody>
-                    <a:bodyPr/>
-                    <a:lstStyle/>
-                    <a:p>
-                      <a:pPr algn="ctr" fontAlgn="b"/>
-                      <a:r>
-                        <a:rPr lang="en-US" sz="1100" u="none" strike="noStrike">
-                          <a:effectLst/>
-                        </a:rPr>
-                        <a:t>0.294277</a:t>
-                      </a:r>
-                      <a:endParaRPr lang="en-US" sz="1100" b="0" i="0" u="none" strike="noStrike">
-                        <a:solidFill>
-                          <a:srgbClr val="000000"/>
-                        </a:solidFill>
-                        <a:effectLst/>
-                        <a:latin typeface="Calibri" panose="020F0502020204030204" pitchFamily="34" charset="0"/>
-                      </a:endParaRPr>
-                    </a:p>
-                  </a:txBody>
-                  <a:tcPr marL="9525" marR="9525" marT="9525" marB="0" anchor="b"/>
-                </a:tc>
-                <a:tc>
-                  <a:txBody>
-                    <a:bodyPr/>
-                    <a:lstStyle/>
-                    <a:p>
-                      <a:pPr algn="ctr" fontAlgn="b"/>
-                      <a:r>
-                        <a:rPr lang="en-US" sz="1100" u="none" strike="noStrike">
-                          <a:effectLst/>
-                        </a:rPr>
-                        <a:t>0.032697</a:t>
-                      </a:r>
-                      <a:endParaRPr lang="en-US" sz="1100" b="0" i="0" u="none" strike="noStrike">
-                        <a:solidFill>
-                          <a:srgbClr val="000000"/>
-                        </a:solidFill>
-                        <a:effectLst/>
-                        <a:latin typeface="Calibri" panose="020F0502020204030204" pitchFamily="34" charset="0"/>
-                      </a:endParaRPr>
-                    </a:p>
-                  </a:txBody>
-                  <a:tcPr marL="9525" marR="9525" marT="9525" marB="0" anchor="b"/>
+                  <a:tcPr marL="9525" marR="9525" marT="9525" marB="0" anchor="ctr"/>
                 </a:tc>
                 <a:extLst>
                   <a:ext uri="{0D108BD9-81ED-4DB2-BD59-A6C34878D82A}">
@@ -24874,7 +25723,7 @@
                       </a:endParaRPr>
                     </a:p>
                   </a:txBody>
-                  <a:tcPr marL="9525" marR="9525" marT="9525" marB="0" anchor="b"/>
+                  <a:tcPr marL="9525" marR="9525" marT="9525" marB="0" anchor="ctr"/>
                 </a:tc>
                 <a:tc>
                   <a:txBody>
@@ -24897,7 +25746,7 @@
                       </a:endParaRPr>
                     </a:p>
                   </a:txBody>
-                  <a:tcPr marL="9525" marR="9525" marT="9525" marB="0" anchor="b"/>
+                  <a:tcPr marL="9525" marR="9525" marT="9525" marB="0" anchor="ctr"/>
                 </a:tc>
                 <a:tc>
                   <a:txBody>
@@ -24920,7 +25769,7 @@
                       </a:endParaRPr>
                     </a:p>
                   </a:txBody>
-                  <a:tcPr marL="9525" marR="9525" marT="9525" marB="0" anchor="b"/>
+                  <a:tcPr marL="9525" marR="9525" marT="9525" marB="0" anchor="ctr"/>
                 </a:tc>
                 <a:tc>
                   <a:txBody>
@@ -24943,7 +25792,7 @@
                       </a:endParaRPr>
                     </a:p>
                   </a:txBody>
-                  <a:tcPr marL="9525" marR="9525" marT="9525" marB="0" anchor="b"/>
+                  <a:tcPr marL="9525" marR="9525" marT="9525" marB="0" anchor="ctr"/>
                 </a:tc>
                 <a:tc>
                   <a:txBody>
@@ -24966,7 +25815,7 @@
                       </a:endParaRPr>
                     </a:p>
                   </a:txBody>
-                  <a:tcPr marL="9525" marR="9525" marT="9525" marB="0" anchor="b"/>
+                  <a:tcPr marL="9525" marR="9525" marT="9525" marB="0" anchor="ctr"/>
                 </a:tc>
                 <a:tc>
                   <a:txBody>
@@ -24989,7 +25838,7 @@
                       </a:endParaRPr>
                     </a:p>
                   </a:txBody>
-                  <a:tcPr marL="9525" marR="9525" marT="9525" marB="0" anchor="b"/>
+                  <a:tcPr marL="9525" marR="9525" marT="9525" marB="0" anchor="ctr"/>
                 </a:tc>
                 <a:tc>
                   <a:txBody>
@@ -25012,7 +25861,7 @@
                       </a:endParaRPr>
                     </a:p>
                   </a:txBody>
-                  <a:tcPr marL="9525" marR="9525" marT="9525" marB="0" anchor="b"/>
+                  <a:tcPr marL="9525" marR="9525" marT="9525" marB="0" anchor="ctr"/>
                 </a:tc>
                 <a:tc>
                   <a:txBody>
@@ -25035,7 +25884,7 @@
                       </a:endParaRPr>
                     </a:p>
                   </a:txBody>
-                  <a:tcPr marL="9525" marR="9525" marT="9525" marB="0" anchor="b"/>
+                  <a:tcPr marL="9525" marR="9525" marT="9525" marB="0" anchor="ctr"/>
                 </a:tc>
                 <a:tc>
                   <a:txBody>
@@ -25058,7 +25907,7 @@
                       </a:endParaRPr>
                     </a:p>
                   </a:txBody>
-                  <a:tcPr marL="9525" marR="9525" marT="9525" marB="0" anchor="b"/>
+                  <a:tcPr marL="9525" marR="9525" marT="9525" marB="0" anchor="ctr"/>
                 </a:tc>
                 <a:tc>
                   <a:txBody>
@@ -25081,7 +25930,7 @@
                       </a:endParaRPr>
                     </a:p>
                   </a:txBody>
-                  <a:tcPr marL="9525" marR="9525" marT="9525" marB="0" anchor="b"/>
+                  <a:tcPr marL="9525" marR="9525" marT="9525" marB="0" anchor="ctr"/>
                 </a:tc>
                 <a:tc>
                   <a:txBody>
@@ -25104,7 +25953,7 @@
                       </a:endParaRPr>
                     </a:p>
                   </a:txBody>
-                  <a:tcPr marL="9525" marR="9525" marT="9525" marB="0" anchor="b"/>
+                  <a:tcPr marL="9525" marR="9525" marT="9525" marB="0" anchor="ctr"/>
                 </a:tc>
                 <a:extLst>
                   <a:ext uri="{0D108BD9-81ED-4DB2-BD59-A6C34878D82A}">
@@ -25207,7 +26056,7 @@
                       </a:endParaRPr>
                     </a:p>
                   </a:txBody>
-                  <a:tcPr marL="9525" marR="9525" marT="9525" marB="0" anchor="b"/>
+                  <a:tcPr marL="9525" marR="9525" marT="9525" marB="0" anchor="ctr"/>
                 </a:tc>
                 <a:tc>
                   <a:txBody>
@@ -25230,7 +26079,7 @@
                       </a:endParaRPr>
                     </a:p>
                   </a:txBody>
-                  <a:tcPr marL="9525" marR="9525" marT="9525" marB="0" anchor="b"/>
+                  <a:tcPr marL="9525" marR="9525" marT="9525" marB="0" anchor="ctr"/>
                 </a:tc>
                 <a:tc>
                   <a:txBody>
@@ -25253,7 +26102,7 @@
                       </a:endParaRPr>
                     </a:p>
                   </a:txBody>
-                  <a:tcPr marL="9525" marR="9525" marT="9525" marB="0" anchor="b"/>
+                  <a:tcPr marL="9525" marR="9525" marT="9525" marB="0" anchor="ctr"/>
                 </a:tc>
                 <a:tc>
                   <a:txBody>
@@ -25276,7 +26125,7 @@
                       </a:endParaRPr>
                     </a:p>
                   </a:txBody>
-                  <a:tcPr marL="9525" marR="9525" marT="9525" marB="0" anchor="b"/>
+                  <a:tcPr marL="9525" marR="9525" marT="9525" marB="0" anchor="ctr"/>
                 </a:tc>
                 <a:tc>
                   <a:txBody>
@@ -25299,7 +26148,7 @@
                       </a:endParaRPr>
                     </a:p>
                   </a:txBody>
-                  <a:tcPr marL="9525" marR="9525" marT="9525" marB="0" anchor="b"/>
+                  <a:tcPr marL="9525" marR="9525" marT="9525" marB="0" anchor="ctr"/>
                 </a:tc>
                 <a:tc>
                   <a:txBody>
@@ -25322,7 +26171,7 @@
                       </a:endParaRPr>
                     </a:p>
                   </a:txBody>
-                  <a:tcPr marL="9525" marR="9525" marT="9525" marB="0" anchor="b"/>
+                  <a:tcPr marL="9525" marR="9525" marT="9525" marB="0" anchor="ctr"/>
                 </a:tc>
                 <a:tc>
                   <a:txBody>
@@ -25345,7 +26194,7 @@
                       </a:endParaRPr>
                     </a:p>
                   </a:txBody>
-                  <a:tcPr marL="9525" marR="9525" marT="9525" marB="0" anchor="b"/>
+                  <a:tcPr marL="9525" marR="9525" marT="9525" marB="0" anchor="ctr"/>
                 </a:tc>
                 <a:tc>
                   <a:txBody>
@@ -25368,7 +26217,7 @@
                       </a:endParaRPr>
                     </a:p>
                   </a:txBody>
-                  <a:tcPr marL="9525" marR="9525" marT="9525" marB="0" anchor="b"/>
+                  <a:tcPr marL="9525" marR="9525" marT="9525" marB="0" anchor="ctr"/>
                 </a:tc>
                 <a:tc>
                   <a:txBody>
@@ -25391,7 +26240,7 @@
                       </a:endParaRPr>
                     </a:p>
                   </a:txBody>
-                  <a:tcPr marL="9525" marR="9525" marT="9525" marB="0" anchor="b"/>
+                  <a:tcPr marL="9525" marR="9525" marT="9525" marB="0" anchor="ctr"/>
                 </a:tc>
                 <a:tc>
                   <a:txBody>
@@ -25414,7 +26263,7 @@
                       </a:endParaRPr>
                     </a:p>
                   </a:txBody>
-                  <a:tcPr marL="9525" marR="9525" marT="9525" marB="0" anchor="b"/>
+                  <a:tcPr marL="9525" marR="9525" marT="9525" marB="0" anchor="ctr"/>
                 </a:tc>
                 <a:tc>
                   <a:txBody>
@@ -25437,7 +26286,7 @@
                       </a:endParaRPr>
                     </a:p>
                   </a:txBody>
-                  <a:tcPr marL="9525" marR="9525" marT="9525" marB="0" anchor="b"/>
+                  <a:tcPr marL="9525" marR="9525" marT="9525" marB="0" anchor="ctr"/>
                 </a:tc>
                 <a:extLst>
                   <a:ext uri="{0D108BD9-81ED-4DB2-BD59-A6C34878D82A}">
@@ -25449,6 +26298,35 @@
           </a:graphicData>
         </a:graphic>
       </p:graphicFrame>
+      <p:sp>
+        <p:nvSpPr>
+          <p:cNvPr id="4" name="Slide Number Placeholder 3">
+            <a:extLst>
+              <a:ext uri="{FF2B5EF4-FFF2-40B4-BE49-F238E27FC236}">
+                <a16:creationId xmlns:a16="http://schemas.microsoft.com/office/drawing/2014/main" id="{1487A440-E866-419F-96F8-A1F1921BF92B}"/>
+              </a:ext>
+            </a:extLst>
+          </p:cNvPr>
+          <p:cNvSpPr>
+            <a:spLocks noGrp="1"/>
+          </p:cNvSpPr>
+          <p:nvPr>
+            <p:ph type="sldNum" sz="quarter" idx="12"/>
+          </p:nvPr>
+        </p:nvSpPr>
+        <p:spPr/>
+        <p:txBody>
+          <a:bodyPr/>
+          <a:lstStyle/>
+          <a:p>
+            <a:fld id="{CE83F37B-76DB-4CB9-8167-97BED313ED8D}" type="slidenum">
+              <a:rPr lang="en-US" smtClean="0"/>
+              <a:t>24</a:t>
+            </a:fld>
+            <a:endParaRPr lang="en-US"/>
+          </a:p>
+        </p:txBody>
+      </p:sp>
     </p:spTree>
     <p:extLst>
       <p:ext uri="{BB962C8B-B14F-4D97-AF65-F5344CB8AC3E}">
@@ -26320,6 +27198,35 @@
           </a:graphicData>
         </a:graphic>
       </p:graphicFrame>
+      <p:sp>
+        <p:nvSpPr>
+          <p:cNvPr id="4" name="Slide Number Placeholder 3">
+            <a:extLst>
+              <a:ext uri="{FF2B5EF4-FFF2-40B4-BE49-F238E27FC236}">
+                <a16:creationId xmlns:a16="http://schemas.microsoft.com/office/drawing/2014/main" id="{16B08FE1-F834-4996-A733-825F20E219BD}"/>
+              </a:ext>
+            </a:extLst>
+          </p:cNvPr>
+          <p:cNvSpPr>
+            <a:spLocks noGrp="1"/>
+          </p:cNvSpPr>
+          <p:nvPr>
+            <p:ph type="sldNum" sz="quarter" idx="12"/>
+          </p:nvPr>
+        </p:nvSpPr>
+        <p:spPr/>
+        <p:txBody>
+          <a:bodyPr/>
+          <a:lstStyle/>
+          <a:p>
+            <a:fld id="{CE83F37B-76DB-4CB9-8167-97BED313ED8D}" type="slidenum">
+              <a:rPr lang="en-US" smtClean="0"/>
+              <a:t>25</a:t>
+            </a:fld>
+            <a:endParaRPr lang="en-US"/>
+          </a:p>
+        </p:txBody>
+      </p:sp>
     </p:spTree>
     <p:extLst>
       <p:ext uri="{BB962C8B-B14F-4D97-AF65-F5344CB8AC3E}">
@@ -26469,6 +27376,35 @@
                 <a:srgbClr val="0F496F"/>
               </a:solidFill>
             </a:endParaRPr>
+          </a:p>
+        </p:txBody>
+      </p:sp>
+      <p:sp>
+        <p:nvSpPr>
+          <p:cNvPr id="4" name="Slide Number Placeholder 3">
+            <a:extLst>
+              <a:ext uri="{FF2B5EF4-FFF2-40B4-BE49-F238E27FC236}">
+                <a16:creationId xmlns:a16="http://schemas.microsoft.com/office/drawing/2014/main" id="{B7319E44-53A2-48B0-9FA9-8121309B8B18}"/>
+              </a:ext>
+            </a:extLst>
+          </p:cNvPr>
+          <p:cNvSpPr>
+            <a:spLocks noGrp="1"/>
+          </p:cNvSpPr>
+          <p:nvPr>
+            <p:ph type="sldNum" sz="quarter" idx="12"/>
+          </p:nvPr>
+        </p:nvSpPr>
+        <p:spPr/>
+        <p:txBody>
+          <a:bodyPr/>
+          <a:lstStyle/>
+          <a:p>
+            <a:fld id="{CE83F37B-76DB-4CB9-8167-97BED313ED8D}" type="slidenum">
+              <a:rPr lang="en-US" smtClean="0"/>
+              <a:t>26</a:t>
+            </a:fld>
+            <a:endParaRPr lang="en-US"/>
           </a:p>
         </p:txBody>
       </p:sp>
@@ -27847,6 +28783,35 @@
           </a:p>
         </p:txBody>
       </p:sp>
+      <p:sp>
+        <p:nvSpPr>
+          <p:cNvPr id="5" name="Slide Number Placeholder 4">
+            <a:extLst>
+              <a:ext uri="{FF2B5EF4-FFF2-40B4-BE49-F238E27FC236}">
+                <a16:creationId xmlns:a16="http://schemas.microsoft.com/office/drawing/2014/main" id="{7F934635-A1EE-4350-88B5-2448D57D053F}"/>
+              </a:ext>
+            </a:extLst>
+          </p:cNvPr>
+          <p:cNvSpPr>
+            <a:spLocks noGrp="1"/>
+          </p:cNvSpPr>
+          <p:nvPr>
+            <p:ph type="sldNum" sz="quarter" idx="12"/>
+          </p:nvPr>
+        </p:nvSpPr>
+        <p:spPr/>
+        <p:txBody>
+          <a:bodyPr/>
+          <a:lstStyle/>
+          <a:p>
+            <a:fld id="{CE83F37B-76DB-4CB9-8167-97BED313ED8D}" type="slidenum">
+              <a:rPr lang="en-US" smtClean="0"/>
+              <a:t>27</a:t>
+            </a:fld>
+            <a:endParaRPr lang="en-US"/>
+          </a:p>
+        </p:txBody>
+      </p:sp>
     </p:spTree>
     <p:extLst>
       <p:ext uri="{BB962C8B-B14F-4D97-AF65-F5344CB8AC3E}">
@@ -27966,7 +28931,7 @@
         </p:blipFill>
         <p:spPr>
           <a:xfrm>
-            <a:off x="4801585" y="166807"/>
+            <a:off x="4168747" y="166807"/>
             <a:ext cx="6765575" cy="6524386"/>
           </a:xfrm>
           <a:prstGeom prst="rect">
@@ -27974,6 +28939,35 @@
           </a:prstGeom>
         </p:spPr>
       </p:pic>
+      <p:sp>
+        <p:nvSpPr>
+          <p:cNvPr id="3" name="Slide Number Placeholder 2">
+            <a:extLst>
+              <a:ext uri="{FF2B5EF4-FFF2-40B4-BE49-F238E27FC236}">
+                <a16:creationId xmlns:a16="http://schemas.microsoft.com/office/drawing/2014/main" id="{31B4A2AE-8917-4E4E-825B-AFB1AFC54A10}"/>
+              </a:ext>
+            </a:extLst>
+          </p:cNvPr>
+          <p:cNvSpPr>
+            <a:spLocks noGrp="1"/>
+          </p:cNvSpPr>
+          <p:nvPr>
+            <p:ph type="sldNum" sz="quarter" idx="12"/>
+          </p:nvPr>
+        </p:nvSpPr>
+        <p:spPr/>
+        <p:txBody>
+          <a:bodyPr/>
+          <a:lstStyle/>
+          <a:p>
+            <a:fld id="{CE83F37B-76DB-4CB9-8167-97BED313ED8D}" type="slidenum">
+              <a:rPr lang="en-US" smtClean="0"/>
+              <a:t>28</a:t>
+            </a:fld>
+            <a:endParaRPr lang="en-US"/>
+          </a:p>
+        </p:txBody>
+      </p:sp>
     </p:spTree>
     <p:extLst>
       <p:ext uri="{BB962C8B-B14F-4D97-AF65-F5344CB8AC3E}">
@@ -28065,6 +29059,35 @@
           </a:prstGeom>
         </p:spPr>
       </p:pic>
+      <p:sp>
+        <p:nvSpPr>
+          <p:cNvPr id="3" name="Slide Number Placeholder 2">
+            <a:extLst>
+              <a:ext uri="{FF2B5EF4-FFF2-40B4-BE49-F238E27FC236}">
+                <a16:creationId xmlns:a16="http://schemas.microsoft.com/office/drawing/2014/main" id="{221BD333-79A7-462A-894A-7DCABBA2AED3}"/>
+              </a:ext>
+            </a:extLst>
+          </p:cNvPr>
+          <p:cNvSpPr>
+            <a:spLocks noGrp="1"/>
+          </p:cNvSpPr>
+          <p:nvPr>
+            <p:ph type="sldNum" sz="quarter" idx="12"/>
+          </p:nvPr>
+        </p:nvSpPr>
+        <p:spPr/>
+        <p:txBody>
+          <a:bodyPr/>
+          <a:lstStyle/>
+          <a:p>
+            <a:fld id="{CE83F37B-76DB-4CB9-8167-97BED313ED8D}" type="slidenum">
+              <a:rPr lang="en-US" smtClean="0"/>
+              <a:t>29</a:t>
+            </a:fld>
+            <a:endParaRPr lang="en-US"/>
+          </a:p>
+        </p:txBody>
+      </p:sp>
     </p:spTree>
     <p:extLst>
       <p:ext uri="{BB962C8B-B14F-4D97-AF65-F5344CB8AC3E}">
@@ -28130,6 +29153,35 @@
           </a:xfrm>
         </p:spPr>
       </p:pic>
+      <p:sp>
+        <p:nvSpPr>
+          <p:cNvPr id="2" name="Slide Number Placeholder 1">
+            <a:extLst>
+              <a:ext uri="{FF2B5EF4-FFF2-40B4-BE49-F238E27FC236}">
+                <a16:creationId xmlns:a16="http://schemas.microsoft.com/office/drawing/2014/main" id="{833ED783-15BC-48B5-B4A3-28AD8DD501D6}"/>
+              </a:ext>
+            </a:extLst>
+          </p:cNvPr>
+          <p:cNvSpPr>
+            <a:spLocks noGrp="1"/>
+          </p:cNvSpPr>
+          <p:nvPr>
+            <p:ph type="sldNum" sz="quarter" idx="12"/>
+          </p:nvPr>
+        </p:nvSpPr>
+        <p:spPr/>
+        <p:txBody>
+          <a:bodyPr/>
+          <a:lstStyle/>
+          <a:p>
+            <a:fld id="{CE83F37B-76DB-4CB9-8167-97BED313ED8D}" type="slidenum">
+              <a:rPr lang="en-US" smtClean="0"/>
+              <a:t>3</a:t>
+            </a:fld>
+            <a:endParaRPr lang="en-US"/>
+          </a:p>
+        </p:txBody>
+      </p:sp>
     </p:spTree>
     <p:extLst>
       <p:ext uri="{BB962C8B-B14F-4D97-AF65-F5344CB8AC3E}">
@@ -28256,6 +29308,35 @@
               <a:rPr lang="nb-NO" dirty="0"/>
               <a:t> up</a:t>
             </a:r>
+          </a:p>
+        </p:txBody>
+      </p:sp>
+      <p:sp>
+        <p:nvSpPr>
+          <p:cNvPr id="4" name="Slide Number Placeholder 3">
+            <a:extLst>
+              <a:ext uri="{FF2B5EF4-FFF2-40B4-BE49-F238E27FC236}">
+                <a16:creationId xmlns:a16="http://schemas.microsoft.com/office/drawing/2014/main" id="{1DA57030-3112-4052-9055-7B6B7418AB8D}"/>
+              </a:ext>
+            </a:extLst>
+          </p:cNvPr>
+          <p:cNvSpPr>
+            <a:spLocks noGrp="1"/>
+          </p:cNvSpPr>
+          <p:nvPr>
+            <p:ph type="sldNum" sz="quarter" idx="12"/>
+          </p:nvPr>
+        </p:nvSpPr>
+        <p:spPr/>
+        <p:txBody>
+          <a:bodyPr/>
+          <a:lstStyle/>
+          <a:p>
+            <a:fld id="{CE83F37B-76DB-4CB9-8167-97BED313ED8D}" type="slidenum">
+              <a:rPr lang="en-US" smtClean="0"/>
+              <a:t>30</a:t>
+            </a:fld>
+            <a:endParaRPr lang="en-US"/>
           </a:p>
         </p:txBody>
       </p:sp>
@@ -28453,7 +29534,7 @@
         </p:blipFill>
         <p:spPr>
           <a:xfrm>
-            <a:off x="5881420" y="2759092"/>
+            <a:off x="4878788" y="2801295"/>
             <a:ext cx="5768054" cy="3843867"/>
           </a:xfrm>
           <a:prstGeom prst="rect">
@@ -28560,6 +29641,35 @@
           </a:p>
         </p:txBody>
       </p:sp>
+      <p:sp>
+        <p:nvSpPr>
+          <p:cNvPr id="6" name="Slide Number Placeholder 5">
+            <a:extLst>
+              <a:ext uri="{FF2B5EF4-FFF2-40B4-BE49-F238E27FC236}">
+                <a16:creationId xmlns:a16="http://schemas.microsoft.com/office/drawing/2014/main" id="{8326257A-C873-4D62-89FE-33C9DA1C83C6}"/>
+              </a:ext>
+            </a:extLst>
+          </p:cNvPr>
+          <p:cNvSpPr>
+            <a:spLocks noGrp="1"/>
+          </p:cNvSpPr>
+          <p:nvPr>
+            <p:ph type="sldNum" sz="quarter" idx="12"/>
+          </p:nvPr>
+        </p:nvSpPr>
+        <p:spPr/>
+        <p:txBody>
+          <a:bodyPr/>
+          <a:lstStyle/>
+          <a:p>
+            <a:fld id="{CE83F37B-76DB-4CB9-8167-97BED313ED8D}" type="slidenum">
+              <a:rPr lang="en-US" smtClean="0"/>
+              <a:t>31</a:t>
+            </a:fld>
+            <a:endParaRPr lang="en-US"/>
+          </a:p>
+        </p:txBody>
+      </p:sp>
     </p:spTree>
     <p:extLst>
       <p:ext uri="{BB962C8B-B14F-4D97-AF65-F5344CB8AC3E}">
@@ -28635,6 +29745,35 @@
               <a:rPr lang="en-US" sz="2800" dirty="0"/>
               <a:t> to find a safe, reliable, user-friendly oxygen information/warning system which provides for the general scuba diver a more secured and independent diving experience.</a:t>
             </a:r>
+          </a:p>
+        </p:txBody>
+      </p:sp>
+      <p:sp>
+        <p:nvSpPr>
+          <p:cNvPr id="2" name="Slide Number Placeholder 1">
+            <a:extLst>
+              <a:ext uri="{FF2B5EF4-FFF2-40B4-BE49-F238E27FC236}">
+                <a16:creationId xmlns:a16="http://schemas.microsoft.com/office/drawing/2014/main" id="{1BE4C1DC-E841-476D-8048-325BB7001E29}"/>
+              </a:ext>
+            </a:extLst>
+          </p:cNvPr>
+          <p:cNvSpPr>
+            <a:spLocks noGrp="1"/>
+          </p:cNvSpPr>
+          <p:nvPr>
+            <p:ph type="sldNum" sz="quarter" idx="12"/>
+          </p:nvPr>
+        </p:nvSpPr>
+        <p:spPr/>
+        <p:txBody>
+          <a:bodyPr/>
+          <a:lstStyle/>
+          <a:p>
+            <a:fld id="{CE83F37B-76DB-4CB9-8167-97BED313ED8D}" type="slidenum">
+              <a:rPr lang="en-US" smtClean="0"/>
+              <a:t>4</a:t>
+            </a:fld>
+            <a:endParaRPr lang="en-US"/>
           </a:p>
         </p:txBody>
       </p:sp>
@@ -28767,6 +29906,35 @@
           </a:p>
         </p:txBody>
       </p:sp>
+      <p:sp>
+        <p:nvSpPr>
+          <p:cNvPr id="4" name="Slide Number Placeholder 3">
+            <a:extLst>
+              <a:ext uri="{FF2B5EF4-FFF2-40B4-BE49-F238E27FC236}">
+                <a16:creationId xmlns:a16="http://schemas.microsoft.com/office/drawing/2014/main" id="{234F5E1D-FCEC-4C74-A5BF-27957955D1D5}"/>
+              </a:ext>
+            </a:extLst>
+          </p:cNvPr>
+          <p:cNvSpPr>
+            <a:spLocks noGrp="1"/>
+          </p:cNvSpPr>
+          <p:nvPr>
+            <p:ph type="sldNum" sz="quarter" idx="12"/>
+          </p:nvPr>
+        </p:nvSpPr>
+        <p:spPr/>
+        <p:txBody>
+          <a:bodyPr/>
+          <a:lstStyle/>
+          <a:p>
+            <a:fld id="{CE83F37B-76DB-4CB9-8167-97BED313ED8D}" type="slidenum">
+              <a:rPr lang="en-US" smtClean="0"/>
+              <a:t>5</a:t>
+            </a:fld>
+            <a:endParaRPr lang="en-US"/>
+          </a:p>
+        </p:txBody>
+      </p:sp>
     </p:spTree>
     <p:extLst>
       <p:ext uri="{BB962C8B-B14F-4D97-AF65-F5344CB8AC3E}">
@@ -28857,6 +30025,35 @@
           </a:xfrm>
         </p:spPr>
       </p:pic>
+      <p:sp>
+        <p:nvSpPr>
+          <p:cNvPr id="3" name="Slide Number Placeholder 2">
+            <a:extLst>
+              <a:ext uri="{FF2B5EF4-FFF2-40B4-BE49-F238E27FC236}">
+                <a16:creationId xmlns:a16="http://schemas.microsoft.com/office/drawing/2014/main" id="{021123D4-8BC4-4BDB-B7AF-4EFC6491AC17}"/>
+              </a:ext>
+            </a:extLst>
+          </p:cNvPr>
+          <p:cNvSpPr>
+            <a:spLocks noGrp="1"/>
+          </p:cNvSpPr>
+          <p:nvPr>
+            <p:ph type="sldNum" sz="quarter" idx="12"/>
+          </p:nvPr>
+        </p:nvSpPr>
+        <p:spPr/>
+        <p:txBody>
+          <a:bodyPr/>
+          <a:lstStyle/>
+          <a:p>
+            <a:fld id="{CE83F37B-76DB-4CB9-8167-97BED313ED8D}" type="slidenum">
+              <a:rPr lang="en-US" smtClean="0"/>
+              <a:t>6</a:t>
+            </a:fld>
+            <a:endParaRPr lang="en-US"/>
+          </a:p>
+        </p:txBody>
+      </p:sp>
     </p:spTree>
     <p:extLst>
       <p:ext uri="{BB962C8B-B14F-4D97-AF65-F5344CB8AC3E}">
@@ -28947,6 +30144,35 @@
           </a:xfrm>
         </p:spPr>
       </p:pic>
+      <p:sp>
+        <p:nvSpPr>
+          <p:cNvPr id="3" name="Slide Number Placeholder 2">
+            <a:extLst>
+              <a:ext uri="{FF2B5EF4-FFF2-40B4-BE49-F238E27FC236}">
+                <a16:creationId xmlns:a16="http://schemas.microsoft.com/office/drawing/2014/main" id="{2BC2EBFC-4C44-49FB-860A-F1B93A33B89A}"/>
+              </a:ext>
+            </a:extLst>
+          </p:cNvPr>
+          <p:cNvSpPr>
+            <a:spLocks noGrp="1"/>
+          </p:cNvSpPr>
+          <p:nvPr>
+            <p:ph type="sldNum" sz="quarter" idx="12"/>
+          </p:nvPr>
+        </p:nvSpPr>
+        <p:spPr/>
+        <p:txBody>
+          <a:bodyPr/>
+          <a:lstStyle/>
+          <a:p>
+            <a:fld id="{CE83F37B-76DB-4CB9-8167-97BED313ED8D}" type="slidenum">
+              <a:rPr lang="en-US" smtClean="0"/>
+              <a:t>7</a:t>
+            </a:fld>
+            <a:endParaRPr lang="en-US"/>
+          </a:p>
+        </p:txBody>
+      </p:sp>
     </p:spTree>
     <p:extLst>
       <p:ext uri="{BB962C8B-B14F-4D97-AF65-F5344CB8AC3E}">
@@ -29037,6 +30263,35 @@
           </a:xfrm>
         </p:spPr>
       </p:pic>
+      <p:sp>
+        <p:nvSpPr>
+          <p:cNvPr id="3" name="Slide Number Placeholder 2">
+            <a:extLst>
+              <a:ext uri="{FF2B5EF4-FFF2-40B4-BE49-F238E27FC236}">
+                <a16:creationId xmlns:a16="http://schemas.microsoft.com/office/drawing/2014/main" id="{3EBF31B3-6B54-4001-BEE1-9C422D6560E6}"/>
+              </a:ext>
+            </a:extLst>
+          </p:cNvPr>
+          <p:cNvSpPr>
+            <a:spLocks noGrp="1"/>
+          </p:cNvSpPr>
+          <p:nvPr>
+            <p:ph type="sldNum" sz="quarter" idx="12"/>
+          </p:nvPr>
+        </p:nvSpPr>
+        <p:spPr/>
+        <p:txBody>
+          <a:bodyPr/>
+          <a:lstStyle/>
+          <a:p>
+            <a:fld id="{CE83F37B-76DB-4CB9-8167-97BED313ED8D}" type="slidenum">
+              <a:rPr lang="en-US" smtClean="0"/>
+              <a:t>8</a:t>
+            </a:fld>
+            <a:endParaRPr lang="en-US"/>
+          </a:p>
+        </p:txBody>
+      </p:sp>
     </p:spTree>
     <p:extLst>
       <p:ext uri="{BB962C8B-B14F-4D97-AF65-F5344CB8AC3E}">
@@ -29165,6 +30420,35 @@
               <a:rPr lang="en-US" dirty="0"/>
               <a:t>CONOPS</a:t>
             </a:r>
+          </a:p>
+        </p:txBody>
+      </p:sp>
+      <p:sp>
+        <p:nvSpPr>
+          <p:cNvPr id="4" name="Slide Number Placeholder 3">
+            <a:extLst>
+              <a:ext uri="{FF2B5EF4-FFF2-40B4-BE49-F238E27FC236}">
+                <a16:creationId xmlns:a16="http://schemas.microsoft.com/office/drawing/2014/main" id="{47BF32BA-0662-4BDE-8EC2-D740E8C0F325}"/>
+              </a:ext>
+            </a:extLst>
+          </p:cNvPr>
+          <p:cNvSpPr>
+            <a:spLocks noGrp="1"/>
+          </p:cNvSpPr>
+          <p:nvPr>
+            <p:ph type="sldNum" sz="quarter" idx="12"/>
+          </p:nvPr>
+        </p:nvSpPr>
+        <p:spPr/>
+        <p:txBody>
+          <a:bodyPr/>
+          <a:lstStyle/>
+          <a:p>
+            <a:fld id="{CE83F37B-76DB-4CB9-8167-97BED313ED8D}" type="slidenum">
+              <a:rPr lang="en-US" smtClean="0"/>
+              <a:t>9</a:t>
+            </a:fld>
+            <a:endParaRPr lang="en-US"/>
           </a:p>
         </p:txBody>
       </p:sp>
@@ -29453,4 +30737,299 @@
     </a:ext>
   </a:extLst>
 </a:theme>
+</file>
+
+<file path=ppt/theme/theme2.xml><?xml version="1.0" encoding="utf-8"?>
+<a:theme xmlns:a="http://schemas.openxmlformats.org/drawingml/2006/main" name="Office Theme">
+  <a:themeElements>
+    <a:clrScheme name="Office">
+      <a:dk1>
+        <a:sysClr val="windowText" lastClr="000000"/>
+      </a:dk1>
+      <a:lt1>
+        <a:sysClr val="window" lastClr="FFFFFF"/>
+      </a:lt1>
+      <a:dk2>
+        <a:srgbClr val="44546A"/>
+      </a:dk2>
+      <a:lt2>
+        <a:srgbClr val="E7E6E6"/>
+      </a:lt2>
+      <a:accent1>
+        <a:srgbClr val="4472C4"/>
+      </a:accent1>
+      <a:accent2>
+        <a:srgbClr val="ED7D31"/>
+      </a:accent2>
+      <a:accent3>
+        <a:srgbClr val="A5A5A5"/>
+      </a:accent3>
+      <a:accent4>
+        <a:srgbClr val="FFC000"/>
+      </a:accent4>
+      <a:accent5>
+        <a:srgbClr val="5B9BD5"/>
+      </a:accent5>
+      <a:accent6>
+        <a:srgbClr val="70AD47"/>
+      </a:accent6>
+      <a:hlink>
+        <a:srgbClr val="0563C1"/>
+      </a:hlink>
+      <a:folHlink>
+        <a:srgbClr val="954F72"/>
+      </a:folHlink>
+    </a:clrScheme>
+    <a:fontScheme name="Office">
+      <a:majorFont>
+        <a:latin typeface="Calibri Light" panose="020F0302020204030204"/>
+        <a:ea typeface=""/>
+        <a:cs typeface=""/>
+        <a:font script="Jpan" typeface="游ゴシック Light"/>
+        <a:font script="Hang" typeface="맑은 고딕"/>
+        <a:font script="Hans" typeface="等线 Light"/>
+        <a:font script="Hant" typeface="新細明體"/>
+        <a:font script="Arab" typeface="Times New Roman"/>
+        <a:font script="Hebr" typeface="Times New Roman"/>
+        <a:font script="Thai" typeface="Angsana New"/>
+        <a:font script="Ethi" typeface="Nyala"/>
+        <a:font script="Beng" typeface="Vrinda"/>
+        <a:font script="Gujr" typeface="Shruti"/>
+        <a:font script="Khmr" typeface="MoolBoran"/>
+        <a:font script="Knda" typeface="Tunga"/>
+        <a:font script="Guru" typeface="Raavi"/>
+        <a:font script="Cans" typeface="Euphemia"/>
+        <a:font script="Cher" typeface="Plantagenet Cherokee"/>
+        <a:font script="Yiii" typeface="Microsoft Yi Baiti"/>
+        <a:font script="Tibt" typeface="Microsoft Himalaya"/>
+        <a:font script="Thaa" typeface="MV Boli"/>
+        <a:font script="Deva" typeface="Mangal"/>
+        <a:font script="Telu" typeface="Gautami"/>
+        <a:font script="Taml" typeface="Latha"/>
+        <a:font script="Syrc" typeface="Estrangelo Edessa"/>
+        <a:font script="Orya" typeface="Kalinga"/>
+        <a:font script="Mlym" typeface="Kartika"/>
+        <a:font script="Laoo" typeface="DokChampa"/>
+        <a:font script="Sinh" typeface="Iskoola Pota"/>
+        <a:font script="Mong" typeface="Mongolian Baiti"/>
+        <a:font script="Viet" typeface="Times New Roman"/>
+        <a:font script="Uigh" typeface="Microsoft Uighur"/>
+        <a:font script="Geor" typeface="Sylfaen"/>
+        <a:font script="Armn" typeface="Arial"/>
+        <a:font script="Bugi" typeface="Leelawadee UI"/>
+        <a:font script="Bopo" typeface="Microsoft JhengHei"/>
+        <a:font script="Java" typeface="Javanese Text"/>
+        <a:font script="Lisu" typeface="Segoe UI"/>
+        <a:font script="Mymr" typeface="Myanmar Text"/>
+        <a:font script="Nkoo" typeface="Ebrima"/>
+        <a:font script="Olck" typeface="Nirmala UI"/>
+        <a:font script="Osma" typeface="Ebrima"/>
+        <a:font script="Phag" typeface="Phagspa"/>
+        <a:font script="Syrn" typeface="Estrangelo Edessa"/>
+        <a:font script="Syrj" typeface="Estrangelo Edessa"/>
+        <a:font script="Syre" typeface="Estrangelo Edessa"/>
+        <a:font script="Sora" typeface="Nirmala UI"/>
+        <a:font script="Tale" typeface="Microsoft Tai Le"/>
+        <a:font script="Talu" typeface="Microsoft New Tai Lue"/>
+        <a:font script="Tfng" typeface="Ebrima"/>
+      </a:majorFont>
+      <a:minorFont>
+        <a:latin typeface="Calibri" panose="020F0502020204030204"/>
+        <a:ea typeface=""/>
+        <a:cs typeface=""/>
+        <a:font script="Jpan" typeface="游ゴシック"/>
+        <a:font script="Hang" typeface="맑은 고딕"/>
+        <a:font script="Hans" typeface="等线"/>
+        <a:font script="Hant" typeface="新細明體"/>
+        <a:font script="Arab" typeface="Arial"/>
+        <a:font script="Hebr" typeface="Arial"/>
+        <a:font script="Thai" typeface="Cordia New"/>
+        <a:font script="Ethi" typeface="Nyala"/>
+        <a:font script="Beng" typeface="Vrinda"/>
+        <a:font script="Gujr" typeface="Shruti"/>
+        <a:font script="Khmr" typeface="DaunPenh"/>
+        <a:font script="Knda" typeface="Tunga"/>
+        <a:font script="Guru" typeface="Raavi"/>
+        <a:font script="Cans" typeface="Euphemia"/>
+        <a:font script="Cher" typeface="Plantagenet Cherokee"/>
+        <a:font script="Yiii" typeface="Microsoft Yi Baiti"/>
+        <a:font script="Tibt" typeface="Microsoft Himalaya"/>
+        <a:font script="Thaa" typeface="MV Boli"/>
+        <a:font script="Deva" typeface="Mangal"/>
+        <a:font script="Telu" typeface="Gautami"/>
+        <a:font script="Taml" typeface="Latha"/>
+        <a:font script="Syrc" typeface="Estrangelo Edessa"/>
+        <a:font script="Orya" typeface="Kalinga"/>
+        <a:font script="Mlym" typeface="Kartika"/>
+        <a:font script="Laoo" typeface="DokChampa"/>
+        <a:font script="Sinh" typeface="Iskoola Pota"/>
+        <a:font script="Mong" typeface="Mongolian Baiti"/>
+        <a:font script="Viet" typeface="Arial"/>
+        <a:font script="Uigh" typeface="Microsoft Uighur"/>
+        <a:font script="Geor" typeface="Sylfaen"/>
+        <a:font script="Armn" typeface="Arial"/>
+        <a:font script="Bugi" typeface="Leelawadee UI"/>
+        <a:font script="Bopo" typeface="Microsoft JhengHei"/>
+        <a:font script="Java" typeface="Javanese Text"/>
+        <a:font script="Lisu" typeface="Segoe UI"/>
+        <a:font script="Mymr" typeface="Myanmar Text"/>
+        <a:font script="Nkoo" typeface="Ebrima"/>
+        <a:font script="Olck" typeface="Nirmala UI"/>
+        <a:font script="Osma" typeface="Ebrima"/>
+        <a:font script="Phag" typeface="Phagspa"/>
+        <a:font script="Syrn" typeface="Estrangelo Edessa"/>
+        <a:font script="Syrj" typeface="Estrangelo Edessa"/>
+        <a:font script="Syre" typeface="Estrangelo Edessa"/>
+        <a:font script="Sora" typeface="Nirmala UI"/>
+        <a:font script="Tale" typeface="Microsoft Tai Le"/>
+        <a:font script="Talu" typeface="Microsoft New Tai Lue"/>
+        <a:font script="Tfng" typeface="Ebrima"/>
+      </a:minorFont>
+    </a:fontScheme>
+    <a:fmtScheme name="Office">
+      <a:fillStyleLst>
+        <a:solidFill>
+          <a:schemeClr val="phClr"/>
+        </a:solidFill>
+        <a:gradFill rotWithShape="1">
+          <a:gsLst>
+            <a:gs pos="0">
+              <a:schemeClr val="phClr">
+                <a:lumMod val="110000"/>
+                <a:satMod val="105000"/>
+                <a:tint val="67000"/>
+              </a:schemeClr>
+            </a:gs>
+            <a:gs pos="50000">
+              <a:schemeClr val="phClr">
+                <a:lumMod val="105000"/>
+                <a:satMod val="103000"/>
+                <a:tint val="73000"/>
+              </a:schemeClr>
+            </a:gs>
+            <a:gs pos="100000">
+              <a:schemeClr val="phClr">
+                <a:lumMod val="105000"/>
+                <a:satMod val="109000"/>
+                <a:tint val="81000"/>
+              </a:schemeClr>
+            </a:gs>
+          </a:gsLst>
+          <a:lin ang="5400000" scaled="0"/>
+        </a:gradFill>
+        <a:gradFill rotWithShape="1">
+          <a:gsLst>
+            <a:gs pos="0">
+              <a:schemeClr val="phClr">
+                <a:satMod val="103000"/>
+                <a:lumMod val="102000"/>
+                <a:tint val="94000"/>
+              </a:schemeClr>
+            </a:gs>
+            <a:gs pos="50000">
+              <a:schemeClr val="phClr">
+                <a:satMod val="110000"/>
+                <a:lumMod val="100000"/>
+                <a:shade val="100000"/>
+              </a:schemeClr>
+            </a:gs>
+            <a:gs pos="100000">
+              <a:schemeClr val="phClr">
+                <a:lumMod val="99000"/>
+                <a:satMod val="120000"/>
+                <a:shade val="78000"/>
+              </a:schemeClr>
+            </a:gs>
+          </a:gsLst>
+          <a:lin ang="5400000" scaled="0"/>
+        </a:gradFill>
+      </a:fillStyleLst>
+      <a:lnStyleLst>
+        <a:ln w="6350" cap="flat" cmpd="sng" algn="ctr">
+          <a:solidFill>
+            <a:schemeClr val="phClr"/>
+          </a:solidFill>
+          <a:prstDash val="solid"/>
+          <a:miter lim="800000"/>
+        </a:ln>
+        <a:ln w="12700" cap="flat" cmpd="sng" algn="ctr">
+          <a:solidFill>
+            <a:schemeClr val="phClr"/>
+          </a:solidFill>
+          <a:prstDash val="solid"/>
+          <a:miter lim="800000"/>
+        </a:ln>
+        <a:ln w="19050" cap="flat" cmpd="sng" algn="ctr">
+          <a:solidFill>
+            <a:schemeClr val="phClr"/>
+          </a:solidFill>
+          <a:prstDash val="solid"/>
+          <a:miter lim="800000"/>
+        </a:ln>
+      </a:lnStyleLst>
+      <a:effectStyleLst>
+        <a:effectStyle>
+          <a:effectLst/>
+        </a:effectStyle>
+        <a:effectStyle>
+          <a:effectLst/>
+        </a:effectStyle>
+        <a:effectStyle>
+          <a:effectLst>
+            <a:outerShdw blurRad="57150" dist="19050" dir="5400000" algn="ctr" rotWithShape="0">
+              <a:srgbClr val="000000">
+                <a:alpha val="63000"/>
+              </a:srgbClr>
+            </a:outerShdw>
+          </a:effectLst>
+        </a:effectStyle>
+      </a:effectStyleLst>
+      <a:bgFillStyleLst>
+        <a:solidFill>
+          <a:schemeClr val="phClr"/>
+        </a:solidFill>
+        <a:solidFill>
+          <a:schemeClr val="phClr">
+            <a:tint val="95000"/>
+            <a:satMod val="170000"/>
+          </a:schemeClr>
+        </a:solidFill>
+        <a:gradFill rotWithShape="1">
+          <a:gsLst>
+            <a:gs pos="0">
+              <a:schemeClr val="phClr">
+                <a:tint val="93000"/>
+                <a:satMod val="150000"/>
+                <a:shade val="98000"/>
+                <a:lumMod val="102000"/>
+              </a:schemeClr>
+            </a:gs>
+            <a:gs pos="50000">
+              <a:schemeClr val="phClr">
+                <a:tint val="98000"/>
+                <a:satMod val="130000"/>
+                <a:shade val="90000"/>
+                <a:lumMod val="103000"/>
+              </a:schemeClr>
+            </a:gs>
+            <a:gs pos="100000">
+              <a:schemeClr val="phClr">
+                <a:shade val="63000"/>
+                <a:satMod val="120000"/>
+              </a:schemeClr>
+            </a:gs>
+          </a:gsLst>
+          <a:lin ang="5400000" scaled="0"/>
+        </a:gradFill>
+      </a:bgFillStyleLst>
+    </a:fmtScheme>
+  </a:themeElements>
+  <a:objectDefaults/>
+  <a:extraClrSchemeLst/>
+  <a:extLst>
+    <a:ext uri="{05A4C25C-085E-4340-85A3-A5531E510DB2}">
+      <thm15:themeFamily xmlns:thm15="http://schemas.microsoft.com/office/thememl/2012/main" name="Office Theme" id="{62F939B6-93AF-4DB8-9C6B-D6C7DFDC589F}" vid="{4A3C46E8-61CC-4603-A589-7422A47A8E4A}"/>
+    </a:ext>
+  </a:extLst>
+</a:theme>
 </file>
--- a/S.A.V.E/Security Application Via Engineering.pptx
+++ b/S.A.V.E/Security Application Via Engineering.pptx
@@ -12213,8 +12213,8 @@
           <a:p>
             <a:pPr algn="ctr"/>
             <a:r>
-              <a:rPr lang="en-US" dirty="0"/>
-              <a:t>Criteria</a:t>
+              <a:rPr lang="en-US"/>
+              <a:t>Pugh matrix</a:t>
             </a:r>
             <a:br>
               <a:rPr lang="en-US" dirty="0"/>

--- a/S.A.V.E/Security Application Via Engineering.pptx
+++ b/S.A.V.E/Security Application Via Engineering.pptx
@@ -5,7 +5,7 @@
     <p:sldMasterId id="2147483672" r:id="rId1"/>
   </p:sldMasterIdLst>
   <p:notesMasterIdLst>
-    <p:notesMasterId r:id="rId33"/>
+    <p:notesMasterId r:id="rId34"/>
   </p:notesMasterIdLst>
   <p:sldIdLst>
     <p:sldId id="256" r:id="rId2"/>
@@ -33,12 +33,13 @@
     <p:sldId id="287" r:id="rId24"/>
     <p:sldId id="288" r:id="rId25"/>
     <p:sldId id="275" r:id="rId26"/>
-    <p:sldId id="282" r:id="rId27"/>
-    <p:sldId id="273" r:id="rId28"/>
-    <p:sldId id="280" r:id="rId29"/>
-    <p:sldId id="279" r:id="rId30"/>
-    <p:sldId id="283" r:id="rId31"/>
-    <p:sldId id="286" r:id="rId32"/>
+    <p:sldId id="291" r:id="rId27"/>
+    <p:sldId id="282" r:id="rId28"/>
+    <p:sldId id="273" r:id="rId29"/>
+    <p:sldId id="280" r:id="rId30"/>
+    <p:sldId id="279" r:id="rId31"/>
+    <p:sldId id="283" r:id="rId32"/>
+    <p:sldId id="286" r:id="rId33"/>
   </p:sldIdLst>
   <p:sldSz cx="12192000" cy="6858000"/>
   <p:notesSz cx="6858000" cy="9144000"/>
@@ -27259,6 +27260,126 @@
       </p:grpSpPr>
       <p:sp>
         <p:nvSpPr>
+          <p:cNvPr id="2" name="Title 1">
+            <a:extLst>
+              <a:ext uri="{FF2B5EF4-FFF2-40B4-BE49-F238E27FC236}">
+                <a16:creationId xmlns:a16="http://schemas.microsoft.com/office/drawing/2014/main" id="{3FD86ED8-A69D-4C3C-89A4-AC7FAE81B037}"/>
+              </a:ext>
+            </a:extLst>
+          </p:cNvPr>
+          <p:cNvSpPr>
+            <a:spLocks noGrp="1"/>
+          </p:cNvSpPr>
+          <p:nvPr>
+            <p:ph type="title"/>
+          </p:nvPr>
+        </p:nvSpPr>
+        <p:spPr/>
+        <p:txBody>
+          <a:bodyPr/>
+          <a:lstStyle/>
+          <a:p>
+            <a:endParaRPr lang="en-US"/>
+          </a:p>
+        </p:txBody>
+      </p:sp>
+      <p:sp>
+        <p:nvSpPr>
+          <p:cNvPr id="3" name="Slide Number Placeholder 2">
+            <a:extLst>
+              <a:ext uri="{FF2B5EF4-FFF2-40B4-BE49-F238E27FC236}">
+                <a16:creationId xmlns:a16="http://schemas.microsoft.com/office/drawing/2014/main" id="{CAE67A3A-A6DC-4811-B486-DEEB394AC564}"/>
+              </a:ext>
+            </a:extLst>
+          </p:cNvPr>
+          <p:cNvSpPr>
+            <a:spLocks noGrp="1"/>
+          </p:cNvSpPr>
+          <p:nvPr>
+            <p:ph type="sldNum" sz="quarter" idx="12"/>
+          </p:nvPr>
+        </p:nvSpPr>
+        <p:spPr/>
+        <p:txBody>
+          <a:bodyPr/>
+          <a:lstStyle/>
+          <a:p>
+            <a:fld id="{CE83F37B-76DB-4CB9-8167-97BED313ED8D}" type="slidenum">
+              <a:rPr lang="en-US" smtClean="0"/>
+              <a:t>26</a:t>
+            </a:fld>
+            <a:endParaRPr lang="en-US"/>
+          </a:p>
+        </p:txBody>
+      </p:sp>
+      <p:pic>
+        <p:nvPicPr>
+          <p:cNvPr id="5" name="Picture 4">
+            <a:extLst>
+              <a:ext uri="{FF2B5EF4-FFF2-40B4-BE49-F238E27FC236}">
+                <a16:creationId xmlns:a16="http://schemas.microsoft.com/office/drawing/2014/main" id="{ABA6A7C3-A857-4E11-BFDD-AEAF68B3241E}"/>
+              </a:ext>
+            </a:extLst>
+          </p:cNvPr>
+          <p:cNvPicPr>
+            <a:picLocks noChangeAspect="1"/>
+          </p:cNvPicPr>
+          <p:nvPr/>
+        </p:nvPicPr>
+        <p:blipFill>
+          <a:blip r:embed="rId2">
+            <a:extLst>
+              <a:ext uri="{28A0092B-C50C-407E-A947-70E740481C1C}">
+                <a14:useLocalDpi xmlns:a14="http://schemas.microsoft.com/office/drawing/2010/main" val="0"/>
+              </a:ext>
+            </a:extLst>
+          </a:blip>
+          <a:stretch>
+            <a:fillRect/>
+          </a:stretch>
+        </p:blipFill>
+        <p:spPr>
+          <a:xfrm>
+            <a:off x="1005840" y="863600"/>
+            <a:ext cx="9386908" cy="4341445"/>
+          </a:xfrm>
+          <a:prstGeom prst="rect">
+            <a:avLst/>
+          </a:prstGeom>
+        </p:spPr>
+      </p:pic>
+    </p:spTree>
+    <p:extLst>
+      <p:ext uri="{BB962C8B-B14F-4D97-AF65-F5344CB8AC3E}">
+        <p14:creationId xmlns:p14="http://schemas.microsoft.com/office/powerpoint/2010/main" val="3725759520"/>
+      </p:ext>
+    </p:extLst>
+  </p:cSld>
+  <p:clrMapOvr>
+    <a:masterClrMapping/>
+  </p:clrMapOvr>
+</p:sld>
+</file>
+
+<file path=ppt/slides/slide27.xml><?xml version="1.0" encoding="utf-8"?>
+<p:sld xmlns:a="http://schemas.openxmlformats.org/drawingml/2006/main" xmlns:r="http://schemas.openxmlformats.org/officeDocument/2006/relationships" xmlns:p="http://schemas.openxmlformats.org/presentationml/2006/main">
+  <p:cSld>
+    <p:spTree>
+      <p:nvGrpSpPr>
+        <p:cNvPr id="1" name=""/>
+        <p:cNvGrpSpPr/>
+        <p:nvPr/>
+      </p:nvGrpSpPr>
+      <p:grpSpPr>
+        <a:xfrm>
+          <a:off x="0" y="0"/>
+          <a:ext cx="0" cy="0"/>
+          <a:chOff x="0" y="0"/>
+          <a:chExt cx="0" cy="0"/>
+        </a:xfrm>
+      </p:grpSpPr>
+      <p:sp>
+        <p:nvSpPr>
           <p:cNvPr id="2" name="Tittel 1">
             <a:extLst>
               <a:ext uri="{FF2B5EF4-FFF2-40B4-BE49-F238E27FC236}">
@@ -27402,7 +27523,7 @@
           <a:p>
             <a:fld id="{CE83F37B-76DB-4CB9-8167-97BED313ED8D}" type="slidenum">
               <a:rPr lang="en-US" smtClean="0"/>
-              <a:t>26</a:t>
+              <a:t>27</a:t>
             </a:fld>
             <a:endParaRPr lang="en-US"/>
           </a:p>
@@ -27421,7 +27542,7 @@
 </p:sld>
 </file>
 
-<file path=ppt/slides/slide27.xml><?xml version="1.0" encoding="utf-8"?>
+<file path=ppt/slides/slide28.xml><?xml version="1.0" encoding="utf-8"?>
 <p:sld xmlns:a="http://schemas.openxmlformats.org/drawingml/2006/main" xmlns:r="http://schemas.openxmlformats.org/officeDocument/2006/relationships" xmlns:p="http://schemas.openxmlformats.org/presentationml/2006/main">
   <p:cSld>
     <p:spTree>
@@ -28806,7 +28927,7 @@
           <a:p>
             <a:fld id="{CE83F37B-76DB-4CB9-8167-97BED313ED8D}" type="slidenum">
               <a:rPr lang="en-US" smtClean="0"/>
-              <a:t>27</a:t>
+              <a:t>28</a:t>
             </a:fld>
             <a:endParaRPr lang="en-US"/>
           </a:p>
@@ -28825,7 +28946,7 @@
 </p:sld>
 </file>
 
-<file path=ppt/slides/slide28.xml><?xml version="1.0" encoding="utf-8"?>
+<file path=ppt/slides/slide29.xml><?xml version="1.0" encoding="utf-8"?>
 <p:sld xmlns:a="http://schemas.openxmlformats.org/drawingml/2006/main" xmlns:r="http://schemas.openxmlformats.org/officeDocument/2006/relationships" xmlns:p="http://schemas.openxmlformats.org/presentationml/2006/main">
   <p:cSld>
     <p:spTree>
@@ -28962,7 +29083,7 @@
           <a:p>
             <a:fld id="{CE83F37B-76DB-4CB9-8167-97BED313ED8D}" type="slidenum">
               <a:rPr lang="en-US" smtClean="0"/>
-              <a:t>28</a:t>
+              <a:t>29</a:t>
             </a:fld>
             <a:endParaRPr lang="en-US"/>
           </a:p>
@@ -28972,126 +29093,6 @@
     <p:extLst>
       <p:ext uri="{BB962C8B-B14F-4D97-AF65-F5344CB8AC3E}">
         <p14:creationId xmlns:p14="http://schemas.microsoft.com/office/powerpoint/2010/main" val="280670968"/>
-      </p:ext>
-    </p:extLst>
-  </p:cSld>
-  <p:clrMapOvr>
-    <a:masterClrMapping/>
-  </p:clrMapOvr>
-</p:sld>
-</file>
-
-<file path=ppt/slides/slide29.xml><?xml version="1.0" encoding="utf-8"?>
-<p:sld xmlns:a="http://schemas.openxmlformats.org/drawingml/2006/main" xmlns:r="http://schemas.openxmlformats.org/officeDocument/2006/relationships" xmlns:p="http://schemas.openxmlformats.org/presentationml/2006/main">
-  <p:cSld>
-    <p:spTree>
-      <p:nvGrpSpPr>
-        <p:cNvPr id="1" name=""/>
-        <p:cNvGrpSpPr/>
-        <p:nvPr/>
-      </p:nvGrpSpPr>
-      <p:grpSpPr>
-        <a:xfrm>
-          <a:off x="0" y="0"/>
-          <a:ext cx="0" cy="0"/>
-          <a:chOff x="0" y="0"/>
-          <a:chExt cx="0" cy="0"/>
-        </a:xfrm>
-      </p:grpSpPr>
-      <p:sp>
-        <p:nvSpPr>
-          <p:cNvPr id="2" name="Title 1">
-            <a:extLst>
-              <a:ext uri="{FF2B5EF4-FFF2-40B4-BE49-F238E27FC236}">
-                <a16:creationId xmlns:a16="http://schemas.microsoft.com/office/drawing/2014/main" id="{D0679BBE-76D6-4546-8E51-59985C81CA96}"/>
-              </a:ext>
-            </a:extLst>
-          </p:cNvPr>
-          <p:cNvSpPr>
-            <a:spLocks noGrp="1"/>
-          </p:cNvSpPr>
-          <p:nvPr>
-            <p:ph type="title"/>
-          </p:nvPr>
-        </p:nvSpPr>
-        <p:spPr/>
-        <p:txBody>
-          <a:bodyPr/>
-          <a:lstStyle/>
-          <a:p>
-            <a:endParaRPr lang="en-US"/>
-          </a:p>
-        </p:txBody>
-      </p:sp>
-      <p:pic>
-        <p:nvPicPr>
-          <p:cNvPr id="4" name="Picture 3">
-            <a:extLst>
-              <a:ext uri="{FF2B5EF4-FFF2-40B4-BE49-F238E27FC236}">
-                <a16:creationId xmlns:a16="http://schemas.microsoft.com/office/drawing/2014/main" id="{B54EA176-9A1F-45E1-9EFE-979BEB8C20F7}"/>
-              </a:ext>
-            </a:extLst>
-          </p:cNvPr>
-          <p:cNvPicPr>
-            <a:picLocks noChangeAspect="1"/>
-          </p:cNvPicPr>
-          <p:nvPr/>
-        </p:nvPicPr>
-        <p:blipFill>
-          <a:blip r:embed="rId2">
-            <a:extLst>
-              <a:ext uri="{28A0092B-C50C-407E-A947-70E740481C1C}">
-                <a14:useLocalDpi xmlns:a14="http://schemas.microsoft.com/office/drawing/2010/main" val="0"/>
-              </a:ext>
-            </a:extLst>
-          </a:blip>
-          <a:stretch>
-            <a:fillRect/>
-          </a:stretch>
-        </p:blipFill>
-        <p:spPr>
-          <a:xfrm>
-            <a:off x="684212" y="435878"/>
-            <a:ext cx="8534400" cy="5697636"/>
-          </a:xfrm>
-          <a:prstGeom prst="rect">
-            <a:avLst/>
-          </a:prstGeom>
-        </p:spPr>
-      </p:pic>
-      <p:sp>
-        <p:nvSpPr>
-          <p:cNvPr id="3" name="Slide Number Placeholder 2">
-            <a:extLst>
-              <a:ext uri="{FF2B5EF4-FFF2-40B4-BE49-F238E27FC236}">
-                <a16:creationId xmlns:a16="http://schemas.microsoft.com/office/drawing/2014/main" id="{221BD333-79A7-462A-894A-7DCABBA2AED3}"/>
-              </a:ext>
-            </a:extLst>
-          </p:cNvPr>
-          <p:cNvSpPr>
-            <a:spLocks noGrp="1"/>
-          </p:cNvSpPr>
-          <p:nvPr>
-            <p:ph type="sldNum" sz="quarter" idx="12"/>
-          </p:nvPr>
-        </p:nvSpPr>
-        <p:spPr/>
-        <p:txBody>
-          <a:bodyPr/>
-          <a:lstStyle/>
-          <a:p>
-            <a:fld id="{CE83F37B-76DB-4CB9-8167-97BED313ED8D}" type="slidenum">
-              <a:rPr lang="en-US" smtClean="0"/>
-              <a:t>29</a:t>
-            </a:fld>
-            <a:endParaRPr lang="en-US"/>
-          </a:p>
-        </p:txBody>
-      </p:sp>
-    </p:spTree>
-    <p:extLst>
-      <p:ext uri="{BB962C8B-B14F-4D97-AF65-F5344CB8AC3E}">
-        <p14:creationId xmlns:p14="http://schemas.microsoft.com/office/powerpoint/2010/main" val="1946356294"/>
       </p:ext>
     </p:extLst>
   </p:cSld>
@@ -29196,6 +29197,126 @@
 </file>
 
 <file path=ppt/slides/slide30.xml><?xml version="1.0" encoding="utf-8"?>
+<p:sld xmlns:a="http://schemas.openxmlformats.org/drawingml/2006/main" xmlns:r="http://schemas.openxmlformats.org/officeDocument/2006/relationships" xmlns:p="http://schemas.openxmlformats.org/presentationml/2006/main">
+  <p:cSld>
+    <p:spTree>
+      <p:nvGrpSpPr>
+        <p:cNvPr id="1" name=""/>
+        <p:cNvGrpSpPr/>
+        <p:nvPr/>
+      </p:nvGrpSpPr>
+      <p:grpSpPr>
+        <a:xfrm>
+          <a:off x="0" y="0"/>
+          <a:ext cx="0" cy="0"/>
+          <a:chOff x="0" y="0"/>
+          <a:chExt cx="0" cy="0"/>
+        </a:xfrm>
+      </p:grpSpPr>
+      <p:sp>
+        <p:nvSpPr>
+          <p:cNvPr id="2" name="Title 1">
+            <a:extLst>
+              <a:ext uri="{FF2B5EF4-FFF2-40B4-BE49-F238E27FC236}">
+                <a16:creationId xmlns:a16="http://schemas.microsoft.com/office/drawing/2014/main" id="{D0679BBE-76D6-4546-8E51-59985C81CA96}"/>
+              </a:ext>
+            </a:extLst>
+          </p:cNvPr>
+          <p:cNvSpPr>
+            <a:spLocks noGrp="1"/>
+          </p:cNvSpPr>
+          <p:nvPr>
+            <p:ph type="title"/>
+          </p:nvPr>
+        </p:nvSpPr>
+        <p:spPr/>
+        <p:txBody>
+          <a:bodyPr/>
+          <a:lstStyle/>
+          <a:p>
+            <a:endParaRPr lang="en-US"/>
+          </a:p>
+        </p:txBody>
+      </p:sp>
+      <p:pic>
+        <p:nvPicPr>
+          <p:cNvPr id="4" name="Picture 3">
+            <a:extLst>
+              <a:ext uri="{FF2B5EF4-FFF2-40B4-BE49-F238E27FC236}">
+                <a16:creationId xmlns:a16="http://schemas.microsoft.com/office/drawing/2014/main" id="{B54EA176-9A1F-45E1-9EFE-979BEB8C20F7}"/>
+              </a:ext>
+            </a:extLst>
+          </p:cNvPr>
+          <p:cNvPicPr>
+            <a:picLocks noChangeAspect="1"/>
+          </p:cNvPicPr>
+          <p:nvPr/>
+        </p:nvPicPr>
+        <p:blipFill>
+          <a:blip r:embed="rId2">
+            <a:extLst>
+              <a:ext uri="{28A0092B-C50C-407E-A947-70E740481C1C}">
+                <a14:useLocalDpi xmlns:a14="http://schemas.microsoft.com/office/drawing/2010/main" val="0"/>
+              </a:ext>
+            </a:extLst>
+          </a:blip>
+          <a:stretch>
+            <a:fillRect/>
+          </a:stretch>
+        </p:blipFill>
+        <p:spPr>
+          <a:xfrm>
+            <a:off x="684212" y="435878"/>
+            <a:ext cx="8534400" cy="5697636"/>
+          </a:xfrm>
+          <a:prstGeom prst="rect">
+            <a:avLst/>
+          </a:prstGeom>
+        </p:spPr>
+      </p:pic>
+      <p:sp>
+        <p:nvSpPr>
+          <p:cNvPr id="3" name="Slide Number Placeholder 2">
+            <a:extLst>
+              <a:ext uri="{FF2B5EF4-FFF2-40B4-BE49-F238E27FC236}">
+                <a16:creationId xmlns:a16="http://schemas.microsoft.com/office/drawing/2014/main" id="{221BD333-79A7-462A-894A-7DCABBA2AED3}"/>
+              </a:ext>
+            </a:extLst>
+          </p:cNvPr>
+          <p:cNvSpPr>
+            <a:spLocks noGrp="1"/>
+          </p:cNvSpPr>
+          <p:nvPr>
+            <p:ph type="sldNum" sz="quarter" idx="12"/>
+          </p:nvPr>
+        </p:nvSpPr>
+        <p:spPr/>
+        <p:txBody>
+          <a:bodyPr/>
+          <a:lstStyle/>
+          <a:p>
+            <a:fld id="{CE83F37B-76DB-4CB9-8167-97BED313ED8D}" type="slidenum">
+              <a:rPr lang="en-US" smtClean="0"/>
+              <a:t>30</a:t>
+            </a:fld>
+            <a:endParaRPr lang="en-US"/>
+          </a:p>
+        </p:txBody>
+      </p:sp>
+    </p:spTree>
+    <p:extLst>
+      <p:ext uri="{BB962C8B-B14F-4D97-AF65-F5344CB8AC3E}">
+        <p14:creationId xmlns:p14="http://schemas.microsoft.com/office/powerpoint/2010/main" val="1946356294"/>
+      </p:ext>
+    </p:extLst>
+  </p:cSld>
+  <p:clrMapOvr>
+    <a:masterClrMapping/>
+  </p:clrMapOvr>
+</p:sld>
+</file>
+
+<file path=ppt/slides/slide31.xml><?xml version="1.0" encoding="utf-8"?>
 <p:sld xmlns:a="http://schemas.openxmlformats.org/drawingml/2006/main" xmlns:r="http://schemas.openxmlformats.org/officeDocument/2006/relationships" xmlns:p="http://schemas.openxmlformats.org/presentationml/2006/main">
   <p:cSld>
     <p:spTree>
@@ -29334,7 +29455,7 @@
           <a:p>
             <a:fld id="{CE83F37B-76DB-4CB9-8167-97BED313ED8D}" type="slidenum">
               <a:rPr lang="en-US" smtClean="0"/>
-              <a:t>30</a:t>
+              <a:t>31</a:t>
             </a:fld>
             <a:endParaRPr lang="en-US"/>
           </a:p>
@@ -29353,7 +29474,7 @@
 </p:sld>
 </file>
 
-<file path=ppt/slides/slide31.xml><?xml version="1.0" encoding="utf-8"?>
+<file path=ppt/slides/slide32.xml><?xml version="1.0" encoding="utf-8"?>
 <p:sld xmlns:a="http://schemas.openxmlformats.org/drawingml/2006/main" xmlns:r="http://schemas.openxmlformats.org/officeDocument/2006/relationships" xmlns:p="http://schemas.openxmlformats.org/presentationml/2006/main">
   <p:cSld>
     <p:spTree>
@@ -29664,7 +29785,7 @@
           <a:p>
             <a:fld id="{CE83F37B-76DB-4CB9-8167-97BED313ED8D}" type="slidenum">
               <a:rPr lang="en-US" smtClean="0"/>
-              <a:t>31</a:t>
+              <a:t>32</a:t>
             </a:fld>
             <a:endParaRPr lang="en-US"/>
           </a:p>
